--- a/powerpoint/6_assembly.pptx
+++ b/powerpoint/6_assembly.pptx
@@ -20,8 +20,8 @@
     <p:sldId id="303" r:id="rId14"/>
     <p:sldId id="327" r:id="rId15"/>
     <p:sldId id="321" r:id="rId16"/>
-    <p:sldId id="334" r:id="rId17"/>
-    <p:sldId id="332" r:id="rId18"/>
+    <p:sldId id="332" r:id="rId17"/>
+    <p:sldId id="342" r:id="rId18"/>
     <p:sldId id="329" r:id="rId19"/>
     <p:sldId id="335" r:id="rId20"/>
     <p:sldId id="338" r:id="rId21"/>
@@ -282,7 +282,7 @@
           <a:p>
             <a:fld id="{D5B3EF36-47C2-4AA3-A387-F39AC0889363}" type="datetimeFigureOut">
               <a:rPr lang="en-GB" smtClean="0"/>
-              <a:t>22/09/2020</a:t>
+              <a:t>05/10/2020</a:t>
             </a:fld>
             <a:endParaRPr lang="en-GB"/>
           </a:p>
@@ -482,7 +482,7 @@
           <a:p>
             <a:fld id="{D5B3EF36-47C2-4AA3-A387-F39AC0889363}" type="datetimeFigureOut">
               <a:rPr lang="en-GB" smtClean="0"/>
-              <a:t>22/09/2020</a:t>
+              <a:t>05/10/2020</a:t>
             </a:fld>
             <a:endParaRPr lang="en-GB"/>
           </a:p>
@@ -692,7 +692,7 @@
           <a:p>
             <a:fld id="{D5B3EF36-47C2-4AA3-A387-F39AC0889363}" type="datetimeFigureOut">
               <a:rPr lang="en-GB" smtClean="0"/>
-              <a:t>22/09/2020</a:t>
+              <a:t>05/10/2020</a:t>
             </a:fld>
             <a:endParaRPr lang="en-GB"/>
           </a:p>
@@ -892,7 +892,7 @@
           <a:p>
             <a:fld id="{D5B3EF36-47C2-4AA3-A387-F39AC0889363}" type="datetimeFigureOut">
               <a:rPr lang="en-GB" smtClean="0"/>
-              <a:t>22/09/2020</a:t>
+              <a:t>05/10/2020</a:t>
             </a:fld>
             <a:endParaRPr lang="en-GB"/>
           </a:p>
@@ -1168,7 +1168,7 @@
           <a:p>
             <a:fld id="{D5B3EF36-47C2-4AA3-A387-F39AC0889363}" type="datetimeFigureOut">
               <a:rPr lang="en-GB" smtClean="0"/>
-              <a:t>22/09/2020</a:t>
+              <a:t>05/10/2020</a:t>
             </a:fld>
             <a:endParaRPr lang="en-GB"/>
           </a:p>
@@ -1436,7 +1436,7 @@
           <a:p>
             <a:fld id="{D5B3EF36-47C2-4AA3-A387-F39AC0889363}" type="datetimeFigureOut">
               <a:rPr lang="en-GB" smtClean="0"/>
-              <a:t>22/09/2020</a:t>
+              <a:t>05/10/2020</a:t>
             </a:fld>
             <a:endParaRPr lang="en-GB"/>
           </a:p>
@@ -1851,7 +1851,7 @@
           <a:p>
             <a:fld id="{D5B3EF36-47C2-4AA3-A387-F39AC0889363}" type="datetimeFigureOut">
               <a:rPr lang="en-GB" smtClean="0"/>
-              <a:t>22/09/2020</a:t>
+              <a:t>05/10/2020</a:t>
             </a:fld>
             <a:endParaRPr lang="en-GB"/>
           </a:p>
@@ -1993,7 +1993,7 @@
           <a:p>
             <a:fld id="{D5B3EF36-47C2-4AA3-A387-F39AC0889363}" type="datetimeFigureOut">
               <a:rPr lang="en-GB" smtClean="0"/>
-              <a:t>22/09/2020</a:t>
+              <a:t>05/10/2020</a:t>
             </a:fld>
             <a:endParaRPr lang="en-GB"/>
           </a:p>
@@ -2106,7 +2106,7 @@
           <a:p>
             <a:fld id="{D5B3EF36-47C2-4AA3-A387-F39AC0889363}" type="datetimeFigureOut">
               <a:rPr lang="en-GB" smtClean="0"/>
-              <a:t>22/09/2020</a:t>
+              <a:t>05/10/2020</a:t>
             </a:fld>
             <a:endParaRPr lang="en-GB"/>
           </a:p>
@@ -2419,7 +2419,7 @@
           <a:p>
             <a:fld id="{D5B3EF36-47C2-4AA3-A387-F39AC0889363}" type="datetimeFigureOut">
               <a:rPr lang="en-GB" smtClean="0"/>
-              <a:t>22/09/2020</a:t>
+              <a:t>05/10/2020</a:t>
             </a:fld>
             <a:endParaRPr lang="en-GB"/>
           </a:p>
@@ -2708,7 +2708,7 @@
           <a:p>
             <a:fld id="{D5B3EF36-47C2-4AA3-A387-F39AC0889363}" type="datetimeFigureOut">
               <a:rPr lang="en-GB" smtClean="0"/>
-              <a:t>22/09/2020</a:t>
+              <a:t>05/10/2020</a:t>
             </a:fld>
             <a:endParaRPr lang="en-GB"/>
           </a:p>
@@ -2951,7 +2951,7 @@
           <a:p>
             <a:fld id="{D5B3EF36-47C2-4AA3-A387-F39AC0889363}" type="datetimeFigureOut">
               <a:rPr lang="en-GB" smtClean="0"/>
-              <a:t>22/09/2020</a:t>
+              <a:t>05/10/2020</a:t>
             </a:fld>
             <a:endParaRPr lang="en-GB"/>
           </a:p>
@@ -3719,30 +3719,9 @@
         </p:spPr>
         <p:txBody>
           <a:bodyPr>
-            <a:normAutofit fontScale="85000" lnSpcReduction="20000"/>
+            <a:normAutofit/>
           </a:bodyPr>
           <a:lstStyle/>
-          <a:p>
-            <a:pPr marL="0" indent="0">
-              <a:buNone/>
-            </a:pPr>
-            <a:r>
-              <a:rPr lang="en-GB" dirty="0"/>
-              <a:t>(make sure you </a:t>
-            </a:r>
-            <a:r>
-              <a:rPr lang="en-GB" dirty="0">
-                <a:solidFill>
-                  <a:srgbClr val="0070C0"/>
-                </a:solidFill>
-              </a:rPr>
-              <a:t>module load velvet/gitv0_9adf09f</a:t>
-            </a:r>
-            <a:r>
-              <a:rPr lang="en-GB" dirty="0"/>
-              <a:t>)</a:t>
-            </a:r>
-          </a:p>
           <a:p>
             <a:pPr marL="0" indent="0">
               <a:buNone/>
@@ -3954,31 +3933,6 @@
               <a:buNone/>
             </a:pPr>
             <a:endParaRPr lang="en-GB" dirty="0"/>
-          </a:p>
-          <a:p>
-            <a:pPr marL="0" indent="0">
-              <a:buNone/>
-            </a:pPr>
-            <a:r>
-              <a:rPr lang="en-GB" dirty="0"/>
-              <a:t>Alter the shell script and </a:t>
-            </a:r>
-            <a:r>
-              <a:rPr lang="en-GB" dirty="0" err="1"/>
-              <a:t>qsub</a:t>
-            </a:r>
-            <a:r>
-              <a:rPr lang="en-GB" dirty="0"/>
-              <a:t> it.  Everyone pick a different </a:t>
-            </a:r>
-            <a:r>
-              <a:rPr lang="en-GB" dirty="0" err="1"/>
-              <a:t>kmer</a:t>
-            </a:r>
-            <a:r>
-              <a:rPr lang="en-GB" dirty="0"/>
-              <a:t> size (have to be an odd number, and less than read length of 250, velvet max 197)</a:t>
-            </a:r>
           </a:p>
         </p:txBody>
       </p:sp>
@@ -4158,23 +4112,7 @@
                   <a:srgbClr val="7030A0"/>
                 </a:solidFill>
               </a:rPr>
-              <a:t> length: </a:t>
-            </a:r>
-            <a:r>
-              <a:rPr lang="en-GB" i="1" dirty="0" err="1">
-                <a:solidFill>
-                  <a:srgbClr val="7030A0"/>
-                </a:solidFill>
-              </a:rPr>
-              <a:t>kmergenie</a:t>
-            </a:r>
-            <a:r>
-              <a:rPr lang="en-GB" dirty="0">
-                <a:solidFill>
-                  <a:srgbClr val="7030A0"/>
-                </a:solidFill>
-              </a:rPr>
-              <a:t> to pick </a:t>
+              <a:t> length</a:t>
             </a:r>
           </a:p>
         </p:txBody>
@@ -4249,73 +4187,8 @@
           <a:p>
             <a:endParaRPr lang="en-GB" dirty="0"/>
           </a:p>
-          <a:p>
-            <a:r>
-              <a:rPr lang="en-GB" dirty="0"/>
-              <a:t>Tool to help pick the best </a:t>
-            </a:r>
-            <a:r>
-              <a:rPr lang="en-GB" dirty="0" err="1"/>
-              <a:t>kmer</a:t>
-            </a:r>
-            <a:r>
-              <a:rPr lang="en-GB" dirty="0"/>
-              <a:t>:</a:t>
-            </a:r>
-          </a:p>
-          <a:p>
-            <a:pPr marL="0" indent="0">
-              <a:buNone/>
-            </a:pPr>
-            <a:r>
-              <a:rPr lang="en-GB" dirty="0">
-                <a:hlinkClick r:id="rId2"/>
-              </a:rPr>
-              <a:t>http://kmergenie.bx.psu.edu/</a:t>
-            </a:r>
-            <a:r>
-              <a:rPr lang="en-GB" dirty="0"/>
-              <a:t>  </a:t>
-            </a:r>
-          </a:p>
-        </p:txBody>
-      </p:sp>
-      <p:pic>
-        <p:nvPicPr>
-          <p:cNvPr id="6" name="Picture 5">
-            <a:extLst>
-              <a:ext uri="{FF2B5EF4-FFF2-40B4-BE49-F238E27FC236}">
-                <a16:creationId xmlns:a16="http://schemas.microsoft.com/office/drawing/2014/main" id="{FB5A4517-3EEB-497E-AF60-F7E6DAE62321}"/>
-              </a:ext>
-            </a:extLst>
-          </p:cNvPr>
-          <p:cNvPicPr>
-            <a:picLocks noChangeAspect="1"/>
-          </p:cNvPicPr>
-          <p:nvPr/>
-        </p:nvPicPr>
-        <p:blipFill>
-          <a:blip r:embed="rId3">
-            <a:extLst>
-              <a:ext uri="{28A0092B-C50C-407E-A947-70E740481C1C}">
-                <a14:useLocalDpi xmlns:a14="http://schemas.microsoft.com/office/drawing/2010/main" val="0"/>
-              </a:ext>
-            </a:extLst>
-          </a:blip>
-          <a:stretch>
-            <a:fillRect/>
-          </a:stretch>
-        </p:blipFill>
-        <p:spPr>
-          <a:xfrm>
-            <a:off x="9144654" y="1640770"/>
-            <a:ext cx="2475191" cy="4548010"/>
-          </a:xfrm>
-          <a:prstGeom prst="rect">
-            <a:avLst/>
-          </a:prstGeom>
-        </p:spPr>
-      </p:pic>
+        </p:txBody>
+      </p:sp>
     </p:spTree>
     <p:extLst>
       <p:ext uri="{BB962C8B-B14F-4D97-AF65-F5344CB8AC3E}">
@@ -4446,7 +4319,7 @@
                   <a:srgbClr val="0070C0"/>
                 </a:solidFill>
               </a:rPr>
-              <a:t> ./scripts/scaffold_stats.pl -f </a:t>
+              <a:t> ./shell_scripts/scaffold_stats.pl -f </a:t>
             </a:r>
             <a:r>
               <a:rPr lang="en-GB" dirty="0" err="1">
@@ -4519,7 +4392,7 @@
                   <a:srgbClr val="0070C0"/>
                 </a:solidFill>
               </a:rPr>
-              <a:t> ./scripts/scaffold_stats.pl -f </a:t>
+              <a:t> ./shell_scripts/scaffold_stats.pl -f </a:t>
             </a:r>
             <a:r>
               <a:rPr lang="en-GB" sz="2400" dirty="0" err="1">
@@ -4749,15 +4622,8 @@
           <a:p>
             <a:r>
               <a:rPr lang="en-GB" dirty="0"/>
-              <a:t>Ok, so we need to take a break here to introduce to you a package manager tool </a:t>
-            </a:r>
-          </a:p>
-          <a:p>
-            <a:r>
-              <a:rPr lang="en-GB" dirty="0" err="1"/>
               <a:t>Conda</a:t>
             </a:r>
-            <a:endParaRPr lang="en-GB" dirty="0"/>
           </a:p>
           <a:p>
             <a:r>
@@ -4782,7 +4648,11 @@
             </a:r>
             <a:r>
               <a:rPr lang="en-GB" dirty="0"/>
-              <a:t>) ( we wont do this, but feel free to read!!)</a:t>
+              <a:t>) ( </a:t>
+            </a:r>
+            <a:r>
+              <a:rPr lang="en-GB" b="1" dirty="0"/>
+              <a:t>we wont do this, but feel free to read at a later point!!)</a:t>
             </a:r>
           </a:p>
         </p:txBody>
@@ -4925,6 +4795,42 @@
               <a:t>        conda activate prokkaENV</a:t>
             </a:r>
           </a:p>
+          <a:p>
+            <a:pPr marL="0" indent="0">
+              <a:buNone/>
+            </a:pPr>
+            <a:endParaRPr lang="it-IT" dirty="0">
+              <a:solidFill>
+                <a:srgbClr val="0070C0"/>
+              </a:solidFill>
+            </a:endParaRPr>
+          </a:p>
+          <a:p>
+            <a:pPr marL="0" indent="0">
+              <a:buNone/>
+            </a:pPr>
+            <a:r>
+              <a:rPr lang="en-GB" dirty="0" err="1">
+                <a:solidFill>
+                  <a:srgbClr val="0070C0"/>
+                </a:solidFill>
+              </a:rPr>
+              <a:t>qsub</a:t>
+            </a:r>
+            <a:r>
+              <a:rPr lang="en-GB" dirty="0">
+                <a:solidFill>
+                  <a:srgbClr val="0070C0"/>
+                </a:solidFill>
+              </a:rPr>
+              <a:t> predict_genes.sh</a:t>
+            </a:r>
+            <a:endParaRPr lang="it-IT" dirty="0">
+              <a:solidFill>
+                <a:srgbClr val="0070C0"/>
+              </a:solidFill>
+            </a:endParaRPr>
+          </a:p>
         </p:txBody>
       </p:sp>
       <p:sp>
@@ -5012,7 +4918,7 @@
           <p:cNvPr id="2" name="Title 1">
             <a:extLst>
               <a:ext uri="{FF2B5EF4-FFF2-40B4-BE49-F238E27FC236}">
-                <a16:creationId xmlns:a16="http://schemas.microsoft.com/office/drawing/2014/main" id="{2C43B3AF-2DAB-4789-AAC2-055BF22D4786}"/>
+                <a16:creationId xmlns:a16="http://schemas.microsoft.com/office/drawing/2014/main" id="{4E1FC0BE-F14F-41BB-AA79-8A2D40C17783}"/>
               </a:ext>
             </a:extLst>
           </p:cNvPr>
@@ -5025,8 +4931,8 @@
         </p:nvSpPr>
         <p:spPr>
           <a:xfrm>
-            <a:off x="188422" y="165619"/>
-            <a:ext cx="12003578" cy="1325563"/>
+            <a:off x="289560" y="157306"/>
+            <a:ext cx="10515600" cy="1325563"/>
           </a:xfrm>
         </p:spPr>
         <p:txBody>
@@ -5034,12 +4940,20 @@
           <a:lstStyle/>
           <a:p>
             <a:r>
+              <a:rPr lang="en-GB" dirty="0" err="1">
+                <a:solidFill>
+                  <a:srgbClr val="7030A0"/>
+                </a:solidFill>
+              </a:rPr>
+              <a:t>Prokka</a:t>
+            </a:r>
+            <a:r>
               <a:rPr lang="en-GB" dirty="0">
                 <a:solidFill>
                   <a:srgbClr val="7030A0"/>
                 </a:solidFill>
               </a:rPr>
-              <a:t>6) assembly: Predict the genes from our assembly.</a:t>
+              <a:t> output</a:t>
             </a:r>
           </a:p>
         </p:txBody>
@@ -5049,7 +4963,7 @@
           <p:cNvPr id="3" name="Content Placeholder 2">
             <a:extLst>
               <a:ext uri="{FF2B5EF4-FFF2-40B4-BE49-F238E27FC236}">
-                <a16:creationId xmlns:a16="http://schemas.microsoft.com/office/drawing/2014/main" id="{044C95C6-B6B0-4522-A3AD-F62B0463C045}"/>
+                <a16:creationId xmlns:a16="http://schemas.microsoft.com/office/drawing/2014/main" id="{C9010BB6-15F2-45E5-80F4-B73AC9439517}"/>
               </a:ext>
             </a:extLst>
           </p:cNvPr>
@@ -5062,291 +4976,60 @@
         </p:nvSpPr>
         <p:spPr>
           <a:xfrm>
-            <a:off x="232611" y="1825625"/>
-            <a:ext cx="11662610" cy="4351338"/>
-          </a:xfrm>
-        </p:spPr>
-        <p:txBody>
-          <a:bodyPr>
-            <a:normAutofit/>
-          </a:bodyPr>
-          <a:lstStyle/>
-          <a:p>
-            <a:pPr marL="0" indent="0">
-              <a:buNone/>
-            </a:pPr>
-            <a:r>
-              <a:rPr lang="it-IT" dirty="0"/>
-              <a:t>Have a look at the shell to run prokka (</a:t>
+            <a:off x="164869" y="1351799"/>
+            <a:ext cx="10515600" cy="4351338"/>
+          </a:xfrm>
+        </p:spPr>
+        <p:txBody>
+          <a:bodyPr/>
+          <a:lstStyle/>
+          <a:p>
+            <a:r>
+              <a:rPr lang="en-GB" dirty="0"/>
+              <a:t>PROKKA_11122018.err  PROKKA_11122018.ffn  PROKKA_11122018.fsa  </a:t>
             </a:r>
             <a:r>
               <a:rPr lang="en-GB" dirty="0">
-                <a:hlinkClick r:id="rId2"/>
-              </a:rPr>
-              <a:t>https://github.com/tseemann/prokka</a:t>
-            </a:r>
-            <a:r>
-              <a:rPr lang="it-IT" dirty="0"/>
-              <a:t>):</a:t>
-            </a:r>
-          </a:p>
-          <a:p>
-            <a:pPr marL="0" indent="0">
-              <a:buNone/>
-            </a:pPr>
-            <a:r>
-              <a:rPr lang="it-IT" dirty="0">
-                <a:solidFill>
-                  <a:srgbClr val="0070C0"/>
-                </a:solidFill>
-              </a:rPr>
-              <a:t>        nano predict_genes.sh</a:t>
-            </a:r>
-          </a:p>
-          <a:p>
-            <a:pPr marL="0" indent="0">
-              <a:buNone/>
-            </a:pPr>
-            <a:endParaRPr lang="en-GB" dirty="0"/>
-          </a:p>
-          <a:p>
-            <a:pPr marL="0" indent="0">
-              <a:buNone/>
-            </a:pPr>
-            <a:r>
-              <a:rPr lang="en-GB" dirty="0"/>
-              <a:t>The command in the shell is </a:t>
-            </a:r>
-            <a:r>
-              <a:rPr lang="en-GB" dirty="0">
-                <a:solidFill>
-                  <a:srgbClr val="0070C0"/>
-                </a:solidFill>
-              </a:rPr>
-              <a:t>: </a:t>
-            </a:r>
-            <a:r>
-              <a:rPr lang="en-GB" dirty="0" err="1">
-                <a:solidFill>
-                  <a:srgbClr val="0070C0"/>
-                </a:solidFill>
-              </a:rPr>
-              <a:t>prokka</a:t>
-            </a:r>
-            <a:r>
-              <a:rPr lang="en-GB" dirty="0">
-                <a:solidFill>
-                  <a:srgbClr val="0070C0"/>
-                </a:solidFill>
-              </a:rPr>
-              <a:t> --</a:t>
-            </a:r>
-            <a:r>
-              <a:rPr lang="en-GB" dirty="0" err="1">
-                <a:solidFill>
-                  <a:srgbClr val="0070C0"/>
-                </a:solidFill>
-              </a:rPr>
-              <a:t>cpu</a:t>
-            </a:r>
-            <a:r>
-              <a:rPr lang="en-GB" dirty="0">
-                <a:solidFill>
-                  <a:srgbClr val="0070C0"/>
-                </a:solidFill>
-              </a:rPr>
-              <a:t> 2 </a:t>
-            </a:r>
-            <a:r>
-              <a:rPr lang="en-GB" dirty="0" err="1">
-                <a:solidFill>
-                  <a:srgbClr val="0070C0"/>
-                </a:solidFill>
-              </a:rPr>
-              <a:t>contigs.fasta</a:t>
-            </a:r>
-            <a:endParaRPr lang="en-GB" dirty="0">
-              <a:solidFill>
-                <a:srgbClr val="0070C0"/>
-              </a:solidFill>
-            </a:endParaRPr>
-          </a:p>
-          <a:p>
-            <a:pPr marL="0" indent="0">
-              <a:buNone/>
-            </a:pPr>
-            <a:r>
-              <a:rPr lang="en-GB" dirty="0"/>
-              <a:t>After you have activated the </a:t>
-            </a:r>
-            <a:r>
-              <a:rPr lang="en-GB" dirty="0" err="1"/>
-              <a:t>env</a:t>
-            </a:r>
-            <a:r>
-              <a:rPr lang="en-GB" dirty="0"/>
-              <a:t>, </a:t>
-            </a:r>
-            <a:r>
-              <a:rPr lang="en-GB" dirty="0" err="1"/>
-              <a:t>qsub</a:t>
-            </a:r>
-            <a:r>
-              <a:rPr lang="en-GB" dirty="0"/>
-              <a:t> with the -V option to submit with </a:t>
-            </a:r>
-            <a:r>
-              <a:rPr lang="en-GB" dirty="0" err="1"/>
-              <a:t>prokka</a:t>
-            </a:r>
-            <a:endParaRPr lang="en-GB" dirty="0"/>
-          </a:p>
-          <a:p>
-            <a:pPr marL="0" indent="0">
-              <a:buNone/>
-            </a:pPr>
-            <a:r>
-              <a:rPr lang="en-GB" dirty="0">
-                <a:solidFill>
-                  <a:srgbClr val="0070C0"/>
-                </a:solidFill>
-              </a:rPr>
-              <a:t>      </a:t>
-            </a:r>
-            <a:r>
-              <a:rPr lang="en-GB" dirty="0" err="1">
-                <a:solidFill>
-                  <a:srgbClr val="0070C0"/>
-                </a:solidFill>
-              </a:rPr>
-              <a:t>conda</a:t>
-            </a:r>
-            <a:r>
-              <a:rPr lang="en-GB" dirty="0">
-                <a:solidFill>
-                  <a:srgbClr val="0070C0"/>
-                </a:solidFill>
-              </a:rPr>
-              <a:t> activate </a:t>
-            </a:r>
-            <a:r>
-              <a:rPr lang="it-IT" dirty="0">
-                <a:solidFill>
-                  <a:srgbClr val="0070C0"/>
-                </a:solidFill>
-              </a:rPr>
-              <a:t>prokkaENV</a:t>
-            </a:r>
-            <a:r>
-              <a:rPr lang="en-GB" dirty="0">
-                <a:solidFill>
-                  <a:srgbClr val="0070C0"/>
-                </a:solidFill>
-              </a:rPr>
-              <a:t> </a:t>
-            </a:r>
-          </a:p>
-          <a:p>
-            <a:pPr marL="0" indent="0">
-              <a:buNone/>
-            </a:pPr>
-            <a:r>
-              <a:rPr lang="en-GB" dirty="0">
-                <a:solidFill>
-                  <a:srgbClr val="0070C0"/>
-                </a:solidFill>
-              </a:rPr>
-              <a:t>      </a:t>
-            </a:r>
-            <a:r>
-              <a:rPr lang="en-GB" dirty="0" err="1">
-                <a:solidFill>
-                  <a:srgbClr val="0070C0"/>
-                </a:solidFill>
-              </a:rPr>
-              <a:t>qsub</a:t>
-            </a:r>
-            <a:r>
-              <a:rPr lang="en-GB" dirty="0">
-                <a:solidFill>
-                  <a:srgbClr val="0070C0"/>
-                </a:solidFill>
-              </a:rPr>
-              <a:t> -V -</a:t>
-            </a:r>
-            <a:r>
-              <a:rPr lang="en-GB" dirty="0" err="1">
-                <a:solidFill>
-                  <a:srgbClr val="0070C0"/>
-                </a:solidFill>
-              </a:rPr>
-              <a:t>pe</a:t>
-            </a:r>
-            <a:r>
-              <a:rPr lang="en-GB" dirty="0">
-                <a:solidFill>
-                  <a:srgbClr val="0070C0"/>
-                </a:solidFill>
-              </a:rPr>
-              <a:t> multi 2 predict_genes.sh</a:t>
-            </a:r>
-          </a:p>
-        </p:txBody>
-      </p:sp>
-      <p:sp>
-        <p:nvSpPr>
-          <p:cNvPr id="4" name="TextBox 3">
-            <a:extLst>
-              <a:ext uri="{FF2B5EF4-FFF2-40B4-BE49-F238E27FC236}">
-                <a16:creationId xmlns:a16="http://schemas.microsoft.com/office/drawing/2014/main" id="{B839FC87-3D54-426B-97E5-C67DCF2B2DE7}"/>
-              </a:ext>
-            </a:extLst>
-          </p:cNvPr>
-          <p:cNvSpPr txBox="1"/>
-          <p:nvPr/>
-        </p:nvSpPr>
-        <p:spPr>
-          <a:xfrm>
-            <a:off x="10350500" y="0"/>
-            <a:ext cx="1841500" cy="584775"/>
-          </a:xfrm>
-          <a:prstGeom prst="rect">
-            <a:avLst/>
-          </a:prstGeom>
-          <a:noFill/>
-        </p:spPr>
-        <p:txBody>
-          <a:bodyPr wrap="square" rtlCol="0">
-            <a:spAutoFit/>
-          </a:bodyPr>
-          <a:lstStyle/>
-          <a:p>
-            <a:r>
-              <a:rPr lang="en-GB" sz="3200" dirty="0">
-                <a:solidFill>
-                  <a:srgbClr val="FF0000"/>
-                </a:solidFill>
                 <a:highlight>
                   <a:srgbClr val="FFFF00"/>
                 </a:highlight>
               </a:rPr>
-              <a:t>ACTIVITY</a:t>
-            </a:r>
-            <a:endParaRPr lang="en-GB" sz="2800" dirty="0">
-              <a:solidFill>
-                <a:srgbClr val="FF0000"/>
-              </a:solidFill>
-              <a:highlight>
-                <a:srgbClr val="FFFF00"/>
-              </a:highlight>
-            </a:endParaRPr>
+              <a:t>PROKKA_11122018.gff  </a:t>
+            </a:r>
+            <a:r>
+              <a:rPr lang="en-GB" dirty="0"/>
+              <a:t>PROKKA_11122018.sqn  PROKKA_11122018.tsv</a:t>
+            </a:r>
+          </a:p>
+          <a:p>
+            <a:r>
+              <a:rPr lang="en-GB" dirty="0">
+                <a:highlight>
+                  <a:srgbClr val="FFFF00"/>
+                </a:highlight>
+              </a:rPr>
+              <a:t>PROKKA_11122018.faa  PROKKA_11122018.fna  </a:t>
+            </a:r>
+            <a:r>
+              <a:rPr lang="en-GB" dirty="0"/>
+              <a:t>PROKKA_11122018.gbk  PROKKA_11122018.log  PROKKA_11122018.tbl  PROKKA_11122018.txt</a:t>
+            </a:r>
+          </a:p>
+          <a:p>
+            <a:r>
+              <a:rPr lang="en-GB" dirty="0"/>
+              <a:t>…….</a:t>
+            </a:r>
+          </a:p>
+          <a:p>
+            <a:endParaRPr lang="en-GB" dirty="0"/>
           </a:p>
         </p:txBody>
       </p:sp>
     </p:spTree>
     <p:extLst>
       <p:ext uri="{BB962C8B-B14F-4D97-AF65-F5344CB8AC3E}">
-        <p14:creationId xmlns:p14="http://schemas.microsoft.com/office/powerpoint/2010/main" val="899294727"/>
+        <p14:creationId xmlns:p14="http://schemas.microsoft.com/office/powerpoint/2010/main" val="1471244480"/>
       </p:ext>
     </p:extLst>
   </p:cSld>
@@ -5413,7 +5096,7 @@
                   <a:srgbClr val="7030A0"/>
                 </a:solidFill>
               </a:rPr>
-              <a:t> output</a:t>
+              <a:t> output: Draw it!!</a:t>
             </a:r>
           </a:p>
         </p:txBody>
@@ -5446,36 +5129,117 @@
           <a:p>
             <a:r>
               <a:rPr lang="en-GB" dirty="0"/>
-              <a:t>PROKKA_11122018.err  PROKKA_11122018.ffn  PROKKA_11122018.fsa  </a:t>
-            </a:r>
+              <a:t>cd </a:t>
+            </a:r>
+            <a:r>
+              <a:rPr lang="en-GB" dirty="0" err="1"/>
+              <a:t>genome_assembly_workshop</a:t>
+            </a:r>
+            <a:r>
+              <a:rPr lang="en-GB" dirty="0"/>
+              <a:t>/</a:t>
+            </a:r>
+            <a:r>
+              <a:rPr lang="en-GB" dirty="0" err="1"/>
+              <a:t>unicycler_prerun</a:t>
+            </a:r>
+            <a:endParaRPr lang="en-GB" dirty="0"/>
+          </a:p>
+          <a:p>
+            <a:pPr marL="0" indent="0">
+              <a:buNone/>
+            </a:pPr>
             <a:r>
               <a:rPr lang="en-GB" dirty="0">
-                <a:highlight>
-                  <a:srgbClr val="FFFF00"/>
-                </a:highlight>
-              </a:rPr>
-              <a:t>PROKKA_11122018.gff  </a:t>
-            </a:r>
+                <a:solidFill>
+                  <a:srgbClr val="FF0000"/>
+                </a:solidFill>
+              </a:rPr>
+              <a:t> 	</a:t>
+            </a:r>
+            <a:r>
+              <a:rPr lang="en-GB" dirty="0" err="1">
+                <a:solidFill>
+                  <a:srgbClr val="FF0000"/>
+                </a:solidFill>
+              </a:rPr>
+              <a:t>conda</a:t>
+            </a:r>
+            <a:r>
+              <a:rPr lang="en-GB" dirty="0">
+                <a:solidFill>
+                  <a:srgbClr val="FF0000"/>
+                </a:solidFill>
+              </a:rPr>
+              <a:t> activate python36</a:t>
+            </a:r>
+          </a:p>
+          <a:p>
+            <a:pPr marL="0" indent="0">
+              <a:buNone/>
+            </a:pPr>
+            <a:r>
+              <a:rPr lang="en-GB" dirty="0">
+                <a:solidFill>
+                  <a:srgbClr val="FF0000"/>
+                </a:solidFill>
+              </a:rPr>
+              <a:t> 	python Genome_diagram.py</a:t>
+            </a:r>
+          </a:p>
+          <a:p>
+            <a:pPr marL="0" indent="0">
+              <a:buNone/>
+            </a:pPr>
+            <a:r>
+              <a:rPr lang="en-GB" dirty="0">
+                <a:solidFill>
+                  <a:srgbClr val="FF0000"/>
+                </a:solidFill>
+              </a:rPr>
+              <a:t>	</a:t>
+            </a:r>
+            <a:r>
+              <a:rPr lang="en-GB" dirty="0" err="1">
+                <a:solidFill>
+                  <a:srgbClr val="FF0000"/>
+                </a:solidFill>
+              </a:rPr>
+              <a:t>conda</a:t>
+            </a:r>
+            <a:r>
+              <a:rPr lang="en-GB" dirty="0">
+                <a:solidFill>
+                  <a:srgbClr val="FF0000"/>
+                </a:solidFill>
+              </a:rPr>
+              <a:t> deactivate</a:t>
+            </a:r>
+          </a:p>
+          <a:p>
+            <a:pPr marL="0" indent="0">
+              <a:buNone/>
+            </a:pPr>
+            <a:endParaRPr lang="en-GB" dirty="0">
+              <a:solidFill>
+                <a:srgbClr val="FF0000"/>
+              </a:solidFill>
+            </a:endParaRPr>
+          </a:p>
+          <a:p>
+            <a:pPr marL="0" indent="0">
+              <a:buNone/>
+            </a:pPr>
             <a:r>
               <a:rPr lang="en-GB" dirty="0"/>
-              <a:t>PROKKA_11122018.sqn  PROKKA_11122018.tsv</a:t>
-            </a:r>
-          </a:p>
-          <a:p>
+              <a:t>Download and look at the pdf files. Lovely right </a:t>
+            </a:r>
             <a:r>
               <a:rPr lang="en-GB" dirty="0">
-                <a:highlight>
-                  <a:srgbClr val="FFFF00"/>
-                </a:highlight>
-              </a:rPr>
-              <a:t>PROKKA_11122018.faa  PROKKA_11122018.fna  </a:t>
-            </a:r>
-            <a:r>
-              <a:rPr lang="en-GB" dirty="0"/>
-              <a:t>PROKKA_11122018.gbk  PROKKA_11122018.log  PROKKA_11122018.tbl  PROKKA_11122018.txt</a:t>
-            </a:r>
-          </a:p>
-          <a:p>
+                <a:sym typeface="Wingdings" panose="05000000000000000000" pitchFamily="2" charset="2"/>
+              </a:rPr>
+              <a:t> </a:t>
+            </a:r>
             <a:endParaRPr lang="en-GB" dirty="0"/>
           </a:p>
         </p:txBody>
@@ -5483,7 +5247,7 @@
     </p:spTree>
     <p:extLst>
       <p:ext uri="{BB962C8B-B14F-4D97-AF65-F5344CB8AC3E}">
-        <p14:creationId xmlns:p14="http://schemas.microsoft.com/office/powerpoint/2010/main" val="1471244480"/>
+        <p14:creationId xmlns:p14="http://schemas.microsoft.com/office/powerpoint/2010/main" val="1311091168"/>
       </p:ext>
     </p:extLst>
   </p:cSld>
@@ -5600,15 +5364,9 @@
         </p:spPr>
         <p:txBody>
           <a:bodyPr>
-            <a:normAutofit fontScale="92500" lnSpcReduction="10000"/>
+            <a:normAutofit/>
           </a:bodyPr>
           <a:lstStyle/>
-          <a:p>
-            <a:r>
-              <a:rPr lang="en-GB" dirty="0"/>
-              <a:t>Blast is not fast.</a:t>
-            </a:r>
-          </a:p>
           <a:p>
             <a:r>
               <a:rPr lang="en-GB" dirty="0" err="1"/>
@@ -6289,7 +6047,15 @@
           <a:p>
             <a:r>
               <a:rPr lang="en-GB" sz="2400" dirty="0"/>
-              <a:t>You will tell me what it is after. </a:t>
+              <a:t>You will tell me what it is after. (</a:t>
+            </a:r>
+            <a:r>
+              <a:rPr lang="en-GB" sz="2400" b="1" dirty="0"/>
+              <a:t>this is the assessment</a:t>
+            </a:r>
+            <a:r>
+              <a:rPr lang="en-GB" sz="2400" dirty="0"/>
+              <a:t>) </a:t>
             </a:r>
           </a:p>
           <a:p>
@@ -7066,8 +6832,14 @@
           <p:nvPr/>
         </p:nvPicPr>
         <p:blipFill rotWithShape="1">
-          <a:blip r:embed="rId3"/>
-          <a:srcRect l="21875" t="43704" r="68958" b="28888"/>
+          <a:blip r:embed="rId3">
+            <a:extLst>
+              <a:ext uri="{28A0092B-C50C-407E-A947-70E740481C1C}">
+                <a14:useLocalDpi xmlns:a14="http://schemas.microsoft.com/office/drawing/2010/main" val="0"/>
+              </a:ext>
+            </a:extLst>
+          </a:blip>
+          <a:srcRect/>
           <a:stretch/>
         </p:blipFill>
         <p:spPr>
@@ -7741,144 +7513,6 @@
           <a:p>
             <a:endParaRPr lang="en-GB" sz="1000" dirty="0"/>
           </a:p>
-          <a:p>
-            <a:pPr marL="0" indent="0">
-              <a:buNone/>
-            </a:pPr>
-            <a:r>
-              <a:rPr lang="en-GB" dirty="0" err="1">
-                <a:solidFill>
-                  <a:schemeClr val="accent1"/>
-                </a:solidFill>
-              </a:rPr>
-              <a:t>moduleav</a:t>
-            </a:r>
-            <a:r>
-              <a:rPr lang="en-GB" dirty="0"/>
-              <a:t>     (see a list of pre installed programs/ modules).</a:t>
-            </a:r>
-          </a:p>
-        </p:txBody>
-      </p:sp>
-      <p:pic>
-        <p:nvPicPr>
-          <p:cNvPr id="4" name="Picture 3">
-            <a:extLst>
-              <a:ext uri="{FF2B5EF4-FFF2-40B4-BE49-F238E27FC236}">
-                <a16:creationId xmlns:a16="http://schemas.microsoft.com/office/drawing/2014/main" id="{EAF3628D-06FA-4587-995D-18179A37861B}"/>
-              </a:ext>
-            </a:extLst>
-          </p:cNvPr>
-          <p:cNvPicPr>
-            <a:picLocks noChangeAspect="1"/>
-          </p:cNvPicPr>
-          <p:nvPr/>
-        </p:nvPicPr>
-        <p:blipFill rotWithShape="1">
-          <a:blip r:embed="rId2">
-            <a:extLst>
-              <a:ext uri="{28A0092B-C50C-407E-A947-70E740481C1C}">
-                <a14:useLocalDpi xmlns:a14="http://schemas.microsoft.com/office/drawing/2010/main" val="0"/>
-              </a:ext>
-            </a:extLst>
-          </a:blip>
-          <a:srcRect/>
-          <a:stretch/>
-        </p:blipFill>
-        <p:spPr>
-          <a:xfrm>
-            <a:off x="521163" y="3260725"/>
-            <a:ext cx="6605847" cy="4811373"/>
-          </a:xfrm>
-          <a:prstGeom prst="rect">
-            <a:avLst/>
-          </a:prstGeom>
-        </p:spPr>
-      </p:pic>
-      <p:sp>
-        <p:nvSpPr>
-          <p:cNvPr id="5" name="Rectangle 4">
-            <a:extLst>
-              <a:ext uri="{FF2B5EF4-FFF2-40B4-BE49-F238E27FC236}">
-                <a16:creationId xmlns:a16="http://schemas.microsoft.com/office/drawing/2014/main" id="{B2C3E9B6-9367-4A87-8175-A1A29D5EAF12}"/>
-              </a:ext>
-            </a:extLst>
-          </p:cNvPr>
-          <p:cNvSpPr/>
-          <p:nvPr/>
-        </p:nvSpPr>
-        <p:spPr>
-          <a:xfrm>
-            <a:off x="8293100" y="3260725"/>
-            <a:ext cx="3746500" cy="1631216"/>
-          </a:xfrm>
-          <a:prstGeom prst="rect">
-            <a:avLst/>
-          </a:prstGeom>
-        </p:spPr>
-        <p:txBody>
-          <a:bodyPr wrap="square">
-            <a:spAutoFit/>
-          </a:bodyPr>
-          <a:lstStyle/>
-          <a:p>
-            <a:r>
-              <a:rPr lang="en-GB" sz="2000" dirty="0"/>
-              <a:t>To load any of these programs from the list, e.g.</a:t>
-            </a:r>
-          </a:p>
-          <a:p>
-            <a:r>
-              <a:rPr lang="en-GB" sz="2000" dirty="0">
-                <a:solidFill>
-                  <a:schemeClr val="accent1"/>
-                </a:solidFill>
-              </a:rPr>
-              <a:t>module load </a:t>
-            </a:r>
-            <a:r>
-              <a:rPr lang="en-GB" sz="2000" dirty="0" err="1">
-                <a:solidFill>
-                  <a:schemeClr val="accent1"/>
-                </a:solidFill>
-              </a:rPr>
-              <a:t>name_of_package</a:t>
-            </a:r>
-            <a:endParaRPr lang="en-GB" sz="2000" dirty="0"/>
-          </a:p>
-          <a:p>
-            <a:endParaRPr lang="en-GB" sz="2000" dirty="0">
-              <a:solidFill>
-                <a:schemeClr val="accent1"/>
-              </a:solidFill>
-            </a:endParaRPr>
-          </a:p>
-          <a:p>
-            <a:r>
-              <a:rPr lang="en-GB" sz="2000" dirty="0">
-                <a:solidFill>
-                  <a:schemeClr val="accent1"/>
-                </a:solidFill>
-              </a:rPr>
-              <a:t>module load </a:t>
-            </a:r>
-            <a:r>
-              <a:rPr lang="en-GB" sz="2000" dirty="0" err="1">
-                <a:solidFill>
-                  <a:schemeClr val="accent1"/>
-                </a:solidFill>
-              </a:rPr>
-              <a:t>MUMmer</a:t>
-            </a:r>
-            <a:r>
-              <a:rPr lang="en-GB" sz="2000" dirty="0">
-                <a:solidFill>
-                  <a:schemeClr val="accent1"/>
-                </a:solidFill>
-              </a:rPr>
-              <a:t>/3.23</a:t>
-            </a:r>
-          </a:p>
         </p:txBody>
       </p:sp>
       <p:sp>
@@ -8111,91 +7745,7 @@
           <a:p>
             <a:r>
               <a:rPr lang="en-GB" dirty="0"/>
-              <a:t>Download these from a Windows terminal and view them in Firefox/ or other:</a:t>
-            </a:r>
-          </a:p>
-          <a:p>
-            <a:pPr marL="0" indent="0">
-              <a:buNone/>
-            </a:pPr>
-            <a:r>
-              <a:rPr lang="en-GB" dirty="0"/>
-              <a:t>        </a:t>
-            </a:r>
-            <a:r>
-              <a:rPr lang="en-GB" dirty="0" err="1">
-                <a:solidFill>
-                  <a:srgbClr val="0070C0"/>
-                </a:solidFill>
-              </a:rPr>
-              <a:t>scp</a:t>
-            </a:r>
-            <a:r>
-              <a:rPr lang="en-GB" dirty="0">
-                <a:solidFill>
-                  <a:srgbClr val="0070C0"/>
-                </a:solidFill>
-              </a:rPr>
-              <a:t> -r </a:t>
-            </a:r>
-            <a:r>
-              <a:rPr lang="en-GB" u="sng" dirty="0">
-                <a:solidFill>
-                  <a:srgbClr val="0070C0"/>
-                </a:solidFill>
-                <a:hlinkClick r:id="rId2"/>
-              </a:rPr>
-              <a:t>$USER@marvin.st-andrews.ac.uk:~/</a:t>
-            </a:r>
-            <a:r>
-              <a:rPr lang="en-GB" u="sng" dirty="0" err="1">
-                <a:solidFill>
-                  <a:srgbClr val="0070C0"/>
-                </a:solidFill>
-                <a:hlinkClick r:id="rId2"/>
-              </a:rPr>
-              <a:t>ngs</a:t>
-            </a:r>
-            <a:r>
-              <a:rPr lang="en-GB" u="sng" dirty="0">
-                <a:solidFill>
-                  <a:srgbClr val="0070C0"/>
-                </a:solidFill>
-                <a:hlinkClick r:id="rId2"/>
-              </a:rPr>
-              <a:t>/reads/*.zip</a:t>
-            </a:r>
-            <a:r>
-              <a:rPr lang="en-GB" u="sng" dirty="0">
-                <a:solidFill>
-                  <a:srgbClr val="0070C0"/>
-                </a:solidFill>
-              </a:rPr>
-              <a:t>   </a:t>
-            </a:r>
-            <a:r>
-              <a:rPr lang="en-GB" dirty="0">
-                <a:solidFill>
-                  <a:srgbClr val="0070C0"/>
-                </a:solidFill>
-              </a:rPr>
-              <a:t>/Users/</a:t>
-            </a:r>
-            <a:r>
-              <a:rPr lang="en-GB" i="1" dirty="0">
-                <a:solidFill>
-                  <a:srgbClr val="0070C0"/>
-                </a:solidFill>
-              </a:rPr>
-              <a:t>username</a:t>
-            </a:r>
-            <a:r>
-              <a:rPr lang="en-GB" dirty="0">
-                <a:solidFill>
-                  <a:srgbClr val="0070C0"/>
-                </a:solidFill>
-              </a:rPr>
-              <a:t>/Desktop</a:t>
+              <a:t>Download these and view them in Firefox/ or other:</a:t>
             </a:r>
           </a:p>
           <a:p>
@@ -8231,6 +7781,14 @@
             <a:r>
               <a:rPr lang="en-GB" dirty="0" err="1"/>
               <a:t>Mobaxterm</a:t>
+            </a:r>
+            <a:r>
+              <a:rPr lang="en-GB" dirty="0"/>
+              <a:t> or </a:t>
+            </a:r>
+            <a:r>
+              <a:rPr lang="en-GB" dirty="0" err="1"/>
+              <a:t>filezilla</a:t>
             </a:r>
             <a:endParaRPr lang="en-GB" dirty="0"/>
           </a:p>
@@ -8919,23 +8477,7 @@
                   <a:srgbClr val="0070C0"/>
                 </a:solidFill>
               </a:rPr>
-              <a:t> -V -</a:t>
-            </a:r>
-            <a:r>
-              <a:rPr lang="en-GB" dirty="0" err="1">
-                <a:solidFill>
-                  <a:srgbClr val="0070C0"/>
-                </a:solidFill>
-              </a:rPr>
-              <a:t>pe</a:t>
-            </a:r>
-            <a:r>
-              <a:rPr lang="en-GB" dirty="0">
-                <a:solidFill>
-                  <a:srgbClr val="0070C0"/>
-                </a:solidFill>
-              </a:rPr>
-              <a:t> multi 2 trimmmomatic.sh</a:t>
+              <a:t> trimmmomatic.sh</a:t>
             </a:r>
           </a:p>
           <a:p>
@@ -9565,42 +9107,20 @@
             </a:r>
             <a:r>
               <a:rPr lang="en-GB" dirty="0"/>
-              <a:t>graph assembler. </a:t>
+              <a:t>graph assembler. (which is fast but does not use other methods)</a:t>
             </a:r>
           </a:p>
           <a:p>
             <a:r>
               <a:rPr lang="en-GB" dirty="0"/>
-              <a:t>This is quick, so good for training. BUT may not the best for your real data.</a:t>
-            </a:r>
-          </a:p>
-          <a:p>
-            <a:r>
-              <a:rPr lang="en-GB" dirty="0"/>
-              <a:t>Other programs depend on your dataset. 2X100 or 2X150bp </a:t>
-            </a:r>
-            <a:r>
-              <a:rPr lang="en-GB" dirty="0" err="1"/>
-              <a:t>SPAdes</a:t>
-            </a:r>
-            <a:r>
-              <a:rPr lang="en-GB" dirty="0"/>
-              <a:t>, SOAP, ABYSS. 2X250bp DISCOVAR. </a:t>
-            </a:r>
-            <a:r>
-              <a:rPr lang="en-GB" dirty="0" err="1"/>
-              <a:t>Unicycler</a:t>
-            </a:r>
-            <a:r>
-              <a:rPr lang="en-GB" dirty="0"/>
-              <a:t> for bacteria</a:t>
-            </a:r>
-          </a:p>
-          <a:p>
-            <a:r>
-              <a:rPr lang="en-GB" dirty="0"/>
-              <a:t>Also massively depends on your data, one tool may be good another not so …</a:t>
-            </a:r>
+              <a:t>(note: that is the answer to a question in the assessment!)</a:t>
+            </a:r>
+          </a:p>
+          <a:p>
+            <a:endParaRPr lang="en-GB" dirty="0"/>
+          </a:p>
+          <a:p>
+            <a:endParaRPr lang="en-GB" dirty="0"/>
           </a:p>
         </p:txBody>
       </p:sp>

--- a/powerpoint/6_assembly.pptx
+++ b/powerpoint/6_assembly.pptx
@@ -6,11 +6,11 @@
   </p:sldMasterIdLst>
   <p:sldIdLst>
     <p:sldId id="275" r:id="rId2"/>
-    <p:sldId id="333" r:id="rId3"/>
-    <p:sldId id="273" r:id="rId4"/>
-    <p:sldId id="336" r:id="rId5"/>
-    <p:sldId id="337" r:id="rId6"/>
-    <p:sldId id="331" r:id="rId7"/>
+    <p:sldId id="351" r:id="rId3"/>
+    <p:sldId id="333" r:id="rId4"/>
+    <p:sldId id="273" r:id="rId5"/>
+    <p:sldId id="336" r:id="rId6"/>
+    <p:sldId id="337" r:id="rId7"/>
     <p:sldId id="330" r:id="rId8"/>
     <p:sldId id="326" r:id="rId9"/>
     <p:sldId id="276" r:id="rId10"/>
@@ -4281,7 +4281,7 @@
         </p:spPr>
         <p:txBody>
           <a:bodyPr>
-            <a:normAutofit/>
+            <a:normAutofit lnSpcReduction="10000"/>
           </a:bodyPr>
           <a:lstStyle/>
           <a:p>
@@ -4306,7 +4306,7 @@
               <a:t>        </a:t>
             </a:r>
             <a:r>
-              <a:rPr lang="en-GB" dirty="0" err="1">
+              <a:rPr lang="en-GB" sz="2200" dirty="0" err="1">
                 <a:solidFill>
                   <a:srgbClr val="0070C0"/>
                 </a:solidFill>
@@ -4314,22 +4314,22 @@
               <a:t>perl</a:t>
             </a:r>
             <a:r>
-              <a:rPr lang="en-GB" dirty="0">
+              <a:rPr lang="en-GB" sz="2200" dirty="0">
                 <a:solidFill>
                   <a:srgbClr val="0070C0"/>
                 </a:solidFill>
               </a:rPr>
-              <a:t> ./shell_scripts/scaffold_stats.pl -f </a:t>
-            </a:r>
-            <a:r>
-              <a:rPr lang="en-GB" dirty="0" err="1">
+              <a:t> $HOME/genome_assembly_workshop/shell_scripts/scaffold_stats.pl -f </a:t>
+            </a:r>
+            <a:r>
+              <a:rPr lang="en-GB" sz="2200" dirty="0" err="1">
                 <a:solidFill>
                   <a:srgbClr val="0070C0"/>
                 </a:solidFill>
               </a:rPr>
               <a:t>contigs.fasta</a:t>
             </a:r>
-            <a:endParaRPr lang="en-GB" dirty="0">
+            <a:endParaRPr lang="en-GB" sz="2200" dirty="0">
               <a:solidFill>
                 <a:srgbClr val="0070C0"/>
               </a:solidFill>
@@ -4379,7 +4379,7 @@
               <a:t>        </a:t>
             </a:r>
             <a:r>
-              <a:rPr lang="en-GB" sz="2400" dirty="0" err="1">
+              <a:rPr lang="en-GB" sz="2000" dirty="0" err="1">
                 <a:solidFill>
                   <a:srgbClr val="0070C0"/>
                 </a:solidFill>
@@ -4387,15 +4387,15 @@
               <a:t>perl</a:t>
             </a:r>
             <a:r>
-              <a:rPr lang="en-GB" sz="2400" dirty="0">
+              <a:rPr lang="en-GB" sz="2000" dirty="0">
                 <a:solidFill>
                   <a:srgbClr val="0070C0"/>
                 </a:solidFill>
               </a:rPr>
-              <a:t> ./shell_scripts/scaffold_stats.pl -f </a:t>
-            </a:r>
-            <a:r>
-              <a:rPr lang="en-GB" sz="2400" dirty="0" err="1">
+              <a:t> $HOME//genome_assembly_workshop/shell_scripts/scaffold_stats.pl -f </a:t>
+            </a:r>
+            <a:r>
+              <a:rPr lang="en-GB" sz="2000" dirty="0" err="1">
                 <a:solidFill>
                   <a:srgbClr val="0070C0"/>
                 </a:solidFill>
@@ -4403,7 +4403,7 @@
               <a:t>contigs.fasta</a:t>
             </a:r>
             <a:r>
-              <a:rPr lang="en-GB" sz="2400" dirty="0">
+              <a:rPr lang="en-GB" sz="2000" dirty="0">
                 <a:solidFill>
                   <a:srgbClr val="0070C0"/>
                 </a:solidFill>
@@ -4411,7 +4411,7 @@
               <a:t> </a:t>
             </a:r>
             <a:r>
-              <a:rPr lang="en-GB" sz="2400" b="1" dirty="0">
+              <a:rPr lang="en-GB" sz="2000" b="1" dirty="0">
                 <a:solidFill>
                   <a:srgbClr val="0070C0"/>
                 </a:solidFill>
@@ -4419,7 +4419,7 @@
               <a:t>&gt;</a:t>
             </a:r>
             <a:r>
-              <a:rPr lang="en-GB" sz="2400" dirty="0">
+              <a:rPr lang="en-GB" sz="2000" dirty="0">
                 <a:solidFill>
                   <a:srgbClr val="0070C0"/>
                 </a:solidFill>
@@ -5978,7 +5978,7 @@
           <p:cNvPr id="2" name="Title 1">
             <a:extLst>
               <a:ext uri="{FF2B5EF4-FFF2-40B4-BE49-F238E27FC236}">
-                <a16:creationId xmlns:a16="http://schemas.microsoft.com/office/drawing/2014/main" id="{A0C8C6AF-E509-4279-9039-EC1F56C4DC48}"/>
+                <a16:creationId xmlns:a16="http://schemas.microsoft.com/office/drawing/2014/main" id="{CAE0D78F-EB18-4D9F-8F21-7D3FFEDBB021}"/>
               </a:ext>
             </a:extLst>
           </p:cNvPr>
@@ -5991,8 +5991,8 @@
         </p:nvSpPr>
         <p:spPr>
           <a:xfrm>
-            <a:off x="838200" y="-210345"/>
-            <a:ext cx="10515600" cy="1325563"/>
+            <a:off x="64169" y="-142875"/>
+            <a:ext cx="11927962" cy="1325563"/>
           </a:xfrm>
         </p:spPr>
         <p:txBody>
@@ -6006,8 +6006,13 @@
                   <a:srgbClr val="7030A0"/>
                 </a:solidFill>
               </a:rPr>
-              <a:t>6) assembly: Bacterial genome assembly</a:t>
-            </a:r>
+              <a:t>Get some long jobs running</a:t>
+            </a:r>
+            <a:endParaRPr lang="en-US" dirty="0">
+              <a:solidFill>
+                <a:srgbClr val="7030A0"/>
+              </a:solidFill>
+            </a:endParaRPr>
           </a:p>
         </p:txBody>
       </p:sp>
@@ -6016,7 +6021,7 @@
           <p:cNvPr id="3" name="Content Placeholder 2">
             <a:extLst>
               <a:ext uri="{FF2B5EF4-FFF2-40B4-BE49-F238E27FC236}">
-                <a16:creationId xmlns:a16="http://schemas.microsoft.com/office/drawing/2014/main" id="{87E2E5A0-784D-4BAF-A742-3FA5474D9D33}"/>
+                <a16:creationId xmlns:a16="http://schemas.microsoft.com/office/drawing/2014/main" id="{99AF5DBF-728C-4AEC-90F9-7A829A4BFA9F}"/>
               </a:ext>
             </a:extLst>
           </p:cNvPr>
@@ -6029,59 +6034,265 @@
         </p:nvSpPr>
         <p:spPr>
           <a:xfrm>
-            <a:off x="371474" y="1253331"/>
-            <a:ext cx="10287001" cy="4351338"/>
+            <a:off x="401052" y="1253331"/>
+            <a:ext cx="11404868" cy="4351338"/>
           </a:xfrm>
         </p:spPr>
         <p:txBody>
           <a:bodyPr>
-            <a:normAutofit/>
+            <a:normAutofit fontScale="92500" lnSpcReduction="20000"/>
           </a:bodyPr>
           <a:lstStyle/>
           <a:p>
             <a:r>
-              <a:rPr lang="en-GB" sz="2400" dirty="0"/>
-              <a:t>As an example we will assembly a bacterial data set. </a:t>
-            </a:r>
-          </a:p>
-          <a:p>
-            <a:r>
-              <a:rPr lang="en-GB" sz="2400" dirty="0"/>
-              <a:t>You will tell me what it is after. (</a:t>
-            </a:r>
-            <a:r>
-              <a:rPr lang="en-GB" sz="2400" b="1" dirty="0"/>
-              <a:t>this is the assessment</a:t>
-            </a:r>
-            <a:r>
-              <a:rPr lang="en-GB" sz="2400" dirty="0"/>
-              <a:t>) </a:t>
-            </a:r>
-          </a:p>
-          <a:p>
-            <a:r>
-              <a:rPr lang="en-GB" sz="2400" dirty="0"/>
-              <a:t>This is not the best approach, but a fast and resource savvy approach for training purposes. </a:t>
+              <a:rPr lang="en-GB" dirty="0"/>
+              <a:t>Paste the following into the terminal to copy all the data to your home directory.</a:t>
             </a:r>
           </a:p>
           <a:p>
             <a:pPr marL="0" indent="0">
               <a:buNone/>
             </a:pPr>
+            <a:r>
+              <a:rPr lang="en-GB" dirty="0">
+                <a:solidFill>
+                  <a:srgbClr val="FF0000"/>
+                </a:solidFill>
+              </a:rPr>
+              <a:t>cp -</a:t>
+            </a:r>
+            <a:r>
+              <a:rPr lang="en-GB" dirty="0" err="1">
+                <a:solidFill>
+                  <a:srgbClr val="FF0000"/>
+                </a:solidFill>
+              </a:rPr>
+              <a:t>rv</a:t>
+            </a:r>
+            <a:r>
+              <a:rPr lang="en-GB" dirty="0">
+                <a:solidFill>
+                  <a:srgbClr val="FF0000"/>
+                </a:solidFill>
+              </a:rPr>
+              <a:t> /shelf/</a:t>
+            </a:r>
+            <a:r>
+              <a:rPr lang="en-GB" dirty="0" err="1">
+                <a:solidFill>
+                  <a:srgbClr val="FF0000"/>
+                </a:solidFill>
+              </a:rPr>
+              <a:t>Computational_Genomics</a:t>
+            </a:r>
+            <a:r>
+              <a:rPr lang="en-GB" dirty="0">
+                <a:solidFill>
+                  <a:srgbClr val="FF0000"/>
+                </a:solidFill>
+              </a:rPr>
+              <a:t>/</a:t>
+            </a:r>
+            <a:r>
+              <a:rPr lang="en-GB" dirty="0" err="1">
+                <a:solidFill>
+                  <a:srgbClr val="FF0000"/>
+                </a:solidFill>
+              </a:rPr>
+              <a:t>genome_assembly_workshop</a:t>
+            </a:r>
+            <a:r>
+              <a:rPr lang="en-GB" dirty="0">
+                <a:solidFill>
+                  <a:srgbClr val="FF0000"/>
+                </a:solidFill>
+              </a:rPr>
+              <a:t>/ ~/</a:t>
+            </a:r>
+          </a:p>
+          <a:p>
+            <a:endParaRPr lang="en-GB" dirty="0">
+              <a:solidFill>
+                <a:srgbClr val="FF0000"/>
+              </a:solidFill>
+            </a:endParaRPr>
+          </a:p>
+          <a:p>
+            <a:r>
+              <a:rPr lang="en-GB" dirty="0"/>
+              <a:t>Make sure you have the software ready to use (note dot space):</a:t>
+            </a:r>
+          </a:p>
+          <a:p>
+            <a:pPr marL="0" indent="0">
+              <a:buNone/>
+            </a:pPr>
+            <a:r>
+              <a:rPr lang="fr-FR" dirty="0">
+                <a:solidFill>
+                  <a:srgbClr val="FF0000"/>
+                </a:solidFill>
+              </a:rPr>
+              <a:t>. /shelf/apps/pjt6/conda/etc/profile.d/conda.sh</a:t>
+            </a:r>
+            <a:endParaRPr lang="en-US">
+              <a:solidFill>
+                <a:srgbClr val="FF0000"/>
+              </a:solidFill>
+            </a:endParaRPr>
+          </a:p>
+          <a:p>
+            <a:r>
+              <a:rPr lang="en-GB">
+                <a:solidFill>
+                  <a:srgbClr val="FF0000"/>
+                </a:solidFill>
+              </a:rPr>
+              <a:t>cd </a:t>
+            </a:r>
+            <a:r>
+              <a:rPr lang="en-GB" dirty="0"/>
+              <a:t>into the </a:t>
+            </a:r>
+            <a:r>
+              <a:rPr lang="en-GB" dirty="0" err="1">
+                <a:solidFill>
+                  <a:srgbClr val="FF0000"/>
+                </a:solidFill>
+              </a:rPr>
+              <a:t>shell_scripts</a:t>
+            </a:r>
+            <a:r>
+              <a:rPr lang="en-GB" dirty="0">
+                <a:solidFill>
+                  <a:srgbClr val="FF0000"/>
+                </a:solidFill>
+              </a:rPr>
+              <a:t> </a:t>
+            </a:r>
+            <a:r>
+              <a:rPr lang="en-GB" dirty="0"/>
+              <a:t>folder  (</a:t>
+            </a:r>
+            <a:r>
+              <a:rPr lang="en-GB" u="sng" dirty="0"/>
+              <a:t>tab auto complete!!)</a:t>
+            </a:r>
+          </a:p>
+          <a:p>
+            <a:endParaRPr lang="en-GB" u="sng" dirty="0"/>
+          </a:p>
+          <a:p>
+            <a:pPr lvl="1"/>
+            <a:r>
+              <a:rPr lang="en-GB" dirty="0">
+                <a:solidFill>
+                  <a:srgbClr val="FF0000"/>
+                </a:solidFill>
+              </a:rPr>
+              <a:t>cd $HOME/</a:t>
+            </a:r>
+            <a:r>
+              <a:rPr lang="en-GB" dirty="0" err="1">
+                <a:solidFill>
+                  <a:srgbClr val="FF0000"/>
+                </a:solidFill>
+              </a:rPr>
+              <a:t>genome_assembly_workshop</a:t>
+            </a:r>
+            <a:r>
+              <a:rPr lang="en-GB" dirty="0">
+                <a:solidFill>
+                  <a:srgbClr val="FF0000"/>
+                </a:solidFill>
+              </a:rPr>
+              <a:t>/</a:t>
+            </a:r>
+            <a:r>
+              <a:rPr lang="en-GB" dirty="0" err="1">
+                <a:solidFill>
+                  <a:srgbClr val="FF0000"/>
+                </a:solidFill>
+              </a:rPr>
+              <a:t>shell_scripts</a:t>
+            </a:r>
+            <a:endParaRPr lang="en-GB" dirty="0">
+              <a:solidFill>
+                <a:srgbClr val="FF0000"/>
+              </a:solidFill>
+            </a:endParaRPr>
+          </a:p>
+          <a:p>
+            <a:pPr marL="0" indent="0">
+              <a:buNone/>
+            </a:pPr>
+            <a:r>
+              <a:rPr lang="en-GB" dirty="0"/>
+              <a:t>	</a:t>
+            </a:r>
+            <a:r>
+              <a:rPr lang="en-GB" dirty="0" err="1"/>
+              <a:t>conda</a:t>
+            </a:r>
+            <a:r>
+              <a:rPr lang="en-GB" dirty="0"/>
+              <a:t> activate </a:t>
+            </a:r>
+            <a:r>
+              <a:rPr lang="en-GB" dirty="0" err="1"/>
+              <a:t>unicyclerENV</a:t>
+            </a:r>
             <a:endParaRPr lang="en-GB" dirty="0"/>
           </a:p>
           <a:p>
-            <a:pPr marL="0" indent="0">
-              <a:buNone/>
-            </a:pPr>
-            <a:endParaRPr lang="en-GB" dirty="0"/>
+            <a:pPr lvl="1"/>
+            <a:r>
+              <a:rPr lang="en-GB" dirty="0" err="1">
+                <a:solidFill>
+                  <a:srgbClr val="FF0000"/>
+                </a:solidFill>
+              </a:rPr>
+              <a:t>qsub</a:t>
+            </a:r>
+            <a:r>
+              <a:rPr lang="en-GB" dirty="0">
+                <a:solidFill>
+                  <a:srgbClr val="FF0000"/>
+                </a:solidFill>
+              </a:rPr>
+              <a:t> -V unicycler.sh</a:t>
+            </a:r>
+          </a:p>
+          <a:p>
+            <a:pPr lvl="1"/>
+            <a:r>
+              <a:rPr lang="en-GB" dirty="0" err="1">
+                <a:solidFill>
+                  <a:srgbClr val="FF0000"/>
+                </a:solidFill>
+              </a:rPr>
+              <a:t>qsub</a:t>
+            </a:r>
+            <a:r>
+              <a:rPr lang="en-GB" dirty="0">
+                <a:solidFill>
+                  <a:srgbClr val="FF0000"/>
+                </a:solidFill>
+              </a:rPr>
+              <a:t> -V spades.sh</a:t>
+            </a:r>
+            <a:endParaRPr lang="en-US" dirty="0">
+              <a:solidFill>
+                <a:srgbClr val="FF0000"/>
+              </a:solidFill>
+            </a:endParaRPr>
           </a:p>
         </p:txBody>
       </p:sp>
     </p:spTree>
     <p:extLst>
       <p:ext uri="{BB962C8B-B14F-4D97-AF65-F5344CB8AC3E}">
-        <p14:creationId xmlns:p14="http://schemas.microsoft.com/office/powerpoint/2010/main" val="3370244674"/>
+        <p14:creationId xmlns:p14="http://schemas.microsoft.com/office/powerpoint/2010/main" val="178975013"/>
       </p:ext>
     </p:extLst>
   </p:cSld>
@@ -7412,7 +7623,7 @@
           <p:cNvPr id="2" name="Title 1">
             <a:extLst>
               <a:ext uri="{FF2B5EF4-FFF2-40B4-BE49-F238E27FC236}">
-                <a16:creationId xmlns:a16="http://schemas.microsoft.com/office/drawing/2014/main" id="{7E03E00C-44CB-43B4-AB72-A0B8C7DC8FC6}"/>
+                <a16:creationId xmlns:a16="http://schemas.microsoft.com/office/drawing/2014/main" id="{A0C8C6AF-E509-4279-9039-EC1F56C4DC48}"/>
               </a:ext>
             </a:extLst>
           </p:cNvPr>
@@ -7425,8 +7636,8 @@
         </p:nvSpPr>
         <p:spPr>
           <a:xfrm>
-            <a:off x="-495300" y="-78007"/>
-            <a:ext cx="12192000" cy="1325563"/>
+            <a:off x="838200" y="-210345"/>
+            <a:ext cx="10515600" cy="1325563"/>
           </a:xfrm>
         </p:spPr>
         <p:txBody>
@@ -7440,21 +7651,8 @@
                   <a:srgbClr val="7030A0"/>
                 </a:solidFill>
               </a:rPr>
-              <a:t>6) assembly: </a:t>
-            </a:r>
-            <a:r>
-              <a:rPr lang="en-GB" dirty="0" err="1">
-                <a:solidFill>
-                  <a:srgbClr val="7030A0"/>
-                </a:solidFill>
-              </a:rPr>
-              <a:t>fastqc</a:t>
-            </a:r>
-            <a:endParaRPr lang="en-GB" dirty="0">
-              <a:solidFill>
-                <a:srgbClr val="7030A0"/>
-              </a:solidFill>
-            </a:endParaRPr>
+              <a:t>6) assembly: Bacterial genome assembly</a:t>
+            </a:r>
           </a:p>
         </p:txBody>
       </p:sp>
@@ -7463,7 +7661,7 @@
           <p:cNvPr id="3" name="Content Placeholder 2">
             <a:extLst>
               <a:ext uri="{FF2B5EF4-FFF2-40B4-BE49-F238E27FC236}">
-                <a16:creationId xmlns:a16="http://schemas.microsoft.com/office/drawing/2014/main" id="{E1355657-ACC7-4163-88F9-88811068852A}"/>
+                <a16:creationId xmlns:a16="http://schemas.microsoft.com/office/drawing/2014/main" id="{87E2E5A0-784D-4BAF-A742-3FA5474D9D33}"/>
               </a:ext>
             </a:extLst>
           </p:cNvPr>
@@ -7476,8 +7674,8 @@
         </p:nvSpPr>
         <p:spPr>
           <a:xfrm>
-            <a:off x="152400" y="928688"/>
-            <a:ext cx="11036300" cy="4486275"/>
+            <a:off x="371474" y="1253331"/>
+            <a:ext cx="10287001" cy="4351338"/>
           </a:xfrm>
         </p:spPr>
         <p:txBody>
@@ -7487,88 +7685,48 @@
           <a:lstStyle/>
           <a:p>
             <a:r>
-              <a:rPr lang="en-GB" dirty="0" err="1"/>
-              <a:t>Fastqc</a:t>
-            </a:r>
-            <a:r>
-              <a:rPr lang="en-GB" dirty="0"/>
-              <a:t> on real Illumina data. Open the </a:t>
-            </a:r>
-            <a:r>
-              <a:rPr lang="en-GB" dirty="0">
-                <a:solidFill>
-                  <a:srgbClr val="00B050"/>
-                </a:solidFill>
-              </a:rPr>
-              <a:t>FastQC.sh </a:t>
-            </a:r>
-            <a:r>
-              <a:rPr lang="en-GB" dirty="0"/>
-              <a:t>file</a:t>
-            </a:r>
-          </a:p>
-          <a:p>
-            <a:endParaRPr lang="en-GB" sz="2000" dirty="0"/>
-          </a:p>
-          <a:p>
-            <a:endParaRPr lang="en-GB" sz="1000" dirty="0"/>
-          </a:p>
-        </p:txBody>
-      </p:sp>
-      <p:sp>
-        <p:nvSpPr>
-          <p:cNvPr id="6" name="TextBox 5">
-            <a:extLst>
-              <a:ext uri="{FF2B5EF4-FFF2-40B4-BE49-F238E27FC236}">
-                <a16:creationId xmlns:a16="http://schemas.microsoft.com/office/drawing/2014/main" id="{E116F140-36DE-4AFB-BDE8-E1C2676C31C1}"/>
-              </a:ext>
-            </a:extLst>
-          </p:cNvPr>
-          <p:cNvSpPr txBox="1"/>
-          <p:nvPr/>
-        </p:nvSpPr>
-        <p:spPr>
-          <a:xfrm>
-            <a:off x="10350500" y="0"/>
-            <a:ext cx="1841500" cy="584775"/>
-          </a:xfrm>
-          <a:prstGeom prst="rect">
-            <a:avLst/>
-          </a:prstGeom>
-          <a:noFill/>
-        </p:spPr>
-        <p:txBody>
-          <a:bodyPr wrap="square" rtlCol="0">
-            <a:spAutoFit/>
-          </a:bodyPr>
-          <a:lstStyle/>
-          <a:p>
-            <a:r>
-              <a:rPr lang="en-GB" sz="3200" dirty="0">
-                <a:solidFill>
-                  <a:srgbClr val="FF0000"/>
-                </a:solidFill>
-                <a:highlight>
-                  <a:srgbClr val="FFFF00"/>
-                </a:highlight>
-              </a:rPr>
-              <a:t>ACTIVITY</a:t>
-            </a:r>
-            <a:endParaRPr lang="en-GB" sz="2800" dirty="0">
-              <a:solidFill>
-                <a:srgbClr val="FF0000"/>
-              </a:solidFill>
-              <a:highlight>
-                <a:srgbClr val="FFFF00"/>
-              </a:highlight>
-            </a:endParaRPr>
+              <a:rPr lang="en-GB" sz="2400" dirty="0"/>
+              <a:t>As an example we will assembly a bacterial data set. </a:t>
+            </a:r>
+          </a:p>
+          <a:p>
+            <a:r>
+              <a:rPr lang="en-GB" sz="2400" dirty="0"/>
+              <a:t>You will tell me what it is after. (</a:t>
+            </a:r>
+            <a:r>
+              <a:rPr lang="en-GB" sz="2400" b="1" dirty="0"/>
+              <a:t>this is the assessment</a:t>
+            </a:r>
+            <a:r>
+              <a:rPr lang="en-GB" sz="2400" dirty="0"/>
+              <a:t>) </a:t>
+            </a:r>
+          </a:p>
+          <a:p>
+            <a:r>
+              <a:rPr lang="en-GB" sz="2400" dirty="0"/>
+              <a:t>This is not the best approach, but a fast and resource savvy approach for training purposes. </a:t>
+            </a:r>
+          </a:p>
+          <a:p>
+            <a:pPr marL="0" indent="0">
+              <a:buNone/>
+            </a:pPr>
+            <a:endParaRPr lang="en-GB" dirty="0"/>
+          </a:p>
+          <a:p>
+            <a:pPr marL="0" indent="0">
+              <a:buNone/>
+            </a:pPr>
+            <a:endParaRPr lang="en-GB" dirty="0"/>
           </a:p>
         </p:txBody>
       </p:sp>
     </p:spTree>
     <p:extLst>
       <p:ext uri="{BB962C8B-B14F-4D97-AF65-F5344CB8AC3E}">
-        <p14:creationId xmlns:p14="http://schemas.microsoft.com/office/powerpoint/2010/main" val="3892780945"/>
+        <p14:creationId xmlns:p14="http://schemas.microsoft.com/office/powerpoint/2010/main" val="3370244674"/>
       </p:ext>
     </p:extLst>
   </p:cSld>
@@ -7628,7 +7786,7 @@
                   <a:srgbClr val="7030A0"/>
                 </a:solidFill>
               </a:rPr>
-              <a:t>4) Shell scripting/ </a:t>
+              <a:t>6) assembly: </a:t>
             </a:r>
             <a:r>
               <a:rPr lang="en-GB" dirty="0" err="1">
@@ -7636,16 +7794,13 @@
                   <a:srgbClr val="7030A0"/>
                 </a:solidFill>
               </a:rPr>
-              <a:t>qsub</a:t>
-            </a:r>
-            <a:r>
-              <a:rPr lang="en-GB" dirty="0">
-                <a:solidFill>
-                  <a:srgbClr val="7030A0"/>
-                </a:solidFill>
-              </a:rPr>
-              <a:t>: Run something useful</a:t>
-            </a:r>
+              <a:t>fastqc</a:t>
+            </a:r>
+            <a:endParaRPr lang="en-GB" dirty="0">
+              <a:solidFill>
+                <a:srgbClr val="7030A0"/>
+              </a:solidFill>
+            </a:endParaRPr>
           </a:p>
         </p:txBody>
       </p:sp>
@@ -7667,8 +7822,8 @@
         </p:nvSpPr>
         <p:spPr>
           <a:xfrm>
-            <a:off x="160713" y="1247556"/>
-            <a:ext cx="11854824" cy="5225433"/>
+            <a:off x="152400" y="928688"/>
+            <a:ext cx="11036300" cy="4486275"/>
           </a:xfrm>
         </p:spPr>
         <p:txBody>
@@ -7678,125 +7833,31 @@
           <a:lstStyle/>
           <a:p>
             <a:r>
-              <a:rPr lang="en-GB" dirty="0"/>
-              <a:t>Submit this by typing: </a:t>
-            </a:r>
-          </a:p>
-          <a:p>
-            <a:pPr marL="0" indent="0">
-              <a:buNone/>
-            </a:pPr>
-            <a:r>
-              <a:rPr lang="en-GB" dirty="0">
-                <a:solidFill>
-                  <a:srgbClr val="0070C0"/>
-                </a:solidFill>
-              </a:rPr>
-              <a:t>        </a:t>
-            </a:r>
-            <a:r>
-              <a:rPr lang="en-GB" dirty="0" err="1">
-                <a:solidFill>
-                  <a:srgbClr val="0070C0"/>
-                </a:solidFill>
-              </a:rPr>
-              <a:t>qsub</a:t>
-            </a:r>
-            <a:r>
-              <a:rPr lang="en-GB" dirty="0">
-                <a:solidFill>
-                  <a:srgbClr val="0070C0"/>
-                </a:solidFill>
-              </a:rPr>
-              <a:t> FastQC.sh</a:t>
-            </a:r>
-            <a:r>
-              <a:rPr lang="en-GB" dirty="0"/>
-              <a:t>    </a:t>
-            </a:r>
-            <a:r>
-              <a:rPr lang="en-GB" dirty="0">
-                <a:solidFill>
-                  <a:srgbClr val="FF0000"/>
-                </a:solidFill>
-              </a:rPr>
-              <a:t>(Don’t forget tab competition!)</a:t>
-            </a:r>
-          </a:p>
-          <a:p>
-            <a:pPr marL="0" indent="0">
-              <a:buNone/>
-            </a:pPr>
-            <a:endParaRPr lang="en-GB" dirty="0"/>
-          </a:p>
-          <a:p>
-            <a:r>
               <a:rPr lang="en-GB" dirty="0" err="1"/>
               <a:t>Fastqc</a:t>
             </a:r>
             <a:r>
               <a:rPr lang="en-GB" dirty="0"/>
-              <a:t> output files are in ./reads/</a:t>
-            </a:r>
-          </a:p>
-          <a:p>
-            <a:endParaRPr lang="en-GB" dirty="0"/>
-          </a:p>
-          <a:p>
+              <a:t> on real Illumina data. Open the </a:t>
+            </a:r>
+            <a:r>
+              <a:rPr lang="en-GB" dirty="0">
+                <a:solidFill>
+                  <a:srgbClr val="00B050"/>
+                </a:solidFill>
+              </a:rPr>
+              <a:t>FastQC.sh </a:t>
+            </a:r>
             <a:r>
               <a:rPr lang="en-GB" dirty="0"/>
-              <a:t>Download these and view them in Firefox/ or other:</a:t>
-            </a:r>
-          </a:p>
-          <a:p>
-            <a:pPr marL="0" indent="0">
-              <a:buNone/>
-            </a:pPr>
-            <a:endParaRPr lang="en-GB" dirty="0">
-              <a:solidFill>
-                <a:srgbClr val="0070C0"/>
-              </a:solidFill>
-            </a:endParaRPr>
-          </a:p>
-          <a:p>
-            <a:pPr marL="0" indent="0">
-              <a:buNone/>
-            </a:pPr>
-            <a:r>
-              <a:rPr lang="en-GB" dirty="0"/>
-              <a:t>Or </a:t>
-            </a:r>
-            <a:r>
-              <a:rPr lang="en-GB" i="1" dirty="0">
-                <a:solidFill>
-                  <a:srgbClr val="FF0000"/>
-                </a:solidFill>
-              </a:rPr>
-              <a:t>drag and drop </a:t>
-            </a:r>
-            <a:r>
-              <a:rPr lang="en-GB" dirty="0"/>
-              <a:t>from </a:t>
-            </a:r>
-            <a:r>
-              <a:rPr lang="en-GB" dirty="0" err="1"/>
-              <a:t>Mobaxterm</a:t>
-            </a:r>
-            <a:r>
-              <a:rPr lang="en-GB" dirty="0"/>
-              <a:t> or </a:t>
-            </a:r>
-            <a:r>
-              <a:rPr lang="en-GB" dirty="0" err="1"/>
-              <a:t>filezilla</a:t>
-            </a:r>
-            <a:endParaRPr lang="en-GB" dirty="0"/>
-          </a:p>
-          <a:p>
-            <a:pPr marL="0" indent="0">
-              <a:buNone/>
-            </a:pPr>
-            <a:endParaRPr lang="en-GB" dirty="0"/>
+              <a:t>file</a:t>
+            </a:r>
+          </a:p>
+          <a:p>
+            <a:endParaRPr lang="en-GB" sz="2000" dirty="0"/>
+          </a:p>
+          <a:p>
+            <a:endParaRPr lang="en-GB" sz="1000" dirty="0"/>
           </a:p>
         </p:txBody>
       </p:sp>
@@ -7853,7 +7914,7 @@
     </p:spTree>
     <p:extLst>
       <p:ext uri="{BB962C8B-B14F-4D97-AF65-F5344CB8AC3E}">
-        <p14:creationId xmlns:p14="http://schemas.microsoft.com/office/powerpoint/2010/main" val="3363770190"/>
+        <p14:creationId xmlns:p14="http://schemas.microsoft.com/office/powerpoint/2010/main" val="3892780945"/>
       </p:ext>
     </p:extLst>
   </p:cSld>
@@ -7913,7 +7974,7 @@
                   <a:srgbClr val="7030A0"/>
                 </a:solidFill>
               </a:rPr>
-              <a:t>4) </a:t>
+              <a:t>4) Shell scripting/ </a:t>
             </a:r>
             <a:r>
               <a:rPr lang="en-GB" dirty="0" err="1">
@@ -7921,16 +7982,167 @@
                   <a:srgbClr val="7030A0"/>
                 </a:solidFill>
               </a:rPr>
+              <a:t>qsub</a:t>
+            </a:r>
+            <a:r>
+              <a:rPr lang="en-GB" dirty="0">
+                <a:solidFill>
+                  <a:srgbClr val="7030A0"/>
+                </a:solidFill>
+              </a:rPr>
+              <a:t>: Run something useful</a:t>
+            </a:r>
+          </a:p>
+        </p:txBody>
+      </p:sp>
+      <p:sp>
+        <p:nvSpPr>
+          <p:cNvPr id="3" name="Content Placeholder 2">
+            <a:extLst>
+              <a:ext uri="{FF2B5EF4-FFF2-40B4-BE49-F238E27FC236}">
+                <a16:creationId xmlns:a16="http://schemas.microsoft.com/office/drawing/2014/main" id="{E1355657-ACC7-4163-88F9-88811068852A}"/>
+              </a:ext>
+            </a:extLst>
+          </p:cNvPr>
+          <p:cNvSpPr>
+            <a:spLocks noGrp="1"/>
+          </p:cNvSpPr>
+          <p:nvPr>
+            <p:ph idx="1"/>
+          </p:nvPr>
+        </p:nvSpPr>
+        <p:spPr>
+          <a:xfrm>
+            <a:off x="160713" y="1247556"/>
+            <a:ext cx="11854824" cy="5225433"/>
+          </a:xfrm>
+        </p:spPr>
+        <p:txBody>
+          <a:bodyPr>
+            <a:normAutofit/>
+          </a:bodyPr>
+          <a:lstStyle/>
+          <a:p>
+            <a:r>
+              <a:rPr lang="en-GB" dirty="0"/>
+              <a:t>Submit this by typing: </a:t>
+            </a:r>
+          </a:p>
+          <a:p>
+            <a:pPr marL="0" indent="0">
+              <a:buNone/>
+            </a:pPr>
+            <a:r>
+              <a:rPr lang="en-GB" dirty="0">
+                <a:solidFill>
+                  <a:srgbClr val="0070C0"/>
+                </a:solidFill>
+              </a:rPr>
+              <a:t>        </a:t>
+            </a:r>
+            <a:r>
+              <a:rPr lang="en-GB" dirty="0" err="1">
+                <a:solidFill>
+                  <a:srgbClr val="0070C0"/>
+                </a:solidFill>
+              </a:rPr>
+              <a:t>qsub</a:t>
+            </a:r>
+            <a:r>
+              <a:rPr lang="en-GB" dirty="0">
+                <a:solidFill>
+                  <a:srgbClr val="0070C0"/>
+                </a:solidFill>
+              </a:rPr>
+              <a:t> FastQC.sh</a:t>
+            </a:r>
+            <a:r>
+              <a:rPr lang="en-GB" dirty="0"/>
+              <a:t>    </a:t>
+            </a:r>
+            <a:r>
+              <a:rPr lang="en-GB" dirty="0">
+                <a:solidFill>
+                  <a:srgbClr val="FF0000"/>
+                </a:solidFill>
+              </a:rPr>
+              <a:t>(Don’t forget tab competition!)</a:t>
+            </a:r>
+          </a:p>
+          <a:p>
+            <a:pPr marL="0" indent="0">
+              <a:buNone/>
+            </a:pPr>
+            <a:endParaRPr lang="en-GB" dirty="0"/>
+          </a:p>
+          <a:p>
+            <a:r>
+              <a:rPr lang="en-GB" dirty="0" err="1"/>
               <a:t>Fastqc</a:t>
             </a:r>
             <a:r>
-              <a:rPr lang="en-GB" dirty="0">
-                <a:solidFill>
-                  <a:srgbClr val="7030A0"/>
-                </a:solidFill>
-              </a:rPr>
-              <a:t> output</a:t>
-            </a:r>
+              <a:rPr lang="en-GB" dirty="0"/>
+              <a:t> output files are in ./reads/</a:t>
+            </a:r>
+          </a:p>
+          <a:p>
+            <a:endParaRPr lang="en-GB" dirty="0"/>
+          </a:p>
+          <a:p>
+            <a:r>
+              <a:rPr lang="en-GB" dirty="0"/>
+              <a:t>Download these and view them in Firefox/ or other:</a:t>
+            </a:r>
+          </a:p>
+          <a:p>
+            <a:pPr marL="0" indent="0">
+              <a:buNone/>
+            </a:pPr>
+            <a:endParaRPr lang="en-GB" dirty="0">
+              <a:solidFill>
+                <a:srgbClr val="0070C0"/>
+              </a:solidFill>
+            </a:endParaRPr>
+          </a:p>
+          <a:p>
+            <a:pPr marL="0" indent="0">
+              <a:buNone/>
+            </a:pPr>
+            <a:r>
+              <a:rPr lang="en-GB" dirty="0"/>
+              <a:t>Or </a:t>
+            </a:r>
+            <a:r>
+              <a:rPr lang="en-GB" i="1" dirty="0">
+                <a:solidFill>
+                  <a:srgbClr val="FF0000"/>
+                </a:solidFill>
+              </a:rPr>
+              <a:t>drag and drop </a:t>
+            </a:r>
+            <a:r>
+              <a:rPr lang="en-GB" dirty="0"/>
+              <a:t>from </a:t>
+            </a:r>
+            <a:r>
+              <a:rPr lang="en-GB" dirty="0" err="1"/>
+              <a:t>Mobaxterm</a:t>
+            </a:r>
+            <a:r>
+              <a:rPr lang="en-GB" dirty="0"/>
+              <a:t> or </a:t>
+            </a:r>
+            <a:r>
+              <a:rPr lang="en-GB" dirty="0" err="1"/>
+              <a:t>filezilla</a:t>
+            </a:r>
+            <a:endParaRPr lang="en-GB" dirty="0"/>
+          </a:p>
+          <a:p>
+            <a:pPr marL="0" indent="0">
+              <a:buNone/>
+            </a:pPr>
+            <a:endParaRPr lang="en-GB" dirty="0"/>
           </a:p>
         </p:txBody>
       </p:sp>
@@ -7984,94 +8196,10 @@
           </a:p>
         </p:txBody>
       </p:sp>
-      <p:pic>
-        <p:nvPicPr>
-          <p:cNvPr id="1026" name="Picture 2" descr="Per base quality graph">
-            <a:extLst>
-              <a:ext uri="{FF2B5EF4-FFF2-40B4-BE49-F238E27FC236}">
-                <a16:creationId xmlns:a16="http://schemas.microsoft.com/office/drawing/2014/main" id="{02BFE43D-8DD8-4C21-B464-759EC3D17CE4}"/>
-              </a:ext>
-            </a:extLst>
-          </p:cNvPr>
-          <p:cNvPicPr>
-            <a:picLocks noChangeAspect="1" noChangeArrowheads="1"/>
-          </p:cNvPicPr>
-          <p:nvPr/>
-        </p:nvPicPr>
-        <p:blipFill>
-          <a:blip r:embed="rId2">
-            <a:extLst>
-              <a:ext uri="{28A0092B-C50C-407E-A947-70E740481C1C}">
-                <a14:useLocalDpi xmlns:a14="http://schemas.microsoft.com/office/drawing/2010/main" val="0"/>
-              </a:ext>
-            </a:extLst>
-          </a:blip>
-          <a:srcRect/>
-          <a:stretch>
-            <a:fillRect/>
-          </a:stretch>
-        </p:blipFill>
-        <p:spPr bwMode="auto">
-          <a:xfrm>
-            <a:off x="0" y="1247556"/>
-            <a:ext cx="7615765" cy="5252252"/>
-          </a:xfrm>
-          <a:prstGeom prst="rect">
-            <a:avLst/>
-          </a:prstGeom>
-          <a:noFill/>
-          <a:extLst>
-            <a:ext uri="{909E8E84-426E-40DD-AFC4-6F175D3DCCD1}">
-              <a14:hiddenFill xmlns:a14="http://schemas.microsoft.com/office/drawing/2010/main">
-                <a:solidFill>
-                  <a:srgbClr val="FFFFFF"/>
-                </a:solidFill>
-              </a14:hiddenFill>
-            </a:ext>
-          </a:extLst>
-        </p:spPr>
-      </p:pic>
-      <p:sp>
-        <p:nvSpPr>
-          <p:cNvPr id="4" name="Rectangle 3">
-            <a:extLst>
-              <a:ext uri="{FF2B5EF4-FFF2-40B4-BE49-F238E27FC236}">
-                <a16:creationId xmlns:a16="http://schemas.microsoft.com/office/drawing/2014/main" id="{FD042BA6-D996-4E57-96B4-691806B85C64}"/>
-              </a:ext>
-            </a:extLst>
-          </p:cNvPr>
-          <p:cNvSpPr/>
-          <p:nvPr/>
-        </p:nvSpPr>
-        <p:spPr>
-          <a:xfrm>
-            <a:off x="7615765" y="2203787"/>
-            <a:ext cx="4360746" cy="369332"/>
-          </a:xfrm>
-          <a:prstGeom prst="rect">
-            <a:avLst/>
-          </a:prstGeom>
-        </p:spPr>
-        <p:txBody>
-          <a:bodyPr wrap="none">
-            <a:spAutoFit/>
-          </a:bodyPr>
-          <a:lstStyle/>
-          <a:p>
-            <a:r>
-              <a:rPr lang="en-GB" dirty="0">
-                <a:hlinkClick r:id="rId3"/>
-              </a:rPr>
-              <a:t>https://en.wikipedia.org/wiki/FASTQ_format</a:t>
-            </a:r>
-            <a:endParaRPr lang="en-GB" dirty="0"/>
-          </a:p>
-        </p:txBody>
-      </p:sp>
     </p:spTree>
     <p:extLst>
       <p:ext uri="{BB962C8B-B14F-4D97-AF65-F5344CB8AC3E}">
-        <p14:creationId xmlns:p14="http://schemas.microsoft.com/office/powerpoint/2010/main" val="3258093098"/>
+        <p14:creationId xmlns:p14="http://schemas.microsoft.com/office/powerpoint/2010/main" val="3363770190"/>
       </p:ext>
     </p:extLst>
   </p:cSld>
@@ -8131,150 +8259,24 @@
                   <a:srgbClr val="7030A0"/>
                 </a:solidFill>
               </a:rPr>
-              <a:t>6) assembly: QC trim (10 mins)</a:t>
-            </a:r>
-          </a:p>
-        </p:txBody>
-      </p:sp>
-      <p:sp>
-        <p:nvSpPr>
-          <p:cNvPr id="3" name="Content Placeholder 2">
-            <a:extLst>
-              <a:ext uri="{FF2B5EF4-FFF2-40B4-BE49-F238E27FC236}">
-                <a16:creationId xmlns:a16="http://schemas.microsoft.com/office/drawing/2014/main" id="{E1355657-ACC7-4163-88F9-88811068852A}"/>
-              </a:ext>
-            </a:extLst>
-          </p:cNvPr>
-          <p:cNvSpPr>
-            <a:spLocks noGrp="1"/>
-          </p:cNvSpPr>
-          <p:nvPr>
-            <p:ph idx="1"/>
-          </p:nvPr>
-        </p:nvSpPr>
-        <p:spPr>
-          <a:xfrm>
-            <a:off x="152400" y="928688"/>
-            <a:ext cx="11935326" cy="4486275"/>
-          </a:xfrm>
-        </p:spPr>
-        <p:txBody>
-          <a:bodyPr>
-            <a:normAutofit/>
-          </a:bodyPr>
-          <a:lstStyle/>
-          <a:p>
-            <a:r>
-              <a:rPr lang="en-GB" dirty="0"/>
-              <a:t>We are going to show you how to download software yourself here:</a:t>
-            </a:r>
-          </a:p>
-          <a:p>
-            <a:pPr marL="0" indent="0">
-              <a:buNone/>
-            </a:pPr>
-            <a:r>
-              <a:rPr lang="en-GB" sz="2000" dirty="0">
-                <a:solidFill>
-                  <a:srgbClr val="0070C0"/>
-                </a:solidFill>
-              </a:rPr>
-              <a:t>         </a:t>
-            </a:r>
-            <a:r>
-              <a:rPr lang="en-GB" sz="2000" dirty="0" err="1">
-                <a:solidFill>
-                  <a:srgbClr val="0070C0"/>
-                </a:solidFill>
-              </a:rPr>
-              <a:t>wget</a:t>
-            </a:r>
-            <a:r>
-              <a:rPr lang="en-GB" sz="2000" dirty="0">
-                <a:solidFill>
-                  <a:srgbClr val="0070C0"/>
-                </a:solidFill>
-              </a:rPr>
-              <a:t>  </a:t>
-            </a:r>
-            <a:r>
-              <a:rPr lang="en-GB" sz="2000" dirty="0">
-                <a:solidFill>
-                  <a:srgbClr val="0070C0"/>
-                </a:solidFill>
-                <a:hlinkClick r:id="rId2"/>
-              </a:rPr>
-              <a:t>http://www.usadellab.org/cms/uploads/supplementary/Trimmomatic/Trimmomatic-0.38.zip</a:t>
-            </a:r>
-            <a:endParaRPr lang="en-GB" sz="2000" dirty="0">
-              <a:solidFill>
-                <a:srgbClr val="0070C0"/>
-              </a:solidFill>
-            </a:endParaRPr>
-          </a:p>
-          <a:p>
-            <a:pPr marL="0" indent="0">
-              <a:buNone/>
-            </a:pPr>
-            <a:endParaRPr lang="en-GB" dirty="0">
-              <a:solidFill>
-                <a:srgbClr val="0070C0"/>
-              </a:solidFill>
-            </a:endParaRPr>
-          </a:p>
-          <a:p>
-            <a:pPr marL="0" indent="0">
-              <a:buNone/>
-            </a:pPr>
+              <a:t>4) </a:t>
+            </a:r>
+            <a:r>
+              <a:rPr lang="en-GB" dirty="0" err="1">
+                <a:solidFill>
+                  <a:srgbClr val="7030A0"/>
+                </a:solidFill>
+              </a:rPr>
+              <a:t>Fastqc</a:t>
+            </a:r>
             <a:r>
               <a:rPr lang="en-GB" dirty="0">
                 <a:solidFill>
-                  <a:srgbClr val="0070C0"/>
-                </a:solidFill>
-              </a:rPr>
-              <a:t>       Unzip Trimmomatic-0.38.zip</a:t>
-            </a:r>
-          </a:p>
-          <a:p>
-            <a:pPr marL="0" indent="0">
-              <a:buNone/>
-            </a:pPr>
-            <a:endParaRPr lang="en-GB" dirty="0">
-              <a:solidFill>
-                <a:srgbClr val="0070C0"/>
-              </a:solidFill>
-            </a:endParaRPr>
-          </a:p>
-          <a:p>
-            <a:pPr marL="0" indent="0">
-              <a:buNone/>
-            </a:pPr>
-            <a:r>
-              <a:rPr lang="en-GB" dirty="0"/>
-              <a:t>This should create a folder called </a:t>
-            </a:r>
-            <a:r>
-              <a:rPr lang="en-GB" dirty="0">
-                <a:solidFill>
-                  <a:srgbClr val="0070C0"/>
-                </a:solidFill>
-              </a:rPr>
-              <a:t>Trimmomatic-0.38</a:t>
-            </a:r>
-            <a:r>
-              <a:rPr lang="en-GB" dirty="0"/>
-              <a:t>. Go into it, look at what files are in there. </a:t>
-            </a:r>
-          </a:p>
-          <a:p>
-            <a:pPr marL="0" indent="0">
-              <a:buNone/>
-            </a:pPr>
-            <a:endParaRPr lang="en-GB" dirty="0">
-              <a:solidFill>
-                <a:srgbClr val="0070C0"/>
-              </a:solidFill>
-            </a:endParaRPr>
+                  <a:srgbClr val="7030A0"/>
+                </a:solidFill>
+              </a:rPr>
+              <a:t> output</a:t>
+            </a:r>
           </a:p>
         </p:txBody>
       </p:sp>
@@ -8328,10 +8330,94 @@
           </a:p>
         </p:txBody>
       </p:sp>
+      <p:pic>
+        <p:nvPicPr>
+          <p:cNvPr id="1026" name="Picture 2" descr="Per base quality graph">
+            <a:extLst>
+              <a:ext uri="{FF2B5EF4-FFF2-40B4-BE49-F238E27FC236}">
+                <a16:creationId xmlns:a16="http://schemas.microsoft.com/office/drawing/2014/main" id="{02BFE43D-8DD8-4C21-B464-759EC3D17CE4}"/>
+              </a:ext>
+            </a:extLst>
+          </p:cNvPr>
+          <p:cNvPicPr>
+            <a:picLocks noChangeAspect="1" noChangeArrowheads="1"/>
+          </p:cNvPicPr>
+          <p:nvPr/>
+        </p:nvPicPr>
+        <p:blipFill>
+          <a:blip r:embed="rId2">
+            <a:extLst>
+              <a:ext uri="{28A0092B-C50C-407E-A947-70E740481C1C}">
+                <a14:useLocalDpi xmlns:a14="http://schemas.microsoft.com/office/drawing/2010/main" val="0"/>
+              </a:ext>
+            </a:extLst>
+          </a:blip>
+          <a:srcRect/>
+          <a:stretch>
+            <a:fillRect/>
+          </a:stretch>
+        </p:blipFill>
+        <p:spPr bwMode="auto">
+          <a:xfrm>
+            <a:off x="0" y="1247556"/>
+            <a:ext cx="7615765" cy="5252252"/>
+          </a:xfrm>
+          <a:prstGeom prst="rect">
+            <a:avLst/>
+          </a:prstGeom>
+          <a:noFill/>
+          <a:extLst>
+            <a:ext uri="{909E8E84-426E-40DD-AFC4-6F175D3DCCD1}">
+              <a14:hiddenFill xmlns:a14="http://schemas.microsoft.com/office/drawing/2010/main">
+                <a:solidFill>
+                  <a:srgbClr val="FFFFFF"/>
+                </a:solidFill>
+              </a14:hiddenFill>
+            </a:ext>
+          </a:extLst>
+        </p:spPr>
+      </p:pic>
+      <p:sp>
+        <p:nvSpPr>
+          <p:cNvPr id="4" name="Rectangle 3">
+            <a:extLst>
+              <a:ext uri="{FF2B5EF4-FFF2-40B4-BE49-F238E27FC236}">
+                <a16:creationId xmlns:a16="http://schemas.microsoft.com/office/drawing/2014/main" id="{FD042BA6-D996-4E57-96B4-691806B85C64}"/>
+              </a:ext>
+            </a:extLst>
+          </p:cNvPr>
+          <p:cNvSpPr/>
+          <p:nvPr/>
+        </p:nvSpPr>
+        <p:spPr>
+          <a:xfrm>
+            <a:off x="7615765" y="2203787"/>
+            <a:ext cx="4360746" cy="369332"/>
+          </a:xfrm>
+          <a:prstGeom prst="rect">
+            <a:avLst/>
+          </a:prstGeom>
+        </p:spPr>
+        <p:txBody>
+          <a:bodyPr wrap="none">
+            <a:spAutoFit/>
+          </a:bodyPr>
+          <a:lstStyle/>
+          <a:p>
+            <a:r>
+              <a:rPr lang="en-GB" dirty="0">
+                <a:hlinkClick r:id="rId3"/>
+              </a:rPr>
+              <a:t>https://en.wikipedia.org/wiki/FASTQ_format</a:t>
+            </a:r>
+            <a:endParaRPr lang="en-GB" dirty="0"/>
+          </a:p>
+        </p:txBody>
+      </p:sp>
     </p:spTree>
     <p:extLst>
       <p:ext uri="{BB962C8B-B14F-4D97-AF65-F5344CB8AC3E}">
-        <p14:creationId xmlns:p14="http://schemas.microsoft.com/office/powerpoint/2010/main" val="1218375627"/>
+        <p14:creationId xmlns:p14="http://schemas.microsoft.com/office/powerpoint/2010/main" val="3258093098"/>
       </p:ext>
     </p:extLst>
   </p:cSld>

--- a/powerpoint/6_assembly.pptx
+++ b/powerpoint/6_assembly.pptx
@@ -4281,7 +4281,7 @@
         </p:spPr>
         <p:txBody>
           <a:bodyPr>
-            <a:normAutofit lnSpcReduction="10000"/>
+            <a:normAutofit fontScale="92500" lnSpcReduction="20000"/>
           </a:bodyPr>
           <a:lstStyle/>
           <a:p>
@@ -4319,7 +4319,7 @@
                   <a:srgbClr val="0070C0"/>
                 </a:solidFill>
               </a:rPr>
-              <a:t> $HOME/genome_assembly_workshop/shell_scripts/scaffold_stats.pl -f </a:t>
+              <a:t> $HOME/genome_assembly_workshop/shell_scripts/scaffold_stats.pl -f $HOME/</a:t>
             </a:r>
             <a:r>
               <a:rPr lang="en-GB" sz="2200" dirty="0" err="1">
@@ -4327,13 +4327,51 @@
                   <a:srgbClr val="0070C0"/>
                 </a:solidFill>
               </a:rPr>
-              <a:t>contigs.fasta</a:t>
-            </a:r>
+              <a:t>genome_assembly_workshop</a:t>
+            </a:r>
+            <a:r>
+              <a:rPr lang="en-GB" sz="2200" dirty="0">
+                <a:solidFill>
+                  <a:srgbClr val="0070C0"/>
+                </a:solidFill>
+              </a:rPr>
+              <a:t>/*/</a:t>
+            </a:r>
+            <a:r>
+              <a:rPr lang="en-GB" sz="2200" dirty="0" err="1">
+                <a:solidFill>
+                  <a:srgbClr val="0070C0"/>
+                </a:solidFill>
+              </a:rPr>
+              <a:t>contigs.fa</a:t>
+            </a:r>
+            <a:r>
+              <a:rPr lang="en-GB" sz="2200" dirty="0">
+                <a:solidFill>
+                  <a:srgbClr val="0070C0"/>
+                </a:solidFill>
+              </a:rPr>
+              <a:t> </a:t>
+            </a:r>
+          </a:p>
+          <a:p>
+            <a:pPr marL="0" indent="0">
+              <a:buNone/>
+            </a:pPr>
             <a:endParaRPr lang="en-GB" sz="2200" dirty="0">
               <a:solidFill>
                 <a:srgbClr val="0070C0"/>
               </a:solidFill>
             </a:endParaRPr>
+          </a:p>
+          <a:p>
+            <a:pPr marL="0" indent="0">
+              <a:buNone/>
+            </a:pPr>
+            <a:r>
+              <a:rPr lang="en-GB" sz="2200" dirty="0"/>
+              <a:t>Look at the precomputed results excel sheet if you wish. </a:t>
+            </a:r>
           </a:p>
           <a:p>
             <a:pPr marL="0" indent="0">
@@ -4392,7 +4430,39 @@
                   <a:srgbClr val="0070C0"/>
                 </a:solidFill>
               </a:rPr>
-              <a:t> $HOME//genome_assembly_workshop/shell_scripts/scaffold_stats.pl -f </a:t>
+              <a:t> $HOME//genome_assembly_workshop/shell_scripts/scaffold_stats.pl -f $HOME/</a:t>
+            </a:r>
+            <a:r>
+              <a:rPr lang="en-GB" sz="2000" dirty="0" err="1">
+                <a:solidFill>
+                  <a:srgbClr val="0070C0"/>
+                </a:solidFill>
+              </a:rPr>
+              <a:t>genome_assembly_workshop</a:t>
+            </a:r>
+            <a:r>
+              <a:rPr lang="en-GB" sz="2000" dirty="0">
+                <a:solidFill>
+                  <a:srgbClr val="0070C0"/>
+                </a:solidFill>
+              </a:rPr>
+              <a:t>/*/</a:t>
+            </a:r>
+            <a:r>
+              <a:rPr lang="en-GB" sz="2000" dirty="0" err="1">
+                <a:solidFill>
+                  <a:srgbClr val="0070C0"/>
+                </a:solidFill>
+              </a:rPr>
+              <a:t>contigs.fa</a:t>
+            </a:r>
+            <a:r>
+              <a:rPr lang="en-GB" sz="2000" dirty="0">
+                <a:solidFill>
+                  <a:srgbClr val="0070C0"/>
+                </a:solidFill>
+              </a:rPr>
+              <a:t>  ./*/</a:t>
             </a:r>
             <a:r>
               <a:rPr lang="en-GB" sz="2000" dirty="0" err="1">
@@ -5119,8 +5189,8 @@
         </p:nvSpPr>
         <p:spPr>
           <a:xfrm>
-            <a:off x="164869" y="1351799"/>
-            <a:ext cx="10515600" cy="4351338"/>
+            <a:off x="164868" y="1351799"/>
+            <a:ext cx="11244811" cy="4351338"/>
           </a:xfrm>
         </p:spPr>
         <p:txBody>
@@ -5129,7 +5199,7 @@
           <a:p>
             <a:r>
               <a:rPr lang="en-GB" dirty="0"/>
-              <a:t>cd </a:t>
+              <a:t>cd $HOME/</a:t>
             </a:r>
             <a:r>
               <a:rPr lang="en-GB" dirty="0" err="1"/>
@@ -5150,7 +5220,7 @@
               <a:buNone/>
             </a:pPr>
             <a:r>
-              <a:rPr lang="en-GB" dirty="0">
+              <a:rPr lang="en-GB" sz="2400" dirty="0">
                 <a:solidFill>
                   <a:srgbClr val="FF0000"/>
                 </a:solidFill>
@@ -5158,7 +5228,7 @@
               <a:t> 	</a:t>
             </a:r>
             <a:r>
-              <a:rPr lang="en-GB" dirty="0" err="1">
+              <a:rPr lang="en-GB" sz="2400" dirty="0" err="1">
                 <a:solidFill>
                   <a:srgbClr val="FF0000"/>
                 </a:solidFill>
@@ -5166,7 +5236,7 @@
               <a:t>conda</a:t>
             </a:r>
             <a:r>
-              <a:rPr lang="en-GB" dirty="0">
+              <a:rPr lang="en-GB" sz="2400" dirty="0">
                 <a:solidFill>
                   <a:srgbClr val="FF0000"/>
                 </a:solidFill>
@@ -5179,12 +5249,44 @@
               <a:buNone/>
             </a:pPr>
             <a:r>
-              <a:rPr lang="en-GB" dirty="0">
+              <a:rPr lang="en-GB" sz="2400" dirty="0">
                 <a:solidFill>
                   <a:srgbClr val="FF0000"/>
                 </a:solidFill>
               </a:rPr>
-              <a:t> 	python Genome_diagram.py</a:t>
+              <a:t> 	 /shelf/apps/pjt6/</a:t>
+            </a:r>
+            <a:r>
+              <a:rPr lang="en-GB" sz="2400" dirty="0" err="1">
+                <a:solidFill>
+                  <a:srgbClr val="FF0000"/>
+                </a:solidFill>
+              </a:rPr>
+              <a:t>conda</a:t>
+            </a:r>
+            <a:r>
+              <a:rPr lang="en-GB" sz="2400" dirty="0">
+                <a:solidFill>
+                  <a:srgbClr val="FF0000"/>
+                </a:solidFill>
+              </a:rPr>
+              <a:t>/</a:t>
+            </a:r>
+            <a:r>
+              <a:rPr lang="en-GB" sz="2400" dirty="0" err="1">
+                <a:solidFill>
+                  <a:srgbClr val="FF0000"/>
+                </a:solidFill>
+              </a:rPr>
+              <a:t>envs</a:t>
+            </a:r>
+            <a:r>
+              <a:rPr lang="en-GB" sz="2400" dirty="0">
+                <a:solidFill>
+                  <a:srgbClr val="FF0000"/>
+                </a:solidFill>
+              </a:rPr>
+              <a:t>/python36/bin/python Genome_diagram.py</a:t>
             </a:r>
           </a:p>
           <a:p>
@@ -6135,7 +6237,7 @@
               </a:rPr>
               <a:t>. /shelf/apps/pjt6/conda/etc/profile.d/conda.sh</a:t>
             </a:r>
-            <a:endParaRPr lang="en-US">
+            <a:endParaRPr lang="en-US" dirty="0">
               <a:solidFill>
                 <a:srgbClr val="FF0000"/>
               </a:solidFill>
@@ -6143,7 +6245,7 @@
           </a:p>
           <a:p>
             <a:r>
-              <a:rPr lang="en-GB">
+              <a:rPr lang="en-GB" dirty="0">
                 <a:solidFill>
                   <a:srgbClr val="FF0000"/>
                 </a:solidFill>

--- a/powerpoint/6_assembly.pptx
+++ b/powerpoint/6_assembly.pptx
@@ -282,7 +282,7 @@
           <a:p>
             <a:fld id="{D5B3EF36-47C2-4AA3-A387-F39AC0889363}" type="datetimeFigureOut">
               <a:rPr lang="en-GB" smtClean="0"/>
-              <a:t>05/10/2020</a:t>
+              <a:t>08/10/2020</a:t>
             </a:fld>
             <a:endParaRPr lang="en-GB"/>
           </a:p>
@@ -482,7 +482,7 @@
           <a:p>
             <a:fld id="{D5B3EF36-47C2-4AA3-A387-F39AC0889363}" type="datetimeFigureOut">
               <a:rPr lang="en-GB" smtClean="0"/>
-              <a:t>05/10/2020</a:t>
+              <a:t>08/10/2020</a:t>
             </a:fld>
             <a:endParaRPr lang="en-GB"/>
           </a:p>
@@ -692,7 +692,7 @@
           <a:p>
             <a:fld id="{D5B3EF36-47C2-4AA3-A387-F39AC0889363}" type="datetimeFigureOut">
               <a:rPr lang="en-GB" smtClean="0"/>
-              <a:t>05/10/2020</a:t>
+              <a:t>08/10/2020</a:t>
             </a:fld>
             <a:endParaRPr lang="en-GB"/>
           </a:p>
@@ -892,7 +892,7 @@
           <a:p>
             <a:fld id="{D5B3EF36-47C2-4AA3-A387-F39AC0889363}" type="datetimeFigureOut">
               <a:rPr lang="en-GB" smtClean="0"/>
-              <a:t>05/10/2020</a:t>
+              <a:t>08/10/2020</a:t>
             </a:fld>
             <a:endParaRPr lang="en-GB"/>
           </a:p>
@@ -1168,7 +1168,7 @@
           <a:p>
             <a:fld id="{D5B3EF36-47C2-4AA3-A387-F39AC0889363}" type="datetimeFigureOut">
               <a:rPr lang="en-GB" smtClean="0"/>
-              <a:t>05/10/2020</a:t>
+              <a:t>08/10/2020</a:t>
             </a:fld>
             <a:endParaRPr lang="en-GB"/>
           </a:p>
@@ -1436,7 +1436,7 @@
           <a:p>
             <a:fld id="{D5B3EF36-47C2-4AA3-A387-F39AC0889363}" type="datetimeFigureOut">
               <a:rPr lang="en-GB" smtClean="0"/>
-              <a:t>05/10/2020</a:t>
+              <a:t>08/10/2020</a:t>
             </a:fld>
             <a:endParaRPr lang="en-GB"/>
           </a:p>
@@ -1851,7 +1851,7 @@
           <a:p>
             <a:fld id="{D5B3EF36-47C2-4AA3-A387-F39AC0889363}" type="datetimeFigureOut">
               <a:rPr lang="en-GB" smtClean="0"/>
-              <a:t>05/10/2020</a:t>
+              <a:t>08/10/2020</a:t>
             </a:fld>
             <a:endParaRPr lang="en-GB"/>
           </a:p>
@@ -1993,7 +1993,7 @@
           <a:p>
             <a:fld id="{D5B3EF36-47C2-4AA3-A387-F39AC0889363}" type="datetimeFigureOut">
               <a:rPr lang="en-GB" smtClean="0"/>
-              <a:t>05/10/2020</a:t>
+              <a:t>08/10/2020</a:t>
             </a:fld>
             <a:endParaRPr lang="en-GB"/>
           </a:p>
@@ -2106,7 +2106,7 @@
           <a:p>
             <a:fld id="{D5B3EF36-47C2-4AA3-A387-F39AC0889363}" type="datetimeFigureOut">
               <a:rPr lang="en-GB" smtClean="0"/>
-              <a:t>05/10/2020</a:t>
+              <a:t>08/10/2020</a:t>
             </a:fld>
             <a:endParaRPr lang="en-GB"/>
           </a:p>
@@ -2419,7 +2419,7 @@
           <a:p>
             <a:fld id="{D5B3EF36-47C2-4AA3-A387-F39AC0889363}" type="datetimeFigureOut">
               <a:rPr lang="en-GB" smtClean="0"/>
-              <a:t>05/10/2020</a:t>
+              <a:t>08/10/2020</a:t>
             </a:fld>
             <a:endParaRPr lang="en-GB"/>
           </a:p>
@@ -2708,7 +2708,7 @@
           <a:p>
             <a:fld id="{D5B3EF36-47C2-4AA3-A387-F39AC0889363}" type="datetimeFigureOut">
               <a:rPr lang="en-GB" smtClean="0"/>
-              <a:t>05/10/2020</a:t>
+              <a:t>08/10/2020</a:t>
             </a:fld>
             <a:endParaRPr lang="en-GB"/>
           </a:p>
@@ -2951,7 +2951,7 @@
           <a:p>
             <a:fld id="{D5B3EF36-47C2-4AA3-A387-F39AC0889363}" type="datetimeFigureOut">
               <a:rPr lang="en-GB" smtClean="0"/>
-              <a:t>05/10/2020</a:t>
+              <a:t>08/10/2020</a:t>
             </a:fld>
             <a:endParaRPr lang="en-GB"/>
           </a:p>
@@ -3408,6 +3408,839 @@
           </a:p>
         </p:txBody>
       </p:sp>
+      <p:sp>
+        <p:nvSpPr>
+          <p:cNvPr id="3" name="Rectangle 2">
+            <a:extLst>
+              <a:ext uri="{FF2B5EF4-FFF2-40B4-BE49-F238E27FC236}">
+                <a16:creationId xmlns:a16="http://schemas.microsoft.com/office/drawing/2014/main" id="{FB3916DF-CE9A-451E-AB5E-9B45541F21A3}"/>
+              </a:ext>
+            </a:extLst>
+          </p:cNvPr>
+          <p:cNvSpPr/>
+          <p:nvPr/>
+        </p:nvSpPr>
+        <p:spPr>
+          <a:xfrm>
+            <a:off x="111967" y="5495730"/>
+            <a:ext cx="989045" cy="601467"/>
+          </a:xfrm>
+          <a:prstGeom prst="rect">
+            <a:avLst/>
+          </a:prstGeom>
+          <a:noFill/>
+        </p:spPr>
+        <p:style>
+          <a:lnRef idx="2">
+            <a:schemeClr val="accent1">
+              <a:shade val="50000"/>
+            </a:schemeClr>
+          </a:lnRef>
+          <a:fillRef idx="1">
+            <a:schemeClr val="accent1"/>
+          </a:fillRef>
+          <a:effectRef idx="0">
+            <a:schemeClr val="accent1"/>
+          </a:effectRef>
+          <a:fontRef idx="minor">
+            <a:schemeClr val="lt1"/>
+          </a:fontRef>
+        </p:style>
+        <p:txBody>
+          <a:bodyPr rtlCol="0" anchor="ctr"/>
+          <a:lstStyle/>
+          <a:p>
+            <a:pPr algn="ctr"/>
+            <a:endParaRPr lang="en-GB" dirty="0"/>
+          </a:p>
+        </p:txBody>
+      </p:sp>
+      <p:cxnSp>
+        <p:nvCxnSpPr>
+          <p:cNvPr id="4" name="Straight Arrow Connector 3">
+            <a:extLst>
+              <a:ext uri="{FF2B5EF4-FFF2-40B4-BE49-F238E27FC236}">
+                <a16:creationId xmlns:a16="http://schemas.microsoft.com/office/drawing/2014/main" id="{F02908D5-49E9-4819-9184-D08FB2DFD0BA}"/>
+              </a:ext>
+            </a:extLst>
+          </p:cNvPr>
+          <p:cNvCxnSpPr>
+            <a:stCxn id="3" idx="3"/>
+          </p:cNvCxnSpPr>
+          <p:nvPr/>
+        </p:nvCxnSpPr>
+        <p:spPr>
+          <a:xfrm flipV="1">
+            <a:off x="1101012" y="5794310"/>
+            <a:ext cx="718458" cy="2154"/>
+          </a:xfrm>
+          <a:prstGeom prst="straightConnector1">
+            <a:avLst/>
+          </a:prstGeom>
+          <a:ln>
+            <a:tailEnd type="triangle"/>
+          </a:ln>
+        </p:spPr>
+        <p:style>
+          <a:lnRef idx="1">
+            <a:schemeClr val="accent1"/>
+          </a:lnRef>
+          <a:fillRef idx="0">
+            <a:schemeClr val="accent1"/>
+          </a:fillRef>
+          <a:effectRef idx="0">
+            <a:schemeClr val="accent1"/>
+          </a:effectRef>
+          <a:fontRef idx="minor">
+            <a:schemeClr val="tx1"/>
+          </a:fontRef>
+        </p:style>
+      </p:cxnSp>
+      <p:sp>
+        <p:nvSpPr>
+          <p:cNvPr id="5" name="TextBox 4">
+            <a:extLst>
+              <a:ext uri="{FF2B5EF4-FFF2-40B4-BE49-F238E27FC236}">
+                <a16:creationId xmlns:a16="http://schemas.microsoft.com/office/drawing/2014/main" id="{7F9CF9CE-A51F-4355-8FF6-32A249368E5D}"/>
+              </a:ext>
+            </a:extLst>
+          </p:cNvPr>
+          <p:cNvSpPr txBox="1"/>
+          <p:nvPr/>
+        </p:nvSpPr>
+        <p:spPr>
+          <a:xfrm>
+            <a:off x="130629" y="5507215"/>
+            <a:ext cx="925284" cy="646331"/>
+          </a:xfrm>
+          <a:prstGeom prst="rect">
+            <a:avLst/>
+          </a:prstGeom>
+          <a:noFill/>
+        </p:spPr>
+        <p:txBody>
+          <a:bodyPr wrap="square" rtlCol="0">
+            <a:spAutoFit/>
+          </a:bodyPr>
+          <a:lstStyle/>
+          <a:p>
+            <a:r>
+              <a:rPr lang="en-GB" dirty="0"/>
+              <a:t>Quality control</a:t>
+            </a:r>
+          </a:p>
+        </p:txBody>
+      </p:sp>
+      <p:sp>
+        <p:nvSpPr>
+          <p:cNvPr id="6" name="Rectangle 5">
+            <a:extLst>
+              <a:ext uri="{FF2B5EF4-FFF2-40B4-BE49-F238E27FC236}">
+                <a16:creationId xmlns:a16="http://schemas.microsoft.com/office/drawing/2014/main" id="{BC99273A-A93D-4020-A40C-28BB16AE881D}"/>
+              </a:ext>
+            </a:extLst>
+          </p:cNvPr>
+          <p:cNvSpPr/>
+          <p:nvPr/>
+        </p:nvSpPr>
+        <p:spPr>
+          <a:xfrm>
+            <a:off x="1813250" y="5480176"/>
+            <a:ext cx="989045" cy="601467"/>
+          </a:xfrm>
+          <a:prstGeom prst="rect">
+            <a:avLst/>
+          </a:prstGeom>
+          <a:noFill/>
+        </p:spPr>
+        <p:style>
+          <a:lnRef idx="2">
+            <a:schemeClr val="accent1">
+              <a:shade val="50000"/>
+            </a:schemeClr>
+          </a:lnRef>
+          <a:fillRef idx="1">
+            <a:schemeClr val="accent1"/>
+          </a:fillRef>
+          <a:effectRef idx="0">
+            <a:schemeClr val="accent1"/>
+          </a:effectRef>
+          <a:fontRef idx="minor">
+            <a:schemeClr val="lt1"/>
+          </a:fontRef>
+        </p:style>
+        <p:txBody>
+          <a:bodyPr rtlCol="0" anchor="ctr"/>
+          <a:lstStyle/>
+          <a:p>
+            <a:pPr algn="ctr"/>
+            <a:endParaRPr lang="en-GB" dirty="0"/>
+          </a:p>
+        </p:txBody>
+      </p:sp>
+      <p:cxnSp>
+        <p:nvCxnSpPr>
+          <p:cNvPr id="7" name="Straight Arrow Connector 6">
+            <a:extLst>
+              <a:ext uri="{FF2B5EF4-FFF2-40B4-BE49-F238E27FC236}">
+                <a16:creationId xmlns:a16="http://schemas.microsoft.com/office/drawing/2014/main" id="{ED58644C-515D-4695-9C74-FAB971BD4FBD}"/>
+              </a:ext>
+            </a:extLst>
+          </p:cNvPr>
+          <p:cNvCxnSpPr>
+            <a:stCxn id="6" idx="3"/>
+          </p:cNvCxnSpPr>
+          <p:nvPr/>
+        </p:nvCxnSpPr>
+        <p:spPr>
+          <a:xfrm flipV="1">
+            <a:off x="2802295" y="5778756"/>
+            <a:ext cx="718458" cy="2154"/>
+          </a:xfrm>
+          <a:prstGeom prst="straightConnector1">
+            <a:avLst/>
+          </a:prstGeom>
+          <a:ln>
+            <a:tailEnd type="triangle"/>
+          </a:ln>
+        </p:spPr>
+        <p:style>
+          <a:lnRef idx="1">
+            <a:schemeClr val="accent1"/>
+          </a:lnRef>
+          <a:fillRef idx="0">
+            <a:schemeClr val="accent1"/>
+          </a:fillRef>
+          <a:effectRef idx="0">
+            <a:schemeClr val="accent1"/>
+          </a:effectRef>
+          <a:fontRef idx="minor">
+            <a:schemeClr val="tx1"/>
+          </a:fontRef>
+        </p:style>
+      </p:cxnSp>
+      <p:sp>
+        <p:nvSpPr>
+          <p:cNvPr id="8" name="TextBox 7">
+            <a:extLst>
+              <a:ext uri="{FF2B5EF4-FFF2-40B4-BE49-F238E27FC236}">
+                <a16:creationId xmlns:a16="http://schemas.microsoft.com/office/drawing/2014/main" id="{4F3C32D5-DA3B-4728-A064-1D1B304DB021}"/>
+              </a:ext>
+            </a:extLst>
+          </p:cNvPr>
+          <p:cNvSpPr txBox="1"/>
+          <p:nvPr/>
+        </p:nvSpPr>
+        <p:spPr>
+          <a:xfrm>
+            <a:off x="1831912" y="5491661"/>
+            <a:ext cx="925284" cy="646331"/>
+          </a:xfrm>
+          <a:prstGeom prst="rect">
+            <a:avLst/>
+          </a:prstGeom>
+          <a:noFill/>
+        </p:spPr>
+        <p:txBody>
+          <a:bodyPr wrap="square" rtlCol="0">
+            <a:spAutoFit/>
+          </a:bodyPr>
+          <a:lstStyle/>
+          <a:p>
+            <a:r>
+              <a:rPr lang="en-GB" dirty="0"/>
+              <a:t>Quality trim</a:t>
+            </a:r>
+          </a:p>
+        </p:txBody>
+      </p:sp>
+      <p:sp>
+        <p:nvSpPr>
+          <p:cNvPr id="9" name="Rectangle 8">
+            <a:extLst>
+              <a:ext uri="{FF2B5EF4-FFF2-40B4-BE49-F238E27FC236}">
+                <a16:creationId xmlns:a16="http://schemas.microsoft.com/office/drawing/2014/main" id="{03AC724C-839A-4428-B739-4641E8741BB4}"/>
+              </a:ext>
+            </a:extLst>
+          </p:cNvPr>
+          <p:cNvSpPr/>
+          <p:nvPr/>
+        </p:nvSpPr>
+        <p:spPr>
+          <a:xfrm>
+            <a:off x="3558073" y="5470844"/>
+            <a:ext cx="989045" cy="601467"/>
+          </a:xfrm>
+          <a:prstGeom prst="rect">
+            <a:avLst/>
+          </a:prstGeom>
+          <a:noFill/>
+        </p:spPr>
+        <p:style>
+          <a:lnRef idx="2">
+            <a:schemeClr val="accent1">
+              <a:shade val="50000"/>
+            </a:schemeClr>
+          </a:lnRef>
+          <a:fillRef idx="1">
+            <a:schemeClr val="accent1"/>
+          </a:fillRef>
+          <a:effectRef idx="0">
+            <a:schemeClr val="accent1"/>
+          </a:effectRef>
+          <a:fontRef idx="minor">
+            <a:schemeClr val="lt1"/>
+          </a:fontRef>
+        </p:style>
+        <p:txBody>
+          <a:bodyPr rtlCol="0" anchor="ctr"/>
+          <a:lstStyle/>
+          <a:p>
+            <a:pPr algn="ctr"/>
+            <a:endParaRPr lang="en-GB" dirty="0"/>
+          </a:p>
+        </p:txBody>
+      </p:sp>
+      <p:cxnSp>
+        <p:nvCxnSpPr>
+          <p:cNvPr id="10" name="Straight Arrow Connector 9">
+            <a:extLst>
+              <a:ext uri="{FF2B5EF4-FFF2-40B4-BE49-F238E27FC236}">
+                <a16:creationId xmlns:a16="http://schemas.microsoft.com/office/drawing/2014/main" id="{365A3E1D-8C51-43F8-B82A-24A8B2E51BCE}"/>
+              </a:ext>
+            </a:extLst>
+          </p:cNvPr>
+          <p:cNvCxnSpPr>
+            <a:stCxn id="9" idx="3"/>
+          </p:cNvCxnSpPr>
+          <p:nvPr/>
+        </p:nvCxnSpPr>
+        <p:spPr>
+          <a:xfrm flipV="1">
+            <a:off x="4547118" y="5769424"/>
+            <a:ext cx="718458" cy="2154"/>
+          </a:xfrm>
+          <a:prstGeom prst="straightConnector1">
+            <a:avLst/>
+          </a:prstGeom>
+          <a:ln>
+            <a:tailEnd type="triangle"/>
+          </a:ln>
+        </p:spPr>
+        <p:style>
+          <a:lnRef idx="1">
+            <a:schemeClr val="accent1"/>
+          </a:lnRef>
+          <a:fillRef idx="0">
+            <a:schemeClr val="accent1"/>
+          </a:fillRef>
+          <a:effectRef idx="0">
+            <a:schemeClr val="accent1"/>
+          </a:effectRef>
+          <a:fontRef idx="minor">
+            <a:schemeClr val="tx1"/>
+          </a:fontRef>
+        </p:style>
+      </p:cxnSp>
+      <p:sp>
+        <p:nvSpPr>
+          <p:cNvPr id="11" name="TextBox 10">
+            <a:extLst>
+              <a:ext uri="{FF2B5EF4-FFF2-40B4-BE49-F238E27FC236}">
+                <a16:creationId xmlns:a16="http://schemas.microsoft.com/office/drawing/2014/main" id="{6AB3DFED-DC34-481E-B5E2-A867B429A5E4}"/>
+              </a:ext>
+            </a:extLst>
+          </p:cNvPr>
+          <p:cNvSpPr txBox="1"/>
+          <p:nvPr/>
+        </p:nvSpPr>
+        <p:spPr>
+          <a:xfrm>
+            <a:off x="3576735" y="5482329"/>
+            <a:ext cx="925284" cy="646331"/>
+          </a:xfrm>
+          <a:prstGeom prst="rect">
+            <a:avLst/>
+          </a:prstGeom>
+          <a:noFill/>
+        </p:spPr>
+        <p:txBody>
+          <a:bodyPr wrap="square" rtlCol="0">
+            <a:spAutoFit/>
+          </a:bodyPr>
+          <a:lstStyle/>
+          <a:p>
+            <a:r>
+              <a:rPr lang="en-GB" dirty="0"/>
+              <a:t>Quality control</a:t>
+            </a:r>
+          </a:p>
+        </p:txBody>
+      </p:sp>
+      <p:sp>
+        <p:nvSpPr>
+          <p:cNvPr id="12" name="Rectangle 11">
+            <a:extLst>
+              <a:ext uri="{FF2B5EF4-FFF2-40B4-BE49-F238E27FC236}">
+                <a16:creationId xmlns:a16="http://schemas.microsoft.com/office/drawing/2014/main" id="{CD99EDC6-1692-4B47-811D-F272CA2488AF}"/>
+              </a:ext>
+            </a:extLst>
+          </p:cNvPr>
+          <p:cNvSpPr/>
+          <p:nvPr/>
+        </p:nvSpPr>
+        <p:spPr>
+          <a:xfrm>
+            <a:off x="5274908" y="5452183"/>
+            <a:ext cx="1331165" cy="1336195"/>
+          </a:xfrm>
+          <a:prstGeom prst="rect">
+            <a:avLst/>
+          </a:prstGeom>
+          <a:noFill/>
+        </p:spPr>
+        <p:style>
+          <a:lnRef idx="2">
+            <a:schemeClr val="accent1">
+              <a:shade val="50000"/>
+            </a:schemeClr>
+          </a:lnRef>
+          <a:fillRef idx="1">
+            <a:schemeClr val="accent1"/>
+          </a:fillRef>
+          <a:effectRef idx="0">
+            <a:schemeClr val="accent1"/>
+          </a:effectRef>
+          <a:fontRef idx="minor">
+            <a:schemeClr val="lt1"/>
+          </a:fontRef>
+        </p:style>
+        <p:txBody>
+          <a:bodyPr rtlCol="0" anchor="ctr"/>
+          <a:lstStyle/>
+          <a:p>
+            <a:pPr algn="ctr"/>
+            <a:endParaRPr lang="en-GB" dirty="0"/>
+          </a:p>
+        </p:txBody>
+      </p:sp>
+      <p:sp>
+        <p:nvSpPr>
+          <p:cNvPr id="13" name="TextBox 12">
+            <a:extLst>
+              <a:ext uri="{FF2B5EF4-FFF2-40B4-BE49-F238E27FC236}">
+                <a16:creationId xmlns:a16="http://schemas.microsoft.com/office/drawing/2014/main" id="{AF578FA5-822C-4AE8-AADF-EA32FD3465AB}"/>
+              </a:ext>
+            </a:extLst>
+          </p:cNvPr>
+          <p:cNvSpPr txBox="1"/>
+          <p:nvPr/>
+        </p:nvSpPr>
+        <p:spPr>
+          <a:xfrm>
+            <a:off x="5274907" y="5491661"/>
+            <a:ext cx="1424473" cy="1107996"/>
+          </a:xfrm>
+          <a:prstGeom prst="rect">
+            <a:avLst/>
+          </a:prstGeom>
+          <a:noFill/>
+        </p:spPr>
+        <p:txBody>
+          <a:bodyPr wrap="square" rtlCol="0">
+            <a:spAutoFit/>
+          </a:bodyPr>
+          <a:lstStyle/>
+          <a:p>
+            <a:r>
+              <a:rPr lang="en-GB" dirty="0"/>
+              <a:t>Assemble </a:t>
+            </a:r>
+            <a:r>
+              <a:rPr lang="en-GB" sz="1600" dirty="0"/>
+              <a:t>(different </a:t>
+            </a:r>
+            <a:r>
+              <a:rPr lang="en-GB" sz="1600" dirty="0" err="1"/>
+              <a:t>kmers</a:t>
+            </a:r>
+            <a:r>
+              <a:rPr lang="en-GB" sz="1600" dirty="0"/>
+              <a:t>, different tools)</a:t>
+            </a:r>
+            <a:endParaRPr lang="en-GB" dirty="0"/>
+          </a:p>
+        </p:txBody>
+      </p:sp>
+      <p:cxnSp>
+        <p:nvCxnSpPr>
+          <p:cNvPr id="14" name="Straight Arrow Connector 13">
+            <a:extLst>
+              <a:ext uri="{FF2B5EF4-FFF2-40B4-BE49-F238E27FC236}">
+                <a16:creationId xmlns:a16="http://schemas.microsoft.com/office/drawing/2014/main" id="{4E0F0489-B58C-4DCD-8942-0C869D4FBD92}"/>
+              </a:ext>
+            </a:extLst>
+          </p:cNvPr>
+          <p:cNvCxnSpPr/>
+          <p:nvPr/>
+        </p:nvCxnSpPr>
+        <p:spPr>
+          <a:xfrm flipV="1">
+            <a:off x="6627848" y="5769424"/>
+            <a:ext cx="718458" cy="2154"/>
+          </a:xfrm>
+          <a:prstGeom prst="straightConnector1">
+            <a:avLst/>
+          </a:prstGeom>
+          <a:ln>
+            <a:tailEnd type="triangle"/>
+          </a:ln>
+        </p:spPr>
+        <p:style>
+          <a:lnRef idx="1">
+            <a:schemeClr val="accent1"/>
+          </a:lnRef>
+          <a:fillRef idx="0">
+            <a:schemeClr val="accent1"/>
+          </a:fillRef>
+          <a:effectRef idx="0">
+            <a:schemeClr val="accent1"/>
+          </a:effectRef>
+          <a:fontRef idx="minor">
+            <a:schemeClr val="tx1"/>
+          </a:fontRef>
+        </p:style>
+      </p:cxnSp>
+      <p:sp>
+        <p:nvSpPr>
+          <p:cNvPr id="15" name="Rectangle 14">
+            <a:extLst>
+              <a:ext uri="{FF2B5EF4-FFF2-40B4-BE49-F238E27FC236}">
+                <a16:creationId xmlns:a16="http://schemas.microsoft.com/office/drawing/2014/main" id="{12B18D37-AC10-4285-9DFD-DCB168D31771}"/>
+              </a:ext>
+            </a:extLst>
+          </p:cNvPr>
+          <p:cNvSpPr/>
+          <p:nvPr/>
+        </p:nvSpPr>
+        <p:spPr>
+          <a:xfrm>
+            <a:off x="7327644" y="5459659"/>
+            <a:ext cx="989045" cy="601467"/>
+          </a:xfrm>
+          <a:prstGeom prst="rect">
+            <a:avLst/>
+          </a:prstGeom>
+          <a:noFill/>
+        </p:spPr>
+        <p:style>
+          <a:lnRef idx="2">
+            <a:schemeClr val="accent1">
+              <a:shade val="50000"/>
+            </a:schemeClr>
+          </a:lnRef>
+          <a:fillRef idx="1">
+            <a:schemeClr val="accent1"/>
+          </a:fillRef>
+          <a:effectRef idx="0">
+            <a:schemeClr val="accent1"/>
+          </a:effectRef>
+          <a:fontRef idx="minor">
+            <a:schemeClr val="lt1"/>
+          </a:fontRef>
+        </p:style>
+        <p:txBody>
+          <a:bodyPr rtlCol="0" anchor="ctr"/>
+          <a:lstStyle/>
+          <a:p>
+            <a:pPr algn="ctr"/>
+            <a:endParaRPr lang="en-GB" dirty="0"/>
+          </a:p>
+        </p:txBody>
+      </p:sp>
+      <p:cxnSp>
+        <p:nvCxnSpPr>
+          <p:cNvPr id="16" name="Straight Arrow Connector 15">
+            <a:extLst>
+              <a:ext uri="{FF2B5EF4-FFF2-40B4-BE49-F238E27FC236}">
+                <a16:creationId xmlns:a16="http://schemas.microsoft.com/office/drawing/2014/main" id="{6B842756-C159-4E09-9251-EB7C659C291F}"/>
+              </a:ext>
+            </a:extLst>
+          </p:cNvPr>
+          <p:cNvCxnSpPr>
+            <a:stCxn id="15" idx="3"/>
+          </p:cNvCxnSpPr>
+          <p:nvPr/>
+        </p:nvCxnSpPr>
+        <p:spPr>
+          <a:xfrm flipV="1">
+            <a:off x="8316689" y="5758239"/>
+            <a:ext cx="718458" cy="2154"/>
+          </a:xfrm>
+          <a:prstGeom prst="straightConnector1">
+            <a:avLst/>
+          </a:prstGeom>
+          <a:ln>
+            <a:tailEnd type="triangle"/>
+          </a:ln>
+        </p:spPr>
+        <p:style>
+          <a:lnRef idx="1">
+            <a:schemeClr val="accent1"/>
+          </a:lnRef>
+          <a:fillRef idx="0">
+            <a:schemeClr val="accent1"/>
+          </a:fillRef>
+          <a:effectRef idx="0">
+            <a:schemeClr val="accent1"/>
+          </a:effectRef>
+          <a:fontRef idx="minor">
+            <a:schemeClr val="tx1"/>
+          </a:fontRef>
+        </p:style>
+      </p:cxnSp>
+      <p:sp>
+        <p:nvSpPr>
+          <p:cNvPr id="17" name="TextBox 16">
+            <a:extLst>
+              <a:ext uri="{FF2B5EF4-FFF2-40B4-BE49-F238E27FC236}">
+                <a16:creationId xmlns:a16="http://schemas.microsoft.com/office/drawing/2014/main" id="{9A1B405F-EC59-411D-9D39-26510515F199}"/>
+              </a:ext>
+            </a:extLst>
+          </p:cNvPr>
+          <p:cNvSpPr txBox="1"/>
+          <p:nvPr/>
+        </p:nvSpPr>
+        <p:spPr>
+          <a:xfrm>
+            <a:off x="7346306" y="5471144"/>
+            <a:ext cx="925284" cy="646331"/>
+          </a:xfrm>
+          <a:prstGeom prst="rect">
+            <a:avLst/>
+          </a:prstGeom>
+          <a:noFill/>
+        </p:spPr>
+        <p:txBody>
+          <a:bodyPr wrap="square" rtlCol="0">
+            <a:spAutoFit/>
+          </a:bodyPr>
+          <a:lstStyle/>
+          <a:p>
+            <a:r>
+              <a:rPr lang="en-GB" dirty="0"/>
+              <a:t>Predict genes</a:t>
+            </a:r>
+          </a:p>
+        </p:txBody>
+      </p:sp>
+      <p:sp>
+        <p:nvSpPr>
+          <p:cNvPr id="18" name="Rectangle 17">
+            <a:extLst>
+              <a:ext uri="{FF2B5EF4-FFF2-40B4-BE49-F238E27FC236}">
+                <a16:creationId xmlns:a16="http://schemas.microsoft.com/office/drawing/2014/main" id="{1DABA140-2B6B-4ACE-91EF-60C3899D38FB}"/>
+              </a:ext>
+            </a:extLst>
+          </p:cNvPr>
+          <p:cNvSpPr/>
+          <p:nvPr/>
+        </p:nvSpPr>
+        <p:spPr>
+          <a:xfrm>
+            <a:off x="9035147" y="5452183"/>
+            <a:ext cx="989045" cy="1327579"/>
+          </a:xfrm>
+          <a:prstGeom prst="rect">
+            <a:avLst/>
+          </a:prstGeom>
+          <a:noFill/>
+        </p:spPr>
+        <p:style>
+          <a:lnRef idx="2">
+            <a:schemeClr val="accent1">
+              <a:shade val="50000"/>
+            </a:schemeClr>
+          </a:lnRef>
+          <a:fillRef idx="1">
+            <a:schemeClr val="accent1"/>
+          </a:fillRef>
+          <a:effectRef idx="0">
+            <a:schemeClr val="accent1"/>
+          </a:effectRef>
+          <a:fontRef idx="minor">
+            <a:schemeClr val="lt1"/>
+          </a:fontRef>
+        </p:style>
+        <p:txBody>
+          <a:bodyPr rtlCol="0" anchor="ctr"/>
+          <a:lstStyle/>
+          <a:p>
+            <a:pPr algn="ctr"/>
+            <a:endParaRPr lang="en-GB" dirty="0"/>
+          </a:p>
+        </p:txBody>
+      </p:sp>
+      <p:sp>
+        <p:nvSpPr>
+          <p:cNvPr id="19" name="TextBox 18">
+            <a:extLst>
+              <a:ext uri="{FF2B5EF4-FFF2-40B4-BE49-F238E27FC236}">
+                <a16:creationId xmlns:a16="http://schemas.microsoft.com/office/drawing/2014/main" id="{6F3F1A4F-61AD-4B30-91C0-1DF6DE4ACA01}"/>
+              </a:ext>
+            </a:extLst>
+          </p:cNvPr>
+          <p:cNvSpPr txBox="1"/>
+          <p:nvPr/>
+        </p:nvSpPr>
+        <p:spPr>
+          <a:xfrm>
+            <a:off x="9186770" y="5515807"/>
+            <a:ext cx="925284" cy="1200329"/>
+          </a:xfrm>
+          <a:prstGeom prst="rect">
+            <a:avLst/>
+          </a:prstGeom>
+          <a:noFill/>
+        </p:spPr>
+        <p:txBody>
+          <a:bodyPr wrap="square" rtlCol="0">
+            <a:spAutoFit/>
+          </a:bodyPr>
+          <a:lstStyle/>
+          <a:p>
+            <a:r>
+              <a:rPr lang="en-GB" sz="1200" dirty="0"/>
+              <a:t>Draw a genome diagram with the genes marked</a:t>
+            </a:r>
+          </a:p>
+        </p:txBody>
+      </p:sp>
+      <p:cxnSp>
+        <p:nvCxnSpPr>
+          <p:cNvPr id="20" name="Connector: Elbow 19">
+            <a:extLst>
+              <a:ext uri="{FF2B5EF4-FFF2-40B4-BE49-F238E27FC236}">
+                <a16:creationId xmlns:a16="http://schemas.microsoft.com/office/drawing/2014/main" id="{255AD49A-0860-4AA3-97B6-4F024BDF079A}"/>
+              </a:ext>
+            </a:extLst>
+          </p:cNvPr>
+          <p:cNvCxnSpPr>
+            <a:cxnSpLocks/>
+          </p:cNvCxnSpPr>
+          <p:nvPr/>
+        </p:nvCxnSpPr>
+        <p:spPr>
+          <a:xfrm flipV="1">
+            <a:off x="5987143" y="4516016"/>
+            <a:ext cx="2802294" cy="879820"/>
+          </a:xfrm>
+          <a:prstGeom prst="bentConnector3">
+            <a:avLst>
+              <a:gd name="adj1" fmla="val -943"/>
+            </a:avLst>
+          </a:prstGeom>
+          <a:ln>
+            <a:tailEnd type="triangle"/>
+          </a:ln>
+        </p:spPr>
+        <p:style>
+          <a:lnRef idx="1">
+            <a:schemeClr val="accent1"/>
+          </a:lnRef>
+          <a:fillRef idx="0">
+            <a:schemeClr val="accent1"/>
+          </a:fillRef>
+          <a:effectRef idx="0">
+            <a:schemeClr val="accent1"/>
+          </a:effectRef>
+          <a:fontRef idx="minor">
+            <a:schemeClr val="tx1"/>
+          </a:fontRef>
+        </p:style>
+      </p:cxnSp>
+      <p:sp>
+        <p:nvSpPr>
+          <p:cNvPr id="21" name="Rectangle 20">
+            <a:extLst>
+              <a:ext uri="{FF2B5EF4-FFF2-40B4-BE49-F238E27FC236}">
+                <a16:creationId xmlns:a16="http://schemas.microsoft.com/office/drawing/2014/main" id="{1DB08E71-3D8D-4F0F-B5BA-23E1EB80A470}"/>
+              </a:ext>
+            </a:extLst>
+          </p:cNvPr>
+          <p:cNvSpPr/>
+          <p:nvPr/>
+        </p:nvSpPr>
+        <p:spPr>
+          <a:xfrm>
+            <a:off x="8789435" y="4231775"/>
+            <a:ext cx="989045" cy="601467"/>
+          </a:xfrm>
+          <a:prstGeom prst="rect">
+            <a:avLst/>
+          </a:prstGeom>
+          <a:noFill/>
+        </p:spPr>
+        <p:style>
+          <a:lnRef idx="2">
+            <a:schemeClr val="accent1">
+              <a:shade val="50000"/>
+            </a:schemeClr>
+          </a:lnRef>
+          <a:fillRef idx="1">
+            <a:schemeClr val="accent1"/>
+          </a:fillRef>
+          <a:effectRef idx="0">
+            <a:schemeClr val="accent1"/>
+          </a:effectRef>
+          <a:fontRef idx="minor">
+            <a:schemeClr val="lt1"/>
+          </a:fontRef>
+        </p:style>
+        <p:txBody>
+          <a:bodyPr rtlCol="0" anchor="ctr"/>
+          <a:lstStyle/>
+          <a:p>
+            <a:pPr algn="ctr"/>
+            <a:endParaRPr lang="en-GB" dirty="0"/>
+          </a:p>
+        </p:txBody>
+      </p:sp>
+      <p:sp>
+        <p:nvSpPr>
+          <p:cNvPr id="22" name="TextBox 21">
+            <a:extLst>
+              <a:ext uri="{FF2B5EF4-FFF2-40B4-BE49-F238E27FC236}">
+                <a16:creationId xmlns:a16="http://schemas.microsoft.com/office/drawing/2014/main" id="{8FEA7CFD-0E84-4FDE-96A9-28658441DE8F}"/>
+              </a:ext>
+            </a:extLst>
+          </p:cNvPr>
+          <p:cNvSpPr txBox="1"/>
+          <p:nvPr/>
+        </p:nvSpPr>
+        <p:spPr>
+          <a:xfrm>
+            <a:off x="8808097" y="4243260"/>
+            <a:ext cx="925284" cy="646331"/>
+          </a:xfrm>
+          <a:prstGeom prst="rect">
+            <a:avLst/>
+          </a:prstGeom>
+          <a:noFill/>
+        </p:spPr>
+        <p:txBody>
+          <a:bodyPr wrap="square" rtlCol="0">
+            <a:spAutoFit/>
+          </a:bodyPr>
+          <a:lstStyle/>
+          <a:p>
+            <a:r>
+              <a:rPr lang="en-GB" dirty="0"/>
+              <a:t>BLAST: identify</a:t>
+            </a:r>
+          </a:p>
+        </p:txBody>
+      </p:sp>
     </p:spTree>
     <p:extLst>
       <p:ext uri="{BB962C8B-B14F-4D97-AF65-F5344CB8AC3E}">
@@ -4812,7 +5645,7 @@
         </p:nvSpPr>
         <p:spPr>
           <a:xfrm>
-            <a:off x="232611" y="1825625"/>
+            <a:off x="120643" y="1424409"/>
             <a:ext cx="11662610" cy="4351338"/>
           </a:xfrm>
         </p:spPr>
@@ -4869,16 +5702,14 @@
             <a:pPr marL="0" indent="0">
               <a:buNone/>
             </a:pPr>
-            <a:endParaRPr lang="it-IT" dirty="0">
-              <a:solidFill>
-                <a:srgbClr val="0070C0"/>
-              </a:solidFill>
-            </a:endParaRPr>
-          </a:p>
-          <a:p>
-            <a:pPr marL="0" indent="0">
-              <a:buNone/>
-            </a:pPr>
+            <a:r>
+              <a:rPr lang="en-GB" dirty="0">
+                <a:solidFill>
+                  <a:srgbClr val="0070C0"/>
+                </a:solidFill>
+              </a:rPr>
+              <a:t>        </a:t>
+            </a:r>
             <a:r>
               <a:rPr lang="en-GB" dirty="0" err="1">
                 <a:solidFill>
@@ -4950,6 +5781,843 @@
                 <a:srgbClr val="FFFF00"/>
               </a:highlight>
             </a:endParaRPr>
+          </a:p>
+        </p:txBody>
+      </p:sp>
+      <p:sp>
+        <p:nvSpPr>
+          <p:cNvPr id="5" name="Rectangle 4">
+            <a:extLst>
+              <a:ext uri="{FF2B5EF4-FFF2-40B4-BE49-F238E27FC236}">
+                <a16:creationId xmlns:a16="http://schemas.microsoft.com/office/drawing/2014/main" id="{7EEF952C-4C11-4536-A8D0-4D3F6F5A06CE}"/>
+              </a:ext>
+            </a:extLst>
+          </p:cNvPr>
+          <p:cNvSpPr/>
+          <p:nvPr/>
+        </p:nvSpPr>
+        <p:spPr>
+          <a:xfrm>
+            <a:off x="111967" y="5495730"/>
+            <a:ext cx="989045" cy="601467"/>
+          </a:xfrm>
+          <a:prstGeom prst="rect">
+            <a:avLst/>
+          </a:prstGeom>
+          <a:noFill/>
+        </p:spPr>
+        <p:style>
+          <a:lnRef idx="2">
+            <a:schemeClr val="accent1">
+              <a:shade val="50000"/>
+            </a:schemeClr>
+          </a:lnRef>
+          <a:fillRef idx="1">
+            <a:schemeClr val="accent1"/>
+          </a:fillRef>
+          <a:effectRef idx="0">
+            <a:schemeClr val="accent1"/>
+          </a:effectRef>
+          <a:fontRef idx="minor">
+            <a:schemeClr val="lt1"/>
+          </a:fontRef>
+        </p:style>
+        <p:txBody>
+          <a:bodyPr rtlCol="0" anchor="ctr"/>
+          <a:lstStyle/>
+          <a:p>
+            <a:pPr algn="ctr"/>
+            <a:endParaRPr lang="en-GB" dirty="0"/>
+          </a:p>
+        </p:txBody>
+      </p:sp>
+      <p:cxnSp>
+        <p:nvCxnSpPr>
+          <p:cNvPr id="6" name="Straight Arrow Connector 5">
+            <a:extLst>
+              <a:ext uri="{FF2B5EF4-FFF2-40B4-BE49-F238E27FC236}">
+                <a16:creationId xmlns:a16="http://schemas.microsoft.com/office/drawing/2014/main" id="{0E5FBF8F-8EA4-42F4-B5C2-02D5885563A2}"/>
+              </a:ext>
+            </a:extLst>
+          </p:cNvPr>
+          <p:cNvCxnSpPr>
+            <a:stCxn id="5" idx="3"/>
+          </p:cNvCxnSpPr>
+          <p:nvPr/>
+        </p:nvCxnSpPr>
+        <p:spPr>
+          <a:xfrm flipV="1">
+            <a:off x="1101012" y="5794310"/>
+            <a:ext cx="718458" cy="2154"/>
+          </a:xfrm>
+          <a:prstGeom prst="straightConnector1">
+            <a:avLst/>
+          </a:prstGeom>
+          <a:ln>
+            <a:tailEnd type="triangle"/>
+          </a:ln>
+        </p:spPr>
+        <p:style>
+          <a:lnRef idx="1">
+            <a:schemeClr val="accent1"/>
+          </a:lnRef>
+          <a:fillRef idx="0">
+            <a:schemeClr val="accent1"/>
+          </a:fillRef>
+          <a:effectRef idx="0">
+            <a:schemeClr val="accent1"/>
+          </a:effectRef>
+          <a:fontRef idx="minor">
+            <a:schemeClr val="tx1"/>
+          </a:fontRef>
+        </p:style>
+      </p:cxnSp>
+      <p:sp>
+        <p:nvSpPr>
+          <p:cNvPr id="7" name="TextBox 6">
+            <a:extLst>
+              <a:ext uri="{FF2B5EF4-FFF2-40B4-BE49-F238E27FC236}">
+                <a16:creationId xmlns:a16="http://schemas.microsoft.com/office/drawing/2014/main" id="{9B1BEF47-F4B7-48BE-BB2F-65B3E2258040}"/>
+              </a:ext>
+            </a:extLst>
+          </p:cNvPr>
+          <p:cNvSpPr txBox="1"/>
+          <p:nvPr/>
+        </p:nvSpPr>
+        <p:spPr>
+          <a:xfrm>
+            <a:off x="130629" y="5507215"/>
+            <a:ext cx="925284" cy="646331"/>
+          </a:xfrm>
+          <a:prstGeom prst="rect">
+            <a:avLst/>
+          </a:prstGeom>
+          <a:noFill/>
+        </p:spPr>
+        <p:txBody>
+          <a:bodyPr wrap="square" rtlCol="0">
+            <a:spAutoFit/>
+          </a:bodyPr>
+          <a:lstStyle/>
+          <a:p>
+            <a:r>
+              <a:rPr lang="en-GB" dirty="0"/>
+              <a:t>Quality control</a:t>
+            </a:r>
+          </a:p>
+        </p:txBody>
+      </p:sp>
+      <p:sp>
+        <p:nvSpPr>
+          <p:cNvPr id="8" name="Rectangle 7">
+            <a:extLst>
+              <a:ext uri="{FF2B5EF4-FFF2-40B4-BE49-F238E27FC236}">
+                <a16:creationId xmlns:a16="http://schemas.microsoft.com/office/drawing/2014/main" id="{3B003409-5412-46E0-BB19-C02E79C74EA8}"/>
+              </a:ext>
+            </a:extLst>
+          </p:cNvPr>
+          <p:cNvSpPr/>
+          <p:nvPr/>
+        </p:nvSpPr>
+        <p:spPr>
+          <a:xfrm>
+            <a:off x="1813250" y="5480176"/>
+            <a:ext cx="989045" cy="601467"/>
+          </a:xfrm>
+          <a:prstGeom prst="rect">
+            <a:avLst/>
+          </a:prstGeom>
+          <a:noFill/>
+        </p:spPr>
+        <p:style>
+          <a:lnRef idx="2">
+            <a:schemeClr val="accent1">
+              <a:shade val="50000"/>
+            </a:schemeClr>
+          </a:lnRef>
+          <a:fillRef idx="1">
+            <a:schemeClr val="accent1"/>
+          </a:fillRef>
+          <a:effectRef idx="0">
+            <a:schemeClr val="accent1"/>
+          </a:effectRef>
+          <a:fontRef idx="minor">
+            <a:schemeClr val="lt1"/>
+          </a:fontRef>
+        </p:style>
+        <p:txBody>
+          <a:bodyPr rtlCol="0" anchor="ctr"/>
+          <a:lstStyle/>
+          <a:p>
+            <a:pPr algn="ctr"/>
+            <a:endParaRPr lang="en-GB" dirty="0"/>
+          </a:p>
+        </p:txBody>
+      </p:sp>
+      <p:cxnSp>
+        <p:nvCxnSpPr>
+          <p:cNvPr id="9" name="Straight Arrow Connector 8">
+            <a:extLst>
+              <a:ext uri="{FF2B5EF4-FFF2-40B4-BE49-F238E27FC236}">
+                <a16:creationId xmlns:a16="http://schemas.microsoft.com/office/drawing/2014/main" id="{10F90946-0ED5-49B9-847A-37ABD22E2D9A}"/>
+              </a:ext>
+            </a:extLst>
+          </p:cNvPr>
+          <p:cNvCxnSpPr>
+            <a:stCxn id="8" idx="3"/>
+          </p:cNvCxnSpPr>
+          <p:nvPr/>
+        </p:nvCxnSpPr>
+        <p:spPr>
+          <a:xfrm flipV="1">
+            <a:off x="2802295" y="5778756"/>
+            <a:ext cx="718458" cy="2154"/>
+          </a:xfrm>
+          <a:prstGeom prst="straightConnector1">
+            <a:avLst/>
+          </a:prstGeom>
+          <a:ln>
+            <a:tailEnd type="triangle"/>
+          </a:ln>
+        </p:spPr>
+        <p:style>
+          <a:lnRef idx="1">
+            <a:schemeClr val="accent1"/>
+          </a:lnRef>
+          <a:fillRef idx="0">
+            <a:schemeClr val="accent1"/>
+          </a:fillRef>
+          <a:effectRef idx="0">
+            <a:schemeClr val="accent1"/>
+          </a:effectRef>
+          <a:fontRef idx="minor">
+            <a:schemeClr val="tx1"/>
+          </a:fontRef>
+        </p:style>
+      </p:cxnSp>
+      <p:sp>
+        <p:nvSpPr>
+          <p:cNvPr id="10" name="TextBox 9">
+            <a:extLst>
+              <a:ext uri="{FF2B5EF4-FFF2-40B4-BE49-F238E27FC236}">
+                <a16:creationId xmlns:a16="http://schemas.microsoft.com/office/drawing/2014/main" id="{34457FBB-87DB-440E-AABE-929972E21F27}"/>
+              </a:ext>
+            </a:extLst>
+          </p:cNvPr>
+          <p:cNvSpPr txBox="1"/>
+          <p:nvPr/>
+        </p:nvSpPr>
+        <p:spPr>
+          <a:xfrm>
+            <a:off x="1831912" y="5491661"/>
+            <a:ext cx="925284" cy="646331"/>
+          </a:xfrm>
+          <a:prstGeom prst="rect">
+            <a:avLst/>
+          </a:prstGeom>
+          <a:noFill/>
+        </p:spPr>
+        <p:txBody>
+          <a:bodyPr wrap="square" rtlCol="0">
+            <a:spAutoFit/>
+          </a:bodyPr>
+          <a:lstStyle/>
+          <a:p>
+            <a:r>
+              <a:rPr lang="en-GB" dirty="0"/>
+              <a:t>Quality trim</a:t>
+            </a:r>
+          </a:p>
+        </p:txBody>
+      </p:sp>
+      <p:sp>
+        <p:nvSpPr>
+          <p:cNvPr id="11" name="Rectangle 10">
+            <a:extLst>
+              <a:ext uri="{FF2B5EF4-FFF2-40B4-BE49-F238E27FC236}">
+                <a16:creationId xmlns:a16="http://schemas.microsoft.com/office/drawing/2014/main" id="{07380F61-31A7-4EC8-B256-961342BFBB84}"/>
+              </a:ext>
+            </a:extLst>
+          </p:cNvPr>
+          <p:cNvSpPr/>
+          <p:nvPr/>
+        </p:nvSpPr>
+        <p:spPr>
+          <a:xfrm>
+            <a:off x="3558073" y="5470844"/>
+            <a:ext cx="989045" cy="601467"/>
+          </a:xfrm>
+          <a:prstGeom prst="rect">
+            <a:avLst/>
+          </a:prstGeom>
+          <a:noFill/>
+        </p:spPr>
+        <p:style>
+          <a:lnRef idx="2">
+            <a:schemeClr val="accent1">
+              <a:shade val="50000"/>
+            </a:schemeClr>
+          </a:lnRef>
+          <a:fillRef idx="1">
+            <a:schemeClr val="accent1"/>
+          </a:fillRef>
+          <a:effectRef idx="0">
+            <a:schemeClr val="accent1"/>
+          </a:effectRef>
+          <a:fontRef idx="minor">
+            <a:schemeClr val="lt1"/>
+          </a:fontRef>
+        </p:style>
+        <p:txBody>
+          <a:bodyPr rtlCol="0" anchor="ctr"/>
+          <a:lstStyle/>
+          <a:p>
+            <a:pPr algn="ctr"/>
+            <a:endParaRPr lang="en-GB" dirty="0"/>
+          </a:p>
+        </p:txBody>
+      </p:sp>
+      <p:cxnSp>
+        <p:nvCxnSpPr>
+          <p:cNvPr id="12" name="Straight Arrow Connector 11">
+            <a:extLst>
+              <a:ext uri="{FF2B5EF4-FFF2-40B4-BE49-F238E27FC236}">
+                <a16:creationId xmlns:a16="http://schemas.microsoft.com/office/drawing/2014/main" id="{BABB8E3B-20A9-417A-B595-3A4A532ED13C}"/>
+              </a:ext>
+            </a:extLst>
+          </p:cNvPr>
+          <p:cNvCxnSpPr>
+            <a:stCxn id="11" idx="3"/>
+          </p:cNvCxnSpPr>
+          <p:nvPr/>
+        </p:nvCxnSpPr>
+        <p:spPr>
+          <a:xfrm flipV="1">
+            <a:off x="4547118" y="5769424"/>
+            <a:ext cx="718458" cy="2154"/>
+          </a:xfrm>
+          <a:prstGeom prst="straightConnector1">
+            <a:avLst/>
+          </a:prstGeom>
+          <a:ln>
+            <a:tailEnd type="triangle"/>
+          </a:ln>
+        </p:spPr>
+        <p:style>
+          <a:lnRef idx="1">
+            <a:schemeClr val="accent1"/>
+          </a:lnRef>
+          <a:fillRef idx="0">
+            <a:schemeClr val="accent1"/>
+          </a:fillRef>
+          <a:effectRef idx="0">
+            <a:schemeClr val="accent1"/>
+          </a:effectRef>
+          <a:fontRef idx="minor">
+            <a:schemeClr val="tx1"/>
+          </a:fontRef>
+        </p:style>
+      </p:cxnSp>
+      <p:sp>
+        <p:nvSpPr>
+          <p:cNvPr id="13" name="TextBox 12">
+            <a:extLst>
+              <a:ext uri="{FF2B5EF4-FFF2-40B4-BE49-F238E27FC236}">
+                <a16:creationId xmlns:a16="http://schemas.microsoft.com/office/drawing/2014/main" id="{86512BE6-0E48-4AEE-82CE-C5DF4DB42099}"/>
+              </a:ext>
+            </a:extLst>
+          </p:cNvPr>
+          <p:cNvSpPr txBox="1"/>
+          <p:nvPr/>
+        </p:nvSpPr>
+        <p:spPr>
+          <a:xfrm>
+            <a:off x="3576735" y="5482329"/>
+            <a:ext cx="925284" cy="646331"/>
+          </a:xfrm>
+          <a:prstGeom prst="rect">
+            <a:avLst/>
+          </a:prstGeom>
+          <a:noFill/>
+        </p:spPr>
+        <p:txBody>
+          <a:bodyPr wrap="square" rtlCol="0">
+            <a:spAutoFit/>
+          </a:bodyPr>
+          <a:lstStyle/>
+          <a:p>
+            <a:r>
+              <a:rPr lang="en-GB" dirty="0"/>
+              <a:t>Quality control</a:t>
+            </a:r>
+          </a:p>
+        </p:txBody>
+      </p:sp>
+      <p:sp>
+        <p:nvSpPr>
+          <p:cNvPr id="14" name="Rectangle 13">
+            <a:extLst>
+              <a:ext uri="{FF2B5EF4-FFF2-40B4-BE49-F238E27FC236}">
+                <a16:creationId xmlns:a16="http://schemas.microsoft.com/office/drawing/2014/main" id="{F17446BA-2BB3-4ED1-B0BE-E956553F7117}"/>
+              </a:ext>
+            </a:extLst>
+          </p:cNvPr>
+          <p:cNvSpPr/>
+          <p:nvPr/>
+        </p:nvSpPr>
+        <p:spPr>
+          <a:xfrm>
+            <a:off x="5274908" y="5452183"/>
+            <a:ext cx="1331165" cy="1336195"/>
+          </a:xfrm>
+          <a:prstGeom prst="rect">
+            <a:avLst/>
+          </a:prstGeom>
+          <a:noFill/>
+        </p:spPr>
+        <p:style>
+          <a:lnRef idx="2">
+            <a:schemeClr val="accent1">
+              <a:shade val="50000"/>
+            </a:schemeClr>
+          </a:lnRef>
+          <a:fillRef idx="1">
+            <a:schemeClr val="accent1"/>
+          </a:fillRef>
+          <a:effectRef idx="0">
+            <a:schemeClr val="accent1"/>
+          </a:effectRef>
+          <a:fontRef idx="minor">
+            <a:schemeClr val="lt1"/>
+          </a:fontRef>
+        </p:style>
+        <p:txBody>
+          <a:bodyPr rtlCol="0" anchor="ctr"/>
+          <a:lstStyle/>
+          <a:p>
+            <a:pPr algn="ctr"/>
+            <a:endParaRPr lang="en-GB" dirty="0"/>
+          </a:p>
+        </p:txBody>
+      </p:sp>
+      <p:sp>
+        <p:nvSpPr>
+          <p:cNvPr id="15" name="TextBox 14">
+            <a:extLst>
+              <a:ext uri="{FF2B5EF4-FFF2-40B4-BE49-F238E27FC236}">
+                <a16:creationId xmlns:a16="http://schemas.microsoft.com/office/drawing/2014/main" id="{79EE999B-47FC-45FA-918B-3EBC1718F83D}"/>
+              </a:ext>
+            </a:extLst>
+          </p:cNvPr>
+          <p:cNvSpPr txBox="1"/>
+          <p:nvPr/>
+        </p:nvSpPr>
+        <p:spPr>
+          <a:xfrm>
+            <a:off x="5274907" y="5491661"/>
+            <a:ext cx="1424473" cy="1107996"/>
+          </a:xfrm>
+          <a:prstGeom prst="rect">
+            <a:avLst/>
+          </a:prstGeom>
+          <a:noFill/>
+        </p:spPr>
+        <p:txBody>
+          <a:bodyPr wrap="square" rtlCol="0">
+            <a:spAutoFit/>
+          </a:bodyPr>
+          <a:lstStyle/>
+          <a:p>
+            <a:r>
+              <a:rPr lang="en-GB" dirty="0"/>
+              <a:t>Assemble </a:t>
+            </a:r>
+            <a:r>
+              <a:rPr lang="en-GB" sz="1600" dirty="0"/>
+              <a:t>(different </a:t>
+            </a:r>
+            <a:r>
+              <a:rPr lang="en-GB" sz="1600" dirty="0" err="1"/>
+              <a:t>kmers</a:t>
+            </a:r>
+            <a:r>
+              <a:rPr lang="en-GB" sz="1600" dirty="0"/>
+              <a:t>, different tools)</a:t>
+            </a:r>
+            <a:endParaRPr lang="en-GB" dirty="0"/>
+          </a:p>
+        </p:txBody>
+      </p:sp>
+      <p:cxnSp>
+        <p:nvCxnSpPr>
+          <p:cNvPr id="16" name="Straight Arrow Connector 15">
+            <a:extLst>
+              <a:ext uri="{FF2B5EF4-FFF2-40B4-BE49-F238E27FC236}">
+                <a16:creationId xmlns:a16="http://schemas.microsoft.com/office/drawing/2014/main" id="{CD99B482-FBB7-4546-ABE8-D06019A61D38}"/>
+              </a:ext>
+            </a:extLst>
+          </p:cNvPr>
+          <p:cNvCxnSpPr/>
+          <p:nvPr/>
+        </p:nvCxnSpPr>
+        <p:spPr>
+          <a:xfrm flipV="1">
+            <a:off x="6627848" y="5769424"/>
+            <a:ext cx="718458" cy="2154"/>
+          </a:xfrm>
+          <a:prstGeom prst="straightConnector1">
+            <a:avLst/>
+          </a:prstGeom>
+          <a:ln>
+            <a:tailEnd type="triangle"/>
+          </a:ln>
+        </p:spPr>
+        <p:style>
+          <a:lnRef idx="1">
+            <a:schemeClr val="accent1"/>
+          </a:lnRef>
+          <a:fillRef idx="0">
+            <a:schemeClr val="accent1"/>
+          </a:fillRef>
+          <a:effectRef idx="0">
+            <a:schemeClr val="accent1"/>
+          </a:effectRef>
+          <a:fontRef idx="minor">
+            <a:schemeClr val="tx1"/>
+          </a:fontRef>
+        </p:style>
+      </p:cxnSp>
+      <p:sp>
+        <p:nvSpPr>
+          <p:cNvPr id="17" name="Rectangle 16">
+            <a:extLst>
+              <a:ext uri="{FF2B5EF4-FFF2-40B4-BE49-F238E27FC236}">
+                <a16:creationId xmlns:a16="http://schemas.microsoft.com/office/drawing/2014/main" id="{FBB3767F-6976-4250-810B-36152B404336}"/>
+              </a:ext>
+            </a:extLst>
+          </p:cNvPr>
+          <p:cNvSpPr/>
+          <p:nvPr/>
+        </p:nvSpPr>
+        <p:spPr>
+          <a:xfrm>
+            <a:off x="7327644" y="5459659"/>
+            <a:ext cx="989045" cy="601467"/>
+          </a:xfrm>
+          <a:prstGeom prst="rect">
+            <a:avLst/>
+          </a:prstGeom>
+          <a:noFill/>
+        </p:spPr>
+        <p:style>
+          <a:lnRef idx="2">
+            <a:schemeClr val="accent1">
+              <a:shade val="50000"/>
+            </a:schemeClr>
+          </a:lnRef>
+          <a:fillRef idx="1">
+            <a:schemeClr val="accent1"/>
+          </a:fillRef>
+          <a:effectRef idx="0">
+            <a:schemeClr val="accent1"/>
+          </a:effectRef>
+          <a:fontRef idx="minor">
+            <a:schemeClr val="lt1"/>
+          </a:fontRef>
+        </p:style>
+        <p:txBody>
+          <a:bodyPr rtlCol="0" anchor="ctr"/>
+          <a:lstStyle/>
+          <a:p>
+            <a:pPr algn="ctr"/>
+            <a:endParaRPr lang="en-GB" dirty="0"/>
+          </a:p>
+        </p:txBody>
+      </p:sp>
+      <p:cxnSp>
+        <p:nvCxnSpPr>
+          <p:cNvPr id="18" name="Straight Arrow Connector 17">
+            <a:extLst>
+              <a:ext uri="{FF2B5EF4-FFF2-40B4-BE49-F238E27FC236}">
+                <a16:creationId xmlns:a16="http://schemas.microsoft.com/office/drawing/2014/main" id="{535365D5-48C4-4405-AA67-BE25B71FF45F}"/>
+              </a:ext>
+            </a:extLst>
+          </p:cNvPr>
+          <p:cNvCxnSpPr>
+            <a:stCxn id="17" idx="3"/>
+          </p:cNvCxnSpPr>
+          <p:nvPr/>
+        </p:nvCxnSpPr>
+        <p:spPr>
+          <a:xfrm flipV="1">
+            <a:off x="8316689" y="5758239"/>
+            <a:ext cx="718458" cy="2154"/>
+          </a:xfrm>
+          <a:prstGeom prst="straightConnector1">
+            <a:avLst/>
+          </a:prstGeom>
+          <a:ln>
+            <a:tailEnd type="triangle"/>
+          </a:ln>
+        </p:spPr>
+        <p:style>
+          <a:lnRef idx="1">
+            <a:schemeClr val="accent1"/>
+          </a:lnRef>
+          <a:fillRef idx="0">
+            <a:schemeClr val="accent1"/>
+          </a:fillRef>
+          <a:effectRef idx="0">
+            <a:schemeClr val="accent1"/>
+          </a:effectRef>
+          <a:fontRef idx="minor">
+            <a:schemeClr val="tx1"/>
+          </a:fontRef>
+        </p:style>
+      </p:cxnSp>
+      <p:sp>
+        <p:nvSpPr>
+          <p:cNvPr id="19" name="TextBox 18">
+            <a:extLst>
+              <a:ext uri="{FF2B5EF4-FFF2-40B4-BE49-F238E27FC236}">
+                <a16:creationId xmlns:a16="http://schemas.microsoft.com/office/drawing/2014/main" id="{CDB64C45-2906-43DF-871A-94BB47D372E7}"/>
+              </a:ext>
+            </a:extLst>
+          </p:cNvPr>
+          <p:cNvSpPr txBox="1"/>
+          <p:nvPr/>
+        </p:nvSpPr>
+        <p:spPr>
+          <a:xfrm>
+            <a:off x="7346306" y="5471144"/>
+            <a:ext cx="925284" cy="646331"/>
+          </a:xfrm>
+          <a:prstGeom prst="rect">
+            <a:avLst/>
+          </a:prstGeom>
+          <a:noFill/>
+        </p:spPr>
+        <p:txBody>
+          <a:bodyPr wrap="square" rtlCol="0">
+            <a:spAutoFit/>
+          </a:bodyPr>
+          <a:lstStyle/>
+          <a:p>
+            <a:r>
+              <a:rPr lang="en-GB" b="1" dirty="0">
+                <a:highlight>
+                  <a:srgbClr val="FFFF00"/>
+                </a:highlight>
+              </a:rPr>
+              <a:t>Predict genes</a:t>
+            </a:r>
+          </a:p>
+        </p:txBody>
+      </p:sp>
+      <p:sp>
+        <p:nvSpPr>
+          <p:cNvPr id="20" name="Rectangle 19">
+            <a:extLst>
+              <a:ext uri="{FF2B5EF4-FFF2-40B4-BE49-F238E27FC236}">
+                <a16:creationId xmlns:a16="http://schemas.microsoft.com/office/drawing/2014/main" id="{293150DA-E814-47DD-AAE6-AF0C9A0DD23F}"/>
+              </a:ext>
+            </a:extLst>
+          </p:cNvPr>
+          <p:cNvSpPr/>
+          <p:nvPr/>
+        </p:nvSpPr>
+        <p:spPr>
+          <a:xfrm>
+            <a:off x="9035147" y="5452183"/>
+            <a:ext cx="989045" cy="1327579"/>
+          </a:xfrm>
+          <a:prstGeom prst="rect">
+            <a:avLst/>
+          </a:prstGeom>
+          <a:noFill/>
+        </p:spPr>
+        <p:style>
+          <a:lnRef idx="2">
+            <a:schemeClr val="accent1">
+              <a:shade val="50000"/>
+            </a:schemeClr>
+          </a:lnRef>
+          <a:fillRef idx="1">
+            <a:schemeClr val="accent1"/>
+          </a:fillRef>
+          <a:effectRef idx="0">
+            <a:schemeClr val="accent1"/>
+          </a:effectRef>
+          <a:fontRef idx="minor">
+            <a:schemeClr val="lt1"/>
+          </a:fontRef>
+        </p:style>
+        <p:txBody>
+          <a:bodyPr rtlCol="0" anchor="ctr"/>
+          <a:lstStyle/>
+          <a:p>
+            <a:pPr algn="ctr"/>
+            <a:endParaRPr lang="en-GB" dirty="0"/>
+          </a:p>
+        </p:txBody>
+      </p:sp>
+      <p:sp>
+        <p:nvSpPr>
+          <p:cNvPr id="21" name="TextBox 20">
+            <a:extLst>
+              <a:ext uri="{FF2B5EF4-FFF2-40B4-BE49-F238E27FC236}">
+                <a16:creationId xmlns:a16="http://schemas.microsoft.com/office/drawing/2014/main" id="{94B830B4-1078-4902-B4C7-A3F53CE77EA4}"/>
+              </a:ext>
+            </a:extLst>
+          </p:cNvPr>
+          <p:cNvSpPr txBox="1"/>
+          <p:nvPr/>
+        </p:nvSpPr>
+        <p:spPr>
+          <a:xfrm>
+            <a:off x="9186770" y="5515807"/>
+            <a:ext cx="925284" cy="1200329"/>
+          </a:xfrm>
+          <a:prstGeom prst="rect">
+            <a:avLst/>
+          </a:prstGeom>
+          <a:noFill/>
+        </p:spPr>
+        <p:txBody>
+          <a:bodyPr wrap="square" rtlCol="0">
+            <a:spAutoFit/>
+          </a:bodyPr>
+          <a:lstStyle/>
+          <a:p>
+            <a:r>
+              <a:rPr lang="en-GB" sz="1200" dirty="0"/>
+              <a:t>Draw a genome diagram with the genes marked</a:t>
+            </a:r>
+          </a:p>
+        </p:txBody>
+      </p:sp>
+      <p:cxnSp>
+        <p:nvCxnSpPr>
+          <p:cNvPr id="22" name="Connector: Elbow 21">
+            <a:extLst>
+              <a:ext uri="{FF2B5EF4-FFF2-40B4-BE49-F238E27FC236}">
+                <a16:creationId xmlns:a16="http://schemas.microsoft.com/office/drawing/2014/main" id="{C6B23079-61EA-40FE-9E63-F0934ECA9354}"/>
+              </a:ext>
+            </a:extLst>
+          </p:cNvPr>
+          <p:cNvCxnSpPr>
+            <a:cxnSpLocks/>
+          </p:cNvCxnSpPr>
+          <p:nvPr/>
+        </p:nvCxnSpPr>
+        <p:spPr>
+          <a:xfrm flipV="1">
+            <a:off x="5987143" y="4516016"/>
+            <a:ext cx="2802294" cy="879820"/>
+          </a:xfrm>
+          <a:prstGeom prst="bentConnector3">
+            <a:avLst>
+              <a:gd name="adj1" fmla="val -943"/>
+            </a:avLst>
+          </a:prstGeom>
+          <a:ln>
+            <a:tailEnd type="triangle"/>
+          </a:ln>
+        </p:spPr>
+        <p:style>
+          <a:lnRef idx="1">
+            <a:schemeClr val="accent1"/>
+          </a:lnRef>
+          <a:fillRef idx="0">
+            <a:schemeClr val="accent1"/>
+          </a:fillRef>
+          <a:effectRef idx="0">
+            <a:schemeClr val="accent1"/>
+          </a:effectRef>
+          <a:fontRef idx="minor">
+            <a:schemeClr val="tx1"/>
+          </a:fontRef>
+        </p:style>
+      </p:cxnSp>
+      <p:sp>
+        <p:nvSpPr>
+          <p:cNvPr id="23" name="Rectangle 22">
+            <a:extLst>
+              <a:ext uri="{FF2B5EF4-FFF2-40B4-BE49-F238E27FC236}">
+                <a16:creationId xmlns:a16="http://schemas.microsoft.com/office/drawing/2014/main" id="{81F61248-4693-4A20-B190-0D5586A676B5}"/>
+              </a:ext>
+            </a:extLst>
+          </p:cNvPr>
+          <p:cNvSpPr/>
+          <p:nvPr/>
+        </p:nvSpPr>
+        <p:spPr>
+          <a:xfrm>
+            <a:off x="8789435" y="4231775"/>
+            <a:ext cx="989045" cy="601467"/>
+          </a:xfrm>
+          <a:prstGeom prst="rect">
+            <a:avLst/>
+          </a:prstGeom>
+          <a:noFill/>
+        </p:spPr>
+        <p:style>
+          <a:lnRef idx="2">
+            <a:schemeClr val="accent1">
+              <a:shade val="50000"/>
+            </a:schemeClr>
+          </a:lnRef>
+          <a:fillRef idx="1">
+            <a:schemeClr val="accent1"/>
+          </a:fillRef>
+          <a:effectRef idx="0">
+            <a:schemeClr val="accent1"/>
+          </a:effectRef>
+          <a:fontRef idx="minor">
+            <a:schemeClr val="lt1"/>
+          </a:fontRef>
+        </p:style>
+        <p:txBody>
+          <a:bodyPr rtlCol="0" anchor="ctr"/>
+          <a:lstStyle/>
+          <a:p>
+            <a:pPr algn="ctr"/>
+            <a:endParaRPr lang="en-GB" dirty="0"/>
+          </a:p>
+        </p:txBody>
+      </p:sp>
+      <p:sp>
+        <p:nvSpPr>
+          <p:cNvPr id="24" name="TextBox 23">
+            <a:extLst>
+              <a:ext uri="{FF2B5EF4-FFF2-40B4-BE49-F238E27FC236}">
+                <a16:creationId xmlns:a16="http://schemas.microsoft.com/office/drawing/2014/main" id="{4DE2FA0B-6677-4EC5-B8AA-6B491F331B5F}"/>
+              </a:ext>
+            </a:extLst>
+          </p:cNvPr>
+          <p:cNvSpPr txBox="1"/>
+          <p:nvPr/>
+        </p:nvSpPr>
+        <p:spPr>
+          <a:xfrm>
+            <a:off x="8808097" y="4243260"/>
+            <a:ext cx="925284" cy="646331"/>
+          </a:xfrm>
+          <a:prstGeom prst="rect">
+            <a:avLst/>
+          </a:prstGeom>
+          <a:noFill/>
+        </p:spPr>
+        <p:txBody>
+          <a:bodyPr wrap="square" rtlCol="0">
+            <a:spAutoFit/>
+          </a:bodyPr>
+          <a:lstStyle/>
+          <a:p>
+            <a:r>
+              <a:rPr lang="en-GB" dirty="0"/>
+              <a:t>BLAST: identify</a:t>
+            </a:r>
           </a:p>
         </p:txBody>
       </p:sp>
@@ -5346,6 +7014,843 @@
           </a:p>
         </p:txBody>
       </p:sp>
+      <p:sp>
+        <p:nvSpPr>
+          <p:cNvPr id="4" name="Rectangle 3">
+            <a:extLst>
+              <a:ext uri="{FF2B5EF4-FFF2-40B4-BE49-F238E27FC236}">
+                <a16:creationId xmlns:a16="http://schemas.microsoft.com/office/drawing/2014/main" id="{AE88182B-2F97-4082-967F-707721CF0F7D}"/>
+              </a:ext>
+            </a:extLst>
+          </p:cNvPr>
+          <p:cNvSpPr/>
+          <p:nvPr/>
+        </p:nvSpPr>
+        <p:spPr>
+          <a:xfrm>
+            <a:off x="111967" y="5495730"/>
+            <a:ext cx="989045" cy="601467"/>
+          </a:xfrm>
+          <a:prstGeom prst="rect">
+            <a:avLst/>
+          </a:prstGeom>
+          <a:noFill/>
+        </p:spPr>
+        <p:style>
+          <a:lnRef idx="2">
+            <a:schemeClr val="accent1">
+              <a:shade val="50000"/>
+            </a:schemeClr>
+          </a:lnRef>
+          <a:fillRef idx="1">
+            <a:schemeClr val="accent1"/>
+          </a:fillRef>
+          <a:effectRef idx="0">
+            <a:schemeClr val="accent1"/>
+          </a:effectRef>
+          <a:fontRef idx="minor">
+            <a:schemeClr val="lt1"/>
+          </a:fontRef>
+        </p:style>
+        <p:txBody>
+          <a:bodyPr rtlCol="0" anchor="ctr"/>
+          <a:lstStyle/>
+          <a:p>
+            <a:pPr algn="ctr"/>
+            <a:endParaRPr lang="en-GB" dirty="0"/>
+          </a:p>
+        </p:txBody>
+      </p:sp>
+      <p:cxnSp>
+        <p:nvCxnSpPr>
+          <p:cNvPr id="5" name="Straight Arrow Connector 4">
+            <a:extLst>
+              <a:ext uri="{FF2B5EF4-FFF2-40B4-BE49-F238E27FC236}">
+                <a16:creationId xmlns:a16="http://schemas.microsoft.com/office/drawing/2014/main" id="{AEA1C3EB-D2FF-4142-9A49-E4BDEEED2385}"/>
+              </a:ext>
+            </a:extLst>
+          </p:cNvPr>
+          <p:cNvCxnSpPr>
+            <a:stCxn id="4" idx="3"/>
+          </p:cNvCxnSpPr>
+          <p:nvPr/>
+        </p:nvCxnSpPr>
+        <p:spPr>
+          <a:xfrm flipV="1">
+            <a:off x="1101012" y="5794310"/>
+            <a:ext cx="718458" cy="2154"/>
+          </a:xfrm>
+          <a:prstGeom prst="straightConnector1">
+            <a:avLst/>
+          </a:prstGeom>
+          <a:ln>
+            <a:tailEnd type="triangle"/>
+          </a:ln>
+        </p:spPr>
+        <p:style>
+          <a:lnRef idx="1">
+            <a:schemeClr val="accent1"/>
+          </a:lnRef>
+          <a:fillRef idx="0">
+            <a:schemeClr val="accent1"/>
+          </a:fillRef>
+          <a:effectRef idx="0">
+            <a:schemeClr val="accent1"/>
+          </a:effectRef>
+          <a:fontRef idx="minor">
+            <a:schemeClr val="tx1"/>
+          </a:fontRef>
+        </p:style>
+      </p:cxnSp>
+      <p:sp>
+        <p:nvSpPr>
+          <p:cNvPr id="6" name="TextBox 5">
+            <a:extLst>
+              <a:ext uri="{FF2B5EF4-FFF2-40B4-BE49-F238E27FC236}">
+                <a16:creationId xmlns:a16="http://schemas.microsoft.com/office/drawing/2014/main" id="{255D73A5-1C43-4E68-832E-5EE6769B3056}"/>
+              </a:ext>
+            </a:extLst>
+          </p:cNvPr>
+          <p:cNvSpPr txBox="1"/>
+          <p:nvPr/>
+        </p:nvSpPr>
+        <p:spPr>
+          <a:xfrm>
+            <a:off x="130629" y="5507215"/>
+            <a:ext cx="925284" cy="646331"/>
+          </a:xfrm>
+          <a:prstGeom prst="rect">
+            <a:avLst/>
+          </a:prstGeom>
+          <a:noFill/>
+        </p:spPr>
+        <p:txBody>
+          <a:bodyPr wrap="square" rtlCol="0">
+            <a:spAutoFit/>
+          </a:bodyPr>
+          <a:lstStyle/>
+          <a:p>
+            <a:r>
+              <a:rPr lang="en-GB" dirty="0"/>
+              <a:t>Quality control</a:t>
+            </a:r>
+          </a:p>
+        </p:txBody>
+      </p:sp>
+      <p:sp>
+        <p:nvSpPr>
+          <p:cNvPr id="7" name="Rectangle 6">
+            <a:extLst>
+              <a:ext uri="{FF2B5EF4-FFF2-40B4-BE49-F238E27FC236}">
+                <a16:creationId xmlns:a16="http://schemas.microsoft.com/office/drawing/2014/main" id="{3BE0FAFA-CB67-4477-A02D-D1D02F86B859}"/>
+              </a:ext>
+            </a:extLst>
+          </p:cNvPr>
+          <p:cNvSpPr/>
+          <p:nvPr/>
+        </p:nvSpPr>
+        <p:spPr>
+          <a:xfrm>
+            <a:off x="1813250" y="5480176"/>
+            <a:ext cx="989045" cy="601467"/>
+          </a:xfrm>
+          <a:prstGeom prst="rect">
+            <a:avLst/>
+          </a:prstGeom>
+          <a:noFill/>
+        </p:spPr>
+        <p:style>
+          <a:lnRef idx="2">
+            <a:schemeClr val="accent1">
+              <a:shade val="50000"/>
+            </a:schemeClr>
+          </a:lnRef>
+          <a:fillRef idx="1">
+            <a:schemeClr val="accent1"/>
+          </a:fillRef>
+          <a:effectRef idx="0">
+            <a:schemeClr val="accent1"/>
+          </a:effectRef>
+          <a:fontRef idx="minor">
+            <a:schemeClr val="lt1"/>
+          </a:fontRef>
+        </p:style>
+        <p:txBody>
+          <a:bodyPr rtlCol="0" anchor="ctr"/>
+          <a:lstStyle/>
+          <a:p>
+            <a:pPr algn="ctr"/>
+            <a:endParaRPr lang="en-GB" dirty="0"/>
+          </a:p>
+        </p:txBody>
+      </p:sp>
+      <p:cxnSp>
+        <p:nvCxnSpPr>
+          <p:cNvPr id="8" name="Straight Arrow Connector 7">
+            <a:extLst>
+              <a:ext uri="{FF2B5EF4-FFF2-40B4-BE49-F238E27FC236}">
+                <a16:creationId xmlns:a16="http://schemas.microsoft.com/office/drawing/2014/main" id="{2C15DBE7-4A93-4A2C-9141-CFD865B82D6F}"/>
+              </a:ext>
+            </a:extLst>
+          </p:cNvPr>
+          <p:cNvCxnSpPr>
+            <a:stCxn id="7" idx="3"/>
+          </p:cNvCxnSpPr>
+          <p:nvPr/>
+        </p:nvCxnSpPr>
+        <p:spPr>
+          <a:xfrm flipV="1">
+            <a:off x="2802295" y="5778756"/>
+            <a:ext cx="718458" cy="2154"/>
+          </a:xfrm>
+          <a:prstGeom prst="straightConnector1">
+            <a:avLst/>
+          </a:prstGeom>
+          <a:ln>
+            <a:tailEnd type="triangle"/>
+          </a:ln>
+        </p:spPr>
+        <p:style>
+          <a:lnRef idx="1">
+            <a:schemeClr val="accent1"/>
+          </a:lnRef>
+          <a:fillRef idx="0">
+            <a:schemeClr val="accent1"/>
+          </a:fillRef>
+          <a:effectRef idx="0">
+            <a:schemeClr val="accent1"/>
+          </a:effectRef>
+          <a:fontRef idx="minor">
+            <a:schemeClr val="tx1"/>
+          </a:fontRef>
+        </p:style>
+      </p:cxnSp>
+      <p:sp>
+        <p:nvSpPr>
+          <p:cNvPr id="9" name="TextBox 8">
+            <a:extLst>
+              <a:ext uri="{FF2B5EF4-FFF2-40B4-BE49-F238E27FC236}">
+                <a16:creationId xmlns:a16="http://schemas.microsoft.com/office/drawing/2014/main" id="{C37381C0-645D-4DDB-A354-E86C91D6B52D}"/>
+              </a:ext>
+            </a:extLst>
+          </p:cNvPr>
+          <p:cNvSpPr txBox="1"/>
+          <p:nvPr/>
+        </p:nvSpPr>
+        <p:spPr>
+          <a:xfrm>
+            <a:off x="1831912" y="5491661"/>
+            <a:ext cx="925284" cy="646331"/>
+          </a:xfrm>
+          <a:prstGeom prst="rect">
+            <a:avLst/>
+          </a:prstGeom>
+          <a:noFill/>
+        </p:spPr>
+        <p:txBody>
+          <a:bodyPr wrap="square" rtlCol="0">
+            <a:spAutoFit/>
+          </a:bodyPr>
+          <a:lstStyle/>
+          <a:p>
+            <a:r>
+              <a:rPr lang="en-GB" dirty="0"/>
+              <a:t>Quality trim</a:t>
+            </a:r>
+          </a:p>
+        </p:txBody>
+      </p:sp>
+      <p:sp>
+        <p:nvSpPr>
+          <p:cNvPr id="10" name="Rectangle 9">
+            <a:extLst>
+              <a:ext uri="{FF2B5EF4-FFF2-40B4-BE49-F238E27FC236}">
+                <a16:creationId xmlns:a16="http://schemas.microsoft.com/office/drawing/2014/main" id="{DDA8BEFD-D62A-4F77-93AE-95D7B2AC9CC2}"/>
+              </a:ext>
+            </a:extLst>
+          </p:cNvPr>
+          <p:cNvSpPr/>
+          <p:nvPr/>
+        </p:nvSpPr>
+        <p:spPr>
+          <a:xfrm>
+            <a:off x="3558073" y="5470844"/>
+            <a:ext cx="989045" cy="601467"/>
+          </a:xfrm>
+          <a:prstGeom prst="rect">
+            <a:avLst/>
+          </a:prstGeom>
+          <a:noFill/>
+        </p:spPr>
+        <p:style>
+          <a:lnRef idx="2">
+            <a:schemeClr val="accent1">
+              <a:shade val="50000"/>
+            </a:schemeClr>
+          </a:lnRef>
+          <a:fillRef idx="1">
+            <a:schemeClr val="accent1"/>
+          </a:fillRef>
+          <a:effectRef idx="0">
+            <a:schemeClr val="accent1"/>
+          </a:effectRef>
+          <a:fontRef idx="minor">
+            <a:schemeClr val="lt1"/>
+          </a:fontRef>
+        </p:style>
+        <p:txBody>
+          <a:bodyPr rtlCol="0" anchor="ctr"/>
+          <a:lstStyle/>
+          <a:p>
+            <a:pPr algn="ctr"/>
+            <a:endParaRPr lang="en-GB" dirty="0"/>
+          </a:p>
+        </p:txBody>
+      </p:sp>
+      <p:cxnSp>
+        <p:nvCxnSpPr>
+          <p:cNvPr id="11" name="Straight Arrow Connector 10">
+            <a:extLst>
+              <a:ext uri="{FF2B5EF4-FFF2-40B4-BE49-F238E27FC236}">
+                <a16:creationId xmlns:a16="http://schemas.microsoft.com/office/drawing/2014/main" id="{4A75C6D0-BA09-42DB-8EA2-678D0707DB79}"/>
+              </a:ext>
+            </a:extLst>
+          </p:cNvPr>
+          <p:cNvCxnSpPr>
+            <a:stCxn id="10" idx="3"/>
+          </p:cNvCxnSpPr>
+          <p:nvPr/>
+        </p:nvCxnSpPr>
+        <p:spPr>
+          <a:xfrm flipV="1">
+            <a:off x="4547118" y="5769424"/>
+            <a:ext cx="718458" cy="2154"/>
+          </a:xfrm>
+          <a:prstGeom prst="straightConnector1">
+            <a:avLst/>
+          </a:prstGeom>
+          <a:ln>
+            <a:tailEnd type="triangle"/>
+          </a:ln>
+        </p:spPr>
+        <p:style>
+          <a:lnRef idx="1">
+            <a:schemeClr val="accent1"/>
+          </a:lnRef>
+          <a:fillRef idx="0">
+            <a:schemeClr val="accent1"/>
+          </a:fillRef>
+          <a:effectRef idx="0">
+            <a:schemeClr val="accent1"/>
+          </a:effectRef>
+          <a:fontRef idx="minor">
+            <a:schemeClr val="tx1"/>
+          </a:fontRef>
+        </p:style>
+      </p:cxnSp>
+      <p:sp>
+        <p:nvSpPr>
+          <p:cNvPr id="12" name="TextBox 11">
+            <a:extLst>
+              <a:ext uri="{FF2B5EF4-FFF2-40B4-BE49-F238E27FC236}">
+                <a16:creationId xmlns:a16="http://schemas.microsoft.com/office/drawing/2014/main" id="{BC3737DF-C8AD-4133-9839-ADE5301F82F7}"/>
+              </a:ext>
+            </a:extLst>
+          </p:cNvPr>
+          <p:cNvSpPr txBox="1"/>
+          <p:nvPr/>
+        </p:nvSpPr>
+        <p:spPr>
+          <a:xfrm>
+            <a:off x="3576735" y="5482329"/>
+            <a:ext cx="925284" cy="646331"/>
+          </a:xfrm>
+          <a:prstGeom prst="rect">
+            <a:avLst/>
+          </a:prstGeom>
+          <a:noFill/>
+        </p:spPr>
+        <p:txBody>
+          <a:bodyPr wrap="square" rtlCol="0">
+            <a:spAutoFit/>
+          </a:bodyPr>
+          <a:lstStyle/>
+          <a:p>
+            <a:r>
+              <a:rPr lang="en-GB" dirty="0"/>
+              <a:t>Quality control</a:t>
+            </a:r>
+          </a:p>
+        </p:txBody>
+      </p:sp>
+      <p:sp>
+        <p:nvSpPr>
+          <p:cNvPr id="13" name="Rectangle 12">
+            <a:extLst>
+              <a:ext uri="{FF2B5EF4-FFF2-40B4-BE49-F238E27FC236}">
+                <a16:creationId xmlns:a16="http://schemas.microsoft.com/office/drawing/2014/main" id="{BB02B2CD-1CCA-43A1-860D-F06D587E388D}"/>
+              </a:ext>
+            </a:extLst>
+          </p:cNvPr>
+          <p:cNvSpPr/>
+          <p:nvPr/>
+        </p:nvSpPr>
+        <p:spPr>
+          <a:xfrm>
+            <a:off x="5274908" y="5452183"/>
+            <a:ext cx="1331165" cy="1336195"/>
+          </a:xfrm>
+          <a:prstGeom prst="rect">
+            <a:avLst/>
+          </a:prstGeom>
+          <a:noFill/>
+        </p:spPr>
+        <p:style>
+          <a:lnRef idx="2">
+            <a:schemeClr val="accent1">
+              <a:shade val="50000"/>
+            </a:schemeClr>
+          </a:lnRef>
+          <a:fillRef idx="1">
+            <a:schemeClr val="accent1"/>
+          </a:fillRef>
+          <a:effectRef idx="0">
+            <a:schemeClr val="accent1"/>
+          </a:effectRef>
+          <a:fontRef idx="minor">
+            <a:schemeClr val="lt1"/>
+          </a:fontRef>
+        </p:style>
+        <p:txBody>
+          <a:bodyPr rtlCol="0" anchor="ctr"/>
+          <a:lstStyle/>
+          <a:p>
+            <a:pPr algn="ctr"/>
+            <a:endParaRPr lang="en-GB" dirty="0"/>
+          </a:p>
+        </p:txBody>
+      </p:sp>
+      <p:sp>
+        <p:nvSpPr>
+          <p:cNvPr id="14" name="TextBox 13">
+            <a:extLst>
+              <a:ext uri="{FF2B5EF4-FFF2-40B4-BE49-F238E27FC236}">
+                <a16:creationId xmlns:a16="http://schemas.microsoft.com/office/drawing/2014/main" id="{E8157697-4D97-4F16-B782-940AF67B6DA6}"/>
+              </a:ext>
+            </a:extLst>
+          </p:cNvPr>
+          <p:cNvSpPr txBox="1"/>
+          <p:nvPr/>
+        </p:nvSpPr>
+        <p:spPr>
+          <a:xfrm>
+            <a:off x="5274907" y="5491661"/>
+            <a:ext cx="1424473" cy="1107996"/>
+          </a:xfrm>
+          <a:prstGeom prst="rect">
+            <a:avLst/>
+          </a:prstGeom>
+          <a:noFill/>
+        </p:spPr>
+        <p:txBody>
+          <a:bodyPr wrap="square" rtlCol="0">
+            <a:spAutoFit/>
+          </a:bodyPr>
+          <a:lstStyle/>
+          <a:p>
+            <a:r>
+              <a:rPr lang="en-GB" dirty="0"/>
+              <a:t>Assemble </a:t>
+            </a:r>
+            <a:r>
+              <a:rPr lang="en-GB" sz="1600" dirty="0"/>
+              <a:t>(different </a:t>
+            </a:r>
+            <a:r>
+              <a:rPr lang="en-GB" sz="1600" dirty="0" err="1"/>
+              <a:t>kmers</a:t>
+            </a:r>
+            <a:r>
+              <a:rPr lang="en-GB" sz="1600" dirty="0"/>
+              <a:t>, different tools)</a:t>
+            </a:r>
+            <a:endParaRPr lang="en-GB" dirty="0"/>
+          </a:p>
+        </p:txBody>
+      </p:sp>
+      <p:cxnSp>
+        <p:nvCxnSpPr>
+          <p:cNvPr id="15" name="Straight Arrow Connector 14">
+            <a:extLst>
+              <a:ext uri="{FF2B5EF4-FFF2-40B4-BE49-F238E27FC236}">
+                <a16:creationId xmlns:a16="http://schemas.microsoft.com/office/drawing/2014/main" id="{0B586E52-7622-4BCD-8C33-455298AA4F75}"/>
+              </a:ext>
+            </a:extLst>
+          </p:cNvPr>
+          <p:cNvCxnSpPr/>
+          <p:nvPr/>
+        </p:nvCxnSpPr>
+        <p:spPr>
+          <a:xfrm flipV="1">
+            <a:off x="6627848" y="5769424"/>
+            <a:ext cx="718458" cy="2154"/>
+          </a:xfrm>
+          <a:prstGeom prst="straightConnector1">
+            <a:avLst/>
+          </a:prstGeom>
+          <a:ln>
+            <a:tailEnd type="triangle"/>
+          </a:ln>
+        </p:spPr>
+        <p:style>
+          <a:lnRef idx="1">
+            <a:schemeClr val="accent1"/>
+          </a:lnRef>
+          <a:fillRef idx="0">
+            <a:schemeClr val="accent1"/>
+          </a:fillRef>
+          <a:effectRef idx="0">
+            <a:schemeClr val="accent1"/>
+          </a:effectRef>
+          <a:fontRef idx="minor">
+            <a:schemeClr val="tx1"/>
+          </a:fontRef>
+        </p:style>
+      </p:cxnSp>
+      <p:sp>
+        <p:nvSpPr>
+          <p:cNvPr id="16" name="Rectangle 15">
+            <a:extLst>
+              <a:ext uri="{FF2B5EF4-FFF2-40B4-BE49-F238E27FC236}">
+                <a16:creationId xmlns:a16="http://schemas.microsoft.com/office/drawing/2014/main" id="{E0B6AE16-FF72-4EC9-A957-446678463FC2}"/>
+              </a:ext>
+            </a:extLst>
+          </p:cNvPr>
+          <p:cNvSpPr/>
+          <p:nvPr/>
+        </p:nvSpPr>
+        <p:spPr>
+          <a:xfrm>
+            <a:off x="7327644" y="5459659"/>
+            <a:ext cx="989045" cy="601467"/>
+          </a:xfrm>
+          <a:prstGeom prst="rect">
+            <a:avLst/>
+          </a:prstGeom>
+          <a:noFill/>
+        </p:spPr>
+        <p:style>
+          <a:lnRef idx="2">
+            <a:schemeClr val="accent1">
+              <a:shade val="50000"/>
+            </a:schemeClr>
+          </a:lnRef>
+          <a:fillRef idx="1">
+            <a:schemeClr val="accent1"/>
+          </a:fillRef>
+          <a:effectRef idx="0">
+            <a:schemeClr val="accent1"/>
+          </a:effectRef>
+          <a:fontRef idx="minor">
+            <a:schemeClr val="lt1"/>
+          </a:fontRef>
+        </p:style>
+        <p:txBody>
+          <a:bodyPr rtlCol="0" anchor="ctr"/>
+          <a:lstStyle/>
+          <a:p>
+            <a:pPr algn="ctr"/>
+            <a:endParaRPr lang="en-GB" dirty="0"/>
+          </a:p>
+        </p:txBody>
+      </p:sp>
+      <p:cxnSp>
+        <p:nvCxnSpPr>
+          <p:cNvPr id="17" name="Straight Arrow Connector 16">
+            <a:extLst>
+              <a:ext uri="{FF2B5EF4-FFF2-40B4-BE49-F238E27FC236}">
+                <a16:creationId xmlns:a16="http://schemas.microsoft.com/office/drawing/2014/main" id="{880DB847-215B-4806-928B-B28BD1CC1C6E}"/>
+              </a:ext>
+            </a:extLst>
+          </p:cNvPr>
+          <p:cNvCxnSpPr>
+            <a:stCxn id="16" idx="3"/>
+          </p:cNvCxnSpPr>
+          <p:nvPr/>
+        </p:nvCxnSpPr>
+        <p:spPr>
+          <a:xfrm flipV="1">
+            <a:off x="8316689" y="5758239"/>
+            <a:ext cx="718458" cy="2154"/>
+          </a:xfrm>
+          <a:prstGeom prst="straightConnector1">
+            <a:avLst/>
+          </a:prstGeom>
+          <a:ln>
+            <a:tailEnd type="triangle"/>
+          </a:ln>
+        </p:spPr>
+        <p:style>
+          <a:lnRef idx="1">
+            <a:schemeClr val="accent1"/>
+          </a:lnRef>
+          <a:fillRef idx="0">
+            <a:schemeClr val="accent1"/>
+          </a:fillRef>
+          <a:effectRef idx="0">
+            <a:schemeClr val="accent1"/>
+          </a:effectRef>
+          <a:fontRef idx="minor">
+            <a:schemeClr val="tx1"/>
+          </a:fontRef>
+        </p:style>
+      </p:cxnSp>
+      <p:sp>
+        <p:nvSpPr>
+          <p:cNvPr id="18" name="TextBox 17">
+            <a:extLst>
+              <a:ext uri="{FF2B5EF4-FFF2-40B4-BE49-F238E27FC236}">
+                <a16:creationId xmlns:a16="http://schemas.microsoft.com/office/drawing/2014/main" id="{F12FF879-956F-409F-9789-AE5A082D3CCB}"/>
+              </a:ext>
+            </a:extLst>
+          </p:cNvPr>
+          <p:cNvSpPr txBox="1"/>
+          <p:nvPr/>
+        </p:nvSpPr>
+        <p:spPr>
+          <a:xfrm>
+            <a:off x="7346306" y="5471144"/>
+            <a:ext cx="925284" cy="646331"/>
+          </a:xfrm>
+          <a:prstGeom prst="rect">
+            <a:avLst/>
+          </a:prstGeom>
+          <a:noFill/>
+        </p:spPr>
+        <p:txBody>
+          <a:bodyPr wrap="square" rtlCol="0">
+            <a:spAutoFit/>
+          </a:bodyPr>
+          <a:lstStyle/>
+          <a:p>
+            <a:r>
+              <a:rPr lang="en-GB" dirty="0"/>
+              <a:t>Predict genes</a:t>
+            </a:r>
+          </a:p>
+        </p:txBody>
+      </p:sp>
+      <p:sp>
+        <p:nvSpPr>
+          <p:cNvPr id="19" name="Rectangle 18">
+            <a:extLst>
+              <a:ext uri="{FF2B5EF4-FFF2-40B4-BE49-F238E27FC236}">
+                <a16:creationId xmlns:a16="http://schemas.microsoft.com/office/drawing/2014/main" id="{F4B8958F-5816-4D72-B425-1CD3024403E8}"/>
+              </a:ext>
+            </a:extLst>
+          </p:cNvPr>
+          <p:cNvSpPr/>
+          <p:nvPr/>
+        </p:nvSpPr>
+        <p:spPr>
+          <a:xfrm>
+            <a:off x="9035147" y="5452183"/>
+            <a:ext cx="989045" cy="1327579"/>
+          </a:xfrm>
+          <a:prstGeom prst="rect">
+            <a:avLst/>
+          </a:prstGeom>
+          <a:noFill/>
+        </p:spPr>
+        <p:style>
+          <a:lnRef idx="2">
+            <a:schemeClr val="accent1">
+              <a:shade val="50000"/>
+            </a:schemeClr>
+          </a:lnRef>
+          <a:fillRef idx="1">
+            <a:schemeClr val="accent1"/>
+          </a:fillRef>
+          <a:effectRef idx="0">
+            <a:schemeClr val="accent1"/>
+          </a:effectRef>
+          <a:fontRef idx="minor">
+            <a:schemeClr val="lt1"/>
+          </a:fontRef>
+        </p:style>
+        <p:txBody>
+          <a:bodyPr rtlCol="0" anchor="ctr"/>
+          <a:lstStyle/>
+          <a:p>
+            <a:pPr algn="ctr"/>
+            <a:endParaRPr lang="en-GB" dirty="0"/>
+          </a:p>
+        </p:txBody>
+      </p:sp>
+      <p:sp>
+        <p:nvSpPr>
+          <p:cNvPr id="20" name="TextBox 19">
+            <a:extLst>
+              <a:ext uri="{FF2B5EF4-FFF2-40B4-BE49-F238E27FC236}">
+                <a16:creationId xmlns:a16="http://schemas.microsoft.com/office/drawing/2014/main" id="{65853FF1-B34C-4183-97A9-104E0EC06092}"/>
+              </a:ext>
+            </a:extLst>
+          </p:cNvPr>
+          <p:cNvSpPr txBox="1"/>
+          <p:nvPr/>
+        </p:nvSpPr>
+        <p:spPr>
+          <a:xfrm>
+            <a:off x="9186770" y="5515807"/>
+            <a:ext cx="925284" cy="1200329"/>
+          </a:xfrm>
+          <a:prstGeom prst="rect">
+            <a:avLst/>
+          </a:prstGeom>
+          <a:noFill/>
+        </p:spPr>
+        <p:txBody>
+          <a:bodyPr wrap="square" rtlCol="0">
+            <a:spAutoFit/>
+          </a:bodyPr>
+          <a:lstStyle/>
+          <a:p>
+            <a:r>
+              <a:rPr lang="en-GB" sz="1200" b="1" dirty="0">
+                <a:highlight>
+                  <a:srgbClr val="FFFF00"/>
+                </a:highlight>
+              </a:rPr>
+              <a:t>Draw a genome diagram with the genes marked</a:t>
+            </a:r>
+          </a:p>
+        </p:txBody>
+      </p:sp>
+      <p:cxnSp>
+        <p:nvCxnSpPr>
+          <p:cNvPr id="21" name="Connector: Elbow 20">
+            <a:extLst>
+              <a:ext uri="{FF2B5EF4-FFF2-40B4-BE49-F238E27FC236}">
+                <a16:creationId xmlns:a16="http://schemas.microsoft.com/office/drawing/2014/main" id="{498E2CF8-90E7-45F7-A5C9-BDBC929388D7}"/>
+              </a:ext>
+            </a:extLst>
+          </p:cNvPr>
+          <p:cNvCxnSpPr>
+            <a:cxnSpLocks/>
+          </p:cNvCxnSpPr>
+          <p:nvPr/>
+        </p:nvCxnSpPr>
+        <p:spPr>
+          <a:xfrm flipV="1">
+            <a:off x="5987143" y="4516016"/>
+            <a:ext cx="2802294" cy="879820"/>
+          </a:xfrm>
+          <a:prstGeom prst="bentConnector3">
+            <a:avLst>
+              <a:gd name="adj1" fmla="val -943"/>
+            </a:avLst>
+          </a:prstGeom>
+          <a:ln>
+            <a:tailEnd type="triangle"/>
+          </a:ln>
+        </p:spPr>
+        <p:style>
+          <a:lnRef idx="1">
+            <a:schemeClr val="accent1"/>
+          </a:lnRef>
+          <a:fillRef idx="0">
+            <a:schemeClr val="accent1"/>
+          </a:fillRef>
+          <a:effectRef idx="0">
+            <a:schemeClr val="accent1"/>
+          </a:effectRef>
+          <a:fontRef idx="minor">
+            <a:schemeClr val="tx1"/>
+          </a:fontRef>
+        </p:style>
+      </p:cxnSp>
+      <p:sp>
+        <p:nvSpPr>
+          <p:cNvPr id="22" name="Rectangle 21">
+            <a:extLst>
+              <a:ext uri="{FF2B5EF4-FFF2-40B4-BE49-F238E27FC236}">
+                <a16:creationId xmlns:a16="http://schemas.microsoft.com/office/drawing/2014/main" id="{19AF05C9-FE67-4B47-AFF8-59B8E7CB9330}"/>
+              </a:ext>
+            </a:extLst>
+          </p:cNvPr>
+          <p:cNvSpPr/>
+          <p:nvPr/>
+        </p:nvSpPr>
+        <p:spPr>
+          <a:xfrm>
+            <a:off x="8789435" y="4231775"/>
+            <a:ext cx="989045" cy="601467"/>
+          </a:xfrm>
+          <a:prstGeom prst="rect">
+            <a:avLst/>
+          </a:prstGeom>
+          <a:noFill/>
+        </p:spPr>
+        <p:style>
+          <a:lnRef idx="2">
+            <a:schemeClr val="accent1">
+              <a:shade val="50000"/>
+            </a:schemeClr>
+          </a:lnRef>
+          <a:fillRef idx="1">
+            <a:schemeClr val="accent1"/>
+          </a:fillRef>
+          <a:effectRef idx="0">
+            <a:schemeClr val="accent1"/>
+          </a:effectRef>
+          <a:fontRef idx="minor">
+            <a:schemeClr val="lt1"/>
+          </a:fontRef>
+        </p:style>
+        <p:txBody>
+          <a:bodyPr rtlCol="0" anchor="ctr"/>
+          <a:lstStyle/>
+          <a:p>
+            <a:pPr algn="ctr"/>
+            <a:endParaRPr lang="en-GB" dirty="0"/>
+          </a:p>
+        </p:txBody>
+      </p:sp>
+      <p:sp>
+        <p:nvSpPr>
+          <p:cNvPr id="23" name="TextBox 22">
+            <a:extLst>
+              <a:ext uri="{FF2B5EF4-FFF2-40B4-BE49-F238E27FC236}">
+                <a16:creationId xmlns:a16="http://schemas.microsoft.com/office/drawing/2014/main" id="{5B6B3588-23E9-4721-A99F-002A8A1925A8}"/>
+              </a:ext>
+            </a:extLst>
+          </p:cNvPr>
+          <p:cNvSpPr txBox="1"/>
+          <p:nvPr/>
+        </p:nvSpPr>
+        <p:spPr>
+          <a:xfrm>
+            <a:off x="8808097" y="4243260"/>
+            <a:ext cx="925284" cy="646331"/>
+          </a:xfrm>
+          <a:prstGeom prst="rect">
+            <a:avLst/>
+          </a:prstGeom>
+          <a:noFill/>
+        </p:spPr>
+        <p:txBody>
+          <a:bodyPr wrap="square" rtlCol="0">
+            <a:spAutoFit/>
+          </a:bodyPr>
+          <a:lstStyle/>
+          <a:p>
+            <a:r>
+              <a:rPr lang="en-GB" dirty="0"/>
+              <a:t>BLAST: identify</a:t>
+            </a:r>
+          </a:p>
+        </p:txBody>
+      </p:sp>
     </p:spTree>
     <p:extLst>
       <p:ext uri="{BB962C8B-B14F-4D97-AF65-F5344CB8AC3E}">
@@ -5485,48 +7990,51 @@
             <a:endParaRPr lang="en-GB" dirty="0"/>
           </a:p>
           <a:p>
-            <a:r>
-              <a:rPr lang="en-GB" dirty="0">
-                <a:hlinkClick r:id="rId2"/>
-              </a:rPr>
-              <a:t>https://blast.ncbi.nlm.nih.gov/Blast.cgi</a:t>
-            </a:r>
-            <a:endParaRPr lang="en-GB" dirty="0"/>
-          </a:p>
-          <a:p>
-            <a:r>
-              <a:rPr lang="en-GB" dirty="0"/>
-              <a:t>Look at this website for different BLAST tools. And output formats</a:t>
-            </a:r>
-          </a:p>
-          <a:p>
-            <a:endParaRPr lang="en-GB" dirty="0"/>
-          </a:p>
-          <a:p>
             <a:pPr marL="0" indent="0">
               <a:buNone/>
             </a:pPr>
             <a:r>
-              <a:rPr lang="en-GB" dirty="0" err="1">
-                <a:solidFill>
-                  <a:srgbClr val="0070C0"/>
-                </a:solidFill>
-              </a:rPr>
-              <a:t>blastn</a:t>
-            </a:r>
-            <a:r>
               <a:rPr lang="en-GB" dirty="0">
-                <a:solidFill>
-                  <a:srgbClr val="0070C0"/>
-                </a:solidFill>
-              </a:rPr>
-              <a:t> -help</a:t>
+                <a:hlinkClick r:id="rId2"/>
+              </a:rPr>
+              <a:t>https://blast.ncbi.nlm.nih.gov/Blast.cgi</a:t>
+            </a:r>
+            <a:endParaRPr lang="en-GB" dirty="0"/>
+          </a:p>
+          <a:p>
+            <a:r>
+              <a:rPr lang="en-GB" dirty="0"/>
+              <a:t>Look at this website for different BLAST tools. And output formats</a:t>
             </a:r>
           </a:p>
           <a:p>
             <a:pPr marL="0" indent="0">
               <a:buNone/>
             </a:pPr>
+            <a:r>
+              <a:rPr lang="en-GB" dirty="0">
+                <a:solidFill>
+                  <a:srgbClr val="0070C0"/>
+                </a:solidFill>
+              </a:rPr>
+              <a:t>	</a:t>
+            </a:r>
+            <a:r>
+              <a:rPr lang="en-GB" dirty="0" err="1">
+                <a:solidFill>
+                  <a:srgbClr val="0070C0"/>
+                </a:solidFill>
+              </a:rPr>
+              <a:t>blastn</a:t>
+            </a:r>
+            <a:r>
+              <a:rPr lang="en-GB" dirty="0">
+                <a:solidFill>
+                  <a:srgbClr val="0070C0"/>
+                </a:solidFill>
+              </a:rPr>
+              <a:t> -help</a:t>
+            </a:r>
             <a:endParaRPr lang="en-GB" dirty="0">
               <a:solidFill>
                 <a:srgbClr val="002060"/>
@@ -5538,7 +8046,7 @@
               <a:buNone/>
             </a:pPr>
             <a:r>
-              <a:rPr lang="en-GB" dirty="0">
+              <a:rPr lang="en-GB" sz="2000" dirty="0">
                 <a:solidFill>
                   <a:srgbClr val="002060"/>
                 </a:solidFill>
@@ -5546,7 +8054,7 @@
               <a:t>If you search against a Protein database: </a:t>
             </a:r>
             <a:r>
-              <a:rPr lang="en-GB" dirty="0">
+              <a:rPr lang="en-GB" sz="2000" dirty="0">
                 <a:solidFill>
                   <a:srgbClr val="0070C0"/>
                 </a:solidFill>
@@ -5554,7 +8062,7 @@
               <a:t>diamond-blast</a:t>
             </a:r>
             <a:r>
-              <a:rPr lang="en-GB" dirty="0">
+              <a:rPr lang="en-GB" sz="2000" dirty="0">
                 <a:solidFill>
                   <a:srgbClr val="002060"/>
                 </a:solidFill>
@@ -5562,7 +8070,7 @@
               <a:t> is the king. ~30,000 X faster than </a:t>
             </a:r>
             <a:r>
-              <a:rPr lang="en-GB" dirty="0" err="1">
+              <a:rPr lang="en-GB" sz="2000" dirty="0" err="1">
                 <a:solidFill>
                   <a:srgbClr val="002060"/>
                 </a:solidFill>
@@ -5570,7 +8078,7 @@
               <a:t>BLASTp</a:t>
             </a:r>
             <a:r>
-              <a:rPr lang="en-GB" dirty="0">
+              <a:rPr lang="en-GB" sz="2000" dirty="0">
                 <a:solidFill>
                   <a:srgbClr val="002060"/>
                 </a:solidFill>
@@ -5578,7 +8086,7 @@
               <a:t> You can install this through </a:t>
             </a:r>
             <a:r>
-              <a:rPr lang="en-GB" dirty="0" err="1">
+              <a:rPr lang="en-GB" sz="2000" dirty="0" err="1">
                 <a:solidFill>
                   <a:srgbClr val="002060"/>
                 </a:solidFill>
@@ -5586,7 +8094,7 @@
               <a:t>conda</a:t>
             </a:r>
             <a:r>
-              <a:rPr lang="en-GB" dirty="0">
+              <a:rPr lang="en-GB" sz="2000" dirty="0">
                 <a:solidFill>
                   <a:srgbClr val="002060"/>
                 </a:solidFill>
@@ -5594,7 +8102,7 @@
               <a:t>. (</a:t>
             </a:r>
             <a:r>
-              <a:rPr lang="en-GB" dirty="0">
+              <a:rPr lang="en-GB" sz="2000" dirty="0">
                 <a:solidFill>
                   <a:srgbClr val="002060"/>
                 </a:solidFill>
@@ -5603,7 +8111,7 @@
               <a:t>https://github.com/bbuchfink/diamond</a:t>
             </a:r>
             <a:r>
-              <a:rPr lang="en-GB" dirty="0">
+              <a:rPr lang="en-GB" sz="2000" dirty="0">
                 <a:solidFill>
                   <a:srgbClr val="002060"/>
                 </a:solidFill>
@@ -5666,6 +8174,843 @@
                 <a:srgbClr val="FFFF00"/>
               </a:highlight>
             </a:endParaRPr>
+          </a:p>
+        </p:txBody>
+      </p:sp>
+      <p:sp>
+        <p:nvSpPr>
+          <p:cNvPr id="5" name="Rectangle 4">
+            <a:extLst>
+              <a:ext uri="{FF2B5EF4-FFF2-40B4-BE49-F238E27FC236}">
+                <a16:creationId xmlns:a16="http://schemas.microsoft.com/office/drawing/2014/main" id="{9F4A19C7-C3F1-4DCE-93C1-C8D26424BD0F}"/>
+              </a:ext>
+            </a:extLst>
+          </p:cNvPr>
+          <p:cNvSpPr/>
+          <p:nvPr/>
+        </p:nvSpPr>
+        <p:spPr>
+          <a:xfrm>
+            <a:off x="111967" y="5495730"/>
+            <a:ext cx="989045" cy="601467"/>
+          </a:xfrm>
+          <a:prstGeom prst="rect">
+            <a:avLst/>
+          </a:prstGeom>
+          <a:noFill/>
+        </p:spPr>
+        <p:style>
+          <a:lnRef idx="2">
+            <a:schemeClr val="accent1">
+              <a:shade val="50000"/>
+            </a:schemeClr>
+          </a:lnRef>
+          <a:fillRef idx="1">
+            <a:schemeClr val="accent1"/>
+          </a:fillRef>
+          <a:effectRef idx="0">
+            <a:schemeClr val="accent1"/>
+          </a:effectRef>
+          <a:fontRef idx="minor">
+            <a:schemeClr val="lt1"/>
+          </a:fontRef>
+        </p:style>
+        <p:txBody>
+          <a:bodyPr rtlCol="0" anchor="ctr"/>
+          <a:lstStyle/>
+          <a:p>
+            <a:pPr algn="ctr"/>
+            <a:endParaRPr lang="en-GB" dirty="0"/>
+          </a:p>
+        </p:txBody>
+      </p:sp>
+      <p:cxnSp>
+        <p:nvCxnSpPr>
+          <p:cNvPr id="6" name="Straight Arrow Connector 5">
+            <a:extLst>
+              <a:ext uri="{FF2B5EF4-FFF2-40B4-BE49-F238E27FC236}">
+                <a16:creationId xmlns:a16="http://schemas.microsoft.com/office/drawing/2014/main" id="{61DD735D-6AD0-4D18-B51A-CE1FE72B69C9}"/>
+              </a:ext>
+            </a:extLst>
+          </p:cNvPr>
+          <p:cNvCxnSpPr>
+            <a:stCxn id="5" idx="3"/>
+          </p:cNvCxnSpPr>
+          <p:nvPr/>
+        </p:nvCxnSpPr>
+        <p:spPr>
+          <a:xfrm flipV="1">
+            <a:off x="1101012" y="5794310"/>
+            <a:ext cx="718458" cy="2154"/>
+          </a:xfrm>
+          <a:prstGeom prst="straightConnector1">
+            <a:avLst/>
+          </a:prstGeom>
+          <a:ln>
+            <a:tailEnd type="triangle"/>
+          </a:ln>
+        </p:spPr>
+        <p:style>
+          <a:lnRef idx="1">
+            <a:schemeClr val="accent1"/>
+          </a:lnRef>
+          <a:fillRef idx="0">
+            <a:schemeClr val="accent1"/>
+          </a:fillRef>
+          <a:effectRef idx="0">
+            <a:schemeClr val="accent1"/>
+          </a:effectRef>
+          <a:fontRef idx="minor">
+            <a:schemeClr val="tx1"/>
+          </a:fontRef>
+        </p:style>
+      </p:cxnSp>
+      <p:sp>
+        <p:nvSpPr>
+          <p:cNvPr id="7" name="TextBox 6">
+            <a:extLst>
+              <a:ext uri="{FF2B5EF4-FFF2-40B4-BE49-F238E27FC236}">
+                <a16:creationId xmlns:a16="http://schemas.microsoft.com/office/drawing/2014/main" id="{C3EB5D00-A396-4347-93E8-17A600757173}"/>
+              </a:ext>
+            </a:extLst>
+          </p:cNvPr>
+          <p:cNvSpPr txBox="1"/>
+          <p:nvPr/>
+        </p:nvSpPr>
+        <p:spPr>
+          <a:xfrm>
+            <a:off x="130629" y="5507215"/>
+            <a:ext cx="925284" cy="646331"/>
+          </a:xfrm>
+          <a:prstGeom prst="rect">
+            <a:avLst/>
+          </a:prstGeom>
+          <a:noFill/>
+        </p:spPr>
+        <p:txBody>
+          <a:bodyPr wrap="square" rtlCol="0">
+            <a:spAutoFit/>
+          </a:bodyPr>
+          <a:lstStyle/>
+          <a:p>
+            <a:r>
+              <a:rPr lang="en-GB" dirty="0"/>
+              <a:t>Quality control</a:t>
+            </a:r>
+          </a:p>
+        </p:txBody>
+      </p:sp>
+      <p:sp>
+        <p:nvSpPr>
+          <p:cNvPr id="8" name="Rectangle 7">
+            <a:extLst>
+              <a:ext uri="{FF2B5EF4-FFF2-40B4-BE49-F238E27FC236}">
+                <a16:creationId xmlns:a16="http://schemas.microsoft.com/office/drawing/2014/main" id="{C83459DA-6C7C-42D2-84AE-BB1706ED7C23}"/>
+              </a:ext>
+            </a:extLst>
+          </p:cNvPr>
+          <p:cNvSpPr/>
+          <p:nvPr/>
+        </p:nvSpPr>
+        <p:spPr>
+          <a:xfrm>
+            <a:off x="1813250" y="5480176"/>
+            <a:ext cx="989045" cy="601467"/>
+          </a:xfrm>
+          <a:prstGeom prst="rect">
+            <a:avLst/>
+          </a:prstGeom>
+          <a:noFill/>
+        </p:spPr>
+        <p:style>
+          <a:lnRef idx="2">
+            <a:schemeClr val="accent1">
+              <a:shade val="50000"/>
+            </a:schemeClr>
+          </a:lnRef>
+          <a:fillRef idx="1">
+            <a:schemeClr val="accent1"/>
+          </a:fillRef>
+          <a:effectRef idx="0">
+            <a:schemeClr val="accent1"/>
+          </a:effectRef>
+          <a:fontRef idx="minor">
+            <a:schemeClr val="lt1"/>
+          </a:fontRef>
+        </p:style>
+        <p:txBody>
+          <a:bodyPr rtlCol="0" anchor="ctr"/>
+          <a:lstStyle/>
+          <a:p>
+            <a:pPr algn="ctr"/>
+            <a:endParaRPr lang="en-GB" dirty="0"/>
+          </a:p>
+        </p:txBody>
+      </p:sp>
+      <p:cxnSp>
+        <p:nvCxnSpPr>
+          <p:cNvPr id="9" name="Straight Arrow Connector 8">
+            <a:extLst>
+              <a:ext uri="{FF2B5EF4-FFF2-40B4-BE49-F238E27FC236}">
+                <a16:creationId xmlns:a16="http://schemas.microsoft.com/office/drawing/2014/main" id="{DEACD28E-E7C3-4542-9282-833984D1B870}"/>
+              </a:ext>
+            </a:extLst>
+          </p:cNvPr>
+          <p:cNvCxnSpPr>
+            <a:stCxn id="8" idx="3"/>
+          </p:cNvCxnSpPr>
+          <p:nvPr/>
+        </p:nvCxnSpPr>
+        <p:spPr>
+          <a:xfrm flipV="1">
+            <a:off x="2802295" y="5778756"/>
+            <a:ext cx="718458" cy="2154"/>
+          </a:xfrm>
+          <a:prstGeom prst="straightConnector1">
+            <a:avLst/>
+          </a:prstGeom>
+          <a:ln>
+            <a:tailEnd type="triangle"/>
+          </a:ln>
+        </p:spPr>
+        <p:style>
+          <a:lnRef idx="1">
+            <a:schemeClr val="accent1"/>
+          </a:lnRef>
+          <a:fillRef idx="0">
+            <a:schemeClr val="accent1"/>
+          </a:fillRef>
+          <a:effectRef idx="0">
+            <a:schemeClr val="accent1"/>
+          </a:effectRef>
+          <a:fontRef idx="minor">
+            <a:schemeClr val="tx1"/>
+          </a:fontRef>
+        </p:style>
+      </p:cxnSp>
+      <p:sp>
+        <p:nvSpPr>
+          <p:cNvPr id="10" name="TextBox 9">
+            <a:extLst>
+              <a:ext uri="{FF2B5EF4-FFF2-40B4-BE49-F238E27FC236}">
+                <a16:creationId xmlns:a16="http://schemas.microsoft.com/office/drawing/2014/main" id="{4A7EE1AC-D417-482D-B352-524F211654E2}"/>
+              </a:ext>
+            </a:extLst>
+          </p:cNvPr>
+          <p:cNvSpPr txBox="1"/>
+          <p:nvPr/>
+        </p:nvSpPr>
+        <p:spPr>
+          <a:xfrm>
+            <a:off x="1831912" y="5491661"/>
+            <a:ext cx="925284" cy="646331"/>
+          </a:xfrm>
+          <a:prstGeom prst="rect">
+            <a:avLst/>
+          </a:prstGeom>
+          <a:noFill/>
+        </p:spPr>
+        <p:txBody>
+          <a:bodyPr wrap="square" rtlCol="0">
+            <a:spAutoFit/>
+          </a:bodyPr>
+          <a:lstStyle/>
+          <a:p>
+            <a:r>
+              <a:rPr lang="en-GB" dirty="0"/>
+              <a:t>Quality trim</a:t>
+            </a:r>
+          </a:p>
+        </p:txBody>
+      </p:sp>
+      <p:sp>
+        <p:nvSpPr>
+          <p:cNvPr id="11" name="Rectangle 10">
+            <a:extLst>
+              <a:ext uri="{FF2B5EF4-FFF2-40B4-BE49-F238E27FC236}">
+                <a16:creationId xmlns:a16="http://schemas.microsoft.com/office/drawing/2014/main" id="{BB06A71F-29B9-4AC9-8BB1-4B4D0D2714CA}"/>
+              </a:ext>
+            </a:extLst>
+          </p:cNvPr>
+          <p:cNvSpPr/>
+          <p:nvPr/>
+        </p:nvSpPr>
+        <p:spPr>
+          <a:xfrm>
+            <a:off x="3558073" y="5470844"/>
+            <a:ext cx="989045" cy="601467"/>
+          </a:xfrm>
+          <a:prstGeom prst="rect">
+            <a:avLst/>
+          </a:prstGeom>
+          <a:noFill/>
+        </p:spPr>
+        <p:style>
+          <a:lnRef idx="2">
+            <a:schemeClr val="accent1">
+              <a:shade val="50000"/>
+            </a:schemeClr>
+          </a:lnRef>
+          <a:fillRef idx="1">
+            <a:schemeClr val="accent1"/>
+          </a:fillRef>
+          <a:effectRef idx="0">
+            <a:schemeClr val="accent1"/>
+          </a:effectRef>
+          <a:fontRef idx="minor">
+            <a:schemeClr val="lt1"/>
+          </a:fontRef>
+        </p:style>
+        <p:txBody>
+          <a:bodyPr rtlCol="0" anchor="ctr"/>
+          <a:lstStyle/>
+          <a:p>
+            <a:pPr algn="ctr"/>
+            <a:endParaRPr lang="en-GB" dirty="0"/>
+          </a:p>
+        </p:txBody>
+      </p:sp>
+      <p:cxnSp>
+        <p:nvCxnSpPr>
+          <p:cNvPr id="12" name="Straight Arrow Connector 11">
+            <a:extLst>
+              <a:ext uri="{FF2B5EF4-FFF2-40B4-BE49-F238E27FC236}">
+                <a16:creationId xmlns:a16="http://schemas.microsoft.com/office/drawing/2014/main" id="{3991BF36-C0A7-4CC3-A142-DB31F5D767E2}"/>
+              </a:ext>
+            </a:extLst>
+          </p:cNvPr>
+          <p:cNvCxnSpPr>
+            <a:stCxn id="11" idx="3"/>
+          </p:cNvCxnSpPr>
+          <p:nvPr/>
+        </p:nvCxnSpPr>
+        <p:spPr>
+          <a:xfrm flipV="1">
+            <a:off x="4547118" y="5769424"/>
+            <a:ext cx="718458" cy="2154"/>
+          </a:xfrm>
+          <a:prstGeom prst="straightConnector1">
+            <a:avLst/>
+          </a:prstGeom>
+          <a:ln>
+            <a:tailEnd type="triangle"/>
+          </a:ln>
+        </p:spPr>
+        <p:style>
+          <a:lnRef idx="1">
+            <a:schemeClr val="accent1"/>
+          </a:lnRef>
+          <a:fillRef idx="0">
+            <a:schemeClr val="accent1"/>
+          </a:fillRef>
+          <a:effectRef idx="0">
+            <a:schemeClr val="accent1"/>
+          </a:effectRef>
+          <a:fontRef idx="minor">
+            <a:schemeClr val="tx1"/>
+          </a:fontRef>
+        </p:style>
+      </p:cxnSp>
+      <p:sp>
+        <p:nvSpPr>
+          <p:cNvPr id="13" name="TextBox 12">
+            <a:extLst>
+              <a:ext uri="{FF2B5EF4-FFF2-40B4-BE49-F238E27FC236}">
+                <a16:creationId xmlns:a16="http://schemas.microsoft.com/office/drawing/2014/main" id="{770E0A57-5D8F-4BE8-BA52-FE29567D450D}"/>
+              </a:ext>
+            </a:extLst>
+          </p:cNvPr>
+          <p:cNvSpPr txBox="1"/>
+          <p:nvPr/>
+        </p:nvSpPr>
+        <p:spPr>
+          <a:xfrm>
+            <a:off x="3576735" y="5482329"/>
+            <a:ext cx="925284" cy="646331"/>
+          </a:xfrm>
+          <a:prstGeom prst="rect">
+            <a:avLst/>
+          </a:prstGeom>
+          <a:noFill/>
+        </p:spPr>
+        <p:txBody>
+          <a:bodyPr wrap="square" rtlCol="0">
+            <a:spAutoFit/>
+          </a:bodyPr>
+          <a:lstStyle/>
+          <a:p>
+            <a:r>
+              <a:rPr lang="en-GB" dirty="0"/>
+              <a:t>Quality control</a:t>
+            </a:r>
+          </a:p>
+        </p:txBody>
+      </p:sp>
+      <p:sp>
+        <p:nvSpPr>
+          <p:cNvPr id="14" name="Rectangle 13">
+            <a:extLst>
+              <a:ext uri="{FF2B5EF4-FFF2-40B4-BE49-F238E27FC236}">
+                <a16:creationId xmlns:a16="http://schemas.microsoft.com/office/drawing/2014/main" id="{DBB46FE9-3DAD-4141-97E9-929D9F093A11}"/>
+              </a:ext>
+            </a:extLst>
+          </p:cNvPr>
+          <p:cNvSpPr/>
+          <p:nvPr/>
+        </p:nvSpPr>
+        <p:spPr>
+          <a:xfrm>
+            <a:off x="5274908" y="5452183"/>
+            <a:ext cx="1331165" cy="1336195"/>
+          </a:xfrm>
+          <a:prstGeom prst="rect">
+            <a:avLst/>
+          </a:prstGeom>
+          <a:noFill/>
+        </p:spPr>
+        <p:style>
+          <a:lnRef idx="2">
+            <a:schemeClr val="accent1">
+              <a:shade val="50000"/>
+            </a:schemeClr>
+          </a:lnRef>
+          <a:fillRef idx="1">
+            <a:schemeClr val="accent1"/>
+          </a:fillRef>
+          <a:effectRef idx="0">
+            <a:schemeClr val="accent1"/>
+          </a:effectRef>
+          <a:fontRef idx="minor">
+            <a:schemeClr val="lt1"/>
+          </a:fontRef>
+        </p:style>
+        <p:txBody>
+          <a:bodyPr rtlCol="0" anchor="ctr"/>
+          <a:lstStyle/>
+          <a:p>
+            <a:pPr algn="ctr"/>
+            <a:endParaRPr lang="en-GB" dirty="0"/>
+          </a:p>
+        </p:txBody>
+      </p:sp>
+      <p:sp>
+        <p:nvSpPr>
+          <p:cNvPr id="15" name="TextBox 14">
+            <a:extLst>
+              <a:ext uri="{FF2B5EF4-FFF2-40B4-BE49-F238E27FC236}">
+                <a16:creationId xmlns:a16="http://schemas.microsoft.com/office/drawing/2014/main" id="{9D373941-59B7-4E5D-81C0-5203767B8DA4}"/>
+              </a:ext>
+            </a:extLst>
+          </p:cNvPr>
+          <p:cNvSpPr txBox="1"/>
+          <p:nvPr/>
+        </p:nvSpPr>
+        <p:spPr>
+          <a:xfrm>
+            <a:off x="5274907" y="5491661"/>
+            <a:ext cx="1424473" cy="1107996"/>
+          </a:xfrm>
+          <a:prstGeom prst="rect">
+            <a:avLst/>
+          </a:prstGeom>
+          <a:noFill/>
+        </p:spPr>
+        <p:txBody>
+          <a:bodyPr wrap="square" rtlCol="0">
+            <a:spAutoFit/>
+          </a:bodyPr>
+          <a:lstStyle/>
+          <a:p>
+            <a:r>
+              <a:rPr lang="en-GB" dirty="0"/>
+              <a:t>Assemble </a:t>
+            </a:r>
+            <a:r>
+              <a:rPr lang="en-GB" sz="1600" dirty="0"/>
+              <a:t>(different </a:t>
+            </a:r>
+            <a:r>
+              <a:rPr lang="en-GB" sz="1600" dirty="0" err="1"/>
+              <a:t>kmers</a:t>
+            </a:r>
+            <a:r>
+              <a:rPr lang="en-GB" sz="1600" dirty="0"/>
+              <a:t>, different tools)</a:t>
+            </a:r>
+            <a:endParaRPr lang="en-GB" dirty="0"/>
+          </a:p>
+        </p:txBody>
+      </p:sp>
+      <p:cxnSp>
+        <p:nvCxnSpPr>
+          <p:cNvPr id="16" name="Straight Arrow Connector 15">
+            <a:extLst>
+              <a:ext uri="{FF2B5EF4-FFF2-40B4-BE49-F238E27FC236}">
+                <a16:creationId xmlns:a16="http://schemas.microsoft.com/office/drawing/2014/main" id="{D4EFE342-8049-4B5F-BFDE-6C58CED9698C}"/>
+              </a:ext>
+            </a:extLst>
+          </p:cNvPr>
+          <p:cNvCxnSpPr/>
+          <p:nvPr/>
+        </p:nvCxnSpPr>
+        <p:spPr>
+          <a:xfrm flipV="1">
+            <a:off x="6627848" y="5769424"/>
+            <a:ext cx="718458" cy="2154"/>
+          </a:xfrm>
+          <a:prstGeom prst="straightConnector1">
+            <a:avLst/>
+          </a:prstGeom>
+          <a:ln>
+            <a:tailEnd type="triangle"/>
+          </a:ln>
+        </p:spPr>
+        <p:style>
+          <a:lnRef idx="1">
+            <a:schemeClr val="accent1"/>
+          </a:lnRef>
+          <a:fillRef idx="0">
+            <a:schemeClr val="accent1"/>
+          </a:fillRef>
+          <a:effectRef idx="0">
+            <a:schemeClr val="accent1"/>
+          </a:effectRef>
+          <a:fontRef idx="minor">
+            <a:schemeClr val="tx1"/>
+          </a:fontRef>
+        </p:style>
+      </p:cxnSp>
+      <p:sp>
+        <p:nvSpPr>
+          <p:cNvPr id="17" name="Rectangle 16">
+            <a:extLst>
+              <a:ext uri="{FF2B5EF4-FFF2-40B4-BE49-F238E27FC236}">
+                <a16:creationId xmlns:a16="http://schemas.microsoft.com/office/drawing/2014/main" id="{7BEB972D-0944-4FB4-9583-C8E23B09872D}"/>
+              </a:ext>
+            </a:extLst>
+          </p:cNvPr>
+          <p:cNvSpPr/>
+          <p:nvPr/>
+        </p:nvSpPr>
+        <p:spPr>
+          <a:xfrm>
+            <a:off x="7327644" y="5459659"/>
+            <a:ext cx="989045" cy="601467"/>
+          </a:xfrm>
+          <a:prstGeom prst="rect">
+            <a:avLst/>
+          </a:prstGeom>
+          <a:noFill/>
+        </p:spPr>
+        <p:style>
+          <a:lnRef idx="2">
+            <a:schemeClr val="accent1">
+              <a:shade val="50000"/>
+            </a:schemeClr>
+          </a:lnRef>
+          <a:fillRef idx="1">
+            <a:schemeClr val="accent1"/>
+          </a:fillRef>
+          <a:effectRef idx="0">
+            <a:schemeClr val="accent1"/>
+          </a:effectRef>
+          <a:fontRef idx="minor">
+            <a:schemeClr val="lt1"/>
+          </a:fontRef>
+        </p:style>
+        <p:txBody>
+          <a:bodyPr rtlCol="0" anchor="ctr"/>
+          <a:lstStyle/>
+          <a:p>
+            <a:pPr algn="ctr"/>
+            <a:endParaRPr lang="en-GB" dirty="0"/>
+          </a:p>
+        </p:txBody>
+      </p:sp>
+      <p:cxnSp>
+        <p:nvCxnSpPr>
+          <p:cNvPr id="18" name="Straight Arrow Connector 17">
+            <a:extLst>
+              <a:ext uri="{FF2B5EF4-FFF2-40B4-BE49-F238E27FC236}">
+                <a16:creationId xmlns:a16="http://schemas.microsoft.com/office/drawing/2014/main" id="{74612A69-BDDB-4BAC-A9B4-4E8AD07FC5D4}"/>
+              </a:ext>
+            </a:extLst>
+          </p:cNvPr>
+          <p:cNvCxnSpPr>
+            <a:stCxn id="17" idx="3"/>
+          </p:cNvCxnSpPr>
+          <p:nvPr/>
+        </p:nvCxnSpPr>
+        <p:spPr>
+          <a:xfrm flipV="1">
+            <a:off x="8316689" y="5758239"/>
+            <a:ext cx="718458" cy="2154"/>
+          </a:xfrm>
+          <a:prstGeom prst="straightConnector1">
+            <a:avLst/>
+          </a:prstGeom>
+          <a:ln>
+            <a:tailEnd type="triangle"/>
+          </a:ln>
+        </p:spPr>
+        <p:style>
+          <a:lnRef idx="1">
+            <a:schemeClr val="accent1"/>
+          </a:lnRef>
+          <a:fillRef idx="0">
+            <a:schemeClr val="accent1"/>
+          </a:fillRef>
+          <a:effectRef idx="0">
+            <a:schemeClr val="accent1"/>
+          </a:effectRef>
+          <a:fontRef idx="minor">
+            <a:schemeClr val="tx1"/>
+          </a:fontRef>
+        </p:style>
+      </p:cxnSp>
+      <p:sp>
+        <p:nvSpPr>
+          <p:cNvPr id="19" name="TextBox 18">
+            <a:extLst>
+              <a:ext uri="{FF2B5EF4-FFF2-40B4-BE49-F238E27FC236}">
+                <a16:creationId xmlns:a16="http://schemas.microsoft.com/office/drawing/2014/main" id="{948F54FA-EC58-4A9C-9E24-70AA35835217}"/>
+              </a:ext>
+            </a:extLst>
+          </p:cNvPr>
+          <p:cNvSpPr txBox="1"/>
+          <p:nvPr/>
+        </p:nvSpPr>
+        <p:spPr>
+          <a:xfrm>
+            <a:off x="7346306" y="5471144"/>
+            <a:ext cx="925284" cy="646331"/>
+          </a:xfrm>
+          <a:prstGeom prst="rect">
+            <a:avLst/>
+          </a:prstGeom>
+          <a:noFill/>
+        </p:spPr>
+        <p:txBody>
+          <a:bodyPr wrap="square" rtlCol="0">
+            <a:spAutoFit/>
+          </a:bodyPr>
+          <a:lstStyle/>
+          <a:p>
+            <a:r>
+              <a:rPr lang="en-GB" dirty="0"/>
+              <a:t>Predict genes</a:t>
+            </a:r>
+          </a:p>
+        </p:txBody>
+      </p:sp>
+      <p:sp>
+        <p:nvSpPr>
+          <p:cNvPr id="20" name="Rectangle 19">
+            <a:extLst>
+              <a:ext uri="{FF2B5EF4-FFF2-40B4-BE49-F238E27FC236}">
+                <a16:creationId xmlns:a16="http://schemas.microsoft.com/office/drawing/2014/main" id="{30E275D9-CDC1-4560-994E-05E8E5189314}"/>
+              </a:ext>
+            </a:extLst>
+          </p:cNvPr>
+          <p:cNvSpPr/>
+          <p:nvPr/>
+        </p:nvSpPr>
+        <p:spPr>
+          <a:xfrm>
+            <a:off x="9035147" y="5452183"/>
+            <a:ext cx="989045" cy="1327579"/>
+          </a:xfrm>
+          <a:prstGeom prst="rect">
+            <a:avLst/>
+          </a:prstGeom>
+          <a:noFill/>
+        </p:spPr>
+        <p:style>
+          <a:lnRef idx="2">
+            <a:schemeClr val="accent1">
+              <a:shade val="50000"/>
+            </a:schemeClr>
+          </a:lnRef>
+          <a:fillRef idx="1">
+            <a:schemeClr val="accent1"/>
+          </a:fillRef>
+          <a:effectRef idx="0">
+            <a:schemeClr val="accent1"/>
+          </a:effectRef>
+          <a:fontRef idx="minor">
+            <a:schemeClr val="lt1"/>
+          </a:fontRef>
+        </p:style>
+        <p:txBody>
+          <a:bodyPr rtlCol="0" anchor="ctr"/>
+          <a:lstStyle/>
+          <a:p>
+            <a:pPr algn="ctr"/>
+            <a:endParaRPr lang="en-GB" dirty="0"/>
+          </a:p>
+        </p:txBody>
+      </p:sp>
+      <p:sp>
+        <p:nvSpPr>
+          <p:cNvPr id="21" name="TextBox 20">
+            <a:extLst>
+              <a:ext uri="{FF2B5EF4-FFF2-40B4-BE49-F238E27FC236}">
+                <a16:creationId xmlns:a16="http://schemas.microsoft.com/office/drawing/2014/main" id="{6F004489-D4AF-4B60-A619-5E40BF1B6E86}"/>
+              </a:ext>
+            </a:extLst>
+          </p:cNvPr>
+          <p:cNvSpPr txBox="1"/>
+          <p:nvPr/>
+        </p:nvSpPr>
+        <p:spPr>
+          <a:xfrm>
+            <a:off x="9186770" y="5515807"/>
+            <a:ext cx="925284" cy="1200329"/>
+          </a:xfrm>
+          <a:prstGeom prst="rect">
+            <a:avLst/>
+          </a:prstGeom>
+          <a:noFill/>
+        </p:spPr>
+        <p:txBody>
+          <a:bodyPr wrap="square" rtlCol="0">
+            <a:spAutoFit/>
+          </a:bodyPr>
+          <a:lstStyle/>
+          <a:p>
+            <a:r>
+              <a:rPr lang="en-GB" sz="1200" dirty="0"/>
+              <a:t>Draw a genome diagram with the genes marked</a:t>
+            </a:r>
+          </a:p>
+        </p:txBody>
+      </p:sp>
+      <p:cxnSp>
+        <p:nvCxnSpPr>
+          <p:cNvPr id="22" name="Connector: Elbow 21">
+            <a:extLst>
+              <a:ext uri="{FF2B5EF4-FFF2-40B4-BE49-F238E27FC236}">
+                <a16:creationId xmlns:a16="http://schemas.microsoft.com/office/drawing/2014/main" id="{4CCB9D5A-A3AC-4B12-8559-EB3767F37941}"/>
+              </a:ext>
+            </a:extLst>
+          </p:cNvPr>
+          <p:cNvCxnSpPr>
+            <a:cxnSpLocks/>
+          </p:cNvCxnSpPr>
+          <p:nvPr/>
+        </p:nvCxnSpPr>
+        <p:spPr>
+          <a:xfrm flipV="1">
+            <a:off x="5987143" y="4516016"/>
+            <a:ext cx="2802294" cy="879820"/>
+          </a:xfrm>
+          <a:prstGeom prst="bentConnector3">
+            <a:avLst>
+              <a:gd name="adj1" fmla="val -943"/>
+            </a:avLst>
+          </a:prstGeom>
+          <a:ln>
+            <a:tailEnd type="triangle"/>
+          </a:ln>
+        </p:spPr>
+        <p:style>
+          <a:lnRef idx="1">
+            <a:schemeClr val="accent1"/>
+          </a:lnRef>
+          <a:fillRef idx="0">
+            <a:schemeClr val="accent1"/>
+          </a:fillRef>
+          <a:effectRef idx="0">
+            <a:schemeClr val="accent1"/>
+          </a:effectRef>
+          <a:fontRef idx="minor">
+            <a:schemeClr val="tx1"/>
+          </a:fontRef>
+        </p:style>
+      </p:cxnSp>
+      <p:sp>
+        <p:nvSpPr>
+          <p:cNvPr id="23" name="Rectangle 22">
+            <a:extLst>
+              <a:ext uri="{FF2B5EF4-FFF2-40B4-BE49-F238E27FC236}">
+                <a16:creationId xmlns:a16="http://schemas.microsoft.com/office/drawing/2014/main" id="{C7B41ED7-BAF2-4EC7-A314-69C835997F38}"/>
+              </a:ext>
+            </a:extLst>
+          </p:cNvPr>
+          <p:cNvSpPr/>
+          <p:nvPr/>
+        </p:nvSpPr>
+        <p:spPr>
+          <a:xfrm>
+            <a:off x="8789435" y="4231775"/>
+            <a:ext cx="989045" cy="601467"/>
+          </a:xfrm>
+          <a:prstGeom prst="rect">
+            <a:avLst/>
+          </a:prstGeom>
+          <a:noFill/>
+        </p:spPr>
+        <p:style>
+          <a:lnRef idx="2">
+            <a:schemeClr val="accent1">
+              <a:shade val="50000"/>
+            </a:schemeClr>
+          </a:lnRef>
+          <a:fillRef idx="1">
+            <a:schemeClr val="accent1"/>
+          </a:fillRef>
+          <a:effectRef idx="0">
+            <a:schemeClr val="accent1"/>
+          </a:effectRef>
+          <a:fontRef idx="minor">
+            <a:schemeClr val="lt1"/>
+          </a:fontRef>
+        </p:style>
+        <p:txBody>
+          <a:bodyPr rtlCol="0" anchor="ctr"/>
+          <a:lstStyle/>
+          <a:p>
+            <a:pPr algn="ctr"/>
+            <a:endParaRPr lang="en-GB" dirty="0"/>
+          </a:p>
+        </p:txBody>
+      </p:sp>
+      <p:sp>
+        <p:nvSpPr>
+          <p:cNvPr id="24" name="TextBox 23">
+            <a:extLst>
+              <a:ext uri="{FF2B5EF4-FFF2-40B4-BE49-F238E27FC236}">
+                <a16:creationId xmlns:a16="http://schemas.microsoft.com/office/drawing/2014/main" id="{A37BA204-48CA-43B5-99B8-024E19CCFC09}"/>
+              </a:ext>
+            </a:extLst>
+          </p:cNvPr>
+          <p:cNvSpPr txBox="1"/>
+          <p:nvPr/>
+        </p:nvSpPr>
+        <p:spPr>
+          <a:xfrm>
+            <a:off x="8808097" y="4243260"/>
+            <a:ext cx="925284" cy="646331"/>
+          </a:xfrm>
+          <a:prstGeom prst="rect">
+            <a:avLst/>
+          </a:prstGeom>
+          <a:noFill/>
+        </p:spPr>
+        <p:txBody>
+          <a:bodyPr wrap="square" rtlCol="0">
+            <a:spAutoFit/>
+          </a:bodyPr>
+          <a:lstStyle/>
+          <a:p>
+            <a:r>
+              <a:rPr lang="en-GB" b="1" dirty="0">
+                <a:highlight>
+                  <a:srgbClr val="FFFF00"/>
+                </a:highlight>
+              </a:rPr>
+              <a:t>BLAST: identify</a:t>
+            </a:r>
           </a:p>
         </p:txBody>
       </p:sp>
@@ -8013,6 +11358,843 @@
           </a:p>
         </p:txBody>
       </p:sp>
+      <p:sp>
+        <p:nvSpPr>
+          <p:cNvPr id="5" name="Rectangle 4">
+            <a:extLst>
+              <a:ext uri="{FF2B5EF4-FFF2-40B4-BE49-F238E27FC236}">
+                <a16:creationId xmlns:a16="http://schemas.microsoft.com/office/drawing/2014/main" id="{685BFE6C-7685-44B3-98F1-51A64A6FABA9}"/>
+              </a:ext>
+            </a:extLst>
+          </p:cNvPr>
+          <p:cNvSpPr/>
+          <p:nvPr/>
+        </p:nvSpPr>
+        <p:spPr>
+          <a:xfrm>
+            <a:off x="111967" y="5495730"/>
+            <a:ext cx="989045" cy="601467"/>
+          </a:xfrm>
+          <a:prstGeom prst="rect">
+            <a:avLst/>
+          </a:prstGeom>
+          <a:noFill/>
+        </p:spPr>
+        <p:style>
+          <a:lnRef idx="2">
+            <a:schemeClr val="accent1">
+              <a:shade val="50000"/>
+            </a:schemeClr>
+          </a:lnRef>
+          <a:fillRef idx="1">
+            <a:schemeClr val="accent1"/>
+          </a:fillRef>
+          <a:effectRef idx="0">
+            <a:schemeClr val="accent1"/>
+          </a:effectRef>
+          <a:fontRef idx="minor">
+            <a:schemeClr val="lt1"/>
+          </a:fontRef>
+        </p:style>
+        <p:txBody>
+          <a:bodyPr rtlCol="0" anchor="ctr"/>
+          <a:lstStyle/>
+          <a:p>
+            <a:pPr algn="ctr"/>
+            <a:endParaRPr lang="en-GB" dirty="0"/>
+          </a:p>
+        </p:txBody>
+      </p:sp>
+      <p:cxnSp>
+        <p:nvCxnSpPr>
+          <p:cNvPr id="7" name="Straight Arrow Connector 6">
+            <a:extLst>
+              <a:ext uri="{FF2B5EF4-FFF2-40B4-BE49-F238E27FC236}">
+                <a16:creationId xmlns:a16="http://schemas.microsoft.com/office/drawing/2014/main" id="{603AF88A-93AF-4843-A1E0-445F975C5328}"/>
+              </a:ext>
+            </a:extLst>
+          </p:cNvPr>
+          <p:cNvCxnSpPr>
+            <a:stCxn id="5" idx="3"/>
+          </p:cNvCxnSpPr>
+          <p:nvPr/>
+        </p:nvCxnSpPr>
+        <p:spPr>
+          <a:xfrm flipV="1">
+            <a:off x="1101012" y="5794310"/>
+            <a:ext cx="718458" cy="2154"/>
+          </a:xfrm>
+          <a:prstGeom prst="straightConnector1">
+            <a:avLst/>
+          </a:prstGeom>
+          <a:ln>
+            <a:tailEnd type="triangle"/>
+          </a:ln>
+        </p:spPr>
+        <p:style>
+          <a:lnRef idx="1">
+            <a:schemeClr val="accent1"/>
+          </a:lnRef>
+          <a:fillRef idx="0">
+            <a:schemeClr val="accent1"/>
+          </a:fillRef>
+          <a:effectRef idx="0">
+            <a:schemeClr val="accent1"/>
+          </a:effectRef>
+          <a:fontRef idx="minor">
+            <a:schemeClr val="tx1"/>
+          </a:fontRef>
+        </p:style>
+      </p:cxnSp>
+      <p:sp>
+        <p:nvSpPr>
+          <p:cNvPr id="8" name="TextBox 7">
+            <a:extLst>
+              <a:ext uri="{FF2B5EF4-FFF2-40B4-BE49-F238E27FC236}">
+                <a16:creationId xmlns:a16="http://schemas.microsoft.com/office/drawing/2014/main" id="{747ED1FC-561B-4B0A-AAAB-B0464B004E24}"/>
+              </a:ext>
+            </a:extLst>
+          </p:cNvPr>
+          <p:cNvSpPr txBox="1"/>
+          <p:nvPr/>
+        </p:nvSpPr>
+        <p:spPr>
+          <a:xfrm>
+            <a:off x="130629" y="5507215"/>
+            <a:ext cx="925284" cy="646331"/>
+          </a:xfrm>
+          <a:prstGeom prst="rect">
+            <a:avLst/>
+          </a:prstGeom>
+          <a:noFill/>
+        </p:spPr>
+        <p:txBody>
+          <a:bodyPr wrap="square" rtlCol="0">
+            <a:spAutoFit/>
+          </a:bodyPr>
+          <a:lstStyle/>
+          <a:p>
+            <a:r>
+              <a:rPr lang="en-GB" b="1" dirty="0">
+                <a:highlight>
+                  <a:srgbClr val="FFFF00"/>
+                </a:highlight>
+              </a:rPr>
+              <a:t>Quality control</a:t>
+            </a:r>
+          </a:p>
+        </p:txBody>
+      </p:sp>
+      <p:sp>
+        <p:nvSpPr>
+          <p:cNvPr id="9" name="Rectangle 8">
+            <a:extLst>
+              <a:ext uri="{FF2B5EF4-FFF2-40B4-BE49-F238E27FC236}">
+                <a16:creationId xmlns:a16="http://schemas.microsoft.com/office/drawing/2014/main" id="{BCC24E98-0DAF-4BE2-A480-68B1764C9278}"/>
+              </a:ext>
+            </a:extLst>
+          </p:cNvPr>
+          <p:cNvSpPr/>
+          <p:nvPr/>
+        </p:nvSpPr>
+        <p:spPr>
+          <a:xfrm>
+            <a:off x="1813250" y="5480176"/>
+            <a:ext cx="989045" cy="601467"/>
+          </a:xfrm>
+          <a:prstGeom prst="rect">
+            <a:avLst/>
+          </a:prstGeom>
+          <a:noFill/>
+        </p:spPr>
+        <p:style>
+          <a:lnRef idx="2">
+            <a:schemeClr val="accent1">
+              <a:shade val="50000"/>
+            </a:schemeClr>
+          </a:lnRef>
+          <a:fillRef idx="1">
+            <a:schemeClr val="accent1"/>
+          </a:fillRef>
+          <a:effectRef idx="0">
+            <a:schemeClr val="accent1"/>
+          </a:effectRef>
+          <a:fontRef idx="minor">
+            <a:schemeClr val="lt1"/>
+          </a:fontRef>
+        </p:style>
+        <p:txBody>
+          <a:bodyPr rtlCol="0" anchor="ctr"/>
+          <a:lstStyle/>
+          <a:p>
+            <a:pPr algn="ctr"/>
+            <a:endParaRPr lang="en-GB" dirty="0"/>
+          </a:p>
+        </p:txBody>
+      </p:sp>
+      <p:cxnSp>
+        <p:nvCxnSpPr>
+          <p:cNvPr id="10" name="Straight Arrow Connector 9">
+            <a:extLst>
+              <a:ext uri="{FF2B5EF4-FFF2-40B4-BE49-F238E27FC236}">
+                <a16:creationId xmlns:a16="http://schemas.microsoft.com/office/drawing/2014/main" id="{52C19100-DBA1-43BD-BD23-41BD77937C2E}"/>
+              </a:ext>
+            </a:extLst>
+          </p:cNvPr>
+          <p:cNvCxnSpPr>
+            <a:stCxn id="9" idx="3"/>
+          </p:cNvCxnSpPr>
+          <p:nvPr/>
+        </p:nvCxnSpPr>
+        <p:spPr>
+          <a:xfrm flipV="1">
+            <a:off x="2802295" y="5778756"/>
+            <a:ext cx="718458" cy="2154"/>
+          </a:xfrm>
+          <a:prstGeom prst="straightConnector1">
+            <a:avLst/>
+          </a:prstGeom>
+          <a:ln>
+            <a:tailEnd type="triangle"/>
+          </a:ln>
+        </p:spPr>
+        <p:style>
+          <a:lnRef idx="1">
+            <a:schemeClr val="accent1"/>
+          </a:lnRef>
+          <a:fillRef idx="0">
+            <a:schemeClr val="accent1"/>
+          </a:fillRef>
+          <a:effectRef idx="0">
+            <a:schemeClr val="accent1"/>
+          </a:effectRef>
+          <a:fontRef idx="minor">
+            <a:schemeClr val="tx1"/>
+          </a:fontRef>
+        </p:style>
+      </p:cxnSp>
+      <p:sp>
+        <p:nvSpPr>
+          <p:cNvPr id="11" name="TextBox 10">
+            <a:extLst>
+              <a:ext uri="{FF2B5EF4-FFF2-40B4-BE49-F238E27FC236}">
+                <a16:creationId xmlns:a16="http://schemas.microsoft.com/office/drawing/2014/main" id="{810AD8B6-5915-479D-BE5F-8B9DE98C7D55}"/>
+              </a:ext>
+            </a:extLst>
+          </p:cNvPr>
+          <p:cNvSpPr txBox="1"/>
+          <p:nvPr/>
+        </p:nvSpPr>
+        <p:spPr>
+          <a:xfrm>
+            <a:off x="1831912" y="5491661"/>
+            <a:ext cx="925284" cy="646331"/>
+          </a:xfrm>
+          <a:prstGeom prst="rect">
+            <a:avLst/>
+          </a:prstGeom>
+          <a:noFill/>
+        </p:spPr>
+        <p:txBody>
+          <a:bodyPr wrap="square" rtlCol="0">
+            <a:spAutoFit/>
+          </a:bodyPr>
+          <a:lstStyle/>
+          <a:p>
+            <a:r>
+              <a:rPr lang="en-GB" dirty="0"/>
+              <a:t>Quality trim</a:t>
+            </a:r>
+          </a:p>
+        </p:txBody>
+      </p:sp>
+      <p:sp>
+        <p:nvSpPr>
+          <p:cNvPr id="12" name="Rectangle 11">
+            <a:extLst>
+              <a:ext uri="{FF2B5EF4-FFF2-40B4-BE49-F238E27FC236}">
+                <a16:creationId xmlns:a16="http://schemas.microsoft.com/office/drawing/2014/main" id="{EC456D08-8142-4825-8F01-FFE838DE1556}"/>
+              </a:ext>
+            </a:extLst>
+          </p:cNvPr>
+          <p:cNvSpPr/>
+          <p:nvPr/>
+        </p:nvSpPr>
+        <p:spPr>
+          <a:xfrm>
+            <a:off x="3558073" y="5470844"/>
+            <a:ext cx="989045" cy="601467"/>
+          </a:xfrm>
+          <a:prstGeom prst="rect">
+            <a:avLst/>
+          </a:prstGeom>
+          <a:noFill/>
+        </p:spPr>
+        <p:style>
+          <a:lnRef idx="2">
+            <a:schemeClr val="accent1">
+              <a:shade val="50000"/>
+            </a:schemeClr>
+          </a:lnRef>
+          <a:fillRef idx="1">
+            <a:schemeClr val="accent1"/>
+          </a:fillRef>
+          <a:effectRef idx="0">
+            <a:schemeClr val="accent1"/>
+          </a:effectRef>
+          <a:fontRef idx="minor">
+            <a:schemeClr val="lt1"/>
+          </a:fontRef>
+        </p:style>
+        <p:txBody>
+          <a:bodyPr rtlCol="0" anchor="ctr"/>
+          <a:lstStyle/>
+          <a:p>
+            <a:pPr algn="ctr"/>
+            <a:endParaRPr lang="en-GB" dirty="0"/>
+          </a:p>
+        </p:txBody>
+      </p:sp>
+      <p:cxnSp>
+        <p:nvCxnSpPr>
+          <p:cNvPr id="13" name="Straight Arrow Connector 12">
+            <a:extLst>
+              <a:ext uri="{FF2B5EF4-FFF2-40B4-BE49-F238E27FC236}">
+                <a16:creationId xmlns:a16="http://schemas.microsoft.com/office/drawing/2014/main" id="{2F579240-C627-453E-B09C-693FA4ED10CE}"/>
+              </a:ext>
+            </a:extLst>
+          </p:cNvPr>
+          <p:cNvCxnSpPr>
+            <a:stCxn id="12" idx="3"/>
+          </p:cNvCxnSpPr>
+          <p:nvPr/>
+        </p:nvCxnSpPr>
+        <p:spPr>
+          <a:xfrm flipV="1">
+            <a:off x="4547118" y="5769424"/>
+            <a:ext cx="718458" cy="2154"/>
+          </a:xfrm>
+          <a:prstGeom prst="straightConnector1">
+            <a:avLst/>
+          </a:prstGeom>
+          <a:ln>
+            <a:tailEnd type="triangle"/>
+          </a:ln>
+        </p:spPr>
+        <p:style>
+          <a:lnRef idx="1">
+            <a:schemeClr val="accent1"/>
+          </a:lnRef>
+          <a:fillRef idx="0">
+            <a:schemeClr val="accent1"/>
+          </a:fillRef>
+          <a:effectRef idx="0">
+            <a:schemeClr val="accent1"/>
+          </a:effectRef>
+          <a:fontRef idx="minor">
+            <a:schemeClr val="tx1"/>
+          </a:fontRef>
+        </p:style>
+      </p:cxnSp>
+      <p:sp>
+        <p:nvSpPr>
+          <p:cNvPr id="14" name="TextBox 13">
+            <a:extLst>
+              <a:ext uri="{FF2B5EF4-FFF2-40B4-BE49-F238E27FC236}">
+                <a16:creationId xmlns:a16="http://schemas.microsoft.com/office/drawing/2014/main" id="{163CBE6A-AFF2-45F0-804B-7EC211E448C4}"/>
+              </a:ext>
+            </a:extLst>
+          </p:cNvPr>
+          <p:cNvSpPr txBox="1"/>
+          <p:nvPr/>
+        </p:nvSpPr>
+        <p:spPr>
+          <a:xfrm>
+            <a:off x="3576735" y="5482329"/>
+            <a:ext cx="925284" cy="646331"/>
+          </a:xfrm>
+          <a:prstGeom prst="rect">
+            <a:avLst/>
+          </a:prstGeom>
+          <a:noFill/>
+        </p:spPr>
+        <p:txBody>
+          <a:bodyPr wrap="square" rtlCol="0">
+            <a:spAutoFit/>
+          </a:bodyPr>
+          <a:lstStyle/>
+          <a:p>
+            <a:r>
+              <a:rPr lang="en-GB" dirty="0"/>
+              <a:t>Quality control</a:t>
+            </a:r>
+          </a:p>
+        </p:txBody>
+      </p:sp>
+      <p:sp>
+        <p:nvSpPr>
+          <p:cNvPr id="15" name="Rectangle 14">
+            <a:extLst>
+              <a:ext uri="{FF2B5EF4-FFF2-40B4-BE49-F238E27FC236}">
+                <a16:creationId xmlns:a16="http://schemas.microsoft.com/office/drawing/2014/main" id="{4F2DEBEA-D4E9-4CC5-98AA-A1F45D2FAE8F}"/>
+              </a:ext>
+            </a:extLst>
+          </p:cNvPr>
+          <p:cNvSpPr/>
+          <p:nvPr/>
+        </p:nvSpPr>
+        <p:spPr>
+          <a:xfrm>
+            <a:off x="5274908" y="5452183"/>
+            <a:ext cx="1331165" cy="1336195"/>
+          </a:xfrm>
+          <a:prstGeom prst="rect">
+            <a:avLst/>
+          </a:prstGeom>
+          <a:noFill/>
+        </p:spPr>
+        <p:style>
+          <a:lnRef idx="2">
+            <a:schemeClr val="accent1">
+              <a:shade val="50000"/>
+            </a:schemeClr>
+          </a:lnRef>
+          <a:fillRef idx="1">
+            <a:schemeClr val="accent1"/>
+          </a:fillRef>
+          <a:effectRef idx="0">
+            <a:schemeClr val="accent1"/>
+          </a:effectRef>
+          <a:fontRef idx="minor">
+            <a:schemeClr val="lt1"/>
+          </a:fontRef>
+        </p:style>
+        <p:txBody>
+          <a:bodyPr rtlCol="0" anchor="ctr"/>
+          <a:lstStyle/>
+          <a:p>
+            <a:pPr algn="ctr"/>
+            <a:endParaRPr lang="en-GB" dirty="0"/>
+          </a:p>
+        </p:txBody>
+      </p:sp>
+      <p:sp>
+        <p:nvSpPr>
+          <p:cNvPr id="16" name="TextBox 15">
+            <a:extLst>
+              <a:ext uri="{FF2B5EF4-FFF2-40B4-BE49-F238E27FC236}">
+                <a16:creationId xmlns:a16="http://schemas.microsoft.com/office/drawing/2014/main" id="{B1D62309-C75A-4DB6-BBE1-4305C4F10B64}"/>
+              </a:ext>
+            </a:extLst>
+          </p:cNvPr>
+          <p:cNvSpPr txBox="1"/>
+          <p:nvPr/>
+        </p:nvSpPr>
+        <p:spPr>
+          <a:xfrm>
+            <a:off x="5274907" y="5491661"/>
+            <a:ext cx="1424473" cy="1107996"/>
+          </a:xfrm>
+          <a:prstGeom prst="rect">
+            <a:avLst/>
+          </a:prstGeom>
+          <a:noFill/>
+        </p:spPr>
+        <p:txBody>
+          <a:bodyPr wrap="square" rtlCol="0">
+            <a:spAutoFit/>
+          </a:bodyPr>
+          <a:lstStyle/>
+          <a:p>
+            <a:r>
+              <a:rPr lang="en-GB" dirty="0"/>
+              <a:t>Assemble </a:t>
+            </a:r>
+            <a:r>
+              <a:rPr lang="en-GB" sz="1600" dirty="0"/>
+              <a:t>(different </a:t>
+            </a:r>
+            <a:r>
+              <a:rPr lang="en-GB" sz="1600" dirty="0" err="1"/>
+              <a:t>kmers</a:t>
+            </a:r>
+            <a:r>
+              <a:rPr lang="en-GB" sz="1600" dirty="0"/>
+              <a:t>, different tools)</a:t>
+            </a:r>
+            <a:endParaRPr lang="en-GB" dirty="0"/>
+          </a:p>
+        </p:txBody>
+      </p:sp>
+      <p:cxnSp>
+        <p:nvCxnSpPr>
+          <p:cNvPr id="17" name="Straight Arrow Connector 16">
+            <a:extLst>
+              <a:ext uri="{FF2B5EF4-FFF2-40B4-BE49-F238E27FC236}">
+                <a16:creationId xmlns:a16="http://schemas.microsoft.com/office/drawing/2014/main" id="{F9F0B42C-83D7-4106-B812-D5DE00DA30E3}"/>
+              </a:ext>
+            </a:extLst>
+          </p:cNvPr>
+          <p:cNvCxnSpPr/>
+          <p:nvPr/>
+        </p:nvCxnSpPr>
+        <p:spPr>
+          <a:xfrm flipV="1">
+            <a:off x="6627848" y="5769424"/>
+            <a:ext cx="718458" cy="2154"/>
+          </a:xfrm>
+          <a:prstGeom prst="straightConnector1">
+            <a:avLst/>
+          </a:prstGeom>
+          <a:ln>
+            <a:tailEnd type="triangle"/>
+          </a:ln>
+        </p:spPr>
+        <p:style>
+          <a:lnRef idx="1">
+            <a:schemeClr val="accent1"/>
+          </a:lnRef>
+          <a:fillRef idx="0">
+            <a:schemeClr val="accent1"/>
+          </a:fillRef>
+          <a:effectRef idx="0">
+            <a:schemeClr val="accent1"/>
+          </a:effectRef>
+          <a:fontRef idx="minor">
+            <a:schemeClr val="tx1"/>
+          </a:fontRef>
+        </p:style>
+      </p:cxnSp>
+      <p:sp>
+        <p:nvSpPr>
+          <p:cNvPr id="18" name="Rectangle 17">
+            <a:extLst>
+              <a:ext uri="{FF2B5EF4-FFF2-40B4-BE49-F238E27FC236}">
+                <a16:creationId xmlns:a16="http://schemas.microsoft.com/office/drawing/2014/main" id="{21A72EF1-AF93-4EF1-8529-1BACCA32E41A}"/>
+              </a:ext>
+            </a:extLst>
+          </p:cNvPr>
+          <p:cNvSpPr/>
+          <p:nvPr/>
+        </p:nvSpPr>
+        <p:spPr>
+          <a:xfrm>
+            <a:off x="7327644" y="5459659"/>
+            <a:ext cx="989045" cy="601467"/>
+          </a:xfrm>
+          <a:prstGeom prst="rect">
+            <a:avLst/>
+          </a:prstGeom>
+          <a:noFill/>
+        </p:spPr>
+        <p:style>
+          <a:lnRef idx="2">
+            <a:schemeClr val="accent1">
+              <a:shade val="50000"/>
+            </a:schemeClr>
+          </a:lnRef>
+          <a:fillRef idx="1">
+            <a:schemeClr val="accent1"/>
+          </a:fillRef>
+          <a:effectRef idx="0">
+            <a:schemeClr val="accent1"/>
+          </a:effectRef>
+          <a:fontRef idx="minor">
+            <a:schemeClr val="lt1"/>
+          </a:fontRef>
+        </p:style>
+        <p:txBody>
+          <a:bodyPr rtlCol="0" anchor="ctr"/>
+          <a:lstStyle/>
+          <a:p>
+            <a:pPr algn="ctr"/>
+            <a:endParaRPr lang="en-GB" dirty="0"/>
+          </a:p>
+        </p:txBody>
+      </p:sp>
+      <p:cxnSp>
+        <p:nvCxnSpPr>
+          <p:cNvPr id="19" name="Straight Arrow Connector 18">
+            <a:extLst>
+              <a:ext uri="{FF2B5EF4-FFF2-40B4-BE49-F238E27FC236}">
+                <a16:creationId xmlns:a16="http://schemas.microsoft.com/office/drawing/2014/main" id="{5880C8EE-9676-4FB5-A492-AB41E91C917D}"/>
+              </a:ext>
+            </a:extLst>
+          </p:cNvPr>
+          <p:cNvCxnSpPr>
+            <a:stCxn id="18" idx="3"/>
+          </p:cNvCxnSpPr>
+          <p:nvPr/>
+        </p:nvCxnSpPr>
+        <p:spPr>
+          <a:xfrm flipV="1">
+            <a:off x="8316689" y="5758239"/>
+            <a:ext cx="718458" cy="2154"/>
+          </a:xfrm>
+          <a:prstGeom prst="straightConnector1">
+            <a:avLst/>
+          </a:prstGeom>
+          <a:ln>
+            <a:tailEnd type="triangle"/>
+          </a:ln>
+        </p:spPr>
+        <p:style>
+          <a:lnRef idx="1">
+            <a:schemeClr val="accent1"/>
+          </a:lnRef>
+          <a:fillRef idx="0">
+            <a:schemeClr val="accent1"/>
+          </a:fillRef>
+          <a:effectRef idx="0">
+            <a:schemeClr val="accent1"/>
+          </a:effectRef>
+          <a:fontRef idx="minor">
+            <a:schemeClr val="tx1"/>
+          </a:fontRef>
+        </p:style>
+      </p:cxnSp>
+      <p:sp>
+        <p:nvSpPr>
+          <p:cNvPr id="20" name="TextBox 19">
+            <a:extLst>
+              <a:ext uri="{FF2B5EF4-FFF2-40B4-BE49-F238E27FC236}">
+                <a16:creationId xmlns:a16="http://schemas.microsoft.com/office/drawing/2014/main" id="{A67CE5BA-F17C-46AE-B7AE-D56398E7A954}"/>
+              </a:ext>
+            </a:extLst>
+          </p:cNvPr>
+          <p:cNvSpPr txBox="1"/>
+          <p:nvPr/>
+        </p:nvSpPr>
+        <p:spPr>
+          <a:xfrm>
+            <a:off x="7346306" y="5471144"/>
+            <a:ext cx="925284" cy="646331"/>
+          </a:xfrm>
+          <a:prstGeom prst="rect">
+            <a:avLst/>
+          </a:prstGeom>
+          <a:noFill/>
+        </p:spPr>
+        <p:txBody>
+          <a:bodyPr wrap="square" rtlCol="0">
+            <a:spAutoFit/>
+          </a:bodyPr>
+          <a:lstStyle/>
+          <a:p>
+            <a:r>
+              <a:rPr lang="en-GB" dirty="0"/>
+              <a:t>Predict genes</a:t>
+            </a:r>
+          </a:p>
+        </p:txBody>
+      </p:sp>
+      <p:sp>
+        <p:nvSpPr>
+          <p:cNvPr id="21" name="Rectangle 20">
+            <a:extLst>
+              <a:ext uri="{FF2B5EF4-FFF2-40B4-BE49-F238E27FC236}">
+                <a16:creationId xmlns:a16="http://schemas.microsoft.com/office/drawing/2014/main" id="{A1CFD479-BB19-40A0-874D-99E616830FF7}"/>
+              </a:ext>
+            </a:extLst>
+          </p:cNvPr>
+          <p:cNvSpPr/>
+          <p:nvPr/>
+        </p:nvSpPr>
+        <p:spPr>
+          <a:xfrm>
+            <a:off x="9035147" y="5452183"/>
+            <a:ext cx="989045" cy="1327579"/>
+          </a:xfrm>
+          <a:prstGeom prst="rect">
+            <a:avLst/>
+          </a:prstGeom>
+          <a:noFill/>
+        </p:spPr>
+        <p:style>
+          <a:lnRef idx="2">
+            <a:schemeClr val="accent1">
+              <a:shade val="50000"/>
+            </a:schemeClr>
+          </a:lnRef>
+          <a:fillRef idx="1">
+            <a:schemeClr val="accent1"/>
+          </a:fillRef>
+          <a:effectRef idx="0">
+            <a:schemeClr val="accent1"/>
+          </a:effectRef>
+          <a:fontRef idx="minor">
+            <a:schemeClr val="lt1"/>
+          </a:fontRef>
+        </p:style>
+        <p:txBody>
+          <a:bodyPr rtlCol="0" anchor="ctr"/>
+          <a:lstStyle/>
+          <a:p>
+            <a:pPr algn="ctr"/>
+            <a:endParaRPr lang="en-GB" dirty="0"/>
+          </a:p>
+        </p:txBody>
+      </p:sp>
+      <p:sp>
+        <p:nvSpPr>
+          <p:cNvPr id="22" name="TextBox 21">
+            <a:extLst>
+              <a:ext uri="{FF2B5EF4-FFF2-40B4-BE49-F238E27FC236}">
+                <a16:creationId xmlns:a16="http://schemas.microsoft.com/office/drawing/2014/main" id="{530F4822-EE01-474E-8954-0184F16E6C8E}"/>
+              </a:ext>
+            </a:extLst>
+          </p:cNvPr>
+          <p:cNvSpPr txBox="1"/>
+          <p:nvPr/>
+        </p:nvSpPr>
+        <p:spPr>
+          <a:xfrm>
+            <a:off x="9186770" y="5515807"/>
+            <a:ext cx="925284" cy="1200329"/>
+          </a:xfrm>
+          <a:prstGeom prst="rect">
+            <a:avLst/>
+          </a:prstGeom>
+          <a:noFill/>
+        </p:spPr>
+        <p:txBody>
+          <a:bodyPr wrap="square" rtlCol="0">
+            <a:spAutoFit/>
+          </a:bodyPr>
+          <a:lstStyle/>
+          <a:p>
+            <a:r>
+              <a:rPr lang="en-GB" sz="1200" dirty="0"/>
+              <a:t>Draw a genome diagram with the genes marked</a:t>
+            </a:r>
+          </a:p>
+        </p:txBody>
+      </p:sp>
+      <p:cxnSp>
+        <p:nvCxnSpPr>
+          <p:cNvPr id="23" name="Connector: Elbow 22">
+            <a:extLst>
+              <a:ext uri="{FF2B5EF4-FFF2-40B4-BE49-F238E27FC236}">
+                <a16:creationId xmlns:a16="http://schemas.microsoft.com/office/drawing/2014/main" id="{5B7D0E59-CBE0-4E47-8CF5-3D1879907D03}"/>
+              </a:ext>
+            </a:extLst>
+          </p:cNvPr>
+          <p:cNvCxnSpPr>
+            <a:cxnSpLocks/>
+          </p:cNvCxnSpPr>
+          <p:nvPr/>
+        </p:nvCxnSpPr>
+        <p:spPr>
+          <a:xfrm flipV="1">
+            <a:off x="5987143" y="4516016"/>
+            <a:ext cx="2802294" cy="879820"/>
+          </a:xfrm>
+          <a:prstGeom prst="bentConnector3">
+            <a:avLst>
+              <a:gd name="adj1" fmla="val -943"/>
+            </a:avLst>
+          </a:prstGeom>
+          <a:ln>
+            <a:tailEnd type="triangle"/>
+          </a:ln>
+        </p:spPr>
+        <p:style>
+          <a:lnRef idx="1">
+            <a:schemeClr val="accent1"/>
+          </a:lnRef>
+          <a:fillRef idx="0">
+            <a:schemeClr val="accent1"/>
+          </a:fillRef>
+          <a:effectRef idx="0">
+            <a:schemeClr val="accent1"/>
+          </a:effectRef>
+          <a:fontRef idx="minor">
+            <a:schemeClr val="tx1"/>
+          </a:fontRef>
+        </p:style>
+      </p:cxnSp>
+      <p:sp>
+        <p:nvSpPr>
+          <p:cNvPr id="24" name="Rectangle 23">
+            <a:extLst>
+              <a:ext uri="{FF2B5EF4-FFF2-40B4-BE49-F238E27FC236}">
+                <a16:creationId xmlns:a16="http://schemas.microsoft.com/office/drawing/2014/main" id="{AAC52260-D910-4AF2-8E35-3939592921D5}"/>
+              </a:ext>
+            </a:extLst>
+          </p:cNvPr>
+          <p:cNvSpPr/>
+          <p:nvPr/>
+        </p:nvSpPr>
+        <p:spPr>
+          <a:xfrm>
+            <a:off x="8789435" y="4231775"/>
+            <a:ext cx="989045" cy="601467"/>
+          </a:xfrm>
+          <a:prstGeom prst="rect">
+            <a:avLst/>
+          </a:prstGeom>
+          <a:noFill/>
+        </p:spPr>
+        <p:style>
+          <a:lnRef idx="2">
+            <a:schemeClr val="accent1">
+              <a:shade val="50000"/>
+            </a:schemeClr>
+          </a:lnRef>
+          <a:fillRef idx="1">
+            <a:schemeClr val="accent1"/>
+          </a:fillRef>
+          <a:effectRef idx="0">
+            <a:schemeClr val="accent1"/>
+          </a:effectRef>
+          <a:fontRef idx="minor">
+            <a:schemeClr val="lt1"/>
+          </a:fontRef>
+        </p:style>
+        <p:txBody>
+          <a:bodyPr rtlCol="0" anchor="ctr"/>
+          <a:lstStyle/>
+          <a:p>
+            <a:pPr algn="ctr"/>
+            <a:endParaRPr lang="en-GB" dirty="0"/>
+          </a:p>
+        </p:txBody>
+      </p:sp>
+      <p:sp>
+        <p:nvSpPr>
+          <p:cNvPr id="25" name="TextBox 24">
+            <a:extLst>
+              <a:ext uri="{FF2B5EF4-FFF2-40B4-BE49-F238E27FC236}">
+                <a16:creationId xmlns:a16="http://schemas.microsoft.com/office/drawing/2014/main" id="{80F6AE79-466D-424B-AFC6-A49E59513C8F}"/>
+              </a:ext>
+            </a:extLst>
+          </p:cNvPr>
+          <p:cNvSpPr txBox="1"/>
+          <p:nvPr/>
+        </p:nvSpPr>
+        <p:spPr>
+          <a:xfrm>
+            <a:off x="8808097" y="4243260"/>
+            <a:ext cx="925284" cy="646331"/>
+          </a:xfrm>
+          <a:prstGeom prst="rect">
+            <a:avLst/>
+          </a:prstGeom>
+          <a:noFill/>
+        </p:spPr>
+        <p:txBody>
+          <a:bodyPr wrap="square" rtlCol="0">
+            <a:spAutoFit/>
+          </a:bodyPr>
+          <a:lstStyle/>
+          <a:p>
+            <a:r>
+              <a:rPr lang="en-GB" dirty="0"/>
+              <a:t>BLAST: identify</a:t>
+            </a:r>
+          </a:p>
+        </p:txBody>
+      </p:sp>
     </p:spTree>
     <p:extLst>
       <p:ext uri="{BB962C8B-B14F-4D97-AF65-F5344CB8AC3E}">
@@ -8614,7 +12796,7 @@
           <a:p>
             <a:r>
               <a:rPr lang="en-GB" dirty="0"/>
-              <a:t>The avoid assembling errors, or low quality bases - trim the reads before using them, using tools such as:</a:t>
+              <a:t>The avoid assembling errors, or low quality bases (base calling is based on the probability of that base being called correctly)- trim the reads before using them, using tools such as:</a:t>
             </a:r>
           </a:p>
           <a:p>
@@ -8667,16 +12849,6 @@
               </a:rPr>
               <a:t> trimmmomatic.sh</a:t>
             </a:r>
-          </a:p>
-          <a:p>
-            <a:pPr marL="0" indent="0">
-              <a:buNone/>
-            </a:pPr>
-            <a:endParaRPr lang="en-GB" dirty="0">
-              <a:solidFill>
-                <a:srgbClr val="0070C0"/>
-              </a:solidFill>
-            </a:endParaRPr>
           </a:p>
           <a:p>
             <a:pPr marL="0" indent="0">
@@ -8819,8 +12991,8 @@
         </p:nvSpPr>
         <p:spPr>
           <a:xfrm>
-            <a:off x="523702" y="6331916"/>
-            <a:ext cx="9285317" cy="369332"/>
+            <a:off x="80343" y="6562748"/>
+            <a:ext cx="9285317" cy="276999"/>
           </a:xfrm>
           <a:prstGeom prst="rect">
             <a:avLst/>
@@ -8834,7 +13006,7 @@
           <a:lstStyle/>
           <a:p>
             <a:r>
-              <a:rPr lang="en-GB" dirty="0"/>
+              <a:rPr lang="en-GB" sz="1200" dirty="0"/>
               <a:t>*Note in the shell script line lines are split up with \ character</a:t>
             </a:r>
           </a:p>
@@ -8849,13 +13021,15 @@
               </a:ext>
             </a:extLst>
           </p:cNvPr>
-          <p:cNvCxnSpPr/>
+          <p:cNvCxnSpPr>
+            <a:cxnSpLocks/>
+          </p:cNvCxnSpPr>
           <p:nvPr/>
         </p:nvCxnSpPr>
         <p:spPr>
           <a:xfrm flipH="1">
-            <a:off x="1606858" y="5424256"/>
-            <a:ext cx="843379" cy="186431"/>
+            <a:off x="1606859" y="5281127"/>
+            <a:ext cx="744455" cy="329560"/>
           </a:xfrm>
           <a:prstGeom prst="straightConnector1">
             <a:avLst/>
@@ -8893,8 +13067,8 @@
         </p:nvSpPr>
         <p:spPr>
           <a:xfrm>
-            <a:off x="1100831" y="5726097"/>
-            <a:ext cx="2148396" cy="369332"/>
+            <a:off x="1082170" y="5648135"/>
+            <a:ext cx="5859806" cy="646331"/>
           </a:xfrm>
           <a:prstGeom prst="rect">
             <a:avLst/>
@@ -8909,7 +13083,7 @@
           <a:p>
             <a:r>
               <a:rPr lang="en-GB" dirty="0"/>
-              <a:t>Min Q value</a:t>
+              <a:t>Min Q value: for example is 30 was here, it is 1 in 1000 chance of being correct</a:t>
             </a:r>
           </a:p>
         </p:txBody>
@@ -9022,7 +13196,7 @@
         </p:spPr>
         <p:txBody>
           <a:bodyPr>
-            <a:normAutofit lnSpcReduction="10000"/>
+            <a:normAutofit/>
           </a:bodyPr>
           <a:lstStyle/>
           <a:p>
@@ -9044,15 +13218,6 @@
               <a:rPr lang="en-GB" dirty="0"/>
               <a:t> on the trimmed reads</a:t>
             </a:r>
-          </a:p>
-          <a:p>
-            <a:endParaRPr lang="en-GB" sz="2400" dirty="0">
-              <a:solidFill>
-                <a:srgbClr val="0070C0"/>
-              </a:solidFill>
-            </a:endParaRPr>
-          </a:p>
-          <a:p>
             <a:endParaRPr lang="en-GB" sz="2400" dirty="0">
               <a:solidFill>
                 <a:srgbClr val="0070C0"/>
@@ -9181,6 +13346,843 @@
                 <a:srgbClr val="FFFF00"/>
               </a:highlight>
             </a:endParaRPr>
+          </a:p>
+        </p:txBody>
+      </p:sp>
+      <p:sp>
+        <p:nvSpPr>
+          <p:cNvPr id="5" name="Rectangle 4">
+            <a:extLst>
+              <a:ext uri="{FF2B5EF4-FFF2-40B4-BE49-F238E27FC236}">
+                <a16:creationId xmlns:a16="http://schemas.microsoft.com/office/drawing/2014/main" id="{7381715D-ECAF-412D-8114-5D1F9D030B8E}"/>
+              </a:ext>
+            </a:extLst>
+          </p:cNvPr>
+          <p:cNvSpPr/>
+          <p:nvPr/>
+        </p:nvSpPr>
+        <p:spPr>
+          <a:xfrm>
+            <a:off x="111967" y="5495730"/>
+            <a:ext cx="989045" cy="601467"/>
+          </a:xfrm>
+          <a:prstGeom prst="rect">
+            <a:avLst/>
+          </a:prstGeom>
+          <a:noFill/>
+        </p:spPr>
+        <p:style>
+          <a:lnRef idx="2">
+            <a:schemeClr val="accent1">
+              <a:shade val="50000"/>
+            </a:schemeClr>
+          </a:lnRef>
+          <a:fillRef idx="1">
+            <a:schemeClr val="accent1"/>
+          </a:fillRef>
+          <a:effectRef idx="0">
+            <a:schemeClr val="accent1"/>
+          </a:effectRef>
+          <a:fontRef idx="minor">
+            <a:schemeClr val="lt1"/>
+          </a:fontRef>
+        </p:style>
+        <p:txBody>
+          <a:bodyPr rtlCol="0" anchor="ctr"/>
+          <a:lstStyle/>
+          <a:p>
+            <a:pPr algn="ctr"/>
+            <a:endParaRPr lang="en-GB" dirty="0"/>
+          </a:p>
+        </p:txBody>
+      </p:sp>
+      <p:cxnSp>
+        <p:nvCxnSpPr>
+          <p:cNvPr id="6" name="Straight Arrow Connector 5">
+            <a:extLst>
+              <a:ext uri="{FF2B5EF4-FFF2-40B4-BE49-F238E27FC236}">
+                <a16:creationId xmlns:a16="http://schemas.microsoft.com/office/drawing/2014/main" id="{A8113F69-8159-4900-9C85-7DBB78083EDD}"/>
+              </a:ext>
+            </a:extLst>
+          </p:cNvPr>
+          <p:cNvCxnSpPr>
+            <a:stCxn id="5" idx="3"/>
+          </p:cNvCxnSpPr>
+          <p:nvPr/>
+        </p:nvCxnSpPr>
+        <p:spPr>
+          <a:xfrm flipV="1">
+            <a:off x="1101012" y="5794310"/>
+            <a:ext cx="718458" cy="2154"/>
+          </a:xfrm>
+          <a:prstGeom prst="straightConnector1">
+            <a:avLst/>
+          </a:prstGeom>
+          <a:ln>
+            <a:tailEnd type="triangle"/>
+          </a:ln>
+        </p:spPr>
+        <p:style>
+          <a:lnRef idx="1">
+            <a:schemeClr val="accent1"/>
+          </a:lnRef>
+          <a:fillRef idx="0">
+            <a:schemeClr val="accent1"/>
+          </a:fillRef>
+          <a:effectRef idx="0">
+            <a:schemeClr val="accent1"/>
+          </a:effectRef>
+          <a:fontRef idx="minor">
+            <a:schemeClr val="tx1"/>
+          </a:fontRef>
+        </p:style>
+      </p:cxnSp>
+      <p:sp>
+        <p:nvSpPr>
+          <p:cNvPr id="7" name="TextBox 6">
+            <a:extLst>
+              <a:ext uri="{FF2B5EF4-FFF2-40B4-BE49-F238E27FC236}">
+                <a16:creationId xmlns:a16="http://schemas.microsoft.com/office/drawing/2014/main" id="{6B08E040-B78D-4275-AFF2-E869FD080FD3}"/>
+              </a:ext>
+            </a:extLst>
+          </p:cNvPr>
+          <p:cNvSpPr txBox="1"/>
+          <p:nvPr/>
+        </p:nvSpPr>
+        <p:spPr>
+          <a:xfrm>
+            <a:off x="130629" y="5507215"/>
+            <a:ext cx="925284" cy="646331"/>
+          </a:xfrm>
+          <a:prstGeom prst="rect">
+            <a:avLst/>
+          </a:prstGeom>
+          <a:noFill/>
+        </p:spPr>
+        <p:txBody>
+          <a:bodyPr wrap="square" rtlCol="0">
+            <a:spAutoFit/>
+          </a:bodyPr>
+          <a:lstStyle/>
+          <a:p>
+            <a:r>
+              <a:rPr lang="en-GB" dirty="0"/>
+              <a:t>Quality control</a:t>
+            </a:r>
+          </a:p>
+        </p:txBody>
+      </p:sp>
+      <p:sp>
+        <p:nvSpPr>
+          <p:cNvPr id="8" name="Rectangle 7">
+            <a:extLst>
+              <a:ext uri="{FF2B5EF4-FFF2-40B4-BE49-F238E27FC236}">
+                <a16:creationId xmlns:a16="http://schemas.microsoft.com/office/drawing/2014/main" id="{0C12E2B8-EF79-4B3F-A5B8-859C108F2AE4}"/>
+              </a:ext>
+            </a:extLst>
+          </p:cNvPr>
+          <p:cNvSpPr/>
+          <p:nvPr/>
+        </p:nvSpPr>
+        <p:spPr>
+          <a:xfrm>
+            <a:off x="1813250" y="5480176"/>
+            <a:ext cx="989045" cy="601467"/>
+          </a:xfrm>
+          <a:prstGeom prst="rect">
+            <a:avLst/>
+          </a:prstGeom>
+          <a:noFill/>
+        </p:spPr>
+        <p:style>
+          <a:lnRef idx="2">
+            <a:schemeClr val="accent1">
+              <a:shade val="50000"/>
+            </a:schemeClr>
+          </a:lnRef>
+          <a:fillRef idx="1">
+            <a:schemeClr val="accent1"/>
+          </a:fillRef>
+          <a:effectRef idx="0">
+            <a:schemeClr val="accent1"/>
+          </a:effectRef>
+          <a:fontRef idx="minor">
+            <a:schemeClr val="lt1"/>
+          </a:fontRef>
+        </p:style>
+        <p:txBody>
+          <a:bodyPr rtlCol="0" anchor="ctr"/>
+          <a:lstStyle/>
+          <a:p>
+            <a:pPr algn="ctr"/>
+            <a:endParaRPr lang="en-GB" dirty="0"/>
+          </a:p>
+        </p:txBody>
+      </p:sp>
+      <p:cxnSp>
+        <p:nvCxnSpPr>
+          <p:cNvPr id="9" name="Straight Arrow Connector 8">
+            <a:extLst>
+              <a:ext uri="{FF2B5EF4-FFF2-40B4-BE49-F238E27FC236}">
+                <a16:creationId xmlns:a16="http://schemas.microsoft.com/office/drawing/2014/main" id="{721D8202-C2C1-4FA4-AF19-9E0693CE091B}"/>
+              </a:ext>
+            </a:extLst>
+          </p:cNvPr>
+          <p:cNvCxnSpPr>
+            <a:stCxn id="8" idx="3"/>
+          </p:cNvCxnSpPr>
+          <p:nvPr/>
+        </p:nvCxnSpPr>
+        <p:spPr>
+          <a:xfrm flipV="1">
+            <a:off x="2802295" y="5778756"/>
+            <a:ext cx="718458" cy="2154"/>
+          </a:xfrm>
+          <a:prstGeom prst="straightConnector1">
+            <a:avLst/>
+          </a:prstGeom>
+          <a:ln>
+            <a:tailEnd type="triangle"/>
+          </a:ln>
+        </p:spPr>
+        <p:style>
+          <a:lnRef idx="1">
+            <a:schemeClr val="accent1"/>
+          </a:lnRef>
+          <a:fillRef idx="0">
+            <a:schemeClr val="accent1"/>
+          </a:fillRef>
+          <a:effectRef idx="0">
+            <a:schemeClr val="accent1"/>
+          </a:effectRef>
+          <a:fontRef idx="minor">
+            <a:schemeClr val="tx1"/>
+          </a:fontRef>
+        </p:style>
+      </p:cxnSp>
+      <p:sp>
+        <p:nvSpPr>
+          <p:cNvPr id="10" name="TextBox 9">
+            <a:extLst>
+              <a:ext uri="{FF2B5EF4-FFF2-40B4-BE49-F238E27FC236}">
+                <a16:creationId xmlns:a16="http://schemas.microsoft.com/office/drawing/2014/main" id="{41D5D664-2257-4742-9667-38DDDE5360C7}"/>
+              </a:ext>
+            </a:extLst>
+          </p:cNvPr>
+          <p:cNvSpPr txBox="1"/>
+          <p:nvPr/>
+        </p:nvSpPr>
+        <p:spPr>
+          <a:xfrm>
+            <a:off x="1831912" y="5491661"/>
+            <a:ext cx="925284" cy="646331"/>
+          </a:xfrm>
+          <a:prstGeom prst="rect">
+            <a:avLst/>
+          </a:prstGeom>
+          <a:noFill/>
+        </p:spPr>
+        <p:txBody>
+          <a:bodyPr wrap="square" rtlCol="0">
+            <a:spAutoFit/>
+          </a:bodyPr>
+          <a:lstStyle/>
+          <a:p>
+            <a:r>
+              <a:rPr lang="en-GB" b="1" dirty="0">
+                <a:highlight>
+                  <a:srgbClr val="FFFF00"/>
+                </a:highlight>
+              </a:rPr>
+              <a:t>Quality trim</a:t>
+            </a:r>
+          </a:p>
+        </p:txBody>
+      </p:sp>
+      <p:sp>
+        <p:nvSpPr>
+          <p:cNvPr id="11" name="Rectangle 10">
+            <a:extLst>
+              <a:ext uri="{FF2B5EF4-FFF2-40B4-BE49-F238E27FC236}">
+                <a16:creationId xmlns:a16="http://schemas.microsoft.com/office/drawing/2014/main" id="{FA06BBEA-54DD-45FD-927D-3776D413E49F}"/>
+              </a:ext>
+            </a:extLst>
+          </p:cNvPr>
+          <p:cNvSpPr/>
+          <p:nvPr/>
+        </p:nvSpPr>
+        <p:spPr>
+          <a:xfrm>
+            <a:off x="3558073" y="5470844"/>
+            <a:ext cx="989045" cy="601467"/>
+          </a:xfrm>
+          <a:prstGeom prst="rect">
+            <a:avLst/>
+          </a:prstGeom>
+          <a:noFill/>
+        </p:spPr>
+        <p:style>
+          <a:lnRef idx="2">
+            <a:schemeClr val="accent1">
+              <a:shade val="50000"/>
+            </a:schemeClr>
+          </a:lnRef>
+          <a:fillRef idx="1">
+            <a:schemeClr val="accent1"/>
+          </a:fillRef>
+          <a:effectRef idx="0">
+            <a:schemeClr val="accent1"/>
+          </a:effectRef>
+          <a:fontRef idx="minor">
+            <a:schemeClr val="lt1"/>
+          </a:fontRef>
+        </p:style>
+        <p:txBody>
+          <a:bodyPr rtlCol="0" anchor="ctr"/>
+          <a:lstStyle/>
+          <a:p>
+            <a:pPr algn="ctr"/>
+            <a:endParaRPr lang="en-GB" dirty="0"/>
+          </a:p>
+        </p:txBody>
+      </p:sp>
+      <p:cxnSp>
+        <p:nvCxnSpPr>
+          <p:cNvPr id="12" name="Straight Arrow Connector 11">
+            <a:extLst>
+              <a:ext uri="{FF2B5EF4-FFF2-40B4-BE49-F238E27FC236}">
+                <a16:creationId xmlns:a16="http://schemas.microsoft.com/office/drawing/2014/main" id="{3B89F7B7-23F7-4521-AF7C-728ABD3CD1CF}"/>
+              </a:ext>
+            </a:extLst>
+          </p:cNvPr>
+          <p:cNvCxnSpPr>
+            <a:stCxn id="11" idx="3"/>
+          </p:cNvCxnSpPr>
+          <p:nvPr/>
+        </p:nvCxnSpPr>
+        <p:spPr>
+          <a:xfrm flipV="1">
+            <a:off x="4547118" y="5769424"/>
+            <a:ext cx="718458" cy="2154"/>
+          </a:xfrm>
+          <a:prstGeom prst="straightConnector1">
+            <a:avLst/>
+          </a:prstGeom>
+          <a:ln>
+            <a:tailEnd type="triangle"/>
+          </a:ln>
+        </p:spPr>
+        <p:style>
+          <a:lnRef idx="1">
+            <a:schemeClr val="accent1"/>
+          </a:lnRef>
+          <a:fillRef idx="0">
+            <a:schemeClr val="accent1"/>
+          </a:fillRef>
+          <a:effectRef idx="0">
+            <a:schemeClr val="accent1"/>
+          </a:effectRef>
+          <a:fontRef idx="minor">
+            <a:schemeClr val="tx1"/>
+          </a:fontRef>
+        </p:style>
+      </p:cxnSp>
+      <p:sp>
+        <p:nvSpPr>
+          <p:cNvPr id="13" name="TextBox 12">
+            <a:extLst>
+              <a:ext uri="{FF2B5EF4-FFF2-40B4-BE49-F238E27FC236}">
+                <a16:creationId xmlns:a16="http://schemas.microsoft.com/office/drawing/2014/main" id="{27311142-6468-4A0B-B8C6-C94420383216}"/>
+              </a:ext>
+            </a:extLst>
+          </p:cNvPr>
+          <p:cNvSpPr txBox="1"/>
+          <p:nvPr/>
+        </p:nvSpPr>
+        <p:spPr>
+          <a:xfrm>
+            <a:off x="3576735" y="5482329"/>
+            <a:ext cx="925284" cy="646331"/>
+          </a:xfrm>
+          <a:prstGeom prst="rect">
+            <a:avLst/>
+          </a:prstGeom>
+          <a:noFill/>
+        </p:spPr>
+        <p:txBody>
+          <a:bodyPr wrap="square" rtlCol="0">
+            <a:spAutoFit/>
+          </a:bodyPr>
+          <a:lstStyle/>
+          <a:p>
+            <a:r>
+              <a:rPr lang="en-GB" dirty="0"/>
+              <a:t>Quality control</a:t>
+            </a:r>
+          </a:p>
+        </p:txBody>
+      </p:sp>
+      <p:sp>
+        <p:nvSpPr>
+          <p:cNvPr id="14" name="Rectangle 13">
+            <a:extLst>
+              <a:ext uri="{FF2B5EF4-FFF2-40B4-BE49-F238E27FC236}">
+                <a16:creationId xmlns:a16="http://schemas.microsoft.com/office/drawing/2014/main" id="{4FB98211-E97D-4262-912C-7C60FC18AE6C}"/>
+              </a:ext>
+            </a:extLst>
+          </p:cNvPr>
+          <p:cNvSpPr/>
+          <p:nvPr/>
+        </p:nvSpPr>
+        <p:spPr>
+          <a:xfrm>
+            <a:off x="5274908" y="5452183"/>
+            <a:ext cx="1331165" cy="1336195"/>
+          </a:xfrm>
+          <a:prstGeom prst="rect">
+            <a:avLst/>
+          </a:prstGeom>
+          <a:noFill/>
+        </p:spPr>
+        <p:style>
+          <a:lnRef idx="2">
+            <a:schemeClr val="accent1">
+              <a:shade val="50000"/>
+            </a:schemeClr>
+          </a:lnRef>
+          <a:fillRef idx="1">
+            <a:schemeClr val="accent1"/>
+          </a:fillRef>
+          <a:effectRef idx="0">
+            <a:schemeClr val="accent1"/>
+          </a:effectRef>
+          <a:fontRef idx="minor">
+            <a:schemeClr val="lt1"/>
+          </a:fontRef>
+        </p:style>
+        <p:txBody>
+          <a:bodyPr rtlCol="0" anchor="ctr"/>
+          <a:lstStyle/>
+          <a:p>
+            <a:pPr algn="ctr"/>
+            <a:endParaRPr lang="en-GB" dirty="0"/>
+          </a:p>
+        </p:txBody>
+      </p:sp>
+      <p:sp>
+        <p:nvSpPr>
+          <p:cNvPr id="15" name="TextBox 14">
+            <a:extLst>
+              <a:ext uri="{FF2B5EF4-FFF2-40B4-BE49-F238E27FC236}">
+                <a16:creationId xmlns:a16="http://schemas.microsoft.com/office/drawing/2014/main" id="{C54C76D4-0796-459B-905D-9073A6EF79D2}"/>
+              </a:ext>
+            </a:extLst>
+          </p:cNvPr>
+          <p:cNvSpPr txBox="1"/>
+          <p:nvPr/>
+        </p:nvSpPr>
+        <p:spPr>
+          <a:xfrm>
+            <a:off x="5274907" y="5491661"/>
+            <a:ext cx="1424473" cy="1107996"/>
+          </a:xfrm>
+          <a:prstGeom prst="rect">
+            <a:avLst/>
+          </a:prstGeom>
+          <a:noFill/>
+        </p:spPr>
+        <p:txBody>
+          <a:bodyPr wrap="square" rtlCol="0">
+            <a:spAutoFit/>
+          </a:bodyPr>
+          <a:lstStyle/>
+          <a:p>
+            <a:r>
+              <a:rPr lang="en-GB" dirty="0"/>
+              <a:t>Assemble </a:t>
+            </a:r>
+            <a:r>
+              <a:rPr lang="en-GB" sz="1600" dirty="0"/>
+              <a:t>(different </a:t>
+            </a:r>
+            <a:r>
+              <a:rPr lang="en-GB" sz="1600" dirty="0" err="1"/>
+              <a:t>kmers</a:t>
+            </a:r>
+            <a:r>
+              <a:rPr lang="en-GB" sz="1600" dirty="0"/>
+              <a:t>, different tools)</a:t>
+            </a:r>
+            <a:endParaRPr lang="en-GB" dirty="0"/>
+          </a:p>
+        </p:txBody>
+      </p:sp>
+      <p:cxnSp>
+        <p:nvCxnSpPr>
+          <p:cNvPr id="16" name="Straight Arrow Connector 15">
+            <a:extLst>
+              <a:ext uri="{FF2B5EF4-FFF2-40B4-BE49-F238E27FC236}">
+                <a16:creationId xmlns:a16="http://schemas.microsoft.com/office/drawing/2014/main" id="{189B7D50-B9A0-4193-90EA-9BB0DE5F7A6C}"/>
+              </a:ext>
+            </a:extLst>
+          </p:cNvPr>
+          <p:cNvCxnSpPr/>
+          <p:nvPr/>
+        </p:nvCxnSpPr>
+        <p:spPr>
+          <a:xfrm flipV="1">
+            <a:off x="6627848" y="5769424"/>
+            <a:ext cx="718458" cy="2154"/>
+          </a:xfrm>
+          <a:prstGeom prst="straightConnector1">
+            <a:avLst/>
+          </a:prstGeom>
+          <a:ln>
+            <a:tailEnd type="triangle"/>
+          </a:ln>
+        </p:spPr>
+        <p:style>
+          <a:lnRef idx="1">
+            <a:schemeClr val="accent1"/>
+          </a:lnRef>
+          <a:fillRef idx="0">
+            <a:schemeClr val="accent1"/>
+          </a:fillRef>
+          <a:effectRef idx="0">
+            <a:schemeClr val="accent1"/>
+          </a:effectRef>
+          <a:fontRef idx="minor">
+            <a:schemeClr val="tx1"/>
+          </a:fontRef>
+        </p:style>
+      </p:cxnSp>
+      <p:sp>
+        <p:nvSpPr>
+          <p:cNvPr id="17" name="Rectangle 16">
+            <a:extLst>
+              <a:ext uri="{FF2B5EF4-FFF2-40B4-BE49-F238E27FC236}">
+                <a16:creationId xmlns:a16="http://schemas.microsoft.com/office/drawing/2014/main" id="{D3344D5B-3966-4DC5-B809-7E98663D9608}"/>
+              </a:ext>
+            </a:extLst>
+          </p:cNvPr>
+          <p:cNvSpPr/>
+          <p:nvPr/>
+        </p:nvSpPr>
+        <p:spPr>
+          <a:xfrm>
+            <a:off x="7327644" y="5459659"/>
+            <a:ext cx="989045" cy="601467"/>
+          </a:xfrm>
+          <a:prstGeom prst="rect">
+            <a:avLst/>
+          </a:prstGeom>
+          <a:noFill/>
+        </p:spPr>
+        <p:style>
+          <a:lnRef idx="2">
+            <a:schemeClr val="accent1">
+              <a:shade val="50000"/>
+            </a:schemeClr>
+          </a:lnRef>
+          <a:fillRef idx="1">
+            <a:schemeClr val="accent1"/>
+          </a:fillRef>
+          <a:effectRef idx="0">
+            <a:schemeClr val="accent1"/>
+          </a:effectRef>
+          <a:fontRef idx="minor">
+            <a:schemeClr val="lt1"/>
+          </a:fontRef>
+        </p:style>
+        <p:txBody>
+          <a:bodyPr rtlCol="0" anchor="ctr"/>
+          <a:lstStyle/>
+          <a:p>
+            <a:pPr algn="ctr"/>
+            <a:endParaRPr lang="en-GB" dirty="0"/>
+          </a:p>
+        </p:txBody>
+      </p:sp>
+      <p:cxnSp>
+        <p:nvCxnSpPr>
+          <p:cNvPr id="18" name="Straight Arrow Connector 17">
+            <a:extLst>
+              <a:ext uri="{FF2B5EF4-FFF2-40B4-BE49-F238E27FC236}">
+                <a16:creationId xmlns:a16="http://schemas.microsoft.com/office/drawing/2014/main" id="{C13BB230-08B5-4466-B15C-134AC65B7077}"/>
+              </a:ext>
+            </a:extLst>
+          </p:cNvPr>
+          <p:cNvCxnSpPr>
+            <a:stCxn id="17" idx="3"/>
+          </p:cNvCxnSpPr>
+          <p:nvPr/>
+        </p:nvCxnSpPr>
+        <p:spPr>
+          <a:xfrm flipV="1">
+            <a:off x="8316689" y="5758239"/>
+            <a:ext cx="718458" cy="2154"/>
+          </a:xfrm>
+          <a:prstGeom prst="straightConnector1">
+            <a:avLst/>
+          </a:prstGeom>
+          <a:ln>
+            <a:tailEnd type="triangle"/>
+          </a:ln>
+        </p:spPr>
+        <p:style>
+          <a:lnRef idx="1">
+            <a:schemeClr val="accent1"/>
+          </a:lnRef>
+          <a:fillRef idx="0">
+            <a:schemeClr val="accent1"/>
+          </a:fillRef>
+          <a:effectRef idx="0">
+            <a:schemeClr val="accent1"/>
+          </a:effectRef>
+          <a:fontRef idx="minor">
+            <a:schemeClr val="tx1"/>
+          </a:fontRef>
+        </p:style>
+      </p:cxnSp>
+      <p:sp>
+        <p:nvSpPr>
+          <p:cNvPr id="19" name="TextBox 18">
+            <a:extLst>
+              <a:ext uri="{FF2B5EF4-FFF2-40B4-BE49-F238E27FC236}">
+                <a16:creationId xmlns:a16="http://schemas.microsoft.com/office/drawing/2014/main" id="{D25B1597-FC6F-4A10-8A38-5483C36DE183}"/>
+              </a:ext>
+            </a:extLst>
+          </p:cNvPr>
+          <p:cNvSpPr txBox="1"/>
+          <p:nvPr/>
+        </p:nvSpPr>
+        <p:spPr>
+          <a:xfrm>
+            <a:off x="7346306" y="5471144"/>
+            <a:ext cx="925284" cy="646331"/>
+          </a:xfrm>
+          <a:prstGeom prst="rect">
+            <a:avLst/>
+          </a:prstGeom>
+          <a:noFill/>
+        </p:spPr>
+        <p:txBody>
+          <a:bodyPr wrap="square" rtlCol="0">
+            <a:spAutoFit/>
+          </a:bodyPr>
+          <a:lstStyle/>
+          <a:p>
+            <a:r>
+              <a:rPr lang="en-GB" dirty="0"/>
+              <a:t>Predict genes</a:t>
+            </a:r>
+          </a:p>
+        </p:txBody>
+      </p:sp>
+      <p:sp>
+        <p:nvSpPr>
+          <p:cNvPr id="20" name="Rectangle 19">
+            <a:extLst>
+              <a:ext uri="{FF2B5EF4-FFF2-40B4-BE49-F238E27FC236}">
+                <a16:creationId xmlns:a16="http://schemas.microsoft.com/office/drawing/2014/main" id="{7B5255F6-9F66-437B-8F47-CE2F313E0320}"/>
+              </a:ext>
+            </a:extLst>
+          </p:cNvPr>
+          <p:cNvSpPr/>
+          <p:nvPr/>
+        </p:nvSpPr>
+        <p:spPr>
+          <a:xfrm>
+            <a:off x="9035147" y="5452183"/>
+            <a:ext cx="989045" cy="1327579"/>
+          </a:xfrm>
+          <a:prstGeom prst="rect">
+            <a:avLst/>
+          </a:prstGeom>
+          <a:noFill/>
+        </p:spPr>
+        <p:style>
+          <a:lnRef idx="2">
+            <a:schemeClr val="accent1">
+              <a:shade val="50000"/>
+            </a:schemeClr>
+          </a:lnRef>
+          <a:fillRef idx="1">
+            <a:schemeClr val="accent1"/>
+          </a:fillRef>
+          <a:effectRef idx="0">
+            <a:schemeClr val="accent1"/>
+          </a:effectRef>
+          <a:fontRef idx="minor">
+            <a:schemeClr val="lt1"/>
+          </a:fontRef>
+        </p:style>
+        <p:txBody>
+          <a:bodyPr rtlCol="0" anchor="ctr"/>
+          <a:lstStyle/>
+          <a:p>
+            <a:pPr algn="ctr"/>
+            <a:endParaRPr lang="en-GB" dirty="0"/>
+          </a:p>
+        </p:txBody>
+      </p:sp>
+      <p:sp>
+        <p:nvSpPr>
+          <p:cNvPr id="21" name="TextBox 20">
+            <a:extLst>
+              <a:ext uri="{FF2B5EF4-FFF2-40B4-BE49-F238E27FC236}">
+                <a16:creationId xmlns:a16="http://schemas.microsoft.com/office/drawing/2014/main" id="{9BE8EDD7-E6E1-4389-8D65-AF18CBDA3247}"/>
+              </a:ext>
+            </a:extLst>
+          </p:cNvPr>
+          <p:cNvSpPr txBox="1"/>
+          <p:nvPr/>
+        </p:nvSpPr>
+        <p:spPr>
+          <a:xfrm>
+            <a:off x="9186770" y="5515807"/>
+            <a:ext cx="925284" cy="1200329"/>
+          </a:xfrm>
+          <a:prstGeom prst="rect">
+            <a:avLst/>
+          </a:prstGeom>
+          <a:noFill/>
+        </p:spPr>
+        <p:txBody>
+          <a:bodyPr wrap="square" rtlCol="0">
+            <a:spAutoFit/>
+          </a:bodyPr>
+          <a:lstStyle/>
+          <a:p>
+            <a:r>
+              <a:rPr lang="en-GB" sz="1200" dirty="0"/>
+              <a:t>Draw a genome diagram with the genes marked</a:t>
+            </a:r>
+          </a:p>
+        </p:txBody>
+      </p:sp>
+      <p:cxnSp>
+        <p:nvCxnSpPr>
+          <p:cNvPr id="22" name="Connector: Elbow 21">
+            <a:extLst>
+              <a:ext uri="{FF2B5EF4-FFF2-40B4-BE49-F238E27FC236}">
+                <a16:creationId xmlns:a16="http://schemas.microsoft.com/office/drawing/2014/main" id="{C3CA4A14-3B75-496F-BA40-7B52121EC0DA}"/>
+              </a:ext>
+            </a:extLst>
+          </p:cNvPr>
+          <p:cNvCxnSpPr>
+            <a:cxnSpLocks/>
+          </p:cNvCxnSpPr>
+          <p:nvPr/>
+        </p:nvCxnSpPr>
+        <p:spPr>
+          <a:xfrm flipV="1">
+            <a:off x="5987143" y="4516016"/>
+            <a:ext cx="2802294" cy="879820"/>
+          </a:xfrm>
+          <a:prstGeom prst="bentConnector3">
+            <a:avLst>
+              <a:gd name="adj1" fmla="val -943"/>
+            </a:avLst>
+          </a:prstGeom>
+          <a:ln>
+            <a:tailEnd type="triangle"/>
+          </a:ln>
+        </p:spPr>
+        <p:style>
+          <a:lnRef idx="1">
+            <a:schemeClr val="accent1"/>
+          </a:lnRef>
+          <a:fillRef idx="0">
+            <a:schemeClr val="accent1"/>
+          </a:fillRef>
+          <a:effectRef idx="0">
+            <a:schemeClr val="accent1"/>
+          </a:effectRef>
+          <a:fontRef idx="minor">
+            <a:schemeClr val="tx1"/>
+          </a:fontRef>
+        </p:style>
+      </p:cxnSp>
+      <p:sp>
+        <p:nvSpPr>
+          <p:cNvPr id="23" name="Rectangle 22">
+            <a:extLst>
+              <a:ext uri="{FF2B5EF4-FFF2-40B4-BE49-F238E27FC236}">
+                <a16:creationId xmlns:a16="http://schemas.microsoft.com/office/drawing/2014/main" id="{2ADC6CC4-A3D4-4600-AC79-355C64025F88}"/>
+              </a:ext>
+            </a:extLst>
+          </p:cNvPr>
+          <p:cNvSpPr/>
+          <p:nvPr/>
+        </p:nvSpPr>
+        <p:spPr>
+          <a:xfrm>
+            <a:off x="8789435" y="4231775"/>
+            <a:ext cx="989045" cy="601467"/>
+          </a:xfrm>
+          <a:prstGeom prst="rect">
+            <a:avLst/>
+          </a:prstGeom>
+          <a:noFill/>
+        </p:spPr>
+        <p:style>
+          <a:lnRef idx="2">
+            <a:schemeClr val="accent1">
+              <a:shade val="50000"/>
+            </a:schemeClr>
+          </a:lnRef>
+          <a:fillRef idx="1">
+            <a:schemeClr val="accent1"/>
+          </a:fillRef>
+          <a:effectRef idx="0">
+            <a:schemeClr val="accent1"/>
+          </a:effectRef>
+          <a:fontRef idx="minor">
+            <a:schemeClr val="lt1"/>
+          </a:fontRef>
+        </p:style>
+        <p:txBody>
+          <a:bodyPr rtlCol="0" anchor="ctr"/>
+          <a:lstStyle/>
+          <a:p>
+            <a:pPr algn="ctr"/>
+            <a:endParaRPr lang="en-GB" dirty="0"/>
+          </a:p>
+        </p:txBody>
+      </p:sp>
+      <p:sp>
+        <p:nvSpPr>
+          <p:cNvPr id="24" name="TextBox 23">
+            <a:extLst>
+              <a:ext uri="{FF2B5EF4-FFF2-40B4-BE49-F238E27FC236}">
+                <a16:creationId xmlns:a16="http://schemas.microsoft.com/office/drawing/2014/main" id="{7C96B31A-9BBD-47E4-A92E-B1DEC7218B63}"/>
+              </a:ext>
+            </a:extLst>
+          </p:cNvPr>
+          <p:cNvSpPr txBox="1"/>
+          <p:nvPr/>
+        </p:nvSpPr>
+        <p:spPr>
+          <a:xfrm>
+            <a:off x="8808097" y="4243260"/>
+            <a:ext cx="925284" cy="646331"/>
+          </a:xfrm>
+          <a:prstGeom prst="rect">
+            <a:avLst/>
+          </a:prstGeom>
+          <a:noFill/>
+        </p:spPr>
+        <p:txBody>
+          <a:bodyPr wrap="square" rtlCol="0">
+            <a:spAutoFit/>
+          </a:bodyPr>
+          <a:lstStyle/>
+          <a:p>
+            <a:r>
+              <a:rPr lang="en-GB" dirty="0"/>
+              <a:t>BLAST: identify</a:t>
+            </a:r>
           </a:p>
         </p:txBody>
       </p:sp>
@@ -9390,8 +14392,8 @@
         </p:blipFill>
         <p:spPr>
           <a:xfrm>
-            <a:off x="9575800" y="5332618"/>
-            <a:ext cx="2451101" cy="1417277"/>
+            <a:off x="9950999" y="5549566"/>
+            <a:ext cx="2075902" cy="1200329"/>
           </a:xfrm>
           <a:prstGeom prst="rect">
             <a:avLst/>
@@ -9454,6 +14456,859 @@
                 </a:solidFill>
               </a:rPr>
               <a:t> -V assembly.sh</a:t>
+            </a:r>
+          </a:p>
+        </p:txBody>
+      </p:sp>
+      <p:sp>
+        <p:nvSpPr>
+          <p:cNvPr id="8" name="Rectangle 7">
+            <a:extLst>
+              <a:ext uri="{FF2B5EF4-FFF2-40B4-BE49-F238E27FC236}">
+                <a16:creationId xmlns:a16="http://schemas.microsoft.com/office/drawing/2014/main" id="{BD260CA4-A8EE-4473-B323-6160B28A3F7A}"/>
+              </a:ext>
+            </a:extLst>
+          </p:cNvPr>
+          <p:cNvSpPr/>
+          <p:nvPr/>
+        </p:nvSpPr>
+        <p:spPr>
+          <a:xfrm>
+            <a:off x="111967" y="5495730"/>
+            <a:ext cx="989045" cy="601467"/>
+          </a:xfrm>
+          <a:prstGeom prst="rect">
+            <a:avLst/>
+          </a:prstGeom>
+          <a:noFill/>
+        </p:spPr>
+        <p:style>
+          <a:lnRef idx="2">
+            <a:schemeClr val="accent1">
+              <a:shade val="50000"/>
+            </a:schemeClr>
+          </a:lnRef>
+          <a:fillRef idx="1">
+            <a:schemeClr val="accent1"/>
+          </a:fillRef>
+          <a:effectRef idx="0">
+            <a:schemeClr val="accent1"/>
+          </a:effectRef>
+          <a:fontRef idx="minor">
+            <a:schemeClr val="lt1"/>
+          </a:fontRef>
+        </p:style>
+        <p:txBody>
+          <a:bodyPr rtlCol="0" anchor="ctr"/>
+          <a:lstStyle/>
+          <a:p>
+            <a:pPr algn="ctr"/>
+            <a:endParaRPr lang="en-GB" dirty="0"/>
+          </a:p>
+        </p:txBody>
+      </p:sp>
+      <p:cxnSp>
+        <p:nvCxnSpPr>
+          <p:cNvPr id="9" name="Straight Arrow Connector 8">
+            <a:extLst>
+              <a:ext uri="{FF2B5EF4-FFF2-40B4-BE49-F238E27FC236}">
+                <a16:creationId xmlns:a16="http://schemas.microsoft.com/office/drawing/2014/main" id="{474DAE40-E05A-4811-BECB-17047832069F}"/>
+              </a:ext>
+            </a:extLst>
+          </p:cNvPr>
+          <p:cNvCxnSpPr>
+            <a:stCxn id="8" idx="3"/>
+          </p:cNvCxnSpPr>
+          <p:nvPr/>
+        </p:nvCxnSpPr>
+        <p:spPr>
+          <a:xfrm flipV="1">
+            <a:off x="1101012" y="5794310"/>
+            <a:ext cx="718458" cy="2154"/>
+          </a:xfrm>
+          <a:prstGeom prst="straightConnector1">
+            <a:avLst/>
+          </a:prstGeom>
+          <a:ln>
+            <a:tailEnd type="triangle"/>
+          </a:ln>
+        </p:spPr>
+        <p:style>
+          <a:lnRef idx="1">
+            <a:schemeClr val="accent1"/>
+          </a:lnRef>
+          <a:fillRef idx="0">
+            <a:schemeClr val="accent1"/>
+          </a:fillRef>
+          <a:effectRef idx="0">
+            <a:schemeClr val="accent1"/>
+          </a:effectRef>
+          <a:fontRef idx="minor">
+            <a:schemeClr val="tx1"/>
+          </a:fontRef>
+        </p:style>
+      </p:cxnSp>
+      <p:sp>
+        <p:nvSpPr>
+          <p:cNvPr id="10" name="TextBox 9">
+            <a:extLst>
+              <a:ext uri="{FF2B5EF4-FFF2-40B4-BE49-F238E27FC236}">
+                <a16:creationId xmlns:a16="http://schemas.microsoft.com/office/drawing/2014/main" id="{9860632D-62EC-40C9-A3F2-F1F12545A066}"/>
+              </a:ext>
+            </a:extLst>
+          </p:cNvPr>
+          <p:cNvSpPr txBox="1"/>
+          <p:nvPr/>
+        </p:nvSpPr>
+        <p:spPr>
+          <a:xfrm>
+            <a:off x="130629" y="5507215"/>
+            <a:ext cx="925284" cy="646331"/>
+          </a:xfrm>
+          <a:prstGeom prst="rect">
+            <a:avLst/>
+          </a:prstGeom>
+          <a:noFill/>
+        </p:spPr>
+        <p:txBody>
+          <a:bodyPr wrap="square" rtlCol="0">
+            <a:spAutoFit/>
+          </a:bodyPr>
+          <a:lstStyle/>
+          <a:p>
+            <a:r>
+              <a:rPr lang="en-GB" dirty="0"/>
+              <a:t>Quality control</a:t>
+            </a:r>
+          </a:p>
+        </p:txBody>
+      </p:sp>
+      <p:sp>
+        <p:nvSpPr>
+          <p:cNvPr id="11" name="Rectangle 10">
+            <a:extLst>
+              <a:ext uri="{FF2B5EF4-FFF2-40B4-BE49-F238E27FC236}">
+                <a16:creationId xmlns:a16="http://schemas.microsoft.com/office/drawing/2014/main" id="{A6AAAC53-9A00-48C8-A208-CD2097ED7F15}"/>
+              </a:ext>
+            </a:extLst>
+          </p:cNvPr>
+          <p:cNvSpPr/>
+          <p:nvPr/>
+        </p:nvSpPr>
+        <p:spPr>
+          <a:xfrm>
+            <a:off x="1813250" y="5480176"/>
+            <a:ext cx="989045" cy="601467"/>
+          </a:xfrm>
+          <a:prstGeom prst="rect">
+            <a:avLst/>
+          </a:prstGeom>
+          <a:noFill/>
+        </p:spPr>
+        <p:style>
+          <a:lnRef idx="2">
+            <a:schemeClr val="accent1">
+              <a:shade val="50000"/>
+            </a:schemeClr>
+          </a:lnRef>
+          <a:fillRef idx="1">
+            <a:schemeClr val="accent1"/>
+          </a:fillRef>
+          <a:effectRef idx="0">
+            <a:schemeClr val="accent1"/>
+          </a:effectRef>
+          <a:fontRef idx="minor">
+            <a:schemeClr val="lt1"/>
+          </a:fontRef>
+        </p:style>
+        <p:txBody>
+          <a:bodyPr rtlCol="0" anchor="ctr"/>
+          <a:lstStyle/>
+          <a:p>
+            <a:pPr algn="ctr"/>
+            <a:endParaRPr lang="en-GB" dirty="0"/>
+          </a:p>
+        </p:txBody>
+      </p:sp>
+      <p:cxnSp>
+        <p:nvCxnSpPr>
+          <p:cNvPr id="12" name="Straight Arrow Connector 11">
+            <a:extLst>
+              <a:ext uri="{FF2B5EF4-FFF2-40B4-BE49-F238E27FC236}">
+                <a16:creationId xmlns:a16="http://schemas.microsoft.com/office/drawing/2014/main" id="{CFF10927-A4A7-494E-A98F-EC7E578AFD05}"/>
+              </a:ext>
+            </a:extLst>
+          </p:cNvPr>
+          <p:cNvCxnSpPr>
+            <a:stCxn id="11" idx="3"/>
+          </p:cNvCxnSpPr>
+          <p:nvPr/>
+        </p:nvCxnSpPr>
+        <p:spPr>
+          <a:xfrm flipV="1">
+            <a:off x="2802295" y="5778756"/>
+            <a:ext cx="718458" cy="2154"/>
+          </a:xfrm>
+          <a:prstGeom prst="straightConnector1">
+            <a:avLst/>
+          </a:prstGeom>
+          <a:ln>
+            <a:tailEnd type="triangle"/>
+          </a:ln>
+        </p:spPr>
+        <p:style>
+          <a:lnRef idx="1">
+            <a:schemeClr val="accent1"/>
+          </a:lnRef>
+          <a:fillRef idx="0">
+            <a:schemeClr val="accent1"/>
+          </a:fillRef>
+          <a:effectRef idx="0">
+            <a:schemeClr val="accent1"/>
+          </a:effectRef>
+          <a:fontRef idx="minor">
+            <a:schemeClr val="tx1"/>
+          </a:fontRef>
+        </p:style>
+      </p:cxnSp>
+      <p:sp>
+        <p:nvSpPr>
+          <p:cNvPr id="13" name="TextBox 12">
+            <a:extLst>
+              <a:ext uri="{FF2B5EF4-FFF2-40B4-BE49-F238E27FC236}">
+                <a16:creationId xmlns:a16="http://schemas.microsoft.com/office/drawing/2014/main" id="{9B65005A-DB95-44F5-8E4A-9B64407CD738}"/>
+              </a:ext>
+            </a:extLst>
+          </p:cNvPr>
+          <p:cNvSpPr txBox="1"/>
+          <p:nvPr/>
+        </p:nvSpPr>
+        <p:spPr>
+          <a:xfrm>
+            <a:off x="1831912" y="5491661"/>
+            <a:ext cx="925284" cy="646331"/>
+          </a:xfrm>
+          <a:prstGeom prst="rect">
+            <a:avLst/>
+          </a:prstGeom>
+          <a:noFill/>
+        </p:spPr>
+        <p:txBody>
+          <a:bodyPr wrap="square" rtlCol="0">
+            <a:spAutoFit/>
+          </a:bodyPr>
+          <a:lstStyle/>
+          <a:p>
+            <a:r>
+              <a:rPr lang="en-GB" dirty="0"/>
+              <a:t>Quality trim</a:t>
+            </a:r>
+          </a:p>
+        </p:txBody>
+      </p:sp>
+      <p:sp>
+        <p:nvSpPr>
+          <p:cNvPr id="14" name="Rectangle 13">
+            <a:extLst>
+              <a:ext uri="{FF2B5EF4-FFF2-40B4-BE49-F238E27FC236}">
+                <a16:creationId xmlns:a16="http://schemas.microsoft.com/office/drawing/2014/main" id="{525D5768-8A9E-4F0A-9A06-5ABAC9658611}"/>
+              </a:ext>
+            </a:extLst>
+          </p:cNvPr>
+          <p:cNvSpPr/>
+          <p:nvPr/>
+        </p:nvSpPr>
+        <p:spPr>
+          <a:xfrm>
+            <a:off x="3558073" y="5470844"/>
+            <a:ext cx="989045" cy="601467"/>
+          </a:xfrm>
+          <a:prstGeom prst="rect">
+            <a:avLst/>
+          </a:prstGeom>
+          <a:noFill/>
+        </p:spPr>
+        <p:style>
+          <a:lnRef idx="2">
+            <a:schemeClr val="accent1">
+              <a:shade val="50000"/>
+            </a:schemeClr>
+          </a:lnRef>
+          <a:fillRef idx="1">
+            <a:schemeClr val="accent1"/>
+          </a:fillRef>
+          <a:effectRef idx="0">
+            <a:schemeClr val="accent1"/>
+          </a:effectRef>
+          <a:fontRef idx="minor">
+            <a:schemeClr val="lt1"/>
+          </a:fontRef>
+        </p:style>
+        <p:txBody>
+          <a:bodyPr rtlCol="0" anchor="ctr"/>
+          <a:lstStyle/>
+          <a:p>
+            <a:pPr algn="ctr"/>
+            <a:endParaRPr lang="en-GB" dirty="0"/>
+          </a:p>
+        </p:txBody>
+      </p:sp>
+      <p:cxnSp>
+        <p:nvCxnSpPr>
+          <p:cNvPr id="15" name="Straight Arrow Connector 14">
+            <a:extLst>
+              <a:ext uri="{FF2B5EF4-FFF2-40B4-BE49-F238E27FC236}">
+                <a16:creationId xmlns:a16="http://schemas.microsoft.com/office/drawing/2014/main" id="{7654608C-642A-426B-819E-A9A238AF677A}"/>
+              </a:ext>
+            </a:extLst>
+          </p:cNvPr>
+          <p:cNvCxnSpPr>
+            <a:stCxn id="14" idx="3"/>
+          </p:cNvCxnSpPr>
+          <p:nvPr/>
+        </p:nvCxnSpPr>
+        <p:spPr>
+          <a:xfrm flipV="1">
+            <a:off x="4547118" y="5769424"/>
+            <a:ext cx="718458" cy="2154"/>
+          </a:xfrm>
+          <a:prstGeom prst="straightConnector1">
+            <a:avLst/>
+          </a:prstGeom>
+          <a:ln>
+            <a:tailEnd type="triangle"/>
+          </a:ln>
+        </p:spPr>
+        <p:style>
+          <a:lnRef idx="1">
+            <a:schemeClr val="accent1"/>
+          </a:lnRef>
+          <a:fillRef idx="0">
+            <a:schemeClr val="accent1"/>
+          </a:fillRef>
+          <a:effectRef idx="0">
+            <a:schemeClr val="accent1"/>
+          </a:effectRef>
+          <a:fontRef idx="minor">
+            <a:schemeClr val="tx1"/>
+          </a:fontRef>
+        </p:style>
+      </p:cxnSp>
+      <p:sp>
+        <p:nvSpPr>
+          <p:cNvPr id="16" name="TextBox 15">
+            <a:extLst>
+              <a:ext uri="{FF2B5EF4-FFF2-40B4-BE49-F238E27FC236}">
+                <a16:creationId xmlns:a16="http://schemas.microsoft.com/office/drawing/2014/main" id="{43DA29CA-A30E-468C-8C6B-F6B77B9384B5}"/>
+              </a:ext>
+            </a:extLst>
+          </p:cNvPr>
+          <p:cNvSpPr txBox="1"/>
+          <p:nvPr/>
+        </p:nvSpPr>
+        <p:spPr>
+          <a:xfrm>
+            <a:off x="3576735" y="5482329"/>
+            <a:ext cx="925284" cy="646331"/>
+          </a:xfrm>
+          <a:prstGeom prst="rect">
+            <a:avLst/>
+          </a:prstGeom>
+          <a:noFill/>
+        </p:spPr>
+        <p:txBody>
+          <a:bodyPr wrap="square" rtlCol="0">
+            <a:spAutoFit/>
+          </a:bodyPr>
+          <a:lstStyle/>
+          <a:p>
+            <a:r>
+              <a:rPr lang="en-GB" dirty="0"/>
+              <a:t>Quality control</a:t>
+            </a:r>
+          </a:p>
+        </p:txBody>
+      </p:sp>
+      <p:sp>
+        <p:nvSpPr>
+          <p:cNvPr id="17" name="Rectangle 16">
+            <a:extLst>
+              <a:ext uri="{FF2B5EF4-FFF2-40B4-BE49-F238E27FC236}">
+                <a16:creationId xmlns:a16="http://schemas.microsoft.com/office/drawing/2014/main" id="{D87E3B06-3511-484A-A1F2-F23549CA58F1}"/>
+              </a:ext>
+            </a:extLst>
+          </p:cNvPr>
+          <p:cNvSpPr/>
+          <p:nvPr/>
+        </p:nvSpPr>
+        <p:spPr>
+          <a:xfrm>
+            <a:off x="5274908" y="5452183"/>
+            <a:ext cx="1331165" cy="1336195"/>
+          </a:xfrm>
+          <a:prstGeom prst="rect">
+            <a:avLst/>
+          </a:prstGeom>
+          <a:noFill/>
+        </p:spPr>
+        <p:style>
+          <a:lnRef idx="2">
+            <a:schemeClr val="accent1">
+              <a:shade val="50000"/>
+            </a:schemeClr>
+          </a:lnRef>
+          <a:fillRef idx="1">
+            <a:schemeClr val="accent1"/>
+          </a:fillRef>
+          <a:effectRef idx="0">
+            <a:schemeClr val="accent1"/>
+          </a:effectRef>
+          <a:fontRef idx="minor">
+            <a:schemeClr val="lt1"/>
+          </a:fontRef>
+        </p:style>
+        <p:txBody>
+          <a:bodyPr rtlCol="0" anchor="ctr"/>
+          <a:lstStyle/>
+          <a:p>
+            <a:pPr algn="ctr"/>
+            <a:endParaRPr lang="en-GB" dirty="0"/>
+          </a:p>
+        </p:txBody>
+      </p:sp>
+      <p:sp>
+        <p:nvSpPr>
+          <p:cNvPr id="18" name="TextBox 17">
+            <a:extLst>
+              <a:ext uri="{FF2B5EF4-FFF2-40B4-BE49-F238E27FC236}">
+                <a16:creationId xmlns:a16="http://schemas.microsoft.com/office/drawing/2014/main" id="{29200320-DF1A-47A2-A5DC-31DC8930794C}"/>
+              </a:ext>
+            </a:extLst>
+          </p:cNvPr>
+          <p:cNvSpPr txBox="1"/>
+          <p:nvPr/>
+        </p:nvSpPr>
+        <p:spPr>
+          <a:xfrm>
+            <a:off x="5274907" y="5491661"/>
+            <a:ext cx="1424473" cy="1354217"/>
+          </a:xfrm>
+          <a:prstGeom prst="rect">
+            <a:avLst/>
+          </a:prstGeom>
+          <a:noFill/>
+        </p:spPr>
+        <p:txBody>
+          <a:bodyPr wrap="square" rtlCol="0">
+            <a:spAutoFit/>
+          </a:bodyPr>
+          <a:lstStyle/>
+          <a:p>
+            <a:r>
+              <a:rPr lang="en-GB" b="1" dirty="0">
+                <a:highlight>
+                  <a:srgbClr val="FFFF00"/>
+                </a:highlight>
+              </a:rPr>
+              <a:t>Assemble </a:t>
+            </a:r>
+            <a:r>
+              <a:rPr lang="en-GB" sz="1600" b="1" dirty="0">
+                <a:highlight>
+                  <a:srgbClr val="FFFF00"/>
+                </a:highlight>
+              </a:rPr>
+              <a:t>(different </a:t>
+            </a:r>
+            <a:r>
+              <a:rPr lang="en-GB" sz="1600" b="1" dirty="0" err="1">
+                <a:highlight>
+                  <a:srgbClr val="FFFF00"/>
+                </a:highlight>
+              </a:rPr>
+              <a:t>kmers</a:t>
+            </a:r>
+            <a:r>
+              <a:rPr lang="en-GB" sz="1600" b="1" dirty="0">
+                <a:highlight>
+                  <a:srgbClr val="FFFF00"/>
+                </a:highlight>
+              </a:rPr>
+              <a:t>, different tools)</a:t>
+            </a:r>
+            <a:endParaRPr lang="en-GB" b="1" dirty="0">
+              <a:highlight>
+                <a:srgbClr val="FFFF00"/>
+              </a:highlight>
+            </a:endParaRPr>
+          </a:p>
+        </p:txBody>
+      </p:sp>
+      <p:cxnSp>
+        <p:nvCxnSpPr>
+          <p:cNvPr id="19" name="Straight Arrow Connector 18">
+            <a:extLst>
+              <a:ext uri="{FF2B5EF4-FFF2-40B4-BE49-F238E27FC236}">
+                <a16:creationId xmlns:a16="http://schemas.microsoft.com/office/drawing/2014/main" id="{75A7CAAA-8F50-4829-AF21-AB7481E8C633}"/>
+              </a:ext>
+            </a:extLst>
+          </p:cNvPr>
+          <p:cNvCxnSpPr/>
+          <p:nvPr/>
+        </p:nvCxnSpPr>
+        <p:spPr>
+          <a:xfrm flipV="1">
+            <a:off x="6627848" y="5769424"/>
+            <a:ext cx="718458" cy="2154"/>
+          </a:xfrm>
+          <a:prstGeom prst="straightConnector1">
+            <a:avLst/>
+          </a:prstGeom>
+          <a:ln>
+            <a:tailEnd type="triangle"/>
+          </a:ln>
+        </p:spPr>
+        <p:style>
+          <a:lnRef idx="1">
+            <a:schemeClr val="accent1"/>
+          </a:lnRef>
+          <a:fillRef idx="0">
+            <a:schemeClr val="accent1"/>
+          </a:fillRef>
+          <a:effectRef idx="0">
+            <a:schemeClr val="accent1"/>
+          </a:effectRef>
+          <a:fontRef idx="minor">
+            <a:schemeClr val="tx1"/>
+          </a:fontRef>
+        </p:style>
+      </p:cxnSp>
+      <p:sp>
+        <p:nvSpPr>
+          <p:cNvPr id="20" name="Rectangle 19">
+            <a:extLst>
+              <a:ext uri="{FF2B5EF4-FFF2-40B4-BE49-F238E27FC236}">
+                <a16:creationId xmlns:a16="http://schemas.microsoft.com/office/drawing/2014/main" id="{01156417-6866-4E76-AC99-3B12BB646681}"/>
+              </a:ext>
+            </a:extLst>
+          </p:cNvPr>
+          <p:cNvSpPr/>
+          <p:nvPr/>
+        </p:nvSpPr>
+        <p:spPr>
+          <a:xfrm>
+            <a:off x="7327644" y="5459659"/>
+            <a:ext cx="989045" cy="601467"/>
+          </a:xfrm>
+          <a:prstGeom prst="rect">
+            <a:avLst/>
+          </a:prstGeom>
+          <a:noFill/>
+        </p:spPr>
+        <p:style>
+          <a:lnRef idx="2">
+            <a:schemeClr val="accent1">
+              <a:shade val="50000"/>
+            </a:schemeClr>
+          </a:lnRef>
+          <a:fillRef idx="1">
+            <a:schemeClr val="accent1"/>
+          </a:fillRef>
+          <a:effectRef idx="0">
+            <a:schemeClr val="accent1"/>
+          </a:effectRef>
+          <a:fontRef idx="minor">
+            <a:schemeClr val="lt1"/>
+          </a:fontRef>
+        </p:style>
+        <p:txBody>
+          <a:bodyPr rtlCol="0" anchor="ctr"/>
+          <a:lstStyle/>
+          <a:p>
+            <a:pPr algn="ctr"/>
+            <a:endParaRPr lang="en-GB" dirty="0"/>
+          </a:p>
+        </p:txBody>
+      </p:sp>
+      <p:cxnSp>
+        <p:nvCxnSpPr>
+          <p:cNvPr id="21" name="Straight Arrow Connector 20">
+            <a:extLst>
+              <a:ext uri="{FF2B5EF4-FFF2-40B4-BE49-F238E27FC236}">
+                <a16:creationId xmlns:a16="http://schemas.microsoft.com/office/drawing/2014/main" id="{C2E3C1AD-EE3D-42A2-9A7A-B50C54823248}"/>
+              </a:ext>
+            </a:extLst>
+          </p:cNvPr>
+          <p:cNvCxnSpPr>
+            <a:stCxn id="20" idx="3"/>
+          </p:cNvCxnSpPr>
+          <p:nvPr/>
+        </p:nvCxnSpPr>
+        <p:spPr>
+          <a:xfrm flipV="1">
+            <a:off x="8316689" y="5758239"/>
+            <a:ext cx="718458" cy="2154"/>
+          </a:xfrm>
+          <a:prstGeom prst="straightConnector1">
+            <a:avLst/>
+          </a:prstGeom>
+          <a:ln>
+            <a:tailEnd type="triangle"/>
+          </a:ln>
+        </p:spPr>
+        <p:style>
+          <a:lnRef idx="1">
+            <a:schemeClr val="accent1"/>
+          </a:lnRef>
+          <a:fillRef idx="0">
+            <a:schemeClr val="accent1"/>
+          </a:fillRef>
+          <a:effectRef idx="0">
+            <a:schemeClr val="accent1"/>
+          </a:effectRef>
+          <a:fontRef idx="minor">
+            <a:schemeClr val="tx1"/>
+          </a:fontRef>
+        </p:style>
+      </p:cxnSp>
+      <p:sp>
+        <p:nvSpPr>
+          <p:cNvPr id="22" name="TextBox 21">
+            <a:extLst>
+              <a:ext uri="{FF2B5EF4-FFF2-40B4-BE49-F238E27FC236}">
+                <a16:creationId xmlns:a16="http://schemas.microsoft.com/office/drawing/2014/main" id="{9E0FCF11-17F3-4EF6-A6BC-1CE870512C8D}"/>
+              </a:ext>
+            </a:extLst>
+          </p:cNvPr>
+          <p:cNvSpPr txBox="1"/>
+          <p:nvPr/>
+        </p:nvSpPr>
+        <p:spPr>
+          <a:xfrm>
+            <a:off x="7346306" y="5471144"/>
+            <a:ext cx="925284" cy="646331"/>
+          </a:xfrm>
+          <a:prstGeom prst="rect">
+            <a:avLst/>
+          </a:prstGeom>
+          <a:noFill/>
+        </p:spPr>
+        <p:txBody>
+          <a:bodyPr wrap="square" rtlCol="0">
+            <a:spAutoFit/>
+          </a:bodyPr>
+          <a:lstStyle/>
+          <a:p>
+            <a:r>
+              <a:rPr lang="en-GB" dirty="0"/>
+              <a:t>Predict genes</a:t>
+            </a:r>
+          </a:p>
+        </p:txBody>
+      </p:sp>
+      <p:sp>
+        <p:nvSpPr>
+          <p:cNvPr id="23" name="Rectangle 22">
+            <a:extLst>
+              <a:ext uri="{FF2B5EF4-FFF2-40B4-BE49-F238E27FC236}">
+                <a16:creationId xmlns:a16="http://schemas.microsoft.com/office/drawing/2014/main" id="{86567705-5253-4A89-98A0-1507FFF85237}"/>
+              </a:ext>
+            </a:extLst>
+          </p:cNvPr>
+          <p:cNvSpPr/>
+          <p:nvPr/>
+        </p:nvSpPr>
+        <p:spPr>
+          <a:xfrm>
+            <a:off x="9035147" y="5452183"/>
+            <a:ext cx="989045" cy="1327579"/>
+          </a:xfrm>
+          <a:prstGeom prst="rect">
+            <a:avLst/>
+          </a:prstGeom>
+          <a:noFill/>
+        </p:spPr>
+        <p:style>
+          <a:lnRef idx="2">
+            <a:schemeClr val="accent1">
+              <a:shade val="50000"/>
+            </a:schemeClr>
+          </a:lnRef>
+          <a:fillRef idx="1">
+            <a:schemeClr val="accent1"/>
+          </a:fillRef>
+          <a:effectRef idx="0">
+            <a:schemeClr val="accent1"/>
+          </a:effectRef>
+          <a:fontRef idx="minor">
+            <a:schemeClr val="lt1"/>
+          </a:fontRef>
+        </p:style>
+        <p:txBody>
+          <a:bodyPr rtlCol="0" anchor="ctr"/>
+          <a:lstStyle/>
+          <a:p>
+            <a:pPr algn="ctr"/>
+            <a:endParaRPr lang="en-GB" dirty="0"/>
+          </a:p>
+        </p:txBody>
+      </p:sp>
+      <p:sp>
+        <p:nvSpPr>
+          <p:cNvPr id="24" name="TextBox 23">
+            <a:extLst>
+              <a:ext uri="{FF2B5EF4-FFF2-40B4-BE49-F238E27FC236}">
+                <a16:creationId xmlns:a16="http://schemas.microsoft.com/office/drawing/2014/main" id="{98163BF6-A4B1-4817-A48F-1E8C5F247C00}"/>
+              </a:ext>
+            </a:extLst>
+          </p:cNvPr>
+          <p:cNvSpPr txBox="1"/>
+          <p:nvPr/>
+        </p:nvSpPr>
+        <p:spPr>
+          <a:xfrm>
+            <a:off x="9186770" y="5515807"/>
+            <a:ext cx="925284" cy="1200329"/>
+          </a:xfrm>
+          <a:prstGeom prst="rect">
+            <a:avLst/>
+          </a:prstGeom>
+          <a:noFill/>
+        </p:spPr>
+        <p:txBody>
+          <a:bodyPr wrap="square" rtlCol="0">
+            <a:spAutoFit/>
+          </a:bodyPr>
+          <a:lstStyle/>
+          <a:p>
+            <a:r>
+              <a:rPr lang="en-GB" sz="1200" dirty="0"/>
+              <a:t>Draw a genome diagram with the genes marked</a:t>
+            </a:r>
+          </a:p>
+        </p:txBody>
+      </p:sp>
+      <p:cxnSp>
+        <p:nvCxnSpPr>
+          <p:cNvPr id="25" name="Connector: Elbow 24">
+            <a:extLst>
+              <a:ext uri="{FF2B5EF4-FFF2-40B4-BE49-F238E27FC236}">
+                <a16:creationId xmlns:a16="http://schemas.microsoft.com/office/drawing/2014/main" id="{43208CC6-FB87-4F19-95C3-39AEDA7E42D5}"/>
+              </a:ext>
+            </a:extLst>
+          </p:cNvPr>
+          <p:cNvCxnSpPr>
+            <a:cxnSpLocks/>
+          </p:cNvCxnSpPr>
+          <p:nvPr/>
+        </p:nvCxnSpPr>
+        <p:spPr>
+          <a:xfrm flipV="1">
+            <a:off x="5987143" y="4516016"/>
+            <a:ext cx="2802294" cy="879820"/>
+          </a:xfrm>
+          <a:prstGeom prst="bentConnector3">
+            <a:avLst>
+              <a:gd name="adj1" fmla="val -943"/>
+            </a:avLst>
+          </a:prstGeom>
+          <a:ln>
+            <a:tailEnd type="triangle"/>
+          </a:ln>
+        </p:spPr>
+        <p:style>
+          <a:lnRef idx="1">
+            <a:schemeClr val="accent1"/>
+          </a:lnRef>
+          <a:fillRef idx="0">
+            <a:schemeClr val="accent1"/>
+          </a:fillRef>
+          <a:effectRef idx="0">
+            <a:schemeClr val="accent1"/>
+          </a:effectRef>
+          <a:fontRef idx="minor">
+            <a:schemeClr val="tx1"/>
+          </a:fontRef>
+        </p:style>
+      </p:cxnSp>
+      <p:sp>
+        <p:nvSpPr>
+          <p:cNvPr id="26" name="Rectangle 25">
+            <a:extLst>
+              <a:ext uri="{FF2B5EF4-FFF2-40B4-BE49-F238E27FC236}">
+                <a16:creationId xmlns:a16="http://schemas.microsoft.com/office/drawing/2014/main" id="{2E35272E-C195-4B4F-87EB-5BFB29C4B407}"/>
+              </a:ext>
+            </a:extLst>
+          </p:cNvPr>
+          <p:cNvSpPr/>
+          <p:nvPr/>
+        </p:nvSpPr>
+        <p:spPr>
+          <a:xfrm>
+            <a:off x="8789435" y="4231775"/>
+            <a:ext cx="989045" cy="601467"/>
+          </a:xfrm>
+          <a:prstGeom prst="rect">
+            <a:avLst/>
+          </a:prstGeom>
+          <a:noFill/>
+        </p:spPr>
+        <p:style>
+          <a:lnRef idx="2">
+            <a:schemeClr val="accent1">
+              <a:shade val="50000"/>
+            </a:schemeClr>
+          </a:lnRef>
+          <a:fillRef idx="1">
+            <a:schemeClr val="accent1"/>
+          </a:fillRef>
+          <a:effectRef idx="0">
+            <a:schemeClr val="accent1"/>
+          </a:effectRef>
+          <a:fontRef idx="minor">
+            <a:schemeClr val="lt1"/>
+          </a:fontRef>
+        </p:style>
+        <p:txBody>
+          <a:bodyPr rtlCol="0" anchor="ctr"/>
+          <a:lstStyle/>
+          <a:p>
+            <a:pPr algn="ctr"/>
+            <a:endParaRPr lang="en-GB" dirty="0"/>
+          </a:p>
+        </p:txBody>
+      </p:sp>
+      <p:sp>
+        <p:nvSpPr>
+          <p:cNvPr id="27" name="TextBox 26">
+            <a:extLst>
+              <a:ext uri="{FF2B5EF4-FFF2-40B4-BE49-F238E27FC236}">
+                <a16:creationId xmlns:a16="http://schemas.microsoft.com/office/drawing/2014/main" id="{DFC1A67C-5A4C-4815-9E70-BA70CA901ADA}"/>
+              </a:ext>
+            </a:extLst>
+          </p:cNvPr>
+          <p:cNvSpPr txBox="1"/>
+          <p:nvPr/>
+        </p:nvSpPr>
+        <p:spPr>
+          <a:xfrm>
+            <a:off x="8808097" y="4243260"/>
+            <a:ext cx="925284" cy="646331"/>
+          </a:xfrm>
+          <a:prstGeom prst="rect">
+            <a:avLst/>
+          </a:prstGeom>
+          <a:noFill/>
+        </p:spPr>
+        <p:txBody>
+          <a:bodyPr wrap="square" rtlCol="0">
+            <a:spAutoFit/>
+          </a:bodyPr>
+          <a:lstStyle/>
+          <a:p>
+            <a:r>
+              <a:rPr lang="en-GB" dirty="0"/>
+              <a:t>BLAST: identify</a:t>
             </a:r>
           </a:p>
         </p:txBody>

--- a/powerpoint/6_assembly.pptx
+++ b/powerpoint/6_assembly.pptx
@@ -21,15 +21,16 @@
     <p:sldId id="271" r:id="rId15"/>
     <p:sldId id="304" r:id="rId16"/>
     <p:sldId id="303" r:id="rId17"/>
-    <p:sldId id="327" r:id="rId18"/>
-    <p:sldId id="321" r:id="rId19"/>
-    <p:sldId id="332" r:id="rId20"/>
-    <p:sldId id="342" r:id="rId21"/>
-    <p:sldId id="329" r:id="rId22"/>
-    <p:sldId id="335" r:id="rId23"/>
-    <p:sldId id="338" r:id="rId24"/>
-    <p:sldId id="340" r:id="rId25"/>
-    <p:sldId id="341" r:id="rId26"/>
+    <p:sldId id="355" r:id="rId18"/>
+    <p:sldId id="327" r:id="rId19"/>
+    <p:sldId id="321" r:id="rId20"/>
+    <p:sldId id="332" r:id="rId21"/>
+    <p:sldId id="342" r:id="rId22"/>
+    <p:sldId id="329" r:id="rId23"/>
+    <p:sldId id="335" r:id="rId24"/>
+    <p:sldId id="338" r:id="rId25"/>
+    <p:sldId id="340" r:id="rId26"/>
+    <p:sldId id="341" r:id="rId27"/>
   </p:sldIdLst>
   <p:sldSz cx="12192000" cy="6858000"/>
   <p:notesSz cx="6858000" cy="9144000"/>
@@ -8667,7 +8668,7 @@
           <p:cNvPr id="2" name="Title 1">
             <a:extLst>
               <a:ext uri="{FF2B5EF4-FFF2-40B4-BE49-F238E27FC236}">
-                <a16:creationId xmlns:a16="http://schemas.microsoft.com/office/drawing/2014/main" id="{55F02461-1881-43C2-B364-66B918668015}"/>
+                <a16:creationId xmlns:a16="http://schemas.microsoft.com/office/drawing/2014/main" id="{3D09269E-BF25-4289-A434-F94125EC3239}"/>
               </a:ext>
             </a:extLst>
           </p:cNvPr>
@@ -8678,18 +8679,24 @@
             <p:ph type="title"/>
           </p:nvPr>
         </p:nvSpPr>
-        <p:spPr/>
+        <p:spPr>
+          <a:xfrm>
+            <a:off x="457200" y="-219075"/>
+            <a:ext cx="10515600" cy="1325563"/>
+          </a:xfrm>
+        </p:spPr>
         <p:txBody>
           <a:bodyPr/>
           <a:lstStyle/>
           <a:p>
+            <a:pPr algn="ctr"/>
             <a:r>
               <a:rPr lang="en-GB" dirty="0">
                 <a:solidFill>
                   <a:srgbClr val="7030A0"/>
                 </a:solidFill>
               </a:rPr>
-              <a:t>Pause the assembly training for something cool</a:t>
+              <a:t>6) assembly: output format</a:t>
             </a:r>
           </a:p>
         </p:txBody>
@@ -8699,7 +8706,7 @@
           <p:cNvPr id="3" name="Content Placeholder 2">
             <a:extLst>
               <a:ext uri="{FF2B5EF4-FFF2-40B4-BE49-F238E27FC236}">
-                <a16:creationId xmlns:a16="http://schemas.microsoft.com/office/drawing/2014/main" id="{7C3DF6A3-8066-4E75-85FB-09F47BE9F87B}"/>
+                <a16:creationId xmlns:a16="http://schemas.microsoft.com/office/drawing/2014/main" id="{27D2B713-FAB9-4FA6-9634-CBA2C3D0A60A}"/>
               </a:ext>
             </a:extLst>
           </p:cNvPr>
@@ -8710,52 +8717,212 @@
             <p:ph idx="1"/>
           </p:nvPr>
         </p:nvSpPr>
-        <p:spPr/>
-        <p:txBody>
-          <a:bodyPr/>
-          <a:lstStyle/>
-          <a:p>
+        <p:spPr>
+          <a:xfrm>
+            <a:off x="600074" y="1325562"/>
+            <a:ext cx="11445745" cy="5151437"/>
+          </a:xfrm>
+        </p:spPr>
+        <p:txBody>
+          <a:bodyPr>
+            <a:normAutofit/>
+          </a:bodyPr>
+          <a:lstStyle/>
+          <a:p>
+            <a:pPr marL="0" indent="0">
+              <a:buNone/>
+            </a:pPr>
             <a:r>
               <a:rPr lang="en-GB" dirty="0"/>
-              <a:t>Conda</a:t>
-            </a:r>
-          </a:p>
-          <a:p>
+              <a:t>The main file you will work with is called </a:t>
+            </a:r>
+            <a:r>
+              <a:rPr lang="en-GB" dirty="0" err="1"/>
+              <a:t>assembly</a:t>
+            </a:r>
+            <a:r>
+              <a:rPr lang="en-GB" u="sng" dirty="0" err="1"/>
+              <a:t>.fa</a:t>
+            </a:r>
+            <a:r>
+              <a:rPr lang="en-GB" u="sng" dirty="0"/>
+              <a:t> </a:t>
+            </a:r>
             <a:r>
               <a:rPr lang="en-GB" dirty="0"/>
-              <a:t>Open the </a:t>
+              <a:t>or some programs will output a </a:t>
             </a:r>
             <a:r>
               <a:rPr lang="en-GB" dirty="0" err="1"/>
-              <a:t>conda</a:t>
+              <a:t>XYZ</a:t>
+            </a:r>
+            <a:r>
+              <a:rPr lang="en-GB" u="sng" dirty="0" err="1"/>
+              <a:t>.fasta</a:t>
+            </a:r>
+            <a:r>
+              <a:rPr lang="en-GB" u="sng" dirty="0"/>
+              <a:t> </a:t>
             </a:r>
             <a:r>
               <a:rPr lang="en-GB" dirty="0"/>
-              <a:t> PowerPoint (</a:t>
-            </a:r>
-            <a:r>
-              <a:rPr lang="en-GB" dirty="0">
+              <a:t>. This is like so:</a:t>
+            </a:r>
+          </a:p>
+          <a:p>
+            <a:pPr marL="0" indent="0">
+              <a:buNone/>
+            </a:pPr>
+            <a:endParaRPr lang="en-GB" sz="1700" dirty="0"/>
+          </a:p>
+          <a:p>
+            <a:pPr marL="0" indent="0">
+              <a:buNone/>
+            </a:pPr>
+            <a:r>
+              <a:rPr lang="en-GB" sz="1700" dirty="0"/>
+              <a:t>&gt;NAME_OF_CONTIG_1</a:t>
+            </a:r>
+          </a:p>
+          <a:p>
+            <a:pPr marL="0" indent="0">
+              <a:buNone/>
+            </a:pPr>
+            <a:r>
+              <a:rPr lang="en-GB" sz="1700" dirty="0"/>
+              <a:t>ATTAGGGGGGGCGGA … etc </a:t>
+            </a:r>
+            <a:r>
+              <a:rPr lang="en-GB" sz="1700" dirty="0" err="1"/>
+              <a:t>seq</a:t>
+            </a:r>
+            <a:endParaRPr lang="en-GB" sz="1700" dirty="0"/>
+          </a:p>
+          <a:p>
+            <a:pPr marL="0" indent="0">
+              <a:buNone/>
+            </a:pPr>
+            <a:r>
+              <a:rPr lang="en-GB" sz="1700" dirty="0"/>
+              <a:t>&gt;NAME_OF_CONTIG_2</a:t>
+            </a:r>
+          </a:p>
+          <a:p>
+            <a:pPr marL="0" indent="0">
+              <a:buNone/>
+            </a:pPr>
+            <a:r>
+              <a:rPr lang="en-GB" sz="1700" dirty="0"/>
+              <a:t>ATTACCCCCCCCCCCGGA … etc </a:t>
+            </a:r>
+            <a:r>
+              <a:rPr lang="en-GB" sz="1700" dirty="0" err="1"/>
+              <a:t>seq</a:t>
+            </a:r>
+            <a:endParaRPr lang="en-GB" sz="1700" dirty="0"/>
+          </a:p>
+          <a:p>
+            <a:pPr marL="0" indent="0">
+              <a:buNone/>
+            </a:pPr>
+            <a:r>
+              <a:rPr lang="en-GB" sz="1700" dirty="0"/>
+              <a:t>&gt;NAME_OF_CONTIG_3</a:t>
+            </a:r>
+          </a:p>
+          <a:p>
+            <a:pPr marL="0" indent="0">
+              <a:buNone/>
+            </a:pPr>
+            <a:r>
+              <a:rPr lang="en-GB" sz="1700" dirty="0"/>
+              <a:t>ATTTTTTTTTTTTTGA … etc </a:t>
+            </a:r>
+            <a:r>
+              <a:rPr lang="en-GB" sz="1700" dirty="0" err="1"/>
+              <a:t>seq</a:t>
+            </a:r>
+            <a:endParaRPr lang="en-GB" sz="1700" dirty="0"/>
+          </a:p>
+          <a:p>
+            <a:pPr marL="0" indent="0">
+              <a:buNone/>
+            </a:pPr>
+            <a:endParaRPr lang="en-GB" sz="1700" dirty="0"/>
+          </a:p>
+          <a:p>
+            <a:pPr marL="0" indent="0">
+              <a:buNone/>
+            </a:pPr>
+            <a:r>
+              <a:rPr lang="en-GB" sz="1700" dirty="0"/>
+              <a:t>Each &gt; is a new contig. There can be many </a:t>
+            </a:r>
+            <a:r>
+              <a:rPr lang="en-GB" sz="1700" dirty="0" err="1"/>
+              <a:t>many</a:t>
+            </a:r>
+            <a:r>
+              <a:rPr lang="en-GB" sz="1700" dirty="0"/>
+              <a:t> thousands of these. </a:t>
+            </a:r>
+          </a:p>
+        </p:txBody>
+      </p:sp>
+      <p:sp>
+        <p:nvSpPr>
+          <p:cNvPr id="4" name="TextBox 3">
+            <a:extLst>
+              <a:ext uri="{FF2B5EF4-FFF2-40B4-BE49-F238E27FC236}">
+                <a16:creationId xmlns:a16="http://schemas.microsoft.com/office/drawing/2014/main" id="{DFBE4F20-11CC-4269-95B7-96C7F661E1EB}"/>
+              </a:ext>
+            </a:extLst>
+          </p:cNvPr>
+          <p:cNvSpPr txBox="1"/>
+          <p:nvPr/>
+        </p:nvSpPr>
+        <p:spPr>
+          <a:xfrm>
+            <a:off x="10350500" y="0"/>
+            <a:ext cx="1841500" cy="584775"/>
+          </a:xfrm>
+          <a:prstGeom prst="rect">
+            <a:avLst/>
+          </a:prstGeom>
+          <a:noFill/>
+        </p:spPr>
+        <p:txBody>
+          <a:bodyPr wrap="square" rtlCol="0">
+            <a:spAutoFit/>
+          </a:bodyPr>
+          <a:lstStyle/>
+          <a:p>
+            <a:r>
+              <a:rPr lang="en-GB" sz="3200" dirty="0">
                 <a:solidFill>
                   <a:srgbClr val="FF0000"/>
                 </a:solidFill>
-              </a:rPr>
-              <a:t>7_Conda.pptx</a:t>
-            </a:r>
-            <a:r>
-              <a:rPr lang="en-GB" dirty="0"/>
-              <a:t>) ( </a:t>
-            </a:r>
-            <a:r>
-              <a:rPr lang="en-GB" b="1" dirty="0"/>
-              <a:t>we wont do this, but feel free to read at a later point!!)</a:t>
-            </a:r>
+                <a:highlight>
+                  <a:srgbClr val="FFFF00"/>
+                </a:highlight>
+              </a:rPr>
+              <a:t>ACTIVITY</a:t>
+            </a:r>
+            <a:endParaRPr lang="en-GB" sz="2800" dirty="0">
+              <a:solidFill>
+                <a:srgbClr val="FF0000"/>
+              </a:solidFill>
+              <a:highlight>
+                <a:srgbClr val="FFFF00"/>
+              </a:highlight>
+            </a:endParaRPr>
           </a:p>
         </p:txBody>
       </p:sp>
     </p:spTree>
     <p:extLst>
       <p:ext uri="{BB962C8B-B14F-4D97-AF65-F5344CB8AC3E}">
-        <p14:creationId xmlns:p14="http://schemas.microsoft.com/office/powerpoint/2010/main" val="1007012389"/>
+        <p14:creationId xmlns:p14="http://schemas.microsoft.com/office/powerpoint/2010/main" val="4256747330"/>
       </p:ext>
     </p:extLst>
   </p:cSld>
@@ -8787,7 +8954,7 @@
           <p:cNvPr id="2" name="Title 1">
             <a:extLst>
               <a:ext uri="{FF2B5EF4-FFF2-40B4-BE49-F238E27FC236}">
-                <a16:creationId xmlns:a16="http://schemas.microsoft.com/office/drawing/2014/main" id="{2C43B3AF-2DAB-4789-AAC2-055BF22D4786}"/>
+                <a16:creationId xmlns:a16="http://schemas.microsoft.com/office/drawing/2014/main" id="{55F02461-1881-43C2-B364-66B918668015}"/>
               </a:ext>
             </a:extLst>
           </p:cNvPr>
@@ -8798,12 +8965,7 @@
             <p:ph type="title"/>
           </p:nvPr>
         </p:nvSpPr>
-        <p:spPr>
-          <a:xfrm>
-            <a:off x="188422" y="165619"/>
-            <a:ext cx="12003578" cy="1325563"/>
-          </a:xfrm>
-        </p:spPr>
+        <p:spPr/>
         <p:txBody>
           <a:bodyPr/>
           <a:lstStyle/>
@@ -8814,7 +8976,7 @@
                   <a:srgbClr val="7030A0"/>
                 </a:solidFill>
               </a:rPr>
-              <a:t>6) assembly: Predict the genes from our assembly.</a:t>
+              <a:t>Pause the assembly training for something cool</a:t>
             </a:r>
           </a:p>
         </p:txBody>
@@ -8824,7 +8986,7 @@
           <p:cNvPr id="3" name="Content Placeholder 2">
             <a:extLst>
               <a:ext uri="{FF2B5EF4-FFF2-40B4-BE49-F238E27FC236}">
-                <a16:creationId xmlns:a16="http://schemas.microsoft.com/office/drawing/2014/main" id="{044C95C6-B6B0-4522-A3AD-F62B0463C045}"/>
+                <a16:creationId xmlns:a16="http://schemas.microsoft.com/office/drawing/2014/main" id="{7C3DF6A3-8066-4E75-85FB-09F47BE9F87B}"/>
               </a:ext>
             </a:extLst>
           </p:cNvPr>
@@ -8835,980 +8997,44 @@
             <p:ph idx="1"/>
           </p:nvPr>
         </p:nvSpPr>
-        <p:spPr>
-          <a:xfrm>
-            <a:off x="120643" y="1424409"/>
-            <a:ext cx="11662610" cy="4351338"/>
-          </a:xfrm>
-        </p:spPr>
-        <p:txBody>
-          <a:bodyPr>
-            <a:normAutofit/>
-          </a:bodyPr>
-          <a:lstStyle/>
-          <a:p>
-            <a:pPr marL="0" indent="0">
-              <a:buNone/>
-            </a:pPr>
-            <a:r>
-              <a:rPr lang="it-IT" dirty="0"/>
-              <a:t>Lets install Prokka to predict the bacterial genes:</a:t>
-            </a:r>
-          </a:p>
-          <a:p>
-            <a:pPr marL="0" indent="0">
-              <a:buNone/>
-            </a:pPr>
-            <a:r>
-              <a:rPr lang="it-IT" dirty="0"/>
-              <a:t>Create an env with prokka installed</a:t>
-            </a:r>
-          </a:p>
-          <a:p>
-            <a:pPr marL="0" indent="0">
-              <a:buNone/>
-            </a:pPr>
-            <a:r>
-              <a:rPr lang="it-IT" dirty="0">
-                <a:solidFill>
-                  <a:srgbClr val="0070C0"/>
-                </a:solidFill>
-              </a:rPr>
-              <a:t>        conda create -n prokkaENV prokka</a:t>
-            </a:r>
-          </a:p>
-          <a:p>
-            <a:pPr marL="0" indent="0">
-              <a:buNone/>
-            </a:pPr>
-            <a:r>
-              <a:rPr lang="it-IT" dirty="0">
-                <a:solidFill>
-                  <a:srgbClr val="0070C0"/>
-                </a:solidFill>
-              </a:rPr>
-              <a:t>        conda activate prokkaENV</a:t>
-            </a:r>
-          </a:p>
-          <a:p>
-            <a:pPr marL="0" indent="0">
-              <a:buNone/>
-            </a:pPr>
+        <p:spPr/>
+        <p:txBody>
+          <a:bodyPr/>
+          <a:lstStyle/>
+          <a:p>
+            <a:r>
+              <a:rPr lang="en-GB" dirty="0"/>
+              <a:t>Conda</a:t>
+            </a:r>
+          </a:p>
+          <a:p>
+            <a:r>
+              <a:rPr lang="en-GB" dirty="0"/>
+              <a:t>Open the </a:t>
+            </a:r>
+            <a:r>
+              <a:rPr lang="en-GB" dirty="0" err="1"/>
+              <a:t>conda</a:t>
+            </a:r>
+            <a:r>
+              <a:rPr lang="en-GB" dirty="0"/>
+              <a:t> PowerPoint (</a:t>
+            </a:r>
             <a:r>
               <a:rPr lang="en-GB" dirty="0">
                 <a:solidFill>
-                  <a:srgbClr val="0070C0"/>
-                </a:solidFill>
-              </a:rPr>
-              <a:t>        </a:t>
-            </a:r>
-            <a:r>
-              <a:rPr lang="en-GB" dirty="0" err="1">
-                <a:solidFill>
-                  <a:srgbClr val="0070C0"/>
-                </a:solidFill>
-              </a:rPr>
-              <a:t>qsub</a:t>
-            </a:r>
-            <a:r>
-              <a:rPr lang="en-GB" dirty="0">
-                <a:solidFill>
-                  <a:srgbClr val="0070C0"/>
-                </a:solidFill>
-              </a:rPr>
-              <a:t> predict_genes.sh</a:t>
-            </a:r>
-            <a:endParaRPr lang="it-IT" dirty="0">
-              <a:solidFill>
-                <a:srgbClr val="0070C0"/>
-              </a:solidFill>
-            </a:endParaRPr>
-          </a:p>
-        </p:txBody>
-      </p:sp>
-      <p:sp>
-        <p:nvSpPr>
-          <p:cNvPr id="4" name="TextBox 3">
-            <a:extLst>
-              <a:ext uri="{FF2B5EF4-FFF2-40B4-BE49-F238E27FC236}">
-                <a16:creationId xmlns:a16="http://schemas.microsoft.com/office/drawing/2014/main" id="{71306B38-5A8D-4473-A896-C39C2C9E9844}"/>
-              </a:ext>
-            </a:extLst>
-          </p:cNvPr>
-          <p:cNvSpPr txBox="1"/>
-          <p:nvPr/>
-        </p:nvSpPr>
-        <p:spPr>
-          <a:xfrm>
-            <a:off x="10350500" y="0"/>
-            <a:ext cx="1841500" cy="584775"/>
-          </a:xfrm>
-          <a:prstGeom prst="rect">
-            <a:avLst/>
-          </a:prstGeom>
-          <a:noFill/>
-        </p:spPr>
-        <p:txBody>
-          <a:bodyPr wrap="square" rtlCol="0">
-            <a:spAutoFit/>
-          </a:bodyPr>
-          <a:lstStyle/>
-          <a:p>
-            <a:r>
-              <a:rPr lang="en-GB" sz="3200" dirty="0">
-                <a:solidFill>
                   <a:srgbClr val="FF0000"/>
                 </a:solidFill>
-                <a:highlight>
-                  <a:srgbClr val="FFFF00"/>
-                </a:highlight>
-              </a:rPr>
-              <a:t>ACTIVITY</a:t>
-            </a:r>
-            <a:endParaRPr lang="en-GB" sz="2800" dirty="0">
-              <a:solidFill>
-                <a:srgbClr val="FF0000"/>
-              </a:solidFill>
-              <a:highlight>
-                <a:srgbClr val="FFFF00"/>
-              </a:highlight>
-            </a:endParaRPr>
-          </a:p>
-        </p:txBody>
-      </p:sp>
-      <p:sp>
-        <p:nvSpPr>
-          <p:cNvPr id="5" name="Rectangle 4">
-            <a:extLst>
-              <a:ext uri="{FF2B5EF4-FFF2-40B4-BE49-F238E27FC236}">
-                <a16:creationId xmlns:a16="http://schemas.microsoft.com/office/drawing/2014/main" id="{7EEF952C-4C11-4536-A8D0-4D3F6F5A06CE}"/>
-              </a:ext>
-            </a:extLst>
-          </p:cNvPr>
-          <p:cNvSpPr/>
-          <p:nvPr/>
-        </p:nvSpPr>
-        <p:spPr>
-          <a:xfrm>
-            <a:off x="111967" y="5495730"/>
-            <a:ext cx="989045" cy="601467"/>
-          </a:xfrm>
-          <a:prstGeom prst="rect">
-            <a:avLst/>
-          </a:prstGeom>
-          <a:noFill/>
-        </p:spPr>
-        <p:style>
-          <a:lnRef idx="2">
-            <a:schemeClr val="accent1">
-              <a:shade val="50000"/>
-            </a:schemeClr>
-          </a:lnRef>
-          <a:fillRef idx="1">
-            <a:schemeClr val="accent1"/>
-          </a:fillRef>
-          <a:effectRef idx="0">
-            <a:schemeClr val="accent1"/>
-          </a:effectRef>
-          <a:fontRef idx="minor">
-            <a:schemeClr val="lt1"/>
-          </a:fontRef>
-        </p:style>
-        <p:txBody>
-          <a:bodyPr rtlCol="0" anchor="ctr"/>
-          <a:lstStyle/>
-          <a:p>
-            <a:pPr algn="ctr"/>
-            <a:endParaRPr lang="en-GB" dirty="0"/>
-          </a:p>
-        </p:txBody>
-      </p:sp>
-      <p:cxnSp>
-        <p:nvCxnSpPr>
-          <p:cNvPr id="6" name="Straight Arrow Connector 5">
-            <a:extLst>
-              <a:ext uri="{FF2B5EF4-FFF2-40B4-BE49-F238E27FC236}">
-                <a16:creationId xmlns:a16="http://schemas.microsoft.com/office/drawing/2014/main" id="{0E5FBF8F-8EA4-42F4-B5C2-02D5885563A2}"/>
-              </a:ext>
-            </a:extLst>
-          </p:cNvPr>
-          <p:cNvCxnSpPr>
-            <a:stCxn id="5" idx="3"/>
-          </p:cNvCxnSpPr>
-          <p:nvPr/>
-        </p:nvCxnSpPr>
-        <p:spPr>
-          <a:xfrm flipV="1">
-            <a:off x="1101012" y="5794310"/>
-            <a:ext cx="718458" cy="2154"/>
-          </a:xfrm>
-          <a:prstGeom prst="straightConnector1">
-            <a:avLst/>
-          </a:prstGeom>
-          <a:ln>
-            <a:tailEnd type="triangle"/>
-          </a:ln>
-        </p:spPr>
-        <p:style>
-          <a:lnRef idx="1">
-            <a:schemeClr val="accent1"/>
-          </a:lnRef>
-          <a:fillRef idx="0">
-            <a:schemeClr val="accent1"/>
-          </a:fillRef>
-          <a:effectRef idx="0">
-            <a:schemeClr val="accent1"/>
-          </a:effectRef>
-          <a:fontRef idx="minor">
-            <a:schemeClr val="tx1"/>
-          </a:fontRef>
-        </p:style>
-      </p:cxnSp>
-      <p:sp>
-        <p:nvSpPr>
-          <p:cNvPr id="7" name="TextBox 6">
-            <a:extLst>
-              <a:ext uri="{FF2B5EF4-FFF2-40B4-BE49-F238E27FC236}">
-                <a16:creationId xmlns:a16="http://schemas.microsoft.com/office/drawing/2014/main" id="{9B1BEF47-F4B7-48BE-BB2F-65B3E2258040}"/>
-              </a:ext>
-            </a:extLst>
-          </p:cNvPr>
-          <p:cNvSpPr txBox="1"/>
-          <p:nvPr/>
-        </p:nvSpPr>
-        <p:spPr>
-          <a:xfrm>
-            <a:off x="130629" y="5507215"/>
-            <a:ext cx="925284" cy="646331"/>
-          </a:xfrm>
-          <a:prstGeom prst="rect">
-            <a:avLst/>
-          </a:prstGeom>
-          <a:noFill/>
-        </p:spPr>
-        <p:txBody>
-          <a:bodyPr wrap="square" rtlCol="0">
-            <a:spAutoFit/>
-          </a:bodyPr>
-          <a:lstStyle/>
-          <a:p>
+              </a:rPr>
+              <a:t>7_Conda.pptx</a:t>
+            </a:r>
             <a:r>
               <a:rPr lang="en-GB" dirty="0"/>
-              <a:t>Quality control</a:t>
-            </a:r>
-          </a:p>
-        </p:txBody>
-      </p:sp>
-      <p:sp>
-        <p:nvSpPr>
-          <p:cNvPr id="8" name="Rectangle 7">
-            <a:extLst>
-              <a:ext uri="{FF2B5EF4-FFF2-40B4-BE49-F238E27FC236}">
-                <a16:creationId xmlns:a16="http://schemas.microsoft.com/office/drawing/2014/main" id="{3B003409-5412-46E0-BB19-C02E79C74EA8}"/>
-              </a:ext>
-            </a:extLst>
-          </p:cNvPr>
-          <p:cNvSpPr/>
-          <p:nvPr/>
-        </p:nvSpPr>
-        <p:spPr>
-          <a:xfrm>
-            <a:off x="1813250" y="5480176"/>
-            <a:ext cx="989045" cy="601467"/>
-          </a:xfrm>
-          <a:prstGeom prst="rect">
-            <a:avLst/>
-          </a:prstGeom>
-          <a:noFill/>
-        </p:spPr>
-        <p:style>
-          <a:lnRef idx="2">
-            <a:schemeClr val="accent1">
-              <a:shade val="50000"/>
-            </a:schemeClr>
-          </a:lnRef>
-          <a:fillRef idx="1">
-            <a:schemeClr val="accent1"/>
-          </a:fillRef>
-          <a:effectRef idx="0">
-            <a:schemeClr val="accent1"/>
-          </a:effectRef>
-          <a:fontRef idx="minor">
-            <a:schemeClr val="lt1"/>
-          </a:fontRef>
-        </p:style>
-        <p:txBody>
-          <a:bodyPr rtlCol="0" anchor="ctr"/>
-          <a:lstStyle/>
-          <a:p>
-            <a:pPr algn="ctr"/>
-            <a:endParaRPr lang="en-GB" dirty="0"/>
-          </a:p>
-        </p:txBody>
-      </p:sp>
-      <p:cxnSp>
-        <p:nvCxnSpPr>
-          <p:cNvPr id="9" name="Straight Arrow Connector 8">
-            <a:extLst>
-              <a:ext uri="{FF2B5EF4-FFF2-40B4-BE49-F238E27FC236}">
-                <a16:creationId xmlns:a16="http://schemas.microsoft.com/office/drawing/2014/main" id="{10F90946-0ED5-49B9-847A-37ABD22E2D9A}"/>
-              </a:ext>
-            </a:extLst>
-          </p:cNvPr>
-          <p:cNvCxnSpPr>
-            <a:stCxn id="8" idx="3"/>
-          </p:cNvCxnSpPr>
-          <p:nvPr/>
-        </p:nvCxnSpPr>
-        <p:spPr>
-          <a:xfrm flipV="1">
-            <a:off x="2802295" y="5778756"/>
-            <a:ext cx="718458" cy="2154"/>
-          </a:xfrm>
-          <a:prstGeom prst="straightConnector1">
-            <a:avLst/>
-          </a:prstGeom>
-          <a:ln>
-            <a:tailEnd type="triangle"/>
-          </a:ln>
-        </p:spPr>
-        <p:style>
-          <a:lnRef idx="1">
-            <a:schemeClr val="accent1"/>
-          </a:lnRef>
-          <a:fillRef idx="0">
-            <a:schemeClr val="accent1"/>
-          </a:fillRef>
-          <a:effectRef idx="0">
-            <a:schemeClr val="accent1"/>
-          </a:effectRef>
-          <a:fontRef idx="minor">
-            <a:schemeClr val="tx1"/>
-          </a:fontRef>
-        </p:style>
-      </p:cxnSp>
-      <p:sp>
-        <p:nvSpPr>
-          <p:cNvPr id="10" name="TextBox 9">
-            <a:extLst>
-              <a:ext uri="{FF2B5EF4-FFF2-40B4-BE49-F238E27FC236}">
-                <a16:creationId xmlns:a16="http://schemas.microsoft.com/office/drawing/2014/main" id="{34457FBB-87DB-440E-AABE-929972E21F27}"/>
-              </a:ext>
-            </a:extLst>
-          </p:cNvPr>
-          <p:cNvSpPr txBox="1"/>
-          <p:nvPr/>
-        </p:nvSpPr>
-        <p:spPr>
-          <a:xfrm>
-            <a:off x="1831912" y="5491661"/>
-            <a:ext cx="925284" cy="646331"/>
-          </a:xfrm>
-          <a:prstGeom prst="rect">
-            <a:avLst/>
-          </a:prstGeom>
-          <a:noFill/>
-        </p:spPr>
-        <p:txBody>
-          <a:bodyPr wrap="square" rtlCol="0">
-            <a:spAutoFit/>
-          </a:bodyPr>
-          <a:lstStyle/>
-          <a:p>
-            <a:r>
-              <a:rPr lang="en-GB" dirty="0"/>
-              <a:t>Quality trim</a:t>
-            </a:r>
-          </a:p>
-        </p:txBody>
-      </p:sp>
-      <p:sp>
-        <p:nvSpPr>
-          <p:cNvPr id="11" name="Rectangle 10">
-            <a:extLst>
-              <a:ext uri="{FF2B5EF4-FFF2-40B4-BE49-F238E27FC236}">
-                <a16:creationId xmlns:a16="http://schemas.microsoft.com/office/drawing/2014/main" id="{07380F61-31A7-4EC8-B256-961342BFBB84}"/>
-              </a:ext>
-            </a:extLst>
-          </p:cNvPr>
-          <p:cNvSpPr/>
-          <p:nvPr/>
-        </p:nvSpPr>
-        <p:spPr>
-          <a:xfrm>
-            <a:off x="3558073" y="5470844"/>
-            <a:ext cx="989045" cy="601467"/>
-          </a:xfrm>
-          <a:prstGeom prst="rect">
-            <a:avLst/>
-          </a:prstGeom>
-          <a:noFill/>
-        </p:spPr>
-        <p:style>
-          <a:lnRef idx="2">
-            <a:schemeClr val="accent1">
-              <a:shade val="50000"/>
-            </a:schemeClr>
-          </a:lnRef>
-          <a:fillRef idx="1">
-            <a:schemeClr val="accent1"/>
-          </a:fillRef>
-          <a:effectRef idx="0">
-            <a:schemeClr val="accent1"/>
-          </a:effectRef>
-          <a:fontRef idx="minor">
-            <a:schemeClr val="lt1"/>
-          </a:fontRef>
-        </p:style>
-        <p:txBody>
-          <a:bodyPr rtlCol="0" anchor="ctr"/>
-          <a:lstStyle/>
-          <a:p>
-            <a:pPr algn="ctr"/>
-            <a:endParaRPr lang="en-GB" dirty="0"/>
-          </a:p>
-        </p:txBody>
-      </p:sp>
-      <p:cxnSp>
-        <p:nvCxnSpPr>
-          <p:cNvPr id="12" name="Straight Arrow Connector 11">
-            <a:extLst>
-              <a:ext uri="{FF2B5EF4-FFF2-40B4-BE49-F238E27FC236}">
-                <a16:creationId xmlns:a16="http://schemas.microsoft.com/office/drawing/2014/main" id="{BABB8E3B-20A9-417A-B595-3A4A532ED13C}"/>
-              </a:ext>
-            </a:extLst>
-          </p:cNvPr>
-          <p:cNvCxnSpPr>
-            <a:stCxn id="11" idx="3"/>
-          </p:cNvCxnSpPr>
-          <p:nvPr/>
-        </p:nvCxnSpPr>
-        <p:spPr>
-          <a:xfrm flipV="1">
-            <a:off x="4547118" y="5769424"/>
-            <a:ext cx="718458" cy="2154"/>
-          </a:xfrm>
-          <a:prstGeom prst="straightConnector1">
-            <a:avLst/>
-          </a:prstGeom>
-          <a:ln>
-            <a:tailEnd type="triangle"/>
-          </a:ln>
-        </p:spPr>
-        <p:style>
-          <a:lnRef idx="1">
-            <a:schemeClr val="accent1"/>
-          </a:lnRef>
-          <a:fillRef idx="0">
-            <a:schemeClr val="accent1"/>
-          </a:fillRef>
-          <a:effectRef idx="0">
-            <a:schemeClr val="accent1"/>
-          </a:effectRef>
-          <a:fontRef idx="minor">
-            <a:schemeClr val="tx1"/>
-          </a:fontRef>
-        </p:style>
-      </p:cxnSp>
-      <p:sp>
-        <p:nvSpPr>
-          <p:cNvPr id="13" name="TextBox 12">
-            <a:extLst>
-              <a:ext uri="{FF2B5EF4-FFF2-40B4-BE49-F238E27FC236}">
-                <a16:creationId xmlns:a16="http://schemas.microsoft.com/office/drawing/2014/main" id="{86512BE6-0E48-4AEE-82CE-C5DF4DB42099}"/>
-              </a:ext>
-            </a:extLst>
-          </p:cNvPr>
-          <p:cNvSpPr txBox="1"/>
-          <p:nvPr/>
-        </p:nvSpPr>
-        <p:spPr>
-          <a:xfrm>
-            <a:off x="3576735" y="5482329"/>
-            <a:ext cx="925284" cy="646331"/>
-          </a:xfrm>
-          <a:prstGeom prst="rect">
-            <a:avLst/>
-          </a:prstGeom>
-          <a:noFill/>
-        </p:spPr>
-        <p:txBody>
-          <a:bodyPr wrap="square" rtlCol="0">
-            <a:spAutoFit/>
-          </a:bodyPr>
-          <a:lstStyle/>
-          <a:p>
-            <a:r>
-              <a:rPr lang="en-GB" dirty="0"/>
-              <a:t>Quality control</a:t>
-            </a:r>
-          </a:p>
-        </p:txBody>
-      </p:sp>
-      <p:sp>
-        <p:nvSpPr>
-          <p:cNvPr id="14" name="Rectangle 13">
-            <a:extLst>
-              <a:ext uri="{FF2B5EF4-FFF2-40B4-BE49-F238E27FC236}">
-                <a16:creationId xmlns:a16="http://schemas.microsoft.com/office/drawing/2014/main" id="{F17446BA-2BB3-4ED1-B0BE-E956553F7117}"/>
-              </a:ext>
-            </a:extLst>
-          </p:cNvPr>
-          <p:cNvSpPr/>
-          <p:nvPr/>
-        </p:nvSpPr>
-        <p:spPr>
-          <a:xfrm>
-            <a:off x="5274908" y="5452183"/>
-            <a:ext cx="1331165" cy="1336195"/>
-          </a:xfrm>
-          <a:prstGeom prst="rect">
-            <a:avLst/>
-          </a:prstGeom>
-          <a:noFill/>
-        </p:spPr>
-        <p:style>
-          <a:lnRef idx="2">
-            <a:schemeClr val="accent1">
-              <a:shade val="50000"/>
-            </a:schemeClr>
-          </a:lnRef>
-          <a:fillRef idx="1">
-            <a:schemeClr val="accent1"/>
-          </a:fillRef>
-          <a:effectRef idx="0">
-            <a:schemeClr val="accent1"/>
-          </a:effectRef>
-          <a:fontRef idx="minor">
-            <a:schemeClr val="lt1"/>
-          </a:fontRef>
-        </p:style>
-        <p:txBody>
-          <a:bodyPr rtlCol="0" anchor="ctr"/>
-          <a:lstStyle/>
-          <a:p>
-            <a:pPr algn="ctr"/>
-            <a:endParaRPr lang="en-GB" dirty="0"/>
-          </a:p>
-        </p:txBody>
-      </p:sp>
-      <p:sp>
-        <p:nvSpPr>
-          <p:cNvPr id="15" name="TextBox 14">
-            <a:extLst>
-              <a:ext uri="{FF2B5EF4-FFF2-40B4-BE49-F238E27FC236}">
-                <a16:creationId xmlns:a16="http://schemas.microsoft.com/office/drawing/2014/main" id="{79EE999B-47FC-45FA-918B-3EBC1718F83D}"/>
-              </a:ext>
-            </a:extLst>
-          </p:cNvPr>
-          <p:cNvSpPr txBox="1"/>
-          <p:nvPr/>
-        </p:nvSpPr>
-        <p:spPr>
-          <a:xfrm>
-            <a:off x="5274907" y="5491661"/>
-            <a:ext cx="1424473" cy="1107996"/>
-          </a:xfrm>
-          <a:prstGeom prst="rect">
-            <a:avLst/>
-          </a:prstGeom>
-          <a:noFill/>
-        </p:spPr>
-        <p:txBody>
-          <a:bodyPr wrap="square" rtlCol="0">
-            <a:spAutoFit/>
-          </a:bodyPr>
-          <a:lstStyle/>
-          <a:p>
-            <a:r>
-              <a:rPr lang="en-GB" dirty="0"/>
-              <a:t>Assemble </a:t>
-            </a:r>
-            <a:r>
-              <a:rPr lang="en-GB" sz="1600" dirty="0"/>
-              <a:t>(different </a:t>
-            </a:r>
-            <a:r>
-              <a:rPr lang="en-GB" sz="1600" dirty="0" err="1"/>
-              <a:t>kmers</a:t>
-            </a:r>
-            <a:r>
-              <a:rPr lang="en-GB" sz="1600" dirty="0"/>
-              <a:t>, different tools)</a:t>
-            </a:r>
-            <a:endParaRPr lang="en-GB" dirty="0"/>
-          </a:p>
-        </p:txBody>
-      </p:sp>
-      <p:cxnSp>
-        <p:nvCxnSpPr>
-          <p:cNvPr id="16" name="Straight Arrow Connector 15">
-            <a:extLst>
-              <a:ext uri="{FF2B5EF4-FFF2-40B4-BE49-F238E27FC236}">
-                <a16:creationId xmlns:a16="http://schemas.microsoft.com/office/drawing/2014/main" id="{CD99B482-FBB7-4546-ABE8-D06019A61D38}"/>
-              </a:ext>
-            </a:extLst>
-          </p:cNvPr>
-          <p:cNvCxnSpPr/>
-          <p:nvPr/>
-        </p:nvCxnSpPr>
-        <p:spPr>
-          <a:xfrm flipV="1">
-            <a:off x="6627848" y="5769424"/>
-            <a:ext cx="718458" cy="2154"/>
-          </a:xfrm>
-          <a:prstGeom prst="straightConnector1">
-            <a:avLst/>
-          </a:prstGeom>
-          <a:ln>
-            <a:tailEnd type="triangle"/>
-          </a:ln>
-        </p:spPr>
-        <p:style>
-          <a:lnRef idx="1">
-            <a:schemeClr val="accent1"/>
-          </a:lnRef>
-          <a:fillRef idx="0">
-            <a:schemeClr val="accent1"/>
-          </a:fillRef>
-          <a:effectRef idx="0">
-            <a:schemeClr val="accent1"/>
-          </a:effectRef>
-          <a:fontRef idx="minor">
-            <a:schemeClr val="tx1"/>
-          </a:fontRef>
-        </p:style>
-      </p:cxnSp>
-      <p:sp>
-        <p:nvSpPr>
-          <p:cNvPr id="17" name="Rectangle 16">
-            <a:extLst>
-              <a:ext uri="{FF2B5EF4-FFF2-40B4-BE49-F238E27FC236}">
-                <a16:creationId xmlns:a16="http://schemas.microsoft.com/office/drawing/2014/main" id="{FBB3767F-6976-4250-810B-36152B404336}"/>
-              </a:ext>
-            </a:extLst>
-          </p:cNvPr>
-          <p:cNvSpPr/>
-          <p:nvPr/>
-        </p:nvSpPr>
-        <p:spPr>
-          <a:xfrm>
-            <a:off x="7327644" y="5459659"/>
-            <a:ext cx="989045" cy="601467"/>
-          </a:xfrm>
-          <a:prstGeom prst="rect">
-            <a:avLst/>
-          </a:prstGeom>
-          <a:noFill/>
-        </p:spPr>
-        <p:style>
-          <a:lnRef idx="2">
-            <a:schemeClr val="accent1">
-              <a:shade val="50000"/>
-            </a:schemeClr>
-          </a:lnRef>
-          <a:fillRef idx="1">
-            <a:schemeClr val="accent1"/>
-          </a:fillRef>
-          <a:effectRef idx="0">
-            <a:schemeClr val="accent1"/>
-          </a:effectRef>
-          <a:fontRef idx="minor">
-            <a:schemeClr val="lt1"/>
-          </a:fontRef>
-        </p:style>
-        <p:txBody>
-          <a:bodyPr rtlCol="0" anchor="ctr"/>
-          <a:lstStyle/>
-          <a:p>
-            <a:pPr algn="ctr"/>
-            <a:endParaRPr lang="en-GB" dirty="0"/>
-          </a:p>
-        </p:txBody>
-      </p:sp>
-      <p:cxnSp>
-        <p:nvCxnSpPr>
-          <p:cNvPr id="18" name="Straight Arrow Connector 17">
-            <a:extLst>
-              <a:ext uri="{FF2B5EF4-FFF2-40B4-BE49-F238E27FC236}">
-                <a16:creationId xmlns:a16="http://schemas.microsoft.com/office/drawing/2014/main" id="{535365D5-48C4-4405-AA67-BE25B71FF45F}"/>
-              </a:ext>
-            </a:extLst>
-          </p:cNvPr>
-          <p:cNvCxnSpPr>
-            <a:stCxn id="17" idx="3"/>
-          </p:cNvCxnSpPr>
-          <p:nvPr/>
-        </p:nvCxnSpPr>
-        <p:spPr>
-          <a:xfrm flipV="1">
-            <a:off x="8316689" y="5758239"/>
-            <a:ext cx="718458" cy="2154"/>
-          </a:xfrm>
-          <a:prstGeom prst="straightConnector1">
-            <a:avLst/>
-          </a:prstGeom>
-          <a:ln>
-            <a:tailEnd type="triangle"/>
-          </a:ln>
-        </p:spPr>
-        <p:style>
-          <a:lnRef idx="1">
-            <a:schemeClr val="accent1"/>
-          </a:lnRef>
-          <a:fillRef idx="0">
-            <a:schemeClr val="accent1"/>
-          </a:fillRef>
-          <a:effectRef idx="0">
-            <a:schemeClr val="accent1"/>
-          </a:effectRef>
-          <a:fontRef idx="minor">
-            <a:schemeClr val="tx1"/>
-          </a:fontRef>
-        </p:style>
-      </p:cxnSp>
-      <p:sp>
-        <p:nvSpPr>
-          <p:cNvPr id="19" name="TextBox 18">
-            <a:extLst>
-              <a:ext uri="{FF2B5EF4-FFF2-40B4-BE49-F238E27FC236}">
-                <a16:creationId xmlns:a16="http://schemas.microsoft.com/office/drawing/2014/main" id="{CDB64C45-2906-43DF-871A-94BB47D372E7}"/>
-              </a:ext>
-            </a:extLst>
-          </p:cNvPr>
-          <p:cNvSpPr txBox="1"/>
-          <p:nvPr/>
-        </p:nvSpPr>
-        <p:spPr>
-          <a:xfrm>
-            <a:off x="7346306" y="5471144"/>
-            <a:ext cx="925284" cy="646331"/>
-          </a:xfrm>
-          <a:prstGeom prst="rect">
-            <a:avLst/>
-          </a:prstGeom>
-          <a:noFill/>
-        </p:spPr>
-        <p:txBody>
-          <a:bodyPr wrap="square" rtlCol="0">
-            <a:spAutoFit/>
-          </a:bodyPr>
-          <a:lstStyle/>
-          <a:p>
-            <a:r>
-              <a:rPr lang="en-GB" b="1" dirty="0">
-                <a:highlight>
-                  <a:srgbClr val="FFFF00"/>
-                </a:highlight>
-              </a:rPr>
-              <a:t>Predict genes</a:t>
-            </a:r>
-          </a:p>
-        </p:txBody>
-      </p:sp>
-      <p:sp>
-        <p:nvSpPr>
-          <p:cNvPr id="20" name="Rectangle 19">
-            <a:extLst>
-              <a:ext uri="{FF2B5EF4-FFF2-40B4-BE49-F238E27FC236}">
-                <a16:creationId xmlns:a16="http://schemas.microsoft.com/office/drawing/2014/main" id="{293150DA-E814-47DD-AAE6-AF0C9A0DD23F}"/>
-              </a:ext>
-            </a:extLst>
-          </p:cNvPr>
-          <p:cNvSpPr/>
-          <p:nvPr/>
-        </p:nvSpPr>
-        <p:spPr>
-          <a:xfrm>
-            <a:off x="9035147" y="5452183"/>
-            <a:ext cx="989045" cy="1327579"/>
-          </a:xfrm>
-          <a:prstGeom prst="rect">
-            <a:avLst/>
-          </a:prstGeom>
-          <a:noFill/>
-        </p:spPr>
-        <p:style>
-          <a:lnRef idx="2">
-            <a:schemeClr val="accent1">
-              <a:shade val="50000"/>
-            </a:schemeClr>
-          </a:lnRef>
-          <a:fillRef idx="1">
-            <a:schemeClr val="accent1"/>
-          </a:fillRef>
-          <a:effectRef idx="0">
-            <a:schemeClr val="accent1"/>
-          </a:effectRef>
-          <a:fontRef idx="minor">
-            <a:schemeClr val="lt1"/>
-          </a:fontRef>
-        </p:style>
-        <p:txBody>
-          <a:bodyPr rtlCol="0" anchor="ctr"/>
-          <a:lstStyle/>
-          <a:p>
-            <a:pPr algn="ctr"/>
-            <a:endParaRPr lang="en-GB" dirty="0"/>
-          </a:p>
-        </p:txBody>
-      </p:sp>
-      <p:sp>
-        <p:nvSpPr>
-          <p:cNvPr id="21" name="TextBox 20">
-            <a:extLst>
-              <a:ext uri="{FF2B5EF4-FFF2-40B4-BE49-F238E27FC236}">
-                <a16:creationId xmlns:a16="http://schemas.microsoft.com/office/drawing/2014/main" id="{94B830B4-1078-4902-B4C7-A3F53CE77EA4}"/>
-              </a:ext>
-            </a:extLst>
-          </p:cNvPr>
-          <p:cNvSpPr txBox="1"/>
-          <p:nvPr/>
-        </p:nvSpPr>
-        <p:spPr>
-          <a:xfrm>
-            <a:off x="9186770" y="5515807"/>
-            <a:ext cx="925284" cy="1200329"/>
-          </a:xfrm>
-          <a:prstGeom prst="rect">
-            <a:avLst/>
-          </a:prstGeom>
-          <a:noFill/>
-        </p:spPr>
-        <p:txBody>
-          <a:bodyPr wrap="square" rtlCol="0">
-            <a:spAutoFit/>
-          </a:bodyPr>
-          <a:lstStyle/>
-          <a:p>
-            <a:r>
-              <a:rPr lang="en-GB" sz="1200" dirty="0"/>
-              <a:t>Draw a genome diagram with the genes marked</a:t>
-            </a:r>
-          </a:p>
-        </p:txBody>
-      </p:sp>
-      <p:cxnSp>
-        <p:nvCxnSpPr>
-          <p:cNvPr id="22" name="Connector: Elbow 21">
-            <a:extLst>
-              <a:ext uri="{FF2B5EF4-FFF2-40B4-BE49-F238E27FC236}">
-                <a16:creationId xmlns:a16="http://schemas.microsoft.com/office/drawing/2014/main" id="{C6B23079-61EA-40FE-9E63-F0934ECA9354}"/>
-              </a:ext>
-            </a:extLst>
-          </p:cNvPr>
-          <p:cNvCxnSpPr>
-            <a:cxnSpLocks/>
-          </p:cNvCxnSpPr>
-          <p:nvPr/>
-        </p:nvCxnSpPr>
-        <p:spPr>
-          <a:xfrm flipV="1">
-            <a:off x="5987143" y="4516016"/>
-            <a:ext cx="2802294" cy="879820"/>
-          </a:xfrm>
-          <a:prstGeom prst="bentConnector3">
-            <a:avLst>
-              <a:gd name="adj1" fmla="val -943"/>
-            </a:avLst>
-          </a:prstGeom>
-          <a:ln>
-            <a:tailEnd type="triangle"/>
-          </a:ln>
-        </p:spPr>
-        <p:style>
-          <a:lnRef idx="1">
-            <a:schemeClr val="accent1"/>
-          </a:lnRef>
-          <a:fillRef idx="0">
-            <a:schemeClr val="accent1"/>
-          </a:fillRef>
-          <a:effectRef idx="0">
-            <a:schemeClr val="accent1"/>
-          </a:effectRef>
-          <a:fontRef idx="minor">
-            <a:schemeClr val="tx1"/>
-          </a:fontRef>
-        </p:style>
-      </p:cxnSp>
-      <p:sp>
-        <p:nvSpPr>
-          <p:cNvPr id="23" name="Rectangle 22">
-            <a:extLst>
-              <a:ext uri="{FF2B5EF4-FFF2-40B4-BE49-F238E27FC236}">
-                <a16:creationId xmlns:a16="http://schemas.microsoft.com/office/drawing/2014/main" id="{81F61248-4693-4A20-B190-0D5586A676B5}"/>
-              </a:ext>
-            </a:extLst>
-          </p:cNvPr>
-          <p:cNvSpPr/>
-          <p:nvPr/>
-        </p:nvSpPr>
-        <p:spPr>
-          <a:xfrm>
-            <a:off x="8789435" y="4231775"/>
-            <a:ext cx="989045" cy="601467"/>
-          </a:xfrm>
-          <a:prstGeom prst="rect">
-            <a:avLst/>
-          </a:prstGeom>
-          <a:noFill/>
-        </p:spPr>
-        <p:style>
-          <a:lnRef idx="2">
-            <a:schemeClr val="accent1">
-              <a:shade val="50000"/>
-            </a:schemeClr>
-          </a:lnRef>
-          <a:fillRef idx="1">
-            <a:schemeClr val="accent1"/>
-          </a:fillRef>
-          <a:effectRef idx="0">
-            <a:schemeClr val="accent1"/>
-          </a:effectRef>
-          <a:fontRef idx="minor">
-            <a:schemeClr val="lt1"/>
-          </a:fontRef>
-        </p:style>
-        <p:txBody>
-          <a:bodyPr rtlCol="0" anchor="ctr"/>
-          <a:lstStyle/>
-          <a:p>
-            <a:pPr algn="ctr"/>
-            <a:endParaRPr lang="en-GB" dirty="0"/>
-          </a:p>
-        </p:txBody>
-      </p:sp>
-      <p:sp>
-        <p:nvSpPr>
-          <p:cNvPr id="24" name="TextBox 23">
-            <a:extLst>
-              <a:ext uri="{FF2B5EF4-FFF2-40B4-BE49-F238E27FC236}">
-                <a16:creationId xmlns:a16="http://schemas.microsoft.com/office/drawing/2014/main" id="{4DE2FA0B-6677-4EC5-B8AA-6B491F331B5F}"/>
-              </a:ext>
-            </a:extLst>
-          </p:cNvPr>
-          <p:cNvSpPr txBox="1"/>
-          <p:nvPr/>
-        </p:nvSpPr>
-        <p:spPr>
-          <a:xfrm>
-            <a:off x="8808097" y="4243260"/>
-            <a:ext cx="925284" cy="646331"/>
-          </a:xfrm>
-          <a:prstGeom prst="rect">
-            <a:avLst/>
-          </a:prstGeom>
-          <a:noFill/>
-        </p:spPr>
-        <p:txBody>
-          <a:bodyPr wrap="square" rtlCol="0">
-            <a:spAutoFit/>
-          </a:bodyPr>
-          <a:lstStyle/>
-          <a:p>
-            <a:r>
-              <a:rPr lang="en-GB" dirty="0"/>
-              <a:t>BLAST: identify</a:t>
+              <a:t>) ( </a:t>
+            </a:r>
+            <a:r>
+              <a:rPr lang="en-GB" b="1" dirty="0"/>
+              <a:t>we wont do this, but feel free to read at a later point!!)</a:t>
             </a:r>
           </a:p>
         </p:txBody>
@@ -9816,7 +9042,7 @@
     </p:spTree>
     <p:extLst>
       <p:ext uri="{BB962C8B-B14F-4D97-AF65-F5344CB8AC3E}">
-        <p14:creationId xmlns:p14="http://schemas.microsoft.com/office/powerpoint/2010/main" val="929082678"/>
+        <p14:creationId xmlns:p14="http://schemas.microsoft.com/office/powerpoint/2010/main" val="1007012389"/>
       </p:ext>
     </p:extLst>
   </p:cSld>
@@ -9848,7 +9074,7 @@
           <p:cNvPr id="2" name="Title 1">
             <a:extLst>
               <a:ext uri="{FF2B5EF4-FFF2-40B4-BE49-F238E27FC236}">
-                <a16:creationId xmlns:a16="http://schemas.microsoft.com/office/drawing/2014/main" id="{4E1FC0BE-F14F-41BB-AA79-8A2D40C17783}"/>
+                <a16:creationId xmlns:a16="http://schemas.microsoft.com/office/drawing/2014/main" id="{2C43B3AF-2DAB-4789-AAC2-055BF22D4786}"/>
               </a:ext>
             </a:extLst>
           </p:cNvPr>
@@ -9861,8 +9087,8 @@
         </p:nvSpPr>
         <p:spPr>
           <a:xfrm>
-            <a:off x="289560" y="157306"/>
-            <a:ext cx="10515600" cy="1325563"/>
+            <a:off x="188422" y="165619"/>
+            <a:ext cx="12003578" cy="1325563"/>
           </a:xfrm>
         </p:spPr>
         <p:txBody>
@@ -9870,20 +9096,12 @@
           <a:lstStyle/>
           <a:p>
             <a:r>
-              <a:rPr lang="en-GB" dirty="0" err="1">
+              <a:rPr lang="en-GB" dirty="0">
                 <a:solidFill>
                   <a:srgbClr val="7030A0"/>
                 </a:solidFill>
               </a:rPr>
-              <a:t>Prokka</a:t>
-            </a:r>
-            <a:r>
-              <a:rPr lang="en-GB" dirty="0">
-                <a:solidFill>
-                  <a:srgbClr val="7030A0"/>
-                </a:solidFill>
-              </a:rPr>
-              <a:t> output</a:t>
+              <a:t>6) assembly: Predict the genes from our assembly.</a:t>
             </a:r>
           </a:p>
         </p:txBody>
@@ -9893,7 +9111,7 @@
           <p:cNvPr id="3" name="Content Placeholder 2">
             <a:extLst>
               <a:ext uri="{FF2B5EF4-FFF2-40B4-BE49-F238E27FC236}">
-                <a16:creationId xmlns:a16="http://schemas.microsoft.com/office/drawing/2014/main" id="{C9010BB6-15F2-45E5-80F4-B73AC9439517}"/>
+                <a16:creationId xmlns:a16="http://schemas.microsoft.com/office/drawing/2014/main" id="{044C95C6-B6B0-4522-A3AD-F62B0463C045}"/>
               </a:ext>
             </a:extLst>
           </p:cNvPr>
@@ -9906,60 +9124,986 @@
         </p:nvSpPr>
         <p:spPr>
           <a:xfrm>
-            <a:off x="164869" y="1351799"/>
-            <a:ext cx="10515600" cy="4351338"/>
-          </a:xfrm>
-        </p:spPr>
-        <p:txBody>
-          <a:bodyPr/>
-          <a:lstStyle/>
-          <a:p>
-            <a:r>
-              <a:rPr lang="en-GB" dirty="0"/>
-              <a:t>PROKKA_11122018.err  PROKKA_11122018.ffn  PROKKA_11122018.fsa  </a:t>
-            </a:r>
+            <a:off x="120643" y="1424409"/>
+            <a:ext cx="11662610" cy="4351338"/>
+          </a:xfrm>
+        </p:spPr>
+        <p:txBody>
+          <a:bodyPr>
+            <a:normAutofit/>
+          </a:bodyPr>
+          <a:lstStyle/>
+          <a:p>
+            <a:pPr marL="0" indent="0">
+              <a:buNone/>
+            </a:pPr>
+            <a:r>
+              <a:rPr lang="it-IT" dirty="0"/>
+              <a:t>Lets install Prokka to predict the bacterial genes:</a:t>
+            </a:r>
+          </a:p>
+          <a:p>
+            <a:pPr marL="0" indent="0">
+              <a:buNone/>
+            </a:pPr>
+            <a:r>
+              <a:rPr lang="it-IT" dirty="0"/>
+              <a:t>Create an env with prokka installed</a:t>
+            </a:r>
+          </a:p>
+          <a:p>
+            <a:pPr marL="0" indent="0">
+              <a:buNone/>
+            </a:pPr>
+            <a:r>
+              <a:rPr lang="it-IT" dirty="0">
+                <a:solidFill>
+                  <a:srgbClr val="0070C0"/>
+                </a:solidFill>
+              </a:rPr>
+              <a:t>        conda create -n prokkaENV prokka</a:t>
+            </a:r>
+          </a:p>
+          <a:p>
+            <a:pPr marL="0" indent="0">
+              <a:buNone/>
+            </a:pPr>
+            <a:r>
+              <a:rPr lang="it-IT" dirty="0">
+                <a:solidFill>
+                  <a:srgbClr val="0070C0"/>
+                </a:solidFill>
+              </a:rPr>
+              <a:t>        conda activate prokkaENV</a:t>
+            </a:r>
+          </a:p>
+          <a:p>
+            <a:pPr marL="0" indent="0">
+              <a:buNone/>
+            </a:pPr>
             <a:r>
               <a:rPr lang="en-GB" dirty="0">
+                <a:solidFill>
+                  <a:srgbClr val="0070C0"/>
+                </a:solidFill>
+              </a:rPr>
+              <a:t>        </a:t>
+            </a:r>
+            <a:r>
+              <a:rPr lang="en-GB" dirty="0" err="1">
+                <a:solidFill>
+                  <a:srgbClr val="0070C0"/>
+                </a:solidFill>
+              </a:rPr>
+              <a:t>qsub</a:t>
+            </a:r>
+            <a:r>
+              <a:rPr lang="en-GB" dirty="0">
+                <a:solidFill>
+                  <a:srgbClr val="0070C0"/>
+                </a:solidFill>
+              </a:rPr>
+              <a:t> predict_genes.sh</a:t>
+            </a:r>
+            <a:endParaRPr lang="it-IT" dirty="0">
+              <a:solidFill>
+                <a:srgbClr val="0070C0"/>
+              </a:solidFill>
+            </a:endParaRPr>
+          </a:p>
+        </p:txBody>
+      </p:sp>
+      <p:sp>
+        <p:nvSpPr>
+          <p:cNvPr id="4" name="TextBox 3">
+            <a:extLst>
+              <a:ext uri="{FF2B5EF4-FFF2-40B4-BE49-F238E27FC236}">
+                <a16:creationId xmlns:a16="http://schemas.microsoft.com/office/drawing/2014/main" id="{71306B38-5A8D-4473-A896-C39C2C9E9844}"/>
+              </a:ext>
+            </a:extLst>
+          </p:cNvPr>
+          <p:cNvSpPr txBox="1"/>
+          <p:nvPr/>
+        </p:nvSpPr>
+        <p:spPr>
+          <a:xfrm>
+            <a:off x="10350500" y="0"/>
+            <a:ext cx="1841500" cy="584775"/>
+          </a:xfrm>
+          <a:prstGeom prst="rect">
+            <a:avLst/>
+          </a:prstGeom>
+          <a:noFill/>
+        </p:spPr>
+        <p:txBody>
+          <a:bodyPr wrap="square" rtlCol="0">
+            <a:spAutoFit/>
+          </a:bodyPr>
+          <a:lstStyle/>
+          <a:p>
+            <a:r>
+              <a:rPr lang="en-GB" sz="3200" dirty="0">
+                <a:solidFill>
+                  <a:srgbClr val="FF0000"/>
+                </a:solidFill>
                 <a:highlight>
                   <a:srgbClr val="FFFF00"/>
                 </a:highlight>
               </a:rPr>
-              <a:t>PROKKA_11122018.gff  </a:t>
-            </a:r>
+              <a:t>ACTIVITY</a:t>
+            </a:r>
+            <a:endParaRPr lang="en-GB" sz="2800" dirty="0">
+              <a:solidFill>
+                <a:srgbClr val="FF0000"/>
+              </a:solidFill>
+              <a:highlight>
+                <a:srgbClr val="FFFF00"/>
+              </a:highlight>
+            </a:endParaRPr>
+          </a:p>
+        </p:txBody>
+      </p:sp>
+      <p:sp>
+        <p:nvSpPr>
+          <p:cNvPr id="5" name="Rectangle 4">
+            <a:extLst>
+              <a:ext uri="{FF2B5EF4-FFF2-40B4-BE49-F238E27FC236}">
+                <a16:creationId xmlns:a16="http://schemas.microsoft.com/office/drawing/2014/main" id="{7EEF952C-4C11-4536-A8D0-4D3F6F5A06CE}"/>
+              </a:ext>
+            </a:extLst>
+          </p:cNvPr>
+          <p:cNvSpPr/>
+          <p:nvPr/>
+        </p:nvSpPr>
+        <p:spPr>
+          <a:xfrm>
+            <a:off x="111967" y="5495730"/>
+            <a:ext cx="989045" cy="601467"/>
+          </a:xfrm>
+          <a:prstGeom prst="rect">
+            <a:avLst/>
+          </a:prstGeom>
+          <a:noFill/>
+        </p:spPr>
+        <p:style>
+          <a:lnRef idx="2">
+            <a:schemeClr val="accent1">
+              <a:shade val="50000"/>
+            </a:schemeClr>
+          </a:lnRef>
+          <a:fillRef idx="1">
+            <a:schemeClr val="accent1"/>
+          </a:fillRef>
+          <a:effectRef idx="0">
+            <a:schemeClr val="accent1"/>
+          </a:effectRef>
+          <a:fontRef idx="minor">
+            <a:schemeClr val="lt1"/>
+          </a:fontRef>
+        </p:style>
+        <p:txBody>
+          <a:bodyPr rtlCol="0" anchor="ctr"/>
+          <a:lstStyle/>
+          <a:p>
+            <a:pPr algn="ctr"/>
+            <a:endParaRPr lang="en-GB" dirty="0"/>
+          </a:p>
+        </p:txBody>
+      </p:sp>
+      <p:cxnSp>
+        <p:nvCxnSpPr>
+          <p:cNvPr id="6" name="Straight Arrow Connector 5">
+            <a:extLst>
+              <a:ext uri="{FF2B5EF4-FFF2-40B4-BE49-F238E27FC236}">
+                <a16:creationId xmlns:a16="http://schemas.microsoft.com/office/drawing/2014/main" id="{0E5FBF8F-8EA4-42F4-B5C2-02D5885563A2}"/>
+              </a:ext>
+            </a:extLst>
+          </p:cNvPr>
+          <p:cNvCxnSpPr>
+            <a:stCxn id="5" idx="3"/>
+          </p:cNvCxnSpPr>
+          <p:nvPr/>
+        </p:nvCxnSpPr>
+        <p:spPr>
+          <a:xfrm flipV="1">
+            <a:off x="1101012" y="5794310"/>
+            <a:ext cx="718458" cy="2154"/>
+          </a:xfrm>
+          <a:prstGeom prst="straightConnector1">
+            <a:avLst/>
+          </a:prstGeom>
+          <a:ln>
+            <a:tailEnd type="triangle"/>
+          </a:ln>
+        </p:spPr>
+        <p:style>
+          <a:lnRef idx="1">
+            <a:schemeClr val="accent1"/>
+          </a:lnRef>
+          <a:fillRef idx="0">
+            <a:schemeClr val="accent1"/>
+          </a:fillRef>
+          <a:effectRef idx="0">
+            <a:schemeClr val="accent1"/>
+          </a:effectRef>
+          <a:fontRef idx="minor">
+            <a:schemeClr val="tx1"/>
+          </a:fontRef>
+        </p:style>
+      </p:cxnSp>
+      <p:sp>
+        <p:nvSpPr>
+          <p:cNvPr id="7" name="TextBox 6">
+            <a:extLst>
+              <a:ext uri="{FF2B5EF4-FFF2-40B4-BE49-F238E27FC236}">
+                <a16:creationId xmlns:a16="http://schemas.microsoft.com/office/drawing/2014/main" id="{9B1BEF47-F4B7-48BE-BB2F-65B3E2258040}"/>
+              </a:ext>
+            </a:extLst>
+          </p:cNvPr>
+          <p:cNvSpPr txBox="1"/>
+          <p:nvPr/>
+        </p:nvSpPr>
+        <p:spPr>
+          <a:xfrm>
+            <a:off x="130629" y="5507215"/>
+            <a:ext cx="925284" cy="646331"/>
+          </a:xfrm>
+          <a:prstGeom prst="rect">
+            <a:avLst/>
+          </a:prstGeom>
+          <a:noFill/>
+        </p:spPr>
+        <p:txBody>
+          <a:bodyPr wrap="square" rtlCol="0">
+            <a:spAutoFit/>
+          </a:bodyPr>
+          <a:lstStyle/>
+          <a:p>
             <a:r>
               <a:rPr lang="en-GB" dirty="0"/>
-              <a:t>PROKKA_11122018.sqn  PROKKA_11122018.tsv</a:t>
-            </a:r>
-          </a:p>
-          <a:p>
-            <a:r>
-              <a:rPr lang="en-GB" dirty="0">
+              <a:t>Quality control</a:t>
+            </a:r>
+          </a:p>
+        </p:txBody>
+      </p:sp>
+      <p:sp>
+        <p:nvSpPr>
+          <p:cNvPr id="8" name="Rectangle 7">
+            <a:extLst>
+              <a:ext uri="{FF2B5EF4-FFF2-40B4-BE49-F238E27FC236}">
+                <a16:creationId xmlns:a16="http://schemas.microsoft.com/office/drawing/2014/main" id="{3B003409-5412-46E0-BB19-C02E79C74EA8}"/>
+              </a:ext>
+            </a:extLst>
+          </p:cNvPr>
+          <p:cNvSpPr/>
+          <p:nvPr/>
+        </p:nvSpPr>
+        <p:spPr>
+          <a:xfrm>
+            <a:off x="1813250" y="5480176"/>
+            <a:ext cx="989045" cy="601467"/>
+          </a:xfrm>
+          <a:prstGeom prst="rect">
+            <a:avLst/>
+          </a:prstGeom>
+          <a:noFill/>
+        </p:spPr>
+        <p:style>
+          <a:lnRef idx="2">
+            <a:schemeClr val="accent1">
+              <a:shade val="50000"/>
+            </a:schemeClr>
+          </a:lnRef>
+          <a:fillRef idx="1">
+            <a:schemeClr val="accent1"/>
+          </a:fillRef>
+          <a:effectRef idx="0">
+            <a:schemeClr val="accent1"/>
+          </a:effectRef>
+          <a:fontRef idx="minor">
+            <a:schemeClr val="lt1"/>
+          </a:fontRef>
+        </p:style>
+        <p:txBody>
+          <a:bodyPr rtlCol="0" anchor="ctr"/>
+          <a:lstStyle/>
+          <a:p>
+            <a:pPr algn="ctr"/>
+            <a:endParaRPr lang="en-GB" dirty="0"/>
+          </a:p>
+        </p:txBody>
+      </p:sp>
+      <p:cxnSp>
+        <p:nvCxnSpPr>
+          <p:cNvPr id="9" name="Straight Arrow Connector 8">
+            <a:extLst>
+              <a:ext uri="{FF2B5EF4-FFF2-40B4-BE49-F238E27FC236}">
+                <a16:creationId xmlns:a16="http://schemas.microsoft.com/office/drawing/2014/main" id="{10F90946-0ED5-49B9-847A-37ABD22E2D9A}"/>
+              </a:ext>
+            </a:extLst>
+          </p:cNvPr>
+          <p:cNvCxnSpPr>
+            <a:stCxn id="8" idx="3"/>
+          </p:cNvCxnSpPr>
+          <p:nvPr/>
+        </p:nvCxnSpPr>
+        <p:spPr>
+          <a:xfrm flipV="1">
+            <a:off x="2802295" y="5778756"/>
+            <a:ext cx="718458" cy="2154"/>
+          </a:xfrm>
+          <a:prstGeom prst="straightConnector1">
+            <a:avLst/>
+          </a:prstGeom>
+          <a:ln>
+            <a:tailEnd type="triangle"/>
+          </a:ln>
+        </p:spPr>
+        <p:style>
+          <a:lnRef idx="1">
+            <a:schemeClr val="accent1"/>
+          </a:lnRef>
+          <a:fillRef idx="0">
+            <a:schemeClr val="accent1"/>
+          </a:fillRef>
+          <a:effectRef idx="0">
+            <a:schemeClr val="accent1"/>
+          </a:effectRef>
+          <a:fontRef idx="minor">
+            <a:schemeClr val="tx1"/>
+          </a:fontRef>
+        </p:style>
+      </p:cxnSp>
+      <p:sp>
+        <p:nvSpPr>
+          <p:cNvPr id="10" name="TextBox 9">
+            <a:extLst>
+              <a:ext uri="{FF2B5EF4-FFF2-40B4-BE49-F238E27FC236}">
+                <a16:creationId xmlns:a16="http://schemas.microsoft.com/office/drawing/2014/main" id="{34457FBB-87DB-440E-AABE-929972E21F27}"/>
+              </a:ext>
+            </a:extLst>
+          </p:cNvPr>
+          <p:cNvSpPr txBox="1"/>
+          <p:nvPr/>
+        </p:nvSpPr>
+        <p:spPr>
+          <a:xfrm>
+            <a:off x="1831912" y="5491661"/>
+            <a:ext cx="925284" cy="646331"/>
+          </a:xfrm>
+          <a:prstGeom prst="rect">
+            <a:avLst/>
+          </a:prstGeom>
+          <a:noFill/>
+        </p:spPr>
+        <p:txBody>
+          <a:bodyPr wrap="square" rtlCol="0">
+            <a:spAutoFit/>
+          </a:bodyPr>
+          <a:lstStyle/>
+          <a:p>
+            <a:r>
+              <a:rPr lang="en-GB" dirty="0"/>
+              <a:t>Quality trim</a:t>
+            </a:r>
+          </a:p>
+        </p:txBody>
+      </p:sp>
+      <p:sp>
+        <p:nvSpPr>
+          <p:cNvPr id="11" name="Rectangle 10">
+            <a:extLst>
+              <a:ext uri="{FF2B5EF4-FFF2-40B4-BE49-F238E27FC236}">
+                <a16:creationId xmlns:a16="http://schemas.microsoft.com/office/drawing/2014/main" id="{07380F61-31A7-4EC8-B256-961342BFBB84}"/>
+              </a:ext>
+            </a:extLst>
+          </p:cNvPr>
+          <p:cNvSpPr/>
+          <p:nvPr/>
+        </p:nvSpPr>
+        <p:spPr>
+          <a:xfrm>
+            <a:off x="3558073" y="5470844"/>
+            <a:ext cx="989045" cy="601467"/>
+          </a:xfrm>
+          <a:prstGeom prst="rect">
+            <a:avLst/>
+          </a:prstGeom>
+          <a:noFill/>
+        </p:spPr>
+        <p:style>
+          <a:lnRef idx="2">
+            <a:schemeClr val="accent1">
+              <a:shade val="50000"/>
+            </a:schemeClr>
+          </a:lnRef>
+          <a:fillRef idx="1">
+            <a:schemeClr val="accent1"/>
+          </a:fillRef>
+          <a:effectRef idx="0">
+            <a:schemeClr val="accent1"/>
+          </a:effectRef>
+          <a:fontRef idx="minor">
+            <a:schemeClr val="lt1"/>
+          </a:fontRef>
+        </p:style>
+        <p:txBody>
+          <a:bodyPr rtlCol="0" anchor="ctr"/>
+          <a:lstStyle/>
+          <a:p>
+            <a:pPr algn="ctr"/>
+            <a:endParaRPr lang="en-GB" dirty="0"/>
+          </a:p>
+        </p:txBody>
+      </p:sp>
+      <p:cxnSp>
+        <p:nvCxnSpPr>
+          <p:cNvPr id="12" name="Straight Arrow Connector 11">
+            <a:extLst>
+              <a:ext uri="{FF2B5EF4-FFF2-40B4-BE49-F238E27FC236}">
+                <a16:creationId xmlns:a16="http://schemas.microsoft.com/office/drawing/2014/main" id="{BABB8E3B-20A9-417A-B595-3A4A532ED13C}"/>
+              </a:ext>
+            </a:extLst>
+          </p:cNvPr>
+          <p:cNvCxnSpPr>
+            <a:stCxn id="11" idx="3"/>
+          </p:cNvCxnSpPr>
+          <p:nvPr/>
+        </p:nvCxnSpPr>
+        <p:spPr>
+          <a:xfrm flipV="1">
+            <a:off x="4547118" y="5769424"/>
+            <a:ext cx="718458" cy="2154"/>
+          </a:xfrm>
+          <a:prstGeom prst="straightConnector1">
+            <a:avLst/>
+          </a:prstGeom>
+          <a:ln>
+            <a:tailEnd type="triangle"/>
+          </a:ln>
+        </p:spPr>
+        <p:style>
+          <a:lnRef idx="1">
+            <a:schemeClr val="accent1"/>
+          </a:lnRef>
+          <a:fillRef idx="0">
+            <a:schemeClr val="accent1"/>
+          </a:fillRef>
+          <a:effectRef idx="0">
+            <a:schemeClr val="accent1"/>
+          </a:effectRef>
+          <a:fontRef idx="minor">
+            <a:schemeClr val="tx1"/>
+          </a:fontRef>
+        </p:style>
+      </p:cxnSp>
+      <p:sp>
+        <p:nvSpPr>
+          <p:cNvPr id="13" name="TextBox 12">
+            <a:extLst>
+              <a:ext uri="{FF2B5EF4-FFF2-40B4-BE49-F238E27FC236}">
+                <a16:creationId xmlns:a16="http://schemas.microsoft.com/office/drawing/2014/main" id="{86512BE6-0E48-4AEE-82CE-C5DF4DB42099}"/>
+              </a:ext>
+            </a:extLst>
+          </p:cNvPr>
+          <p:cNvSpPr txBox="1"/>
+          <p:nvPr/>
+        </p:nvSpPr>
+        <p:spPr>
+          <a:xfrm>
+            <a:off x="3576735" y="5482329"/>
+            <a:ext cx="925284" cy="646331"/>
+          </a:xfrm>
+          <a:prstGeom prst="rect">
+            <a:avLst/>
+          </a:prstGeom>
+          <a:noFill/>
+        </p:spPr>
+        <p:txBody>
+          <a:bodyPr wrap="square" rtlCol="0">
+            <a:spAutoFit/>
+          </a:bodyPr>
+          <a:lstStyle/>
+          <a:p>
+            <a:r>
+              <a:rPr lang="en-GB" dirty="0"/>
+              <a:t>Quality control</a:t>
+            </a:r>
+          </a:p>
+        </p:txBody>
+      </p:sp>
+      <p:sp>
+        <p:nvSpPr>
+          <p:cNvPr id="14" name="Rectangle 13">
+            <a:extLst>
+              <a:ext uri="{FF2B5EF4-FFF2-40B4-BE49-F238E27FC236}">
+                <a16:creationId xmlns:a16="http://schemas.microsoft.com/office/drawing/2014/main" id="{F17446BA-2BB3-4ED1-B0BE-E956553F7117}"/>
+              </a:ext>
+            </a:extLst>
+          </p:cNvPr>
+          <p:cNvSpPr/>
+          <p:nvPr/>
+        </p:nvSpPr>
+        <p:spPr>
+          <a:xfrm>
+            <a:off x="5274908" y="5452183"/>
+            <a:ext cx="1331165" cy="1336195"/>
+          </a:xfrm>
+          <a:prstGeom prst="rect">
+            <a:avLst/>
+          </a:prstGeom>
+          <a:noFill/>
+        </p:spPr>
+        <p:style>
+          <a:lnRef idx="2">
+            <a:schemeClr val="accent1">
+              <a:shade val="50000"/>
+            </a:schemeClr>
+          </a:lnRef>
+          <a:fillRef idx="1">
+            <a:schemeClr val="accent1"/>
+          </a:fillRef>
+          <a:effectRef idx="0">
+            <a:schemeClr val="accent1"/>
+          </a:effectRef>
+          <a:fontRef idx="minor">
+            <a:schemeClr val="lt1"/>
+          </a:fontRef>
+        </p:style>
+        <p:txBody>
+          <a:bodyPr rtlCol="0" anchor="ctr"/>
+          <a:lstStyle/>
+          <a:p>
+            <a:pPr algn="ctr"/>
+            <a:endParaRPr lang="en-GB" dirty="0"/>
+          </a:p>
+        </p:txBody>
+      </p:sp>
+      <p:sp>
+        <p:nvSpPr>
+          <p:cNvPr id="15" name="TextBox 14">
+            <a:extLst>
+              <a:ext uri="{FF2B5EF4-FFF2-40B4-BE49-F238E27FC236}">
+                <a16:creationId xmlns:a16="http://schemas.microsoft.com/office/drawing/2014/main" id="{79EE999B-47FC-45FA-918B-3EBC1718F83D}"/>
+              </a:ext>
+            </a:extLst>
+          </p:cNvPr>
+          <p:cNvSpPr txBox="1"/>
+          <p:nvPr/>
+        </p:nvSpPr>
+        <p:spPr>
+          <a:xfrm>
+            <a:off x="5274907" y="5491661"/>
+            <a:ext cx="1424473" cy="1107996"/>
+          </a:xfrm>
+          <a:prstGeom prst="rect">
+            <a:avLst/>
+          </a:prstGeom>
+          <a:noFill/>
+        </p:spPr>
+        <p:txBody>
+          <a:bodyPr wrap="square" rtlCol="0">
+            <a:spAutoFit/>
+          </a:bodyPr>
+          <a:lstStyle/>
+          <a:p>
+            <a:r>
+              <a:rPr lang="en-GB" dirty="0"/>
+              <a:t>Assemble </a:t>
+            </a:r>
+            <a:r>
+              <a:rPr lang="en-GB" sz="1600" dirty="0"/>
+              <a:t>(different </a:t>
+            </a:r>
+            <a:r>
+              <a:rPr lang="en-GB" sz="1600" dirty="0" err="1"/>
+              <a:t>kmers</a:t>
+            </a:r>
+            <a:r>
+              <a:rPr lang="en-GB" sz="1600" dirty="0"/>
+              <a:t>, different tools)</a:t>
+            </a:r>
+            <a:endParaRPr lang="en-GB" dirty="0"/>
+          </a:p>
+        </p:txBody>
+      </p:sp>
+      <p:cxnSp>
+        <p:nvCxnSpPr>
+          <p:cNvPr id="16" name="Straight Arrow Connector 15">
+            <a:extLst>
+              <a:ext uri="{FF2B5EF4-FFF2-40B4-BE49-F238E27FC236}">
+                <a16:creationId xmlns:a16="http://schemas.microsoft.com/office/drawing/2014/main" id="{CD99B482-FBB7-4546-ABE8-D06019A61D38}"/>
+              </a:ext>
+            </a:extLst>
+          </p:cNvPr>
+          <p:cNvCxnSpPr/>
+          <p:nvPr/>
+        </p:nvCxnSpPr>
+        <p:spPr>
+          <a:xfrm flipV="1">
+            <a:off x="6627848" y="5769424"/>
+            <a:ext cx="718458" cy="2154"/>
+          </a:xfrm>
+          <a:prstGeom prst="straightConnector1">
+            <a:avLst/>
+          </a:prstGeom>
+          <a:ln>
+            <a:tailEnd type="triangle"/>
+          </a:ln>
+        </p:spPr>
+        <p:style>
+          <a:lnRef idx="1">
+            <a:schemeClr val="accent1"/>
+          </a:lnRef>
+          <a:fillRef idx="0">
+            <a:schemeClr val="accent1"/>
+          </a:fillRef>
+          <a:effectRef idx="0">
+            <a:schemeClr val="accent1"/>
+          </a:effectRef>
+          <a:fontRef idx="minor">
+            <a:schemeClr val="tx1"/>
+          </a:fontRef>
+        </p:style>
+      </p:cxnSp>
+      <p:sp>
+        <p:nvSpPr>
+          <p:cNvPr id="17" name="Rectangle 16">
+            <a:extLst>
+              <a:ext uri="{FF2B5EF4-FFF2-40B4-BE49-F238E27FC236}">
+                <a16:creationId xmlns:a16="http://schemas.microsoft.com/office/drawing/2014/main" id="{FBB3767F-6976-4250-810B-36152B404336}"/>
+              </a:ext>
+            </a:extLst>
+          </p:cNvPr>
+          <p:cNvSpPr/>
+          <p:nvPr/>
+        </p:nvSpPr>
+        <p:spPr>
+          <a:xfrm>
+            <a:off x="7327644" y="5459659"/>
+            <a:ext cx="989045" cy="601467"/>
+          </a:xfrm>
+          <a:prstGeom prst="rect">
+            <a:avLst/>
+          </a:prstGeom>
+          <a:noFill/>
+        </p:spPr>
+        <p:style>
+          <a:lnRef idx="2">
+            <a:schemeClr val="accent1">
+              <a:shade val="50000"/>
+            </a:schemeClr>
+          </a:lnRef>
+          <a:fillRef idx="1">
+            <a:schemeClr val="accent1"/>
+          </a:fillRef>
+          <a:effectRef idx="0">
+            <a:schemeClr val="accent1"/>
+          </a:effectRef>
+          <a:fontRef idx="minor">
+            <a:schemeClr val="lt1"/>
+          </a:fontRef>
+        </p:style>
+        <p:txBody>
+          <a:bodyPr rtlCol="0" anchor="ctr"/>
+          <a:lstStyle/>
+          <a:p>
+            <a:pPr algn="ctr"/>
+            <a:endParaRPr lang="en-GB" dirty="0"/>
+          </a:p>
+        </p:txBody>
+      </p:sp>
+      <p:cxnSp>
+        <p:nvCxnSpPr>
+          <p:cNvPr id="18" name="Straight Arrow Connector 17">
+            <a:extLst>
+              <a:ext uri="{FF2B5EF4-FFF2-40B4-BE49-F238E27FC236}">
+                <a16:creationId xmlns:a16="http://schemas.microsoft.com/office/drawing/2014/main" id="{535365D5-48C4-4405-AA67-BE25B71FF45F}"/>
+              </a:ext>
+            </a:extLst>
+          </p:cNvPr>
+          <p:cNvCxnSpPr>
+            <a:stCxn id="17" idx="3"/>
+          </p:cNvCxnSpPr>
+          <p:nvPr/>
+        </p:nvCxnSpPr>
+        <p:spPr>
+          <a:xfrm flipV="1">
+            <a:off x="8316689" y="5758239"/>
+            <a:ext cx="718458" cy="2154"/>
+          </a:xfrm>
+          <a:prstGeom prst="straightConnector1">
+            <a:avLst/>
+          </a:prstGeom>
+          <a:ln>
+            <a:tailEnd type="triangle"/>
+          </a:ln>
+        </p:spPr>
+        <p:style>
+          <a:lnRef idx="1">
+            <a:schemeClr val="accent1"/>
+          </a:lnRef>
+          <a:fillRef idx="0">
+            <a:schemeClr val="accent1"/>
+          </a:fillRef>
+          <a:effectRef idx="0">
+            <a:schemeClr val="accent1"/>
+          </a:effectRef>
+          <a:fontRef idx="minor">
+            <a:schemeClr val="tx1"/>
+          </a:fontRef>
+        </p:style>
+      </p:cxnSp>
+      <p:sp>
+        <p:nvSpPr>
+          <p:cNvPr id="19" name="TextBox 18">
+            <a:extLst>
+              <a:ext uri="{FF2B5EF4-FFF2-40B4-BE49-F238E27FC236}">
+                <a16:creationId xmlns:a16="http://schemas.microsoft.com/office/drawing/2014/main" id="{CDB64C45-2906-43DF-871A-94BB47D372E7}"/>
+              </a:ext>
+            </a:extLst>
+          </p:cNvPr>
+          <p:cNvSpPr txBox="1"/>
+          <p:nvPr/>
+        </p:nvSpPr>
+        <p:spPr>
+          <a:xfrm>
+            <a:off x="7346306" y="5471144"/>
+            <a:ext cx="925284" cy="646331"/>
+          </a:xfrm>
+          <a:prstGeom prst="rect">
+            <a:avLst/>
+          </a:prstGeom>
+          <a:noFill/>
+        </p:spPr>
+        <p:txBody>
+          <a:bodyPr wrap="square" rtlCol="0">
+            <a:spAutoFit/>
+          </a:bodyPr>
+          <a:lstStyle/>
+          <a:p>
+            <a:r>
+              <a:rPr lang="en-GB" b="1" dirty="0">
                 <a:highlight>
                   <a:srgbClr val="FFFF00"/>
                 </a:highlight>
               </a:rPr>
-              <a:t>PROKKA_11122018.faa  PROKKA_11122018.fna  </a:t>
-            </a:r>
+              <a:t>Predict genes</a:t>
+            </a:r>
+          </a:p>
+        </p:txBody>
+      </p:sp>
+      <p:sp>
+        <p:nvSpPr>
+          <p:cNvPr id="20" name="Rectangle 19">
+            <a:extLst>
+              <a:ext uri="{FF2B5EF4-FFF2-40B4-BE49-F238E27FC236}">
+                <a16:creationId xmlns:a16="http://schemas.microsoft.com/office/drawing/2014/main" id="{293150DA-E814-47DD-AAE6-AF0C9A0DD23F}"/>
+              </a:ext>
+            </a:extLst>
+          </p:cNvPr>
+          <p:cNvSpPr/>
+          <p:nvPr/>
+        </p:nvSpPr>
+        <p:spPr>
+          <a:xfrm>
+            <a:off x="9035147" y="5452183"/>
+            <a:ext cx="989045" cy="1327579"/>
+          </a:xfrm>
+          <a:prstGeom prst="rect">
+            <a:avLst/>
+          </a:prstGeom>
+          <a:noFill/>
+        </p:spPr>
+        <p:style>
+          <a:lnRef idx="2">
+            <a:schemeClr val="accent1">
+              <a:shade val="50000"/>
+            </a:schemeClr>
+          </a:lnRef>
+          <a:fillRef idx="1">
+            <a:schemeClr val="accent1"/>
+          </a:fillRef>
+          <a:effectRef idx="0">
+            <a:schemeClr val="accent1"/>
+          </a:effectRef>
+          <a:fontRef idx="minor">
+            <a:schemeClr val="lt1"/>
+          </a:fontRef>
+        </p:style>
+        <p:txBody>
+          <a:bodyPr rtlCol="0" anchor="ctr"/>
+          <a:lstStyle/>
+          <a:p>
+            <a:pPr algn="ctr"/>
+            <a:endParaRPr lang="en-GB" dirty="0"/>
+          </a:p>
+        </p:txBody>
+      </p:sp>
+      <p:sp>
+        <p:nvSpPr>
+          <p:cNvPr id="21" name="TextBox 20">
+            <a:extLst>
+              <a:ext uri="{FF2B5EF4-FFF2-40B4-BE49-F238E27FC236}">
+                <a16:creationId xmlns:a16="http://schemas.microsoft.com/office/drawing/2014/main" id="{94B830B4-1078-4902-B4C7-A3F53CE77EA4}"/>
+              </a:ext>
+            </a:extLst>
+          </p:cNvPr>
+          <p:cNvSpPr txBox="1"/>
+          <p:nvPr/>
+        </p:nvSpPr>
+        <p:spPr>
+          <a:xfrm>
+            <a:off x="9186770" y="5515807"/>
+            <a:ext cx="925284" cy="1200329"/>
+          </a:xfrm>
+          <a:prstGeom prst="rect">
+            <a:avLst/>
+          </a:prstGeom>
+          <a:noFill/>
+        </p:spPr>
+        <p:txBody>
+          <a:bodyPr wrap="square" rtlCol="0">
+            <a:spAutoFit/>
+          </a:bodyPr>
+          <a:lstStyle/>
+          <a:p>
+            <a:r>
+              <a:rPr lang="en-GB" sz="1200" dirty="0"/>
+              <a:t>Draw a genome diagram with the genes marked</a:t>
+            </a:r>
+          </a:p>
+        </p:txBody>
+      </p:sp>
+      <p:cxnSp>
+        <p:nvCxnSpPr>
+          <p:cNvPr id="22" name="Connector: Elbow 21">
+            <a:extLst>
+              <a:ext uri="{FF2B5EF4-FFF2-40B4-BE49-F238E27FC236}">
+                <a16:creationId xmlns:a16="http://schemas.microsoft.com/office/drawing/2014/main" id="{C6B23079-61EA-40FE-9E63-F0934ECA9354}"/>
+              </a:ext>
+            </a:extLst>
+          </p:cNvPr>
+          <p:cNvCxnSpPr>
+            <a:cxnSpLocks/>
+          </p:cNvCxnSpPr>
+          <p:nvPr/>
+        </p:nvCxnSpPr>
+        <p:spPr>
+          <a:xfrm flipV="1">
+            <a:off x="5987143" y="4516016"/>
+            <a:ext cx="2802294" cy="879820"/>
+          </a:xfrm>
+          <a:prstGeom prst="bentConnector3">
+            <a:avLst>
+              <a:gd name="adj1" fmla="val -943"/>
+            </a:avLst>
+          </a:prstGeom>
+          <a:ln>
+            <a:tailEnd type="triangle"/>
+          </a:ln>
+        </p:spPr>
+        <p:style>
+          <a:lnRef idx="1">
+            <a:schemeClr val="accent1"/>
+          </a:lnRef>
+          <a:fillRef idx="0">
+            <a:schemeClr val="accent1"/>
+          </a:fillRef>
+          <a:effectRef idx="0">
+            <a:schemeClr val="accent1"/>
+          </a:effectRef>
+          <a:fontRef idx="minor">
+            <a:schemeClr val="tx1"/>
+          </a:fontRef>
+        </p:style>
+      </p:cxnSp>
+      <p:sp>
+        <p:nvSpPr>
+          <p:cNvPr id="23" name="Rectangle 22">
+            <a:extLst>
+              <a:ext uri="{FF2B5EF4-FFF2-40B4-BE49-F238E27FC236}">
+                <a16:creationId xmlns:a16="http://schemas.microsoft.com/office/drawing/2014/main" id="{81F61248-4693-4A20-B190-0D5586A676B5}"/>
+              </a:ext>
+            </a:extLst>
+          </p:cNvPr>
+          <p:cNvSpPr/>
+          <p:nvPr/>
+        </p:nvSpPr>
+        <p:spPr>
+          <a:xfrm>
+            <a:off x="8789435" y="4231775"/>
+            <a:ext cx="989045" cy="601467"/>
+          </a:xfrm>
+          <a:prstGeom prst="rect">
+            <a:avLst/>
+          </a:prstGeom>
+          <a:noFill/>
+        </p:spPr>
+        <p:style>
+          <a:lnRef idx="2">
+            <a:schemeClr val="accent1">
+              <a:shade val="50000"/>
+            </a:schemeClr>
+          </a:lnRef>
+          <a:fillRef idx="1">
+            <a:schemeClr val="accent1"/>
+          </a:fillRef>
+          <a:effectRef idx="0">
+            <a:schemeClr val="accent1"/>
+          </a:effectRef>
+          <a:fontRef idx="minor">
+            <a:schemeClr val="lt1"/>
+          </a:fontRef>
+        </p:style>
+        <p:txBody>
+          <a:bodyPr rtlCol="0" anchor="ctr"/>
+          <a:lstStyle/>
+          <a:p>
+            <a:pPr algn="ctr"/>
+            <a:endParaRPr lang="en-GB" dirty="0"/>
+          </a:p>
+        </p:txBody>
+      </p:sp>
+      <p:sp>
+        <p:nvSpPr>
+          <p:cNvPr id="24" name="TextBox 23">
+            <a:extLst>
+              <a:ext uri="{FF2B5EF4-FFF2-40B4-BE49-F238E27FC236}">
+                <a16:creationId xmlns:a16="http://schemas.microsoft.com/office/drawing/2014/main" id="{4DE2FA0B-6677-4EC5-B8AA-6B491F331B5F}"/>
+              </a:ext>
+            </a:extLst>
+          </p:cNvPr>
+          <p:cNvSpPr txBox="1"/>
+          <p:nvPr/>
+        </p:nvSpPr>
+        <p:spPr>
+          <a:xfrm>
+            <a:off x="8808097" y="4243260"/>
+            <a:ext cx="925284" cy="646331"/>
+          </a:xfrm>
+          <a:prstGeom prst="rect">
+            <a:avLst/>
+          </a:prstGeom>
+          <a:noFill/>
+        </p:spPr>
+        <p:txBody>
+          <a:bodyPr wrap="square" rtlCol="0">
+            <a:spAutoFit/>
+          </a:bodyPr>
+          <a:lstStyle/>
+          <a:p>
             <a:r>
               <a:rPr lang="en-GB" dirty="0"/>
-              <a:t>PROKKA_11122018.gbk  PROKKA_11122018.log  PROKKA_11122018.tbl  PROKKA_11122018.txt</a:t>
-            </a:r>
-          </a:p>
-          <a:p>
-            <a:r>
-              <a:rPr lang="en-GB" dirty="0"/>
-              <a:t>…….</a:t>
-            </a:r>
-          </a:p>
-          <a:p>
-            <a:endParaRPr lang="en-GB" dirty="0"/>
+              <a:t>BLAST: identify</a:t>
+            </a:r>
           </a:p>
         </p:txBody>
       </p:sp>
     </p:spTree>
     <p:extLst>
       <p:ext uri="{BB962C8B-B14F-4D97-AF65-F5344CB8AC3E}">
-        <p14:creationId xmlns:p14="http://schemas.microsoft.com/office/powerpoint/2010/main" val="1471244480"/>
+        <p14:creationId xmlns:p14="http://schemas.microsoft.com/office/powerpoint/2010/main" val="929082678"/>
       </p:ext>
     </p:extLst>
   </p:cSld>
@@ -10372,7 +10516,7 @@
                   <a:srgbClr val="7030A0"/>
                 </a:solidFill>
               </a:rPr>
-              <a:t> output: Draw it!!</a:t>
+              <a:t> output</a:t>
             </a:r>
           </a:p>
         </p:txBody>
@@ -10395,8 +10539,8 @@
         </p:nvSpPr>
         <p:spPr>
           <a:xfrm>
-            <a:off x="164868" y="1351799"/>
-            <a:ext cx="11244811" cy="4351338"/>
+            <a:off x="164869" y="1351799"/>
+            <a:ext cx="10515600" cy="4351338"/>
           </a:xfrm>
         </p:spPr>
         <p:txBody>
@@ -10405,994 +10549,50 @@
           <a:p>
             <a:r>
               <a:rPr lang="en-GB" dirty="0"/>
-              <a:t>cd $HOME/</a:t>
-            </a:r>
-            <a:r>
-              <a:rPr lang="en-GB" dirty="0" err="1"/>
-              <a:t>genome_assembly_workshop</a:t>
-            </a:r>
-            <a:r>
-              <a:rPr lang="en-GB" dirty="0"/>
-              <a:t>/</a:t>
-            </a:r>
-            <a:r>
-              <a:rPr lang="en-GB" dirty="0" err="1"/>
-              <a:t>unicycler_prerun</a:t>
-            </a:r>
-            <a:endParaRPr lang="en-GB" dirty="0"/>
-          </a:p>
-          <a:p>
-            <a:pPr marL="0" indent="0">
-              <a:buNone/>
-            </a:pPr>
-            <a:r>
-              <a:rPr lang="en-GB" sz="2400" dirty="0">
-                <a:solidFill>
-                  <a:srgbClr val="FF0000"/>
-                </a:solidFill>
-              </a:rPr>
-              <a:t> 	</a:t>
-            </a:r>
-            <a:r>
-              <a:rPr lang="en-GB" sz="2400" dirty="0" err="1">
-                <a:solidFill>
-                  <a:srgbClr val="FF0000"/>
-                </a:solidFill>
-              </a:rPr>
-              <a:t>conda</a:t>
-            </a:r>
-            <a:r>
-              <a:rPr lang="en-GB" sz="2400" dirty="0">
-                <a:solidFill>
-                  <a:srgbClr val="FF0000"/>
-                </a:solidFill>
-              </a:rPr>
-              <a:t> activate python36</a:t>
-            </a:r>
-          </a:p>
-          <a:p>
-            <a:pPr marL="0" indent="0">
-              <a:buNone/>
-            </a:pPr>
-            <a:r>
-              <a:rPr lang="en-GB" sz="2400" dirty="0">
-                <a:solidFill>
-                  <a:srgbClr val="FF0000"/>
-                </a:solidFill>
-              </a:rPr>
-              <a:t> 	 /shelf/apps/pjt6/</a:t>
-            </a:r>
-            <a:r>
-              <a:rPr lang="en-GB" sz="2400" dirty="0" err="1">
-                <a:solidFill>
-                  <a:srgbClr val="FF0000"/>
-                </a:solidFill>
-              </a:rPr>
-              <a:t>conda</a:t>
-            </a:r>
-            <a:r>
-              <a:rPr lang="en-GB" sz="2400" dirty="0">
-                <a:solidFill>
-                  <a:srgbClr val="FF0000"/>
-                </a:solidFill>
-              </a:rPr>
-              <a:t>/</a:t>
-            </a:r>
-            <a:r>
-              <a:rPr lang="en-GB" sz="2400" dirty="0" err="1">
-                <a:solidFill>
-                  <a:srgbClr val="FF0000"/>
-                </a:solidFill>
-              </a:rPr>
-              <a:t>envs</a:t>
-            </a:r>
-            <a:r>
-              <a:rPr lang="en-GB" sz="2400" dirty="0">
-                <a:solidFill>
-                  <a:srgbClr val="FF0000"/>
-                </a:solidFill>
-              </a:rPr>
-              <a:t>/python36/bin/python Genome_diagram.py</a:t>
-            </a:r>
-          </a:p>
-          <a:p>
-            <a:pPr marL="0" indent="0">
-              <a:buNone/>
-            </a:pPr>
+              <a:t>PROKKA_11122018.err  PROKKA_11122018.ffn  PROKKA_11122018.fsa  </a:t>
+            </a:r>
             <a:r>
               <a:rPr lang="en-GB" dirty="0">
-                <a:solidFill>
-                  <a:srgbClr val="FF0000"/>
-                </a:solidFill>
-              </a:rPr>
-              <a:t>	</a:t>
-            </a:r>
-            <a:r>
-              <a:rPr lang="en-GB" dirty="0" err="1">
-                <a:solidFill>
-                  <a:srgbClr val="FF0000"/>
-                </a:solidFill>
-              </a:rPr>
-              <a:t>conda</a:t>
-            </a:r>
-            <a:r>
-              <a:rPr lang="en-GB" dirty="0">
-                <a:solidFill>
-                  <a:srgbClr val="FF0000"/>
-                </a:solidFill>
-              </a:rPr>
-              <a:t> deactivate</a:t>
-            </a:r>
-          </a:p>
-          <a:p>
-            <a:pPr marL="0" indent="0">
-              <a:buNone/>
-            </a:pPr>
-            <a:endParaRPr lang="en-GB" dirty="0">
-              <a:solidFill>
-                <a:srgbClr val="FF0000"/>
-              </a:solidFill>
-            </a:endParaRPr>
-          </a:p>
-          <a:p>
-            <a:pPr marL="0" indent="0">
-              <a:buNone/>
-            </a:pPr>
-            <a:r>
-              <a:rPr lang="en-GB" dirty="0"/>
-              <a:t>Download and look at the pdf files. Lovely right </a:t>
-            </a:r>
-            <a:r>
-              <a:rPr lang="en-GB" dirty="0">
-                <a:sym typeface="Wingdings" panose="05000000000000000000" pitchFamily="2" charset="2"/>
-              </a:rPr>
-              <a:t> </a:t>
-            </a:r>
-            <a:endParaRPr lang="en-GB" dirty="0"/>
-          </a:p>
-        </p:txBody>
-      </p:sp>
-      <p:sp>
-        <p:nvSpPr>
-          <p:cNvPr id="4" name="Rectangle 3">
-            <a:extLst>
-              <a:ext uri="{FF2B5EF4-FFF2-40B4-BE49-F238E27FC236}">
-                <a16:creationId xmlns:a16="http://schemas.microsoft.com/office/drawing/2014/main" id="{AE88182B-2F97-4082-967F-707721CF0F7D}"/>
-              </a:ext>
-            </a:extLst>
-          </p:cNvPr>
-          <p:cNvSpPr/>
-          <p:nvPr/>
-        </p:nvSpPr>
-        <p:spPr>
-          <a:xfrm>
-            <a:off x="111967" y="5495730"/>
-            <a:ext cx="989045" cy="601467"/>
-          </a:xfrm>
-          <a:prstGeom prst="rect">
-            <a:avLst/>
-          </a:prstGeom>
-          <a:noFill/>
-        </p:spPr>
-        <p:style>
-          <a:lnRef idx="2">
-            <a:schemeClr val="accent1">
-              <a:shade val="50000"/>
-            </a:schemeClr>
-          </a:lnRef>
-          <a:fillRef idx="1">
-            <a:schemeClr val="accent1"/>
-          </a:fillRef>
-          <a:effectRef idx="0">
-            <a:schemeClr val="accent1"/>
-          </a:effectRef>
-          <a:fontRef idx="minor">
-            <a:schemeClr val="lt1"/>
-          </a:fontRef>
-        </p:style>
-        <p:txBody>
-          <a:bodyPr rtlCol="0" anchor="ctr"/>
-          <a:lstStyle/>
-          <a:p>
-            <a:pPr algn="ctr"/>
-            <a:endParaRPr lang="en-GB" dirty="0"/>
-          </a:p>
-        </p:txBody>
-      </p:sp>
-      <p:cxnSp>
-        <p:nvCxnSpPr>
-          <p:cNvPr id="5" name="Straight Arrow Connector 4">
-            <a:extLst>
-              <a:ext uri="{FF2B5EF4-FFF2-40B4-BE49-F238E27FC236}">
-                <a16:creationId xmlns:a16="http://schemas.microsoft.com/office/drawing/2014/main" id="{AEA1C3EB-D2FF-4142-9A49-E4BDEEED2385}"/>
-              </a:ext>
-            </a:extLst>
-          </p:cNvPr>
-          <p:cNvCxnSpPr>
-            <a:stCxn id="4" idx="3"/>
-          </p:cNvCxnSpPr>
-          <p:nvPr/>
-        </p:nvCxnSpPr>
-        <p:spPr>
-          <a:xfrm flipV="1">
-            <a:off x="1101012" y="5794310"/>
-            <a:ext cx="718458" cy="2154"/>
-          </a:xfrm>
-          <a:prstGeom prst="straightConnector1">
-            <a:avLst/>
-          </a:prstGeom>
-          <a:ln>
-            <a:tailEnd type="triangle"/>
-          </a:ln>
-        </p:spPr>
-        <p:style>
-          <a:lnRef idx="1">
-            <a:schemeClr val="accent1"/>
-          </a:lnRef>
-          <a:fillRef idx="0">
-            <a:schemeClr val="accent1"/>
-          </a:fillRef>
-          <a:effectRef idx="0">
-            <a:schemeClr val="accent1"/>
-          </a:effectRef>
-          <a:fontRef idx="minor">
-            <a:schemeClr val="tx1"/>
-          </a:fontRef>
-        </p:style>
-      </p:cxnSp>
-      <p:sp>
-        <p:nvSpPr>
-          <p:cNvPr id="6" name="TextBox 5">
-            <a:extLst>
-              <a:ext uri="{FF2B5EF4-FFF2-40B4-BE49-F238E27FC236}">
-                <a16:creationId xmlns:a16="http://schemas.microsoft.com/office/drawing/2014/main" id="{255D73A5-1C43-4E68-832E-5EE6769B3056}"/>
-              </a:ext>
-            </a:extLst>
-          </p:cNvPr>
-          <p:cNvSpPr txBox="1"/>
-          <p:nvPr/>
-        </p:nvSpPr>
-        <p:spPr>
-          <a:xfrm>
-            <a:off x="130629" y="5507215"/>
-            <a:ext cx="925284" cy="646331"/>
-          </a:xfrm>
-          <a:prstGeom prst="rect">
-            <a:avLst/>
-          </a:prstGeom>
-          <a:noFill/>
-        </p:spPr>
-        <p:txBody>
-          <a:bodyPr wrap="square" rtlCol="0">
-            <a:spAutoFit/>
-          </a:bodyPr>
-          <a:lstStyle/>
-          <a:p>
-            <a:r>
-              <a:rPr lang="en-GB" dirty="0"/>
-              <a:t>Quality control</a:t>
-            </a:r>
-          </a:p>
-        </p:txBody>
-      </p:sp>
-      <p:sp>
-        <p:nvSpPr>
-          <p:cNvPr id="7" name="Rectangle 6">
-            <a:extLst>
-              <a:ext uri="{FF2B5EF4-FFF2-40B4-BE49-F238E27FC236}">
-                <a16:creationId xmlns:a16="http://schemas.microsoft.com/office/drawing/2014/main" id="{3BE0FAFA-CB67-4477-A02D-D1D02F86B859}"/>
-              </a:ext>
-            </a:extLst>
-          </p:cNvPr>
-          <p:cNvSpPr/>
-          <p:nvPr/>
-        </p:nvSpPr>
-        <p:spPr>
-          <a:xfrm>
-            <a:off x="1813250" y="5480176"/>
-            <a:ext cx="989045" cy="601467"/>
-          </a:xfrm>
-          <a:prstGeom prst="rect">
-            <a:avLst/>
-          </a:prstGeom>
-          <a:noFill/>
-        </p:spPr>
-        <p:style>
-          <a:lnRef idx="2">
-            <a:schemeClr val="accent1">
-              <a:shade val="50000"/>
-            </a:schemeClr>
-          </a:lnRef>
-          <a:fillRef idx="1">
-            <a:schemeClr val="accent1"/>
-          </a:fillRef>
-          <a:effectRef idx="0">
-            <a:schemeClr val="accent1"/>
-          </a:effectRef>
-          <a:fontRef idx="minor">
-            <a:schemeClr val="lt1"/>
-          </a:fontRef>
-        </p:style>
-        <p:txBody>
-          <a:bodyPr rtlCol="0" anchor="ctr"/>
-          <a:lstStyle/>
-          <a:p>
-            <a:pPr algn="ctr"/>
-            <a:endParaRPr lang="en-GB" dirty="0"/>
-          </a:p>
-        </p:txBody>
-      </p:sp>
-      <p:cxnSp>
-        <p:nvCxnSpPr>
-          <p:cNvPr id="8" name="Straight Arrow Connector 7">
-            <a:extLst>
-              <a:ext uri="{FF2B5EF4-FFF2-40B4-BE49-F238E27FC236}">
-                <a16:creationId xmlns:a16="http://schemas.microsoft.com/office/drawing/2014/main" id="{2C15DBE7-4A93-4A2C-9141-CFD865B82D6F}"/>
-              </a:ext>
-            </a:extLst>
-          </p:cNvPr>
-          <p:cNvCxnSpPr>
-            <a:stCxn id="7" idx="3"/>
-          </p:cNvCxnSpPr>
-          <p:nvPr/>
-        </p:nvCxnSpPr>
-        <p:spPr>
-          <a:xfrm flipV="1">
-            <a:off x="2802295" y="5778756"/>
-            <a:ext cx="718458" cy="2154"/>
-          </a:xfrm>
-          <a:prstGeom prst="straightConnector1">
-            <a:avLst/>
-          </a:prstGeom>
-          <a:ln>
-            <a:tailEnd type="triangle"/>
-          </a:ln>
-        </p:spPr>
-        <p:style>
-          <a:lnRef idx="1">
-            <a:schemeClr val="accent1"/>
-          </a:lnRef>
-          <a:fillRef idx="0">
-            <a:schemeClr val="accent1"/>
-          </a:fillRef>
-          <a:effectRef idx="0">
-            <a:schemeClr val="accent1"/>
-          </a:effectRef>
-          <a:fontRef idx="minor">
-            <a:schemeClr val="tx1"/>
-          </a:fontRef>
-        </p:style>
-      </p:cxnSp>
-      <p:sp>
-        <p:nvSpPr>
-          <p:cNvPr id="9" name="TextBox 8">
-            <a:extLst>
-              <a:ext uri="{FF2B5EF4-FFF2-40B4-BE49-F238E27FC236}">
-                <a16:creationId xmlns:a16="http://schemas.microsoft.com/office/drawing/2014/main" id="{C37381C0-645D-4DDB-A354-E86C91D6B52D}"/>
-              </a:ext>
-            </a:extLst>
-          </p:cNvPr>
-          <p:cNvSpPr txBox="1"/>
-          <p:nvPr/>
-        </p:nvSpPr>
-        <p:spPr>
-          <a:xfrm>
-            <a:off x="1831912" y="5491661"/>
-            <a:ext cx="925284" cy="646331"/>
-          </a:xfrm>
-          <a:prstGeom prst="rect">
-            <a:avLst/>
-          </a:prstGeom>
-          <a:noFill/>
-        </p:spPr>
-        <p:txBody>
-          <a:bodyPr wrap="square" rtlCol="0">
-            <a:spAutoFit/>
-          </a:bodyPr>
-          <a:lstStyle/>
-          <a:p>
-            <a:r>
-              <a:rPr lang="en-GB" dirty="0"/>
-              <a:t>Quality trim</a:t>
-            </a:r>
-          </a:p>
-        </p:txBody>
-      </p:sp>
-      <p:sp>
-        <p:nvSpPr>
-          <p:cNvPr id="10" name="Rectangle 9">
-            <a:extLst>
-              <a:ext uri="{FF2B5EF4-FFF2-40B4-BE49-F238E27FC236}">
-                <a16:creationId xmlns:a16="http://schemas.microsoft.com/office/drawing/2014/main" id="{DDA8BEFD-D62A-4F77-93AE-95D7B2AC9CC2}"/>
-              </a:ext>
-            </a:extLst>
-          </p:cNvPr>
-          <p:cNvSpPr/>
-          <p:nvPr/>
-        </p:nvSpPr>
-        <p:spPr>
-          <a:xfrm>
-            <a:off x="3558073" y="5470844"/>
-            <a:ext cx="989045" cy="601467"/>
-          </a:xfrm>
-          <a:prstGeom prst="rect">
-            <a:avLst/>
-          </a:prstGeom>
-          <a:noFill/>
-        </p:spPr>
-        <p:style>
-          <a:lnRef idx="2">
-            <a:schemeClr val="accent1">
-              <a:shade val="50000"/>
-            </a:schemeClr>
-          </a:lnRef>
-          <a:fillRef idx="1">
-            <a:schemeClr val="accent1"/>
-          </a:fillRef>
-          <a:effectRef idx="0">
-            <a:schemeClr val="accent1"/>
-          </a:effectRef>
-          <a:fontRef idx="minor">
-            <a:schemeClr val="lt1"/>
-          </a:fontRef>
-        </p:style>
-        <p:txBody>
-          <a:bodyPr rtlCol="0" anchor="ctr"/>
-          <a:lstStyle/>
-          <a:p>
-            <a:pPr algn="ctr"/>
-            <a:endParaRPr lang="en-GB" dirty="0"/>
-          </a:p>
-        </p:txBody>
-      </p:sp>
-      <p:cxnSp>
-        <p:nvCxnSpPr>
-          <p:cNvPr id="11" name="Straight Arrow Connector 10">
-            <a:extLst>
-              <a:ext uri="{FF2B5EF4-FFF2-40B4-BE49-F238E27FC236}">
-                <a16:creationId xmlns:a16="http://schemas.microsoft.com/office/drawing/2014/main" id="{4A75C6D0-BA09-42DB-8EA2-678D0707DB79}"/>
-              </a:ext>
-            </a:extLst>
-          </p:cNvPr>
-          <p:cNvCxnSpPr>
-            <a:stCxn id="10" idx="3"/>
-          </p:cNvCxnSpPr>
-          <p:nvPr/>
-        </p:nvCxnSpPr>
-        <p:spPr>
-          <a:xfrm flipV="1">
-            <a:off x="4547118" y="5769424"/>
-            <a:ext cx="718458" cy="2154"/>
-          </a:xfrm>
-          <a:prstGeom prst="straightConnector1">
-            <a:avLst/>
-          </a:prstGeom>
-          <a:ln>
-            <a:tailEnd type="triangle"/>
-          </a:ln>
-        </p:spPr>
-        <p:style>
-          <a:lnRef idx="1">
-            <a:schemeClr val="accent1"/>
-          </a:lnRef>
-          <a:fillRef idx="0">
-            <a:schemeClr val="accent1"/>
-          </a:fillRef>
-          <a:effectRef idx="0">
-            <a:schemeClr val="accent1"/>
-          </a:effectRef>
-          <a:fontRef idx="minor">
-            <a:schemeClr val="tx1"/>
-          </a:fontRef>
-        </p:style>
-      </p:cxnSp>
-      <p:sp>
-        <p:nvSpPr>
-          <p:cNvPr id="12" name="TextBox 11">
-            <a:extLst>
-              <a:ext uri="{FF2B5EF4-FFF2-40B4-BE49-F238E27FC236}">
-                <a16:creationId xmlns:a16="http://schemas.microsoft.com/office/drawing/2014/main" id="{BC3737DF-C8AD-4133-9839-ADE5301F82F7}"/>
-              </a:ext>
-            </a:extLst>
-          </p:cNvPr>
-          <p:cNvSpPr txBox="1"/>
-          <p:nvPr/>
-        </p:nvSpPr>
-        <p:spPr>
-          <a:xfrm>
-            <a:off x="3576735" y="5482329"/>
-            <a:ext cx="925284" cy="646331"/>
-          </a:xfrm>
-          <a:prstGeom prst="rect">
-            <a:avLst/>
-          </a:prstGeom>
-          <a:noFill/>
-        </p:spPr>
-        <p:txBody>
-          <a:bodyPr wrap="square" rtlCol="0">
-            <a:spAutoFit/>
-          </a:bodyPr>
-          <a:lstStyle/>
-          <a:p>
-            <a:r>
-              <a:rPr lang="en-GB" dirty="0"/>
-              <a:t>Quality control</a:t>
-            </a:r>
-          </a:p>
-        </p:txBody>
-      </p:sp>
-      <p:sp>
-        <p:nvSpPr>
-          <p:cNvPr id="13" name="Rectangle 12">
-            <a:extLst>
-              <a:ext uri="{FF2B5EF4-FFF2-40B4-BE49-F238E27FC236}">
-                <a16:creationId xmlns:a16="http://schemas.microsoft.com/office/drawing/2014/main" id="{BB02B2CD-1CCA-43A1-860D-F06D587E388D}"/>
-              </a:ext>
-            </a:extLst>
-          </p:cNvPr>
-          <p:cNvSpPr/>
-          <p:nvPr/>
-        </p:nvSpPr>
-        <p:spPr>
-          <a:xfrm>
-            <a:off x="5274908" y="5452183"/>
-            <a:ext cx="1331165" cy="1336195"/>
-          </a:xfrm>
-          <a:prstGeom prst="rect">
-            <a:avLst/>
-          </a:prstGeom>
-          <a:noFill/>
-        </p:spPr>
-        <p:style>
-          <a:lnRef idx="2">
-            <a:schemeClr val="accent1">
-              <a:shade val="50000"/>
-            </a:schemeClr>
-          </a:lnRef>
-          <a:fillRef idx="1">
-            <a:schemeClr val="accent1"/>
-          </a:fillRef>
-          <a:effectRef idx="0">
-            <a:schemeClr val="accent1"/>
-          </a:effectRef>
-          <a:fontRef idx="minor">
-            <a:schemeClr val="lt1"/>
-          </a:fontRef>
-        </p:style>
-        <p:txBody>
-          <a:bodyPr rtlCol="0" anchor="ctr"/>
-          <a:lstStyle/>
-          <a:p>
-            <a:pPr algn="ctr"/>
-            <a:endParaRPr lang="en-GB" dirty="0"/>
-          </a:p>
-        </p:txBody>
-      </p:sp>
-      <p:sp>
-        <p:nvSpPr>
-          <p:cNvPr id="14" name="TextBox 13">
-            <a:extLst>
-              <a:ext uri="{FF2B5EF4-FFF2-40B4-BE49-F238E27FC236}">
-                <a16:creationId xmlns:a16="http://schemas.microsoft.com/office/drawing/2014/main" id="{E8157697-4D97-4F16-B782-940AF67B6DA6}"/>
-              </a:ext>
-            </a:extLst>
-          </p:cNvPr>
-          <p:cNvSpPr txBox="1"/>
-          <p:nvPr/>
-        </p:nvSpPr>
-        <p:spPr>
-          <a:xfrm>
-            <a:off x="5274907" y="5491661"/>
-            <a:ext cx="1424473" cy="1107996"/>
-          </a:xfrm>
-          <a:prstGeom prst="rect">
-            <a:avLst/>
-          </a:prstGeom>
-          <a:noFill/>
-        </p:spPr>
-        <p:txBody>
-          <a:bodyPr wrap="square" rtlCol="0">
-            <a:spAutoFit/>
-          </a:bodyPr>
-          <a:lstStyle/>
-          <a:p>
-            <a:r>
-              <a:rPr lang="en-GB" dirty="0"/>
-              <a:t>Assemble </a:t>
-            </a:r>
-            <a:r>
-              <a:rPr lang="en-GB" sz="1600" dirty="0"/>
-              <a:t>(different </a:t>
-            </a:r>
-            <a:r>
-              <a:rPr lang="en-GB" sz="1600" dirty="0" err="1"/>
-              <a:t>kmers</a:t>
-            </a:r>
-            <a:r>
-              <a:rPr lang="en-GB" sz="1600" dirty="0"/>
-              <a:t>, different tools)</a:t>
-            </a:r>
-            <a:endParaRPr lang="en-GB" dirty="0"/>
-          </a:p>
-        </p:txBody>
-      </p:sp>
-      <p:cxnSp>
-        <p:nvCxnSpPr>
-          <p:cNvPr id="15" name="Straight Arrow Connector 14">
-            <a:extLst>
-              <a:ext uri="{FF2B5EF4-FFF2-40B4-BE49-F238E27FC236}">
-                <a16:creationId xmlns:a16="http://schemas.microsoft.com/office/drawing/2014/main" id="{0B586E52-7622-4BCD-8C33-455298AA4F75}"/>
-              </a:ext>
-            </a:extLst>
-          </p:cNvPr>
-          <p:cNvCxnSpPr/>
-          <p:nvPr/>
-        </p:nvCxnSpPr>
-        <p:spPr>
-          <a:xfrm flipV="1">
-            <a:off x="6627848" y="5769424"/>
-            <a:ext cx="718458" cy="2154"/>
-          </a:xfrm>
-          <a:prstGeom prst="straightConnector1">
-            <a:avLst/>
-          </a:prstGeom>
-          <a:ln>
-            <a:tailEnd type="triangle"/>
-          </a:ln>
-        </p:spPr>
-        <p:style>
-          <a:lnRef idx="1">
-            <a:schemeClr val="accent1"/>
-          </a:lnRef>
-          <a:fillRef idx="0">
-            <a:schemeClr val="accent1"/>
-          </a:fillRef>
-          <a:effectRef idx="0">
-            <a:schemeClr val="accent1"/>
-          </a:effectRef>
-          <a:fontRef idx="minor">
-            <a:schemeClr val="tx1"/>
-          </a:fontRef>
-        </p:style>
-      </p:cxnSp>
-      <p:sp>
-        <p:nvSpPr>
-          <p:cNvPr id="16" name="Rectangle 15">
-            <a:extLst>
-              <a:ext uri="{FF2B5EF4-FFF2-40B4-BE49-F238E27FC236}">
-                <a16:creationId xmlns:a16="http://schemas.microsoft.com/office/drawing/2014/main" id="{E0B6AE16-FF72-4EC9-A957-446678463FC2}"/>
-              </a:ext>
-            </a:extLst>
-          </p:cNvPr>
-          <p:cNvSpPr/>
-          <p:nvPr/>
-        </p:nvSpPr>
-        <p:spPr>
-          <a:xfrm>
-            <a:off x="7327644" y="5459659"/>
-            <a:ext cx="989045" cy="601467"/>
-          </a:xfrm>
-          <a:prstGeom prst="rect">
-            <a:avLst/>
-          </a:prstGeom>
-          <a:noFill/>
-        </p:spPr>
-        <p:style>
-          <a:lnRef idx="2">
-            <a:schemeClr val="accent1">
-              <a:shade val="50000"/>
-            </a:schemeClr>
-          </a:lnRef>
-          <a:fillRef idx="1">
-            <a:schemeClr val="accent1"/>
-          </a:fillRef>
-          <a:effectRef idx="0">
-            <a:schemeClr val="accent1"/>
-          </a:effectRef>
-          <a:fontRef idx="minor">
-            <a:schemeClr val="lt1"/>
-          </a:fontRef>
-        </p:style>
-        <p:txBody>
-          <a:bodyPr rtlCol="0" anchor="ctr"/>
-          <a:lstStyle/>
-          <a:p>
-            <a:pPr algn="ctr"/>
-            <a:endParaRPr lang="en-GB" dirty="0"/>
-          </a:p>
-        </p:txBody>
-      </p:sp>
-      <p:cxnSp>
-        <p:nvCxnSpPr>
-          <p:cNvPr id="17" name="Straight Arrow Connector 16">
-            <a:extLst>
-              <a:ext uri="{FF2B5EF4-FFF2-40B4-BE49-F238E27FC236}">
-                <a16:creationId xmlns:a16="http://schemas.microsoft.com/office/drawing/2014/main" id="{880DB847-215B-4806-928B-B28BD1CC1C6E}"/>
-              </a:ext>
-            </a:extLst>
-          </p:cNvPr>
-          <p:cNvCxnSpPr>
-            <a:stCxn id="16" idx="3"/>
-          </p:cNvCxnSpPr>
-          <p:nvPr/>
-        </p:nvCxnSpPr>
-        <p:spPr>
-          <a:xfrm flipV="1">
-            <a:off x="8316689" y="5758239"/>
-            <a:ext cx="718458" cy="2154"/>
-          </a:xfrm>
-          <a:prstGeom prst="straightConnector1">
-            <a:avLst/>
-          </a:prstGeom>
-          <a:ln>
-            <a:tailEnd type="triangle"/>
-          </a:ln>
-        </p:spPr>
-        <p:style>
-          <a:lnRef idx="1">
-            <a:schemeClr val="accent1"/>
-          </a:lnRef>
-          <a:fillRef idx="0">
-            <a:schemeClr val="accent1"/>
-          </a:fillRef>
-          <a:effectRef idx="0">
-            <a:schemeClr val="accent1"/>
-          </a:effectRef>
-          <a:fontRef idx="minor">
-            <a:schemeClr val="tx1"/>
-          </a:fontRef>
-        </p:style>
-      </p:cxnSp>
-      <p:sp>
-        <p:nvSpPr>
-          <p:cNvPr id="18" name="TextBox 17">
-            <a:extLst>
-              <a:ext uri="{FF2B5EF4-FFF2-40B4-BE49-F238E27FC236}">
-                <a16:creationId xmlns:a16="http://schemas.microsoft.com/office/drawing/2014/main" id="{F12FF879-956F-409F-9789-AE5A082D3CCB}"/>
-              </a:ext>
-            </a:extLst>
-          </p:cNvPr>
-          <p:cNvSpPr txBox="1"/>
-          <p:nvPr/>
-        </p:nvSpPr>
-        <p:spPr>
-          <a:xfrm>
-            <a:off x="7346306" y="5471144"/>
-            <a:ext cx="925284" cy="646331"/>
-          </a:xfrm>
-          <a:prstGeom prst="rect">
-            <a:avLst/>
-          </a:prstGeom>
-          <a:noFill/>
-        </p:spPr>
-        <p:txBody>
-          <a:bodyPr wrap="square" rtlCol="0">
-            <a:spAutoFit/>
-          </a:bodyPr>
-          <a:lstStyle/>
-          <a:p>
-            <a:r>
-              <a:rPr lang="en-GB" dirty="0"/>
-              <a:t>Predict genes</a:t>
-            </a:r>
-          </a:p>
-        </p:txBody>
-      </p:sp>
-      <p:sp>
-        <p:nvSpPr>
-          <p:cNvPr id="19" name="Rectangle 18">
-            <a:extLst>
-              <a:ext uri="{FF2B5EF4-FFF2-40B4-BE49-F238E27FC236}">
-                <a16:creationId xmlns:a16="http://schemas.microsoft.com/office/drawing/2014/main" id="{F4B8958F-5816-4D72-B425-1CD3024403E8}"/>
-              </a:ext>
-            </a:extLst>
-          </p:cNvPr>
-          <p:cNvSpPr/>
-          <p:nvPr/>
-        </p:nvSpPr>
-        <p:spPr>
-          <a:xfrm>
-            <a:off x="9035147" y="5452183"/>
-            <a:ext cx="989045" cy="1327579"/>
-          </a:xfrm>
-          <a:prstGeom prst="rect">
-            <a:avLst/>
-          </a:prstGeom>
-          <a:noFill/>
-        </p:spPr>
-        <p:style>
-          <a:lnRef idx="2">
-            <a:schemeClr val="accent1">
-              <a:shade val="50000"/>
-            </a:schemeClr>
-          </a:lnRef>
-          <a:fillRef idx="1">
-            <a:schemeClr val="accent1"/>
-          </a:fillRef>
-          <a:effectRef idx="0">
-            <a:schemeClr val="accent1"/>
-          </a:effectRef>
-          <a:fontRef idx="minor">
-            <a:schemeClr val="lt1"/>
-          </a:fontRef>
-        </p:style>
-        <p:txBody>
-          <a:bodyPr rtlCol="0" anchor="ctr"/>
-          <a:lstStyle/>
-          <a:p>
-            <a:pPr algn="ctr"/>
-            <a:endParaRPr lang="en-GB" dirty="0"/>
-          </a:p>
-        </p:txBody>
-      </p:sp>
-      <p:sp>
-        <p:nvSpPr>
-          <p:cNvPr id="20" name="TextBox 19">
-            <a:extLst>
-              <a:ext uri="{FF2B5EF4-FFF2-40B4-BE49-F238E27FC236}">
-                <a16:creationId xmlns:a16="http://schemas.microsoft.com/office/drawing/2014/main" id="{65853FF1-B34C-4183-97A9-104E0EC06092}"/>
-              </a:ext>
-            </a:extLst>
-          </p:cNvPr>
-          <p:cNvSpPr txBox="1"/>
-          <p:nvPr/>
-        </p:nvSpPr>
-        <p:spPr>
-          <a:xfrm>
-            <a:off x="9186770" y="5515807"/>
-            <a:ext cx="925284" cy="1200329"/>
-          </a:xfrm>
-          <a:prstGeom prst="rect">
-            <a:avLst/>
-          </a:prstGeom>
-          <a:noFill/>
-        </p:spPr>
-        <p:txBody>
-          <a:bodyPr wrap="square" rtlCol="0">
-            <a:spAutoFit/>
-          </a:bodyPr>
-          <a:lstStyle/>
-          <a:p>
-            <a:r>
-              <a:rPr lang="en-GB" sz="1200" b="1" dirty="0">
                 <a:highlight>
                   <a:srgbClr val="FFFF00"/>
                 </a:highlight>
               </a:rPr>
-              <a:t>Draw a genome diagram with the genes marked</a:t>
-            </a:r>
-          </a:p>
-        </p:txBody>
-      </p:sp>
-      <p:cxnSp>
-        <p:nvCxnSpPr>
-          <p:cNvPr id="21" name="Connector: Elbow 20">
-            <a:extLst>
-              <a:ext uri="{FF2B5EF4-FFF2-40B4-BE49-F238E27FC236}">
-                <a16:creationId xmlns:a16="http://schemas.microsoft.com/office/drawing/2014/main" id="{498E2CF8-90E7-45F7-A5C9-BDBC929388D7}"/>
-              </a:ext>
-            </a:extLst>
-          </p:cNvPr>
-          <p:cNvCxnSpPr>
-            <a:cxnSpLocks/>
-          </p:cNvCxnSpPr>
-          <p:nvPr/>
-        </p:nvCxnSpPr>
-        <p:spPr>
-          <a:xfrm flipV="1">
-            <a:off x="5987143" y="4516016"/>
-            <a:ext cx="2802294" cy="879820"/>
-          </a:xfrm>
-          <a:prstGeom prst="bentConnector3">
-            <a:avLst>
-              <a:gd name="adj1" fmla="val -943"/>
-            </a:avLst>
-          </a:prstGeom>
-          <a:ln>
-            <a:tailEnd type="triangle"/>
-          </a:ln>
-        </p:spPr>
-        <p:style>
-          <a:lnRef idx="1">
-            <a:schemeClr val="accent1"/>
-          </a:lnRef>
-          <a:fillRef idx="0">
-            <a:schemeClr val="accent1"/>
-          </a:fillRef>
-          <a:effectRef idx="0">
-            <a:schemeClr val="accent1"/>
-          </a:effectRef>
-          <a:fontRef idx="minor">
-            <a:schemeClr val="tx1"/>
-          </a:fontRef>
-        </p:style>
-      </p:cxnSp>
-      <p:sp>
-        <p:nvSpPr>
-          <p:cNvPr id="22" name="Rectangle 21">
-            <a:extLst>
-              <a:ext uri="{FF2B5EF4-FFF2-40B4-BE49-F238E27FC236}">
-                <a16:creationId xmlns:a16="http://schemas.microsoft.com/office/drawing/2014/main" id="{19AF05C9-FE67-4B47-AFF8-59B8E7CB9330}"/>
-              </a:ext>
-            </a:extLst>
-          </p:cNvPr>
-          <p:cNvSpPr/>
-          <p:nvPr/>
-        </p:nvSpPr>
-        <p:spPr>
-          <a:xfrm>
-            <a:off x="8789435" y="4231775"/>
-            <a:ext cx="989045" cy="601467"/>
-          </a:xfrm>
-          <a:prstGeom prst="rect">
-            <a:avLst/>
-          </a:prstGeom>
-          <a:noFill/>
-        </p:spPr>
-        <p:style>
-          <a:lnRef idx="2">
-            <a:schemeClr val="accent1">
-              <a:shade val="50000"/>
-            </a:schemeClr>
-          </a:lnRef>
-          <a:fillRef idx="1">
-            <a:schemeClr val="accent1"/>
-          </a:fillRef>
-          <a:effectRef idx="0">
-            <a:schemeClr val="accent1"/>
-          </a:effectRef>
-          <a:fontRef idx="minor">
-            <a:schemeClr val="lt1"/>
-          </a:fontRef>
-        </p:style>
-        <p:txBody>
-          <a:bodyPr rtlCol="0" anchor="ctr"/>
-          <a:lstStyle/>
-          <a:p>
-            <a:pPr algn="ctr"/>
+              <a:t>PROKKA_11122018.gff  </a:t>
+            </a:r>
+            <a:r>
+              <a:rPr lang="en-GB" dirty="0"/>
+              <a:t>PROKKA_11122018.sqn  PROKKA_11122018.tsv</a:t>
+            </a:r>
+          </a:p>
+          <a:p>
+            <a:r>
+              <a:rPr lang="en-GB" dirty="0">
+                <a:highlight>
+                  <a:srgbClr val="FFFF00"/>
+                </a:highlight>
+              </a:rPr>
+              <a:t>PROKKA_11122018.faa  PROKKA_11122018.fna  </a:t>
+            </a:r>
+            <a:r>
+              <a:rPr lang="en-GB" dirty="0"/>
+              <a:t>PROKKA_11122018.gbk  PROKKA_11122018.log  PROKKA_11122018.tbl  PROKKA_11122018.txt</a:t>
+            </a:r>
+          </a:p>
+          <a:p>
+            <a:r>
+              <a:rPr lang="en-GB" dirty="0"/>
+              <a:t>…….</a:t>
+            </a:r>
+          </a:p>
+          <a:p>
             <a:endParaRPr lang="en-GB" dirty="0"/>
-          </a:p>
-        </p:txBody>
-      </p:sp>
-      <p:sp>
-        <p:nvSpPr>
-          <p:cNvPr id="23" name="TextBox 22">
-            <a:extLst>
-              <a:ext uri="{FF2B5EF4-FFF2-40B4-BE49-F238E27FC236}">
-                <a16:creationId xmlns:a16="http://schemas.microsoft.com/office/drawing/2014/main" id="{5B6B3588-23E9-4721-A99F-002A8A1925A8}"/>
-              </a:ext>
-            </a:extLst>
-          </p:cNvPr>
-          <p:cNvSpPr txBox="1"/>
-          <p:nvPr/>
-        </p:nvSpPr>
-        <p:spPr>
-          <a:xfrm>
-            <a:off x="8808097" y="4243260"/>
-            <a:ext cx="925284" cy="646331"/>
-          </a:xfrm>
-          <a:prstGeom prst="rect">
-            <a:avLst/>
-          </a:prstGeom>
-          <a:noFill/>
-        </p:spPr>
-        <p:txBody>
-          <a:bodyPr wrap="square" rtlCol="0">
-            <a:spAutoFit/>
-          </a:bodyPr>
-          <a:lstStyle/>
-          <a:p>
-            <a:r>
-              <a:rPr lang="en-GB" dirty="0"/>
-              <a:t>BLAST: identify</a:t>
-            </a:r>
           </a:p>
         </p:txBody>
       </p:sp>
     </p:spTree>
     <p:extLst>
       <p:ext uri="{BB962C8B-B14F-4D97-AF65-F5344CB8AC3E}">
-        <p14:creationId xmlns:p14="http://schemas.microsoft.com/office/powerpoint/2010/main" val="1311091168"/>
+        <p14:creationId xmlns:p14="http://schemas.microsoft.com/office/powerpoint/2010/main" val="1471244480"/>
       </p:ext>
     </p:extLst>
   </p:cSld>
@@ -11424,7 +10624,7 @@
           <p:cNvPr id="2" name="Title 1">
             <a:extLst>
               <a:ext uri="{FF2B5EF4-FFF2-40B4-BE49-F238E27FC236}">
-                <a16:creationId xmlns:a16="http://schemas.microsoft.com/office/drawing/2014/main" id="{9DB186D9-2728-4E1B-A6BF-B9A55B0B1C7C}"/>
+                <a16:creationId xmlns:a16="http://schemas.microsoft.com/office/drawing/2014/main" id="{4E1FC0BE-F14F-41BB-AA79-8A2D40C17783}"/>
               </a:ext>
             </a:extLst>
           </p:cNvPr>
@@ -11437,8 +10637,8 @@
         </p:nvSpPr>
         <p:spPr>
           <a:xfrm>
-            <a:off x="-25173" y="15324"/>
-            <a:ext cx="11811000" cy="1325563"/>
+            <a:off x="289560" y="157306"/>
+            <a:ext cx="10515600" cy="1325563"/>
           </a:xfrm>
         </p:spPr>
         <p:txBody>
@@ -11446,42 +10646,21 @@
           <a:lstStyle/>
           <a:p>
             <a:r>
+              <a:rPr lang="en-GB" dirty="0" err="1">
+                <a:solidFill>
+                  <a:srgbClr val="7030A0"/>
+                </a:solidFill>
+              </a:rPr>
+              <a:t>Prokka</a:t>
+            </a:r>
+            <a:r>
               <a:rPr lang="en-GB" dirty="0">
                 <a:solidFill>
                   <a:srgbClr val="7030A0"/>
                 </a:solidFill>
               </a:rPr>
-              <a:t>6) assembly: BLAST a </a:t>
-            </a:r>
-            <a:r>
-              <a:rPr lang="en-GB" dirty="0" err="1">
-                <a:solidFill>
-                  <a:srgbClr val="7030A0"/>
-                </a:solidFill>
-              </a:rPr>
-              <a:t>seq</a:t>
-            </a:r>
-            <a:r>
-              <a:rPr lang="en-GB" dirty="0">
-                <a:solidFill>
-                  <a:srgbClr val="7030A0"/>
-                </a:solidFill>
-              </a:rPr>
-              <a:t> against GenBank </a:t>
-            </a:r>
-            <a:r>
-              <a:rPr lang="en-GB" dirty="0" err="1">
-                <a:solidFill>
-                  <a:srgbClr val="7030A0"/>
-                </a:solidFill>
-              </a:rPr>
-              <a:t>nt</a:t>
-            </a:r>
-            <a:endParaRPr lang="en-GB" dirty="0">
-              <a:solidFill>
-                <a:srgbClr val="7030A0"/>
-              </a:solidFill>
-            </a:endParaRPr>
+              <a:t> output: Draw it!!</a:t>
+            </a:r>
           </a:p>
         </p:txBody>
       </p:sp>
@@ -11490,7 +10669,7 @@
           <p:cNvPr id="3" name="Content Placeholder 2">
             <a:extLst>
               <a:ext uri="{FF2B5EF4-FFF2-40B4-BE49-F238E27FC236}">
-                <a16:creationId xmlns:a16="http://schemas.microsoft.com/office/drawing/2014/main" id="{E04E7D57-5675-4CE3-BA47-A46D07926F10}"/>
+                <a16:creationId xmlns:a16="http://schemas.microsoft.com/office/drawing/2014/main" id="{C9010BB6-15F2-45E5-80F4-B73AC9439517}"/>
               </a:ext>
             </a:extLst>
           </p:cNvPr>
@@ -11503,27 +10682,29 @@
         </p:nvSpPr>
         <p:spPr>
           <a:xfrm>
-            <a:off x="152400" y="1253331"/>
-            <a:ext cx="10515600" cy="4351338"/>
-          </a:xfrm>
-        </p:spPr>
-        <p:txBody>
-          <a:bodyPr>
-            <a:normAutofit/>
-          </a:bodyPr>
-          <a:lstStyle/>
-          <a:p>
+            <a:off x="164868" y="1351799"/>
+            <a:ext cx="11244811" cy="4351338"/>
+          </a:xfrm>
+        </p:spPr>
+        <p:txBody>
+          <a:bodyPr/>
+          <a:lstStyle/>
+          <a:p>
+            <a:r>
+              <a:rPr lang="en-GB" dirty="0"/>
+              <a:t>cd $HOME/</a:t>
+            </a:r>
             <a:r>
               <a:rPr lang="en-GB" dirty="0" err="1"/>
-              <a:t>Blastn</a:t>
+              <a:t>genome_assembly_workshop</a:t>
             </a:r>
             <a:r>
               <a:rPr lang="en-GB" dirty="0"/>
-              <a:t>  - nucleotide versus </a:t>
+              <a:t>/</a:t>
             </a:r>
             <a:r>
               <a:rPr lang="en-GB" dirty="0" err="1"/>
-              <a:t>nt</a:t>
+              <a:t>unicycler_prerun</a:t>
             </a:r>
             <a:endParaRPr lang="en-GB" dirty="0"/>
           </a:p>
@@ -11532,17 +10713,28 @@
               <a:buNone/>
             </a:pPr>
             <a:r>
-              <a:rPr lang="en-GB" dirty="0">
-                <a:hlinkClick r:id="rId2"/>
-              </a:rPr>
-              <a:t>https://blast.ncbi.nlm.nih.gov/Blast.cgi</a:t>
-            </a:r>
-            <a:endParaRPr lang="en-GB" dirty="0"/>
-          </a:p>
-          <a:p>
-            <a:r>
-              <a:rPr lang="en-GB" dirty="0"/>
-              <a:t>Look at this website for different BLAST tools. And output formats</a:t>
+              <a:rPr lang="en-GB" sz="2400" dirty="0">
+                <a:solidFill>
+                  <a:srgbClr val="FF0000"/>
+                </a:solidFill>
+              </a:rPr>
+              <a:t> 	</a:t>
+            </a:r>
+            <a:r>
+              <a:rPr lang="en-GB" sz="2400" dirty="0" err="1">
+                <a:solidFill>
+                  <a:srgbClr val="FF0000"/>
+                </a:solidFill>
+              </a:rPr>
+              <a:t>conda</a:t>
+            </a:r>
+            <a:r>
+              <a:rPr lang="en-GB" sz="2400" dirty="0">
+                <a:solidFill>
+                  <a:srgbClr val="FF0000"/>
+                </a:solidFill>
+              </a:rPr>
+              <a:t> activate python36</a:t>
             </a:r>
           </a:p>
           <a:p>
@@ -11550,177 +10742,109 @@
               <a:buNone/>
             </a:pPr>
             <a:r>
-              <a:rPr lang="en-GB" dirty="0">
-                <a:solidFill>
-                  <a:srgbClr val="0070C0"/>
-                </a:solidFill>
-              </a:rPr>
-              <a:t>	</a:t>
-            </a:r>
-            <a:r>
-              <a:rPr lang="en-GB" dirty="0" err="1">
-                <a:solidFill>
-                  <a:srgbClr val="0070C0"/>
-                </a:solidFill>
-              </a:rPr>
-              <a:t>blastn</a:t>
-            </a:r>
-            <a:r>
-              <a:rPr lang="en-GB" dirty="0">
-                <a:solidFill>
-                  <a:srgbClr val="0070C0"/>
-                </a:solidFill>
-              </a:rPr>
-              <a:t> -help</a:t>
-            </a:r>
-            <a:endParaRPr lang="en-GB" dirty="0">
-              <a:solidFill>
-                <a:srgbClr val="002060"/>
-              </a:solidFill>
-            </a:endParaRPr>
+              <a:rPr lang="en-GB" sz="2400" dirty="0">
+                <a:solidFill>
+                  <a:srgbClr val="FF0000"/>
+                </a:solidFill>
+              </a:rPr>
+              <a:t> 	 /shelf/apps/pjt6/</a:t>
+            </a:r>
+            <a:r>
+              <a:rPr lang="en-GB" sz="2400" dirty="0" err="1">
+                <a:solidFill>
+                  <a:srgbClr val="FF0000"/>
+                </a:solidFill>
+              </a:rPr>
+              <a:t>conda</a:t>
+            </a:r>
+            <a:r>
+              <a:rPr lang="en-GB" sz="2400" dirty="0">
+                <a:solidFill>
+                  <a:srgbClr val="FF0000"/>
+                </a:solidFill>
+              </a:rPr>
+              <a:t>/</a:t>
+            </a:r>
+            <a:r>
+              <a:rPr lang="en-GB" sz="2400" dirty="0" err="1">
+                <a:solidFill>
+                  <a:srgbClr val="FF0000"/>
+                </a:solidFill>
+              </a:rPr>
+              <a:t>envs</a:t>
+            </a:r>
+            <a:r>
+              <a:rPr lang="en-GB" sz="2400" dirty="0">
+                <a:solidFill>
+                  <a:srgbClr val="FF0000"/>
+                </a:solidFill>
+              </a:rPr>
+              <a:t>/python36/bin/python Genome_diagram.py</a:t>
+            </a:r>
           </a:p>
           <a:p>
             <a:pPr marL="0" indent="0">
               <a:buNone/>
             </a:pPr>
             <a:r>
-              <a:rPr lang="en-GB" sz="2000" dirty="0">
-                <a:solidFill>
-                  <a:srgbClr val="002060"/>
-                </a:solidFill>
-              </a:rPr>
-              <a:t>If you search against a Protein database: </a:t>
-            </a:r>
-            <a:r>
-              <a:rPr lang="en-GB" sz="2000" dirty="0">
-                <a:solidFill>
-                  <a:srgbClr val="0070C0"/>
-                </a:solidFill>
-              </a:rPr>
-              <a:t>diamond-blast</a:t>
-            </a:r>
-            <a:r>
-              <a:rPr lang="en-GB" sz="2000" dirty="0">
-                <a:solidFill>
-                  <a:srgbClr val="002060"/>
-                </a:solidFill>
-              </a:rPr>
-              <a:t> is the king. ~30,000 X faster than </a:t>
-            </a:r>
-            <a:r>
-              <a:rPr lang="en-GB" sz="2000" dirty="0" err="1">
-                <a:solidFill>
-                  <a:srgbClr val="002060"/>
-                </a:solidFill>
-              </a:rPr>
-              <a:t>BLASTp</a:t>
-            </a:r>
-            <a:r>
-              <a:rPr lang="en-GB" sz="2000" dirty="0">
-                <a:solidFill>
-                  <a:srgbClr val="002060"/>
-                </a:solidFill>
-              </a:rPr>
-              <a:t> You can install this through </a:t>
-            </a:r>
-            <a:r>
-              <a:rPr lang="en-GB" sz="2000" dirty="0" err="1">
-                <a:solidFill>
-                  <a:srgbClr val="002060"/>
+              <a:rPr lang="en-GB" dirty="0">
+                <a:solidFill>
+                  <a:srgbClr val="FF0000"/>
+                </a:solidFill>
+              </a:rPr>
+              <a:t>	</a:t>
+            </a:r>
+            <a:r>
+              <a:rPr lang="en-GB" dirty="0" err="1">
+                <a:solidFill>
+                  <a:srgbClr val="FF0000"/>
                 </a:solidFill>
               </a:rPr>
               <a:t>conda</a:t>
             </a:r>
             <a:r>
-              <a:rPr lang="en-GB" sz="2000" dirty="0">
-                <a:solidFill>
-                  <a:srgbClr val="002060"/>
-                </a:solidFill>
-              </a:rPr>
-              <a:t>. (</a:t>
-            </a:r>
-            <a:r>
-              <a:rPr lang="en-GB" sz="2000" dirty="0">
-                <a:solidFill>
-                  <a:srgbClr val="002060"/>
-                </a:solidFill>
-                <a:hlinkClick r:id="rId3"/>
-              </a:rPr>
-              <a:t>https://github.com/bbuchfink/diamond</a:t>
-            </a:r>
-            <a:r>
-              <a:rPr lang="en-GB" sz="2000" dirty="0">
-                <a:solidFill>
-                  <a:srgbClr val="002060"/>
-                </a:solidFill>
-              </a:rPr>
-              <a:t>)  </a:t>
-            </a:r>
-          </a:p>
-          <a:p>
-            <a:endParaRPr lang="en-GB" dirty="0"/>
-          </a:p>
-          <a:p>
-            <a:endParaRPr lang="en-GB" dirty="0"/>
-          </a:p>
-        </p:txBody>
-      </p:sp>
-      <p:sp>
-        <p:nvSpPr>
-          <p:cNvPr id="4" name="TextBox 3">
-            <a:extLst>
-              <a:ext uri="{FF2B5EF4-FFF2-40B4-BE49-F238E27FC236}">
-                <a16:creationId xmlns:a16="http://schemas.microsoft.com/office/drawing/2014/main" id="{12873710-8CC5-4FDE-90CD-8B505186C670}"/>
-              </a:ext>
-            </a:extLst>
-          </p:cNvPr>
-          <p:cNvSpPr txBox="1"/>
-          <p:nvPr/>
-        </p:nvSpPr>
-        <p:spPr>
-          <a:xfrm>
-            <a:off x="10350500" y="0"/>
-            <a:ext cx="1841500" cy="584775"/>
-          </a:xfrm>
-          <a:prstGeom prst="rect">
-            <a:avLst/>
-          </a:prstGeom>
-          <a:noFill/>
-        </p:spPr>
-        <p:txBody>
-          <a:bodyPr wrap="square" rtlCol="0">
-            <a:spAutoFit/>
-          </a:bodyPr>
-          <a:lstStyle/>
-          <a:p>
-            <a:r>
-              <a:rPr lang="en-GB" sz="3200" dirty="0">
+              <a:rPr lang="en-GB" dirty="0">
                 <a:solidFill>
                   <a:srgbClr val="FF0000"/>
                 </a:solidFill>
-                <a:highlight>
-                  <a:srgbClr val="FFFF00"/>
-                </a:highlight>
-              </a:rPr>
-              <a:t>ACTIVITY</a:t>
-            </a:r>
-            <a:endParaRPr lang="en-GB" sz="2800" dirty="0">
+              </a:rPr>
+              <a:t> deactivate</a:t>
+            </a:r>
+          </a:p>
+          <a:p>
+            <a:pPr marL="0" indent="0">
+              <a:buNone/>
+            </a:pPr>
+            <a:endParaRPr lang="en-GB" dirty="0">
               <a:solidFill>
                 <a:srgbClr val="FF0000"/>
               </a:solidFill>
-              <a:highlight>
-                <a:srgbClr val="FFFF00"/>
-              </a:highlight>
             </a:endParaRPr>
           </a:p>
-        </p:txBody>
-      </p:sp>
-      <p:sp>
-        <p:nvSpPr>
-          <p:cNvPr id="5" name="Rectangle 4">
-            <a:extLst>
-              <a:ext uri="{FF2B5EF4-FFF2-40B4-BE49-F238E27FC236}">
-                <a16:creationId xmlns:a16="http://schemas.microsoft.com/office/drawing/2014/main" id="{9F4A19C7-C3F1-4DCE-93C1-C8D26424BD0F}"/>
+          <a:p>
+            <a:pPr marL="0" indent="0">
+              <a:buNone/>
+            </a:pPr>
+            <a:r>
+              <a:rPr lang="en-GB" dirty="0"/>
+              <a:t>Download and look at the pdf files. Lovely right </a:t>
+            </a:r>
+            <a:r>
+              <a:rPr lang="en-GB" dirty="0">
+                <a:sym typeface="Wingdings" panose="05000000000000000000" pitchFamily="2" charset="2"/>
+              </a:rPr>
+              <a:t> </a:t>
+            </a:r>
+            <a:endParaRPr lang="en-GB" dirty="0"/>
+          </a:p>
+        </p:txBody>
+      </p:sp>
+      <p:sp>
+        <p:nvSpPr>
+          <p:cNvPr id="4" name="Rectangle 3">
+            <a:extLst>
+              <a:ext uri="{FF2B5EF4-FFF2-40B4-BE49-F238E27FC236}">
+                <a16:creationId xmlns:a16="http://schemas.microsoft.com/office/drawing/2014/main" id="{AE88182B-2F97-4082-967F-707721CF0F7D}"/>
               </a:ext>
             </a:extLst>
           </p:cNvPr>
@@ -11764,15 +10888,15 @@
       </p:sp>
       <p:cxnSp>
         <p:nvCxnSpPr>
-          <p:cNvPr id="6" name="Straight Arrow Connector 5">
-            <a:extLst>
-              <a:ext uri="{FF2B5EF4-FFF2-40B4-BE49-F238E27FC236}">
-                <a16:creationId xmlns:a16="http://schemas.microsoft.com/office/drawing/2014/main" id="{61DD735D-6AD0-4D18-B51A-CE1FE72B69C9}"/>
+          <p:cNvPr id="5" name="Straight Arrow Connector 4">
+            <a:extLst>
+              <a:ext uri="{FF2B5EF4-FFF2-40B4-BE49-F238E27FC236}">
+                <a16:creationId xmlns:a16="http://schemas.microsoft.com/office/drawing/2014/main" id="{AEA1C3EB-D2FF-4142-9A49-E4BDEEED2385}"/>
               </a:ext>
             </a:extLst>
           </p:cNvPr>
           <p:cNvCxnSpPr>
-            <a:stCxn id="5" idx="3"/>
+            <a:stCxn id="4" idx="3"/>
           </p:cNvCxnSpPr>
           <p:nvPr/>
         </p:nvCxnSpPr>
@@ -11805,10 +10929,10 @@
       </p:cxnSp>
       <p:sp>
         <p:nvSpPr>
-          <p:cNvPr id="7" name="TextBox 6">
-            <a:extLst>
-              <a:ext uri="{FF2B5EF4-FFF2-40B4-BE49-F238E27FC236}">
-                <a16:creationId xmlns:a16="http://schemas.microsoft.com/office/drawing/2014/main" id="{C3EB5D00-A396-4347-93E8-17A600757173}"/>
+          <p:cNvPr id="6" name="TextBox 5">
+            <a:extLst>
+              <a:ext uri="{FF2B5EF4-FFF2-40B4-BE49-F238E27FC236}">
+                <a16:creationId xmlns:a16="http://schemas.microsoft.com/office/drawing/2014/main" id="{255D73A5-1C43-4E68-832E-5EE6769B3056}"/>
               </a:ext>
             </a:extLst>
           </p:cNvPr>
@@ -11840,10 +10964,10 @@
       </p:sp>
       <p:sp>
         <p:nvSpPr>
-          <p:cNvPr id="8" name="Rectangle 7">
-            <a:extLst>
-              <a:ext uri="{FF2B5EF4-FFF2-40B4-BE49-F238E27FC236}">
-                <a16:creationId xmlns:a16="http://schemas.microsoft.com/office/drawing/2014/main" id="{C83459DA-6C7C-42D2-84AE-BB1706ED7C23}"/>
+          <p:cNvPr id="7" name="Rectangle 6">
+            <a:extLst>
+              <a:ext uri="{FF2B5EF4-FFF2-40B4-BE49-F238E27FC236}">
+                <a16:creationId xmlns:a16="http://schemas.microsoft.com/office/drawing/2014/main" id="{3BE0FAFA-CB67-4477-A02D-D1D02F86B859}"/>
               </a:ext>
             </a:extLst>
           </p:cNvPr>
@@ -11887,15 +11011,15 @@
       </p:sp>
       <p:cxnSp>
         <p:nvCxnSpPr>
-          <p:cNvPr id="9" name="Straight Arrow Connector 8">
-            <a:extLst>
-              <a:ext uri="{FF2B5EF4-FFF2-40B4-BE49-F238E27FC236}">
-                <a16:creationId xmlns:a16="http://schemas.microsoft.com/office/drawing/2014/main" id="{DEACD28E-E7C3-4542-9282-833984D1B870}"/>
+          <p:cNvPr id="8" name="Straight Arrow Connector 7">
+            <a:extLst>
+              <a:ext uri="{FF2B5EF4-FFF2-40B4-BE49-F238E27FC236}">
+                <a16:creationId xmlns:a16="http://schemas.microsoft.com/office/drawing/2014/main" id="{2C15DBE7-4A93-4A2C-9141-CFD865B82D6F}"/>
               </a:ext>
             </a:extLst>
           </p:cNvPr>
           <p:cNvCxnSpPr>
-            <a:stCxn id="8" idx="3"/>
+            <a:stCxn id="7" idx="3"/>
           </p:cNvCxnSpPr>
           <p:nvPr/>
         </p:nvCxnSpPr>
@@ -11928,10 +11052,10 @@
       </p:cxnSp>
       <p:sp>
         <p:nvSpPr>
-          <p:cNvPr id="10" name="TextBox 9">
-            <a:extLst>
-              <a:ext uri="{FF2B5EF4-FFF2-40B4-BE49-F238E27FC236}">
-                <a16:creationId xmlns:a16="http://schemas.microsoft.com/office/drawing/2014/main" id="{4A7EE1AC-D417-482D-B352-524F211654E2}"/>
+          <p:cNvPr id="9" name="TextBox 8">
+            <a:extLst>
+              <a:ext uri="{FF2B5EF4-FFF2-40B4-BE49-F238E27FC236}">
+                <a16:creationId xmlns:a16="http://schemas.microsoft.com/office/drawing/2014/main" id="{C37381C0-645D-4DDB-A354-E86C91D6B52D}"/>
               </a:ext>
             </a:extLst>
           </p:cNvPr>
@@ -11963,10 +11087,10 @@
       </p:sp>
       <p:sp>
         <p:nvSpPr>
-          <p:cNvPr id="11" name="Rectangle 10">
-            <a:extLst>
-              <a:ext uri="{FF2B5EF4-FFF2-40B4-BE49-F238E27FC236}">
-                <a16:creationId xmlns:a16="http://schemas.microsoft.com/office/drawing/2014/main" id="{BB06A71F-29B9-4AC9-8BB1-4B4D0D2714CA}"/>
+          <p:cNvPr id="10" name="Rectangle 9">
+            <a:extLst>
+              <a:ext uri="{FF2B5EF4-FFF2-40B4-BE49-F238E27FC236}">
+                <a16:creationId xmlns:a16="http://schemas.microsoft.com/office/drawing/2014/main" id="{DDA8BEFD-D62A-4F77-93AE-95D7B2AC9CC2}"/>
               </a:ext>
             </a:extLst>
           </p:cNvPr>
@@ -12010,15 +11134,15 @@
       </p:sp>
       <p:cxnSp>
         <p:nvCxnSpPr>
-          <p:cNvPr id="12" name="Straight Arrow Connector 11">
-            <a:extLst>
-              <a:ext uri="{FF2B5EF4-FFF2-40B4-BE49-F238E27FC236}">
-                <a16:creationId xmlns:a16="http://schemas.microsoft.com/office/drawing/2014/main" id="{3991BF36-C0A7-4CC3-A142-DB31F5D767E2}"/>
+          <p:cNvPr id="11" name="Straight Arrow Connector 10">
+            <a:extLst>
+              <a:ext uri="{FF2B5EF4-FFF2-40B4-BE49-F238E27FC236}">
+                <a16:creationId xmlns:a16="http://schemas.microsoft.com/office/drawing/2014/main" id="{4A75C6D0-BA09-42DB-8EA2-678D0707DB79}"/>
               </a:ext>
             </a:extLst>
           </p:cNvPr>
           <p:cNvCxnSpPr>
-            <a:stCxn id="11" idx="3"/>
+            <a:stCxn id="10" idx="3"/>
           </p:cNvCxnSpPr>
           <p:nvPr/>
         </p:nvCxnSpPr>
@@ -12051,10 +11175,10 @@
       </p:cxnSp>
       <p:sp>
         <p:nvSpPr>
-          <p:cNvPr id="13" name="TextBox 12">
-            <a:extLst>
-              <a:ext uri="{FF2B5EF4-FFF2-40B4-BE49-F238E27FC236}">
-                <a16:creationId xmlns:a16="http://schemas.microsoft.com/office/drawing/2014/main" id="{770E0A57-5D8F-4BE8-BA52-FE29567D450D}"/>
+          <p:cNvPr id="12" name="TextBox 11">
+            <a:extLst>
+              <a:ext uri="{FF2B5EF4-FFF2-40B4-BE49-F238E27FC236}">
+                <a16:creationId xmlns:a16="http://schemas.microsoft.com/office/drawing/2014/main" id="{BC3737DF-C8AD-4133-9839-ADE5301F82F7}"/>
               </a:ext>
             </a:extLst>
           </p:cNvPr>
@@ -12086,10 +11210,10 @@
       </p:sp>
       <p:sp>
         <p:nvSpPr>
-          <p:cNvPr id="14" name="Rectangle 13">
-            <a:extLst>
-              <a:ext uri="{FF2B5EF4-FFF2-40B4-BE49-F238E27FC236}">
-                <a16:creationId xmlns:a16="http://schemas.microsoft.com/office/drawing/2014/main" id="{DBB46FE9-3DAD-4141-97E9-929D9F093A11}"/>
+          <p:cNvPr id="13" name="Rectangle 12">
+            <a:extLst>
+              <a:ext uri="{FF2B5EF4-FFF2-40B4-BE49-F238E27FC236}">
+                <a16:creationId xmlns:a16="http://schemas.microsoft.com/office/drawing/2014/main" id="{BB02B2CD-1CCA-43A1-860D-F06D587E388D}"/>
               </a:ext>
             </a:extLst>
           </p:cNvPr>
@@ -12133,10 +11257,10 @@
       </p:sp>
       <p:sp>
         <p:nvSpPr>
-          <p:cNvPr id="15" name="TextBox 14">
-            <a:extLst>
-              <a:ext uri="{FF2B5EF4-FFF2-40B4-BE49-F238E27FC236}">
-                <a16:creationId xmlns:a16="http://schemas.microsoft.com/office/drawing/2014/main" id="{9D373941-59B7-4E5D-81C0-5203767B8DA4}"/>
+          <p:cNvPr id="14" name="TextBox 13">
+            <a:extLst>
+              <a:ext uri="{FF2B5EF4-FFF2-40B4-BE49-F238E27FC236}">
+                <a16:creationId xmlns:a16="http://schemas.microsoft.com/office/drawing/2014/main" id="{E8157697-4D97-4F16-B782-940AF67B6DA6}"/>
               </a:ext>
             </a:extLst>
           </p:cNvPr>
@@ -12181,10 +11305,10 @@
       </p:sp>
       <p:cxnSp>
         <p:nvCxnSpPr>
-          <p:cNvPr id="16" name="Straight Arrow Connector 15">
-            <a:extLst>
-              <a:ext uri="{FF2B5EF4-FFF2-40B4-BE49-F238E27FC236}">
-                <a16:creationId xmlns:a16="http://schemas.microsoft.com/office/drawing/2014/main" id="{D4EFE342-8049-4B5F-BFDE-6C58CED9698C}"/>
+          <p:cNvPr id="15" name="Straight Arrow Connector 14">
+            <a:extLst>
+              <a:ext uri="{FF2B5EF4-FFF2-40B4-BE49-F238E27FC236}">
+                <a16:creationId xmlns:a16="http://schemas.microsoft.com/office/drawing/2014/main" id="{0B586E52-7622-4BCD-8C33-455298AA4F75}"/>
               </a:ext>
             </a:extLst>
           </p:cNvPr>
@@ -12220,10 +11344,10 @@
       </p:cxnSp>
       <p:sp>
         <p:nvSpPr>
-          <p:cNvPr id="17" name="Rectangle 16">
-            <a:extLst>
-              <a:ext uri="{FF2B5EF4-FFF2-40B4-BE49-F238E27FC236}">
-                <a16:creationId xmlns:a16="http://schemas.microsoft.com/office/drawing/2014/main" id="{7BEB972D-0944-4FB4-9583-C8E23B09872D}"/>
+          <p:cNvPr id="16" name="Rectangle 15">
+            <a:extLst>
+              <a:ext uri="{FF2B5EF4-FFF2-40B4-BE49-F238E27FC236}">
+                <a16:creationId xmlns:a16="http://schemas.microsoft.com/office/drawing/2014/main" id="{E0B6AE16-FF72-4EC9-A957-446678463FC2}"/>
               </a:ext>
             </a:extLst>
           </p:cNvPr>
@@ -12267,15 +11391,15 @@
       </p:sp>
       <p:cxnSp>
         <p:nvCxnSpPr>
-          <p:cNvPr id="18" name="Straight Arrow Connector 17">
-            <a:extLst>
-              <a:ext uri="{FF2B5EF4-FFF2-40B4-BE49-F238E27FC236}">
-                <a16:creationId xmlns:a16="http://schemas.microsoft.com/office/drawing/2014/main" id="{74612A69-BDDB-4BAC-A9B4-4E8AD07FC5D4}"/>
+          <p:cNvPr id="17" name="Straight Arrow Connector 16">
+            <a:extLst>
+              <a:ext uri="{FF2B5EF4-FFF2-40B4-BE49-F238E27FC236}">
+                <a16:creationId xmlns:a16="http://schemas.microsoft.com/office/drawing/2014/main" id="{880DB847-215B-4806-928B-B28BD1CC1C6E}"/>
               </a:ext>
             </a:extLst>
           </p:cNvPr>
           <p:cNvCxnSpPr>
-            <a:stCxn id="17" idx="3"/>
+            <a:stCxn id="16" idx="3"/>
           </p:cNvCxnSpPr>
           <p:nvPr/>
         </p:nvCxnSpPr>
@@ -12308,10 +11432,10 @@
       </p:cxnSp>
       <p:sp>
         <p:nvSpPr>
-          <p:cNvPr id="19" name="TextBox 18">
-            <a:extLst>
-              <a:ext uri="{FF2B5EF4-FFF2-40B4-BE49-F238E27FC236}">
-                <a16:creationId xmlns:a16="http://schemas.microsoft.com/office/drawing/2014/main" id="{948F54FA-EC58-4A9C-9E24-70AA35835217}"/>
+          <p:cNvPr id="18" name="TextBox 17">
+            <a:extLst>
+              <a:ext uri="{FF2B5EF4-FFF2-40B4-BE49-F238E27FC236}">
+                <a16:creationId xmlns:a16="http://schemas.microsoft.com/office/drawing/2014/main" id="{F12FF879-956F-409F-9789-AE5A082D3CCB}"/>
               </a:ext>
             </a:extLst>
           </p:cNvPr>
@@ -12343,10 +11467,10 @@
       </p:sp>
       <p:sp>
         <p:nvSpPr>
-          <p:cNvPr id="20" name="Rectangle 19">
-            <a:extLst>
-              <a:ext uri="{FF2B5EF4-FFF2-40B4-BE49-F238E27FC236}">
-                <a16:creationId xmlns:a16="http://schemas.microsoft.com/office/drawing/2014/main" id="{30E275D9-CDC1-4560-994E-05E8E5189314}"/>
+          <p:cNvPr id="19" name="Rectangle 18">
+            <a:extLst>
+              <a:ext uri="{FF2B5EF4-FFF2-40B4-BE49-F238E27FC236}">
+                <a16:creationId xmlns:a16="http://schemas.microsoft.com/office/drawing/2014/main" id="{F4B8958F-5816-4D72-B425-1CD3024403E8}"/>
               </a:ext>
             </a:extLst>
           </p:cNvPr>
@@ -12390,10 +11514,10 @@
       </p:sp>
       <p:sp>
         <p:nvSpPr>
-          <p:cNvPr id="21" name="TextBox 20">
-            <a:extLst>
-              <a:ext uri="{FF2B5EF4-FFF2-40B4-BE49-F238E27FC236}">
-                <a16:creationId xmlns:a16="http://schemas.microsoft.com/office/drawing/2014/main" id="{6F004489-D4AF-4B60-A619-5E40BF1B6E86}"/>
+          <p:cNvPr id="20" name="TextBox 19">
+            <a:extLst>
+              <a:ext uri="{FF2B5EF4-FFF2-40B4-BE49-F238E27FC236}">
+                <a16:creationId xmlns:a16="http://schemas.microsoft.com/office/drawing/2014/main" id="{65853FF1-B34C-4183-97A9-104E0EC06092}"/>
               </a:ext>
             </a:extLst>
           </p:cNvPr>
@@ -12417,7 +11541,11 @@
           <a:lstStyle/>
           <a:p>
             <a:r>
-              <a:rPr lang="en-GB" sz="1200" dirty="0"/>
+              <a:rPr lang="en-GB" sz="1200" b="1" dirty="0">
+                <a:highlight>
+                  <a:srgbClr val="FFFF00"/>
+                </a:highlight>
+              </a:rPr>
               <a:t>Draw a genome diagram with the genes marked</a:t>
             </a:r>
           </a:p>
@@ -12425,10 +11553,10 @@
       </p:sp>
       <p:cxnSp>
         <p:nvCxnSpPr>
-          <p:cNvPr id="22" name="Connector: Elbow 21">
-            <a:extLst>
-              <a:ext uri="{FF2B5EF4-FFF2-40B4-BE49-F238E27FC236}">
-                <a16:creationId xmlns:a16="http://schemas.microsoft.com/office/drawing/2014/main" id="{4CCB9D5A-A3AC-4B12-8559-EB3767F37941}"/>
+          <p:cNvPr id="21" name="Connector: Elbow 20">
+            <a:extLst>
+              <a:ext uri="{FF2B5EF4-FFF2-40B4-BE49-F238E27FC236}">
+                <a16:creationId xmlns:a16="http://schemas.microsoft.com/office/drawing/2014/main" id="{498E2CF8-90E7-45F7-A5C9-BDBC929388D7}"/>
               </a:ext>
             </a:extLst>
           </p:cNvPr>
@@ -12468,10 +11596,10 @@
       </p:cxnSp>
       <p:sp>
         <p:nvSpPr>
-          <p:cNvPr id="23" name="Rectangle 22">
-            <a:extLst>
-              <a:ext uri="{FF2B5EF4-FFF2-40B4-BE49-F238E27FC236}">
-                <a16:creationId xmlns:a16="http://schemas.microsoft.com/office/drawing/2014/main" id="{C7B41ED7-BAF2-4EC7-A314-69C835997F38}"/>
+          <p:cNvPr id="22" name="Rectangle 21">
+            <a:extLst>
+              <a:ext uri="{FF2B5EF4-FFF2-40B4-BE49-F238E27FC236}">
+                <a16:creationId xmlns:a16="http://schemas.microsoft.com/office/drawing/2014/main" id="{19AF05C9-FE67-4B47-AFF8-59B8E7CB9330}"/>
               </a:ext>
             </a:extLst>
           </p:cNvPr>
@@ -12515,10 +11643,10 @@
       </p:sp>
       <p:sp>
         <p:nvSpPr>
-          <p:cNvPr id="24" name="TextBox 23">
-            <a:extLst>
-              <a:ext uri="{FF2B5EF4-FFF2-40B4-BE49-F238E27FC236}">
-                <a16:creationId xmlns:a16="http://schemas.microsoft.com/office/drawing/2014/main" id="{A37BA204-48CA-43B5-99B8-024E19CCFC09}"/>
+          <p:cNvPr id="23" name="TextBox 22">
+            <a:extLst>
+              <a:ext uri="{FF2B5EF4-FFF2-40B4-BE49-F238E27FC236}">
+                <a16:creationId xmlns:a16="http://schemas.microsoft.com/office/drawing/2014/main" id="{5B6B3588-23E9-4721-A99F-002A8A1925A8}"/>
               </a:ext>
             </a:extLst>
           </p:cNvPr>
@@ -12542,11 +11670,7 @@
           <a:lstStyle/>
           <a:p>
             <a:r>
-              <a:rPr lang="en-GB" b="1" dirty="0">
-                <a:highlight>
-                  <a:srgbClr val="FFFF00"/>
-                </a:highlight>
-              </a:rPr>
+              <a:rPr lang="en-GB" dirty="0"/>
               <a:t>BLAST: identify</a:t>
             </a:r>
           </a:p>
@@ -12555,7 +11679,7 @@
     </p:spTree>
     <p:extLst>
       <p:ext uri="{BB962C8B-B14F-4D97-AF65-F5344CB8AC3E}">
-        <p14:creationId xmlns:p14="http://schemas.microsoft.com/office/powerpoint/2010/main" val="3101719156"/>
+        <p14:creationId xmlns:p14="http://schemas.microsoft.com/office/powerpoint/2010/main" val="1311091168"/>
       </p:ext>
     </p:extLst>
   </p:cSld>
@@ -12666,19 +11790,15 @@
         </p:nvSpPr>
         <p:spPr>
           <a:xfrm>
-            <a:off x="77586" y="1246849"/>
+            <a:off x="152400" y="1253331"/>
             <a:ext cx="10515600" cy="4351338"/>
           </a:xfrm>
         </p:spPr>
         <p:txBody>
-          <a:bodyPr/>
-          <a:lstStyle/>
-          <a:p>
-            <a:r>
-              <a:rPr lang="en-GB" dirty="0"/>
-              <a:t>Blast is not fast.</a:t>
-            </a:r>
-          </a:p>
+          <a:bodyPr>
+            <a:normAutofit/>
+          </a:bodyPr>
+          <a:lstStyle/>
           <a:p>
             <a:r>
               <a:rPr lang="en-GB" dirty="0" err="1"/>
@@ -12693,23 +11813,36 @@
               <a:t>nt</a:t>
             </a:r>
             <a:endParaRPr lang="en-GB" dirty="0"/>
-          </a:p>
-          <a:p>
-            <a:r>
-              <a:rPr lang="en-GB" sz="1800" dirty="0">
-                <a:hlinkClick r:id="rId2"/>
-              </a:rPr>
-              <a:t>https://blast.ncbi.nlm.nih.gov/Blast.cgi</a:t>
-            </a:r>
-            <a:endParaRPr lang="en-GB" sz="1800" dirty="0"/>
           </a:p>
           <a:p>
             <a:pPr marL="0" indent="0">
               <a:buNone/>
             </a:pPr>
             <a:r>
+              <a:rPr lang="en-GB" dirty="0">
+                <a:hlinkClick r:id="rId2"/>
+              </a:rPr>
+              <a:t>https://blast.ncbi.nlm.nih.gov/Blast.cgi</a:t>
+            </a:r>
+            <a:endParaRPr lang="en-GB" dirty="0"/>
+          </a:p>
+          <a:p>
+            <a:r>
               <a:rPr lang="en-GB" dirty="0"/>
-              <a:t>       </a:t>
+              <a:t>Look at this website for different BLAST tools. And output formats</a:t>
+            </a:r>
+          </a:p>
+          <a:p>
+            <a:pPr marL="0" indent="0">
+              <a:buNone/>
+            </a:pPr>
+            <a:r>
+              <a:rPr lang="en-GB" dirty="0">
+                <a:solidFill>
+                  <a:srgbClr val="0070C0"/>
+                </a:solidFill>
+              </a:rPr>
+              <a:t>	</a:t>
             </a:r>
             <a:r>
               <a:rPr lang="en-GB" dirty="0" err="1">
@@ -12717,7 +11850,7 @@
                   <a:srgbClr val="0070C0"/>
                 </a:solidFill>
               </a:rPr>
-              <a:t>nano</a:t>
+              <a:t>blastn</a:t>
             </a:r>
             <a:r>
               <a:rPr lang="en-GB" dirty="0">
@@ -12725,8 +11858,94 @@
                   <a:srgbClr val="0070C0"/>
                 </a:solidFill>
               </a:rPr>
-              <a:t> ./shell_scripts/blast.sh</a:t>
-            </a:r>
+              <a:t> -help</a:t>
+            </a:r>
+            <a:endParaRPr lang="en-GB" dirty="0">
+              <a:solidFill>
+                <a:srgbClr val="002060"/>
+              </a:solidFill>
+            </a:endParaRPr>
+          </a:p>
+          <a:p>
+            <a:pPr marL="0" indent="0">
+              <a:buNone/>
+            </a:pPr>
+            <a:r>
+              <a:rPr lang="en-GB" sz="2000" dirty="0">
+                <a:solidFill>
+                  <a:srgbClr val="002060"/>
+                </a:solidFill>
+              </a:rPr>
+              <a:t>If you search against a Protein database: </a:t>
+            </a:r>
+            <a:r>
+              <a:rPr lang="en-GB" sz="2000" dirty="0">
+                <a:solidFill>
+                  <a:srgbClr val="0070C0"/>
+                </a:solidFill>
+              </a:rPr>
+              <a:t>diamond-blast</a:t>
+            </a:r>
+            <a:r>
+              <a:rPr lang="en-GB" sz="2000" dirty="0">
+                <a:solidFill>
+                  <a:srgbClr val="002060"/>
+                </a:solidFill>
+              </a:rPr>
+              <a:t> is the king. ~30,000 X faster than </a:t>
+            </a:r>
+            <a:r>
+              <a:rPr lang="en-GB" sz="2000" dirty="0" err="1">
+                <a:solidFill>
+                  <a:srgbClr val="002060"/>
+                </a:solidFill>
+              </a:rPr>
+              <a:t>BLASTp</a:t>
+            </a:r>
+            <a:r>
+              <a:rPr lang="en-GB" sz="2000" dirty="0">
+                <a:solidFill>
+                  <a:srgbClr val="002060"/>
+                </a:solidFill>
+              </a:rPr>
+              <a:t> You can install this through </a:t>
+            </a:r>
+            <a:r>
+              <a:rPr lang="en-GB" sz="2000" dirty="0" err="1">
+                <a:solidFill>
+                  <a:srgbClr val="002060"/>
+                </a:solidFill>
+              </a:rPr>
+              <a:t>conda</a:t>
+            </a:r>
+            <a:r>
+              <a:rPr lang="en-GB" sz="2000" dirty="0">
+                <a:solidFill>
+                  <a:srgbClr val="002060"/>
+                </a:solidFill>
+              </a:rPr>
+              <a:t>. (</a:t>
+            </a:r>
+            <a:r>
+              <a:rPr lang="en-GB" sz="2000" dirty="0">
+                <a:solidFill>
+                  <a:srgbClr val="002060"/>
+                </a:solidFill>
+                <a:hlinkClick r:id="rId3"/>
+              </a:rPr>
+              <a:t>https://github.com/bbuchfink/diamond</a:t>
+            </a:r>
+            <a:r>
+              <a:rPr lang="en-GB" sz="2000" dirty="0">
+                <a:solidFill>
+                  <a:srgbClr val="002060"/>
+                </a:solidFill>
+              </a:rPr>
+              <a:t>)  </a:t>
+            </a:r>
+          </a:p>
+          <a:p>
+            <a:endParaRPr lang="en-GB" dirty="0"/>
           </a:p>
           <a:p>
             <a:endParaRPr lang="en-GB" dirty="0"/>
@@ -12783,128 +12002,71 @@
           </a:p>
         </p:txBody>
       </p:sp>
-      <p:pic>
-        <p:nvPicPr>
-          <p:cNvPr id="5" name="Picture 4">
-            <a:extLst>
-              <a:ext uri="{FF2B5EF4-FFF2-40B4-BE49-F238E27FC236}">
-                <a16:creationId xmlns:a16="http://schemas.microsoft.com/office/drawing/2014/main" id="{FE8E2186-C7EE-4ED1-98DE-FB925DC072F0}"/>
-              </a:ext>
-            </a:extLst>
-          </p:cNvPr>
-          <p:cNvPicPr>
-            <a:picLocks noChangeAspect="1"/>
-          </p:cNvPicPr>
-          <p:nvPr/>
-        </p:nvPicPr>
-        <p:blipFill rotWithShape="1">
-          <a:blip r:embed="rId3">
-            <a:extLst>
-              <a:ext uri="{28A0092B-C50C-407E-A947-70E740481C1C}">
-                <a14:useLocalDpi xmlns:a14="http://schemas.microsoft.com/office/drawing/2010/main" val="0"/>
-              </a:ext>
-            </a:extLst>
-          </a:blip>
-          <a:srcRect/>
-          <a:stretch/>
-        </p:blipFill>
-        <p:spPr>
-          <a:xfrm>
-            <a:off x="6096000" y="2677999"/>
-            <a:ext cx="6096000" cy="4164677"/>
+      <p:sp>
+        <p:nvSpPr>
+          <p:cNvPr id="5" name="Rectangle 4">
+            <a:extLst>
+              <a:ext uri="{FF2B5EF4-FFF2-40B4-BE49-F238E27FC236}">
+                <a16:creationId xmlns:a16="http://schemas.microsoft.com/office/drawing/2014/main" id="{9F4A19C7-C3F1-4DCE-93C1-C8D26424BD0F}"/>
+              </a:ext>
+            </a:extLst>
+          </p:cNvPr>
+          <p:cNvSpPr/>
+          <p:nvPr/>
+        </p:nvSpPr>
+        <p:spPr>
+          <a:xfrm>
+            <a:off x="111967" y="5495730"/>
+            <a:ext cx="989045" cy="601467"/>
           </a:xfrm>
           <a:prstGeom prst="rect">
             <a:avLst/>
           </a:prstGeom>
-        </p:spPr>
-      </p:pic>
-      <p:sp>
-        <p:nvSpPr>
-          <p:cNvPr id="6" name="TextBox 5">
-            <a:extLst>
-              <a:ext uri="{FF2B5EF4-FFF2-40B4-BE49-F238E27FC236}">
-                <a16:creationId xmlns:a16="http://schemas.microsoft.com/office/drawing/2014/main" id="{F3A36EDA-EFDE-4826-9A5C-563B5EBD103E}"/>
-              </a:ext>
-            </a:extLst>
-          </p:cNvPr>
-          <p:cNvSpPr txBox="1"/>
-          <p:nvPr/>
-        </p:nvSpPr>
-        <p:spPr>
-          <a:xfrm>
-            <a:off x="252298" y="3387622"/>
-            <a:ext cx="3982818" cy="1569660"/>
-          </a:xfrm>
-          <a:prstGeom prst="rect">
-            <a:avLst/>
-          </a:prstGeom>
           <a:noFill/>
         </p:spPr>
-        <p:txBody>
-          <a:bodyPr wrap="square" rtlCol="0">
-            <a:spAutoFit/>
-          </a:bodyPr>
-          <a:lstStyle/>
-          <a:p>
-            <a:r>
-              <a:rPr lang="en-GB" sz="2400" b="1" dirty="0"/>
-              <a:t>Blast database location</a:t>
-            </a:r>
-          </a:p>
-          <a:p>
-            <a:r>
-              <a:rPr lang="en-GB" sz="2400" dirty="0" err="1"/>
-              <a:t>GeneBank</a:t>
-            </a:r>
-            <a:r>
-              <a:rPr lang="en-GB" sz="2400" dirty="0"/>
-              <a:t>: </a:t>
-            </a:r>
-            <a:r>
-              <a:rPr lang="en-GB" sz="2400" dirty="0" err="1"/>
-              <a:t>nr</a:t>
-            </a:r>
-            <a:r>
-              <a:rPr lang="en-GB" sz="2400" dirty="0"/>
-              <a:t>, </a:t>
-            </a:r>
-            <a:r>
-              <a:rPr lang="en-GB" sz="2400" dirty="0" err="1"/>
-              <a:t>nt</a:t>
-            </a:r>
-            <a:r>
-              <a:rPr lang="en-GB" sz="2400" dirty="0"/>
-              <a:t>, </a:t>
-            </a:r>
-            <a:r>
-              <a:rPr lang="en-GB" sz="2400" dirty="0" err="1"/>
-              <a:t>swissprot</a:t>
-            </a:r>
-            <a:r>
-              <a:rPr lang="en-GB" sz="2400" dirty="0"/>
-              <a:t>, human and these as Diamond databases</a:t>
-            </a:r>
+        <p:style>
+          <a:lnRef idx="2">
+            <a:schemeClr val="accent1">
+              <a:shade val="50000"/>
+            </a:schemeClr>
+          </a:lnRef>
+          <a:fillRef idx="1">
+            <a:schemeClr val="accent1"/>
+          </a:fillRef>
+          <a:effectRef idx="0">
+            <a:schemeClr val="accent1"/>
+          </a:effectRef>
+          <a:fontRef idx="minor">
+            <a:schemeClr val="lt1"/>
+          </a:fontRef>
+        </p:style>
+        <p:txBody>
+          <a:bodyPr rtlCol="0" anchor="ctr"/>
+          <a:lstStyle/>
+          <a:p>
+            <a:pPr algn="ctr"/>
+            <a:endParaRPr lang="en-GB" dirty="0"/>
           </a:p>
         </p:txBody>
       </p:sp>
       <p:cxnSp>
         <p:nvCxnSpPr>
-          <p:cNvPr id="8" name="Straight Arrow Connector 7">
-            <a:extLst>
-              <a:ext uri="{FF2B5EF4-FFF2-40B4-BE49-F238E27FC236}">
-                <a16:creationId xmlns:a16="http://schemas.microsoft.com/office/drawing/2014/main" id="{DAB0A647-C22B-426F-85EE-1D73191E28E5}"/>
+          <p:cNvPr id="6" name="Straight Arrow Connector 5">
+            <a:extLst>
+              <a:ext uri="{FF2B5EF4-FFF2-40B4-BE49-F238E27FC236}">
+                <a16:creationId xmlns:a16="http://schemas.microsoft.com/office/drawing/2014/main" id="{61DD735D-6AD0-4D18-B51A-CE1FE72B69C9}"/>
               </a:ext>
             </a:extLst>
           </p:cNvPr>
           <p:cNvCxnSpPr>
-            <a:cxnSpLocks/>
+            <a:stCxn id="5" idx="3"/>
           </p:cNvCxnSpPr>
           <p:nvPr/>
         </p:nvCxnSpPr>
         <p:spPr>
-          <a:xfrm>
-            <a:off x="3388376" y="3719652"/>
-            <a:ext cx="2627413" cy="1301527"/>
+          <a:xfrm flipV="1">
+            <a:off x="1101012" y="5794310"/>
+            <a:ext cx="718458" cy="2154"/>
           </a:xfrm>
           <a:prstGeom prst="straightConnector1">
             <a:avLst/>
@@ -12928,10 +12090,759 @@
           </a:fontRef>
         </p:style>
       </p:cxnSp>
+      <p:sp>
+        <p:nvSpPr>
+          <p:cNvPr id="7" name="TextBox 6">
+            <a:extLst>
+              <a:ext uri="{FF2B5EF4-FFF2-40B4-BE49-F238E27FC236}">
+                <a16:creationId xmlns:a16="http://schemas.microsoft.com/office/drawing/2014/main" id="{C3EB5D00-A396-4347-93E8-17A600757173}"/>
+              </a:ext>
+            </a:extLst>
+          </p:cNvPr>
+          <p:cNvSpPr txBox="1"/>
+          <p:nvPr/>
+        </p:nvSpPr>
+        <p:spPr>
+          <a:xfrm>
+            <a:off x="130629" y="5507215"/>
+            <a:ext cx="925284" cy="646331"/>
+          </a:xfrm>
+          <a:prstGeom prst="rect">
+            <a:avLst/>
+          </a:prstGeom>
+          <a:noFill/>
+        </p:spPr>
+        <p:txBody>
+          <a:bodyPr wrap="square" rtlCol="0">
+            <a:spAutoFit/>
+          </a:bodyPr>
+          <a:lstStyle/>
+          <a:p>
+            <a:r>
+              <a:rPr lang="en-GB" dirty="0"/>
+              <a:t>Quality control</a:t>
+            </a:r>
+          </a:p>
+        </p:txBody>
+      </p:sp>
+      <p:sp>
+        <p:nvSpPr>
+          <p:cNvPr id="8" name="Rectangle 7">
+            <a:extLst>
+              <a:ext uri="{FF2B5EF4-FFF2-40B4-BE49-F238E27FC236}">
+                <a16:creationId xmlns:a16="http://schemas.microsoft.com/office/drawing/2014/main" id="{C83459DA-6C7C-42D2-84AE-BB1706ED7C23}"/>
+              </a:ext>
+            </a:extLst>
+          </p:cNvPr>
+          <p:cNvSpPr/>
+          <p:nvPr/>
+        </p:nvSpPr>
+        <p:spPr>
+          <a:xfrm>
+            <a:off x="1813250" y="5480176"/>
+            <a:ext cx="989045" cy="601467"/>
+          </a:xfrm>
+          <a:prstGeom prst="rect">
+            <a:avLst/>
+          </a:prstGeom>
+          <a:noFill/>
+        </p:spPr>
+        <p:style>
+          <a:lnRef idx="2">
+            <a:schemeClr val="accent1">
+              <a:shade val="50000"/>
+            </a:schemeClr>
+          </a:lnRef>
+          <a:fillRef idx="1">
+            <a:schemeClr val="accent1"/>
+          </a:fillRef>
+          <a:effectRef idx="0">
+            <a:schemeClr val="accent1"/>
+          </a:effectRef>
+          <a:fontRef idx="minor">
+            <a:schemeClr val="lt1"/>
+          </a:fontRef>
+        </p:style>
+        <p:txBody>
+          <a:bodyPr rtlCol="0" anchor="ctr"/>
+          <a:lstStyle/>
+          <a:p>
+            <a:pPr algn="ctr"/>
+            <a:endParaRPr lang="en-GB" dirty="0"/>
+          </a:p>
+        </p:txBody>
+      </p:sp>
+      <p:cxnSp>
+        <p:nvCxnSpPr>
+          <p:cNvPr id="9" name="Straight Arrow Connector 8">
+            <a:extLst>
+              <a:ext uri="{FF2B5EF4-FFF2-40B4-BE49-F238E27FC236}">
+                <a16:creationId xmlns:a16="http://schemas.microsoft.com/office/drawing/2014/main" id="{DEACD28E-E7C3-4542-9282-833984D1B870}"/>
+              </a:ext>
+            </a:extLst>
+          </p:cNvPr>
+          <p:cNvCxnSpPr>
+            <a:stCxn id="8" idx="3"/>
+          </p:cNvCxnSpPr>
+          <p:nvPr/>
+        </p:nvCxnSpPr>
+        <p:spPr>
+          <a:xfrm flipV="1">
+            <a:off x="2802295" y="5778756"/>
+            <a:ext cx="718458" cy="2154"/>
+          </a:xfrm>
+          <a:prstGeom prst="straightConnector1">
+            <a:avLst/>
+          </a:prstGeom>
+          <a:ln>
+            <a:tailEnd type="triangle"/>
+          </a:ln>
+        </p:spPr>
+        <p:style>
+          <a:lnRef idx="1">
+            <a:schemeClr val="accent1"/>
+          </a:lnRef>
+          <a:fillRef idx="0">
+            <a:schemeClr val="accent1"/>
+          </a:fillRef>
+          <a:effectRef idx="0">
+            <a:schemeClr val="accent1"/>
+          </a:effectRef>
+          <a:fontRef idx="minor">
+            <a:schemeClr val="tx1"/>
+          </a:fontRef>
+        </p:style>
+      </p:cxnSp>
+      <p:sp>
+        <p:nvSpPr>
+          <p:cNvPr id="10" name="TextBox 9">
+            <a:extLst>
+              <a:ext uri="{FF2B5EF4-FFF2-40B4-BE49-F238E27FC236}">
+                <a16:creationId xmlns:a16="http://schemas.microsoft.com/office/drawing/2014/main" id="{4A7EE1AC-D417-482D-B352-524F211654E2}"/>
+              </a:ext>
+            </a:extLst>
+          </p:cNvPr>
+          <p:cNvSpPr txBox="1"/>
+          <p:nvPr/>
+        </p:nvSpPr>
+        <p:spPr>
+          <a:xfrm>
+            <a:off x="1831912" y="5491661"/>
+            <a:ext cx="925284" cy="646331"/>
+          </a:xfrm>
+          <a:prstGeom prst="rect">
+            <a:avLst/>
+          </a:prstGeom>
+          <a:noFill/>
+        </p:spPr>
+        <p:txBody>
+          <a:bodyPr wrap="square" rtlCol="0">
+            <a:spAutoFit/>
+          </a:bodyPr>
+          <a:lstStyle/>
+          <a:p>
+            <a:r>
+              <a:rPr lang="en-GB" dirty="0"/>
+              <a:t>Quality trim</a:t>
+            </a:r>
+          </a:p>
+        </p:txBody>
+      </p:sp>
+      <p:sp>
+        <p:nvSpPr>
+          <p:cNvPr id="11" name="Rectangle 10">
+            <a:extLst>
+              <a:ext uri="{FF2B5EF4-FFF2-40B4-BE49-F238E27FC236}">
+                <a16:creationId xmlns:a16="http://schemas.microsoft.com/office/drawing/2014/main" id="{BB06A71F-29B9-4AC9-8BB1-4B4D0D2714CA}"/>
+              </a:ext>
+            </a:extLst>
+          </p:cNvPr>
+          <p:cNvSpPr/>
+          <p:nvPr/>
+        </p:nvSpPr>
+        <p:spPr>
+          <a:xfrm>
+            <a:off x="3558073" y="5470844"/>
+            <a:ext cx="989045" cy="601467"/>
+          </a:xfrm>
+          <a:prstGeom prst="rect">
+            <a:avLst/>
+          </a:prstGeom>
+          <a:noFill/>
+        </p:spPr>
+        <p:style>
+          <a:lnRef idx="2">
+            <a:schemeClr val="accent1">
+              <a:shade val="50000"/>
+            </a:schemeClr>
+          </a:lnRef>
+          <a:fillRef idx="1">
+            <a:schemeClr val="accent1"/>
+          </a:fillRef>
+          <a:effectRef idx="0">
+            <a:schemeClr val="accent1"/>
+          </a:effectRef>
+          <a:fontRef idx="minor">
+            <a:schemeClr val="lt1"/>
+          </a:fontRef>
+        </p:style>
+        <p:txBody>
+          <a:bodyPr rtlCol="0" anchor="ctr"/>
+          <a:lstStyle/>
+          <a:p>
+            <a:pPr algn="ctr"/>
+            <a:endParaRPr lang="en-GB" dirty="0"/>
+          </a:p>
+        </p:txBody>
+      </p:sp>
+      <p:cxnSp>
+        <p:nvCxnSpPr>
+          <p:cNvPr id="12" name="Straight Arrow Connector 11">
+            <a:extLst>
+              <a:ext uri="{FF2B5EF4-FFF2-40B4-BE49-F238E27FC236}">
+                <a16:creationId xmlns:a16="http://schemas.microsoft.com/office/drawing/2014/main" id="{3991BF36-C0A7-4CC3-A142-DB31F5D767E2}"/>
+              </a:ext>
+            </a:extLst>
+          </p:cNvPr>
+          <p:cNvCxnSpPr>
+            <a:stCxn id="11" idx="3"/>
+          </p:cNvCxnSpPr>
+          <p:nvPr/>
+        </p:nvCxnSpPr>
+        <p:spPr>
+          <a:xfrm flipV="1">
+            <a:off x="4547118" y="5769424"/>
+            <a:ext cx="718458" cy="2154"/>
+          </a:xfrm>
+          <a:prstGeom prst="straightConnector1">
+            <a:avLst/>
+          </a:prstGeom>
+          <a:ln>
+            <a:tailEnd type="triangle"/>
+          </a:ln>
+        </p:spPr>
+        <p:style>
+          <a:lnRef idx="1">
+            <a:schemeClr val="accent1"/>
+          </a:lnRef>
+          <a:fillRef idx="0">
+            <a:schemeClr val="accent1"/>
+          </a:fillRef>
+          <a:effectRef idx="0">
+            <a:schemeClr val="accent1"/>
+          </a:effectRef>
+          <a:fontRef idx="minor">
+            <a:schemeClr val="tx1"/>
+          </a:fontRef>
+        </p:style>
+      </p:cxnSp>
+      <p:sp>
+        <p:nvSpPr>
+          <p:cNvPr id="13" name="TextBox 12">
+            <a:extLst>
+              <a:ext uri="{FF2B5EF4-FFF2-40B4-BE49-F238E27FC236}">
+                <a16:creationId xmlns:a16="http://schemas.microsoft.com/office/drawing/2014/main" id="{770E0A57-5D8F-4BE8-BA52-FE29567D450D}"/>
+              </a:ext>
+            </a:extLst>
+          </p:cNvPr>
+          <p:cNvSpPr txBox="1"/>
+          <p:nvPr/>
+        </p:nvSpPr>
+        <p:spPr>
+          <a:xfrm>
+            <a:off x="3576735" y="5482329"/>
+            <a:ext cx="925284" cy="646331"/>
+          </a:xfrm>
+          <a:prstGeom prst="rect">
+            <a:avLst/>
+          </a:prstGeom>
+          <a:noFill/>
+        </p:spPr>
+        <p:txBody>
+          <a:bodyPr wrap="square" rtlCol="0">
+            <a:spAutoFit/>
+          </a:bodyPr>
+          <a:lstStyle/>
+          <a:p>
+            <a:r>
+              <a:rPr lang="en-GB" dirty="0"/>
+              <a:t>Quality control</a:t>
+            </a:r>
+          </a:p>
+        </p:txBody>
+      </p:sp>
+      <p:sp>
+        <p:nvSpPr>
+          <p:cNvPr id="14" name="Rectangle 13">
+            <a:extLst>
+              <a:ext uri="{FF2B5EF4-FFF2-40B4-BE49-F238E27FC236}">
+                <a16:creationId xmlns:a16="http://schemas.microsoft.com/office/drawing/2014/main" id="{DBB46FE9-3DAD-4141-97E9-929D9F093A11}"/>
+              </a:ext>
+            </a:extLst>
+          </p:cNvPr>
+          <p:cNvSpPr/>
+          <p:nvPr/>
+        </p:nvSpPr>
+        <p:spPr>
+          <a:xfrm>
+            <a:off x="5274908" y="5452183"/>
+            <a:ext cx="1331165" cy="1336195"/>
+          </a:xfrm>
+          <a:prstGeom prst="rect">
+            <a:avLst/>
+          </a:prstGeom>
+          <a:noFill/>
+        </p:spPr>
+        <p:style>
+          <a:lnRef idx="2">
+            <a:schemeClr val="accent1">
+              <a:shade val="50000"/>
+            </a:schemeClr>
+          </a:lnRef>
+          <a:fillRef idx="1">
+            <a:schemeClr val="accent1"/>
+          </a:fillRef>
+          <a:effectRef idx="0">
+            <a:schemeClr val="accent1"/>
+          </a:effectRef>
+          <a:fontRef idx="minor">
+            <a:schemeClr val="lt1"/>
+          </a:fontRef>
+        </p:style>
+        <p:txBody>
+          <a:bodyPr rtlCol="0" anchor="ctr"/>
+          <a:lstStyle/>
+          <a:p>
+            <a:pPr algn="ctr"/>
+            <a:endParaRPr lang="en-GB" dirty="0"/>
+          </a:p>
+        </p:txBody>
+      </p:sp>
+      <p:sp>
+        <p:nvSpPr>
+          <p:cNvPr id="15" name="TextBox 14">
+            <a:extLst>
+              <a:ext uri="{FF2B5EF4-FFF2-40B4-BE49-F238E27FC236}">
+                <a16:creationId xmlns:a16="http://schemas.microsoft.com/office/drawing/2014/main" id="{9D373941-59B7-4E5D-81C0-5203767B8DA4}"/>
+              </a:ext>
+            </a:extLst>
+          </p:cNvPr>
+          <p:cNvSpPr txBox="1"/>
+          <p:nvPr/>
+        </p:nvSpPr>
+        <p:spPr>
+          <a:xfrm>
+            <a:off x="5274907" y="5491661"/>
+            <a:ext cx="1424473" cy="1107996"/>
+          </a:xfrm>
+          <a:prstGeom prst="rect">
+            <a:avLst/>
+          </a:prstGeom>
+          <a:noFill/>
+        </p:spPr>
+        <p:txBody>
+          <a:bodyPr wrap="square" rtlCol="0">
+            <a:spAutoFit/>
+          </a:bodyPr>
+          <a:lstStyle/>
+          <a:p>
+            <a:r>
+              <a:rPr lang="en-GB" dirty="0"/>
+              <a:t>Assemble </a:t>
+            </a:r>
+            <a:r>
+              <a:rPr lang="en-GB" sz="1600" dirty="0"/>
+              <a:t>(different </a:t>
+            </a:r>
+            <a:r>
+              <a:rPr lang="en-GB" sz="1600" dirty="0" err="1"/>
+              <a:t>kmers</a:t>
+            </a:r>
+            <a:r>
+              <a:rPr lang="en-GB" sz="1600" dirty="0"/>
+              <a:t>, different tools)</a:t>
+            </a:r>
+            <a:endParaRPr lang="en-GB" dirty="0"/>
+          </a:p>
+        </p:txBody>
+      </p:sp>
+      <p:cxnSp>
+        <p:nvCxnSpPr>
+          <p:cNvPr id="16" name="Straight Arrow Connector 15">
+            <a:extLst>
+              <a:ext uri="{FF2B5EF4-FFF2-40B4-BE49-F238E27FC236}">
+                <a16:creationId xmlns:a16="http://schemas.microsoft.com/office/drawing/2014/main" id="{D4EFE342-8049-4B5F-BFDE-6C58CED9698C}"/>
+              </a:ext>
+            </a:extLst>
+          </p:cNvPr>
+          <p:cNvCxnSpPr/>
+          <p:nvPr/>
+        </p:nvCxnSpPr>
+        <p:spPr>
+          <a:xfrm flipV="1">
+            <a:off x="6627848" y="5769424"/>
+            <a:ext cx="718458" cy="2154"/>
+          </a:xfrm>
+          <a:prstGeom prst="straightConnector1">
+            <a:avLst/>
+          </a:prstGeom>
+          <a:ln>
+            <a:tailEnd type="triangle"/>
+          </a:ln>
+        </p:spPr>
+        <p:style>
+          <a:lnRef idx="1">
+            <a:schemeClr val="accent1"/>
+          </a:lnRef>
+          <a:fillRef idx="0">
+            <a:schemeClr val="accent1"/>
+          </a:fillRef>
+          <a:effectRef idx="0">
+            <a:schemeClr val="accent1"/>
+          </a:effectRef>
+          <a:fontRef idx="minor">
+            <a:schemeClr val="tx1"/>
+          </a:fontRef>
+        </p:style>
+      </p:cxnSp>
+      <p:sp>
+        <p:nvSpPr>
+          <p:cNvPr id="17" name="Rectangle 16">
+            <a:extLst>
+              <a:ext uri="{FF2B5EF4-FFF2-40B4-BE49-F238E27FC236}">
+                <a16:creationId xmlns:a16="http://schemas.microsoft.com/office/drawing/2014/main" id="{7BEB972D-0944-4FB4-9583-C8E23B09872D}"/>
+              </a:ext>
+            </a:extLst>
+          </p:cNvPr>
+          <p:cNvSpPr/>
+          <p:nvPr/>
+        </p:nvSpPr>
+        <p:spPr>
+          <a:xfrm>
+            <a:off x="7327644" y="5459659"/>
+            <a:ext cx="989045" cy="601467"/>
+          </a:xfrm>
+          <a:prstGeom prst="rect">
+            <a:avLst/>
+          </a:prstGeom>
+          <a:noFill/>
+        </p:spPr>
+        <p:style>
+          <a:lnRef idx="2">
+            <a:schemeClr val="accent1">
+              <a:shade val="50000"/>
+            </a:schemeClr>
+          </a:lnRef>
+          <a:fillRef idx="1">
+            <a:schemeClr val="accent1"/>
+          </a:fillRef>
+          <a:effectRef idx="0">
+            <a:schemeClr val="accent1"/>
+          </a:effectRef>
+          <a:fontRef idx="minor">
+            <a:schemeClr val="lt1"/>
+          </a:fontRef>
+        </p:style>
+        <p:txBody>
+          <a:bodyPr rtlCol="0" anchor="ctr"/>
+          <a:lstStyle/>
+          <a:p>
+            <a:pPr algn="ctr"/>
+            <a:endParaRPr lang="en-GB" dirty="0"/>
+          </a:p>
+        </p:txBody>
+      </p:sp>
+      <p:cxnSp>
+        <p:nvCxnSpPr>
+          <p:cNvPr id="18" name="Straight Arrow Connector 17">
+            <a:extLst>
+              <a:ext uri="{FF2B5EF4-FFF2-40B4-BE49-F238E27FC236}">
+                <a16:creationId xmlns:a16="http://schemas.microsoft.com/office/drawing/2014/main" id="{74612A69-BDDB-4BAC-A9B4-4E8AD07FC5D4}"/>
+              </a:ext>
+            </a:extLst>
+          </p:cNvPr>
+          <p:cNvCxnSpPr>
+            <a:stCxn id="17" idx="3"/>
+          </p:cNvCxnSpPr>
+          <p:nvPr/>
+        </p:nvCxnSpPr>
+        <p:spPr>
+          <a:xfrm flipV="1">
+            <a:off x="8316689" y="5758239"/>
+            <a:ext cx="718458" cy="2154"/>
+          </a:xfrm>
+          <a:prstGeom prst="straightConnector1">
+            <a:avLst/>
+          </a:prstGeom>
+          <a:ln>
+            <a:tailEnd type="triangle"/>
+          </a:ln>
+        </p:spPr>
+        <p:style>
+          <a:lnRef idx="1">
+            <a:schemeClr val="accent1"/>
+          </a:lnRef>
+          <a:fillRef idx="0">
+            <a:schemeClr val="accent1"/>
+          </a:fillRef>
+          <a:effectRef idx="0">
+            <a:schemeClr val="accent1"/>
+          </a:effectRef>
+          <a:fontRef idx="minor">
+            <a:schemeClr val="tx1"/>
+          </a:fontRef>
+        </p:style>
+      </p:cxnSp>
+      <p:sp>
+        <p:nvSpPr>
+          <p:cNvPr id="19" name="TextBox 18">
+            <a:extLst>
+              <a:ext uri="{FF2B5EF4-FFF2-40B4-BE49-F238E27FC236}">
+                <a16:creationId xmlns:a16="http://schemas.microsoft.com/office/drawing/2014/main" id="{948F54FA-EC58-4A9C-9E24-70AA35835217}"/>
+              </a:ext>
+            </a:extLst>
+          </p:cNvPr>
+          <p:cNvSpPr txBox="1"/>
+          <p:nvPr/>
+        </p:nvSpPr>
+        <p:spPr>
+          <a:xfrm>
+            <a:off x="7346306" y="5471144"/>
+            <a:ext cx="925284" cy="646331"/>
+          </a:xfrm>
+          <a:prstGeom prst="rect">
+            <a:avLst/>
+          </a:prstGeom>
+          <a:noFill/>
+        </p:spPr>
+        <p:txBody>
+          <a:bodyPr wrap="square" rtlCol="0">
+            <a:spAutoFit/>
+          </a:bodyPr>
+          <a:lstStyle/>
+          <a:p>
+            <a:r>
+              <a:rPr lang="en-GB" dirty="0"/>
+              <a:t>Predict genes</a:t>
+            </a:r>
+          </a:p>
+        </p:txBody>
+      </p:sp>
+      <p:sp>
+        <p:nvSpPr>
+          <p:cNvPr id="20" name="Rectangle 19">
+            <a:extLst>
+              <a:ext uri="{FF2B5EF4-FFF2-40B4-BE49-F238E27FC236}">
+                <a16:creationId xmlns:a16="http://schemas.microsoft.com/office/drawing/2014/main" id="{30E275D9-CDC1-4560-994E-05E8E5189314}"/>
+              </a:ext>
+            </a:extLst>
+          </p:cNvPr>
+          <p:cNvSpPr/>
+          <p:nvPr/>
+        </p:nvSpPr>
+        <p:spPr>
+          <a:xfrm>
+            <a:off x="9035147" y="5452183"/>
+            <a:ext cx="989045" cy="1327579"/>
+          </a:xfrm>
+          <a:prstGeom prst="rect">
+            <a:avLst/>
+          </a:prstGeom>
+          <a:noFill/>
+        </p:spPr>
+        <p:style>
+          <a:lnRef idx="2">
+            <a:schemeClr val="accent1">
+              <a:shade val="50000"/>
+            </a:schemeClr>
+          </a:lnRef>
+          <a:fillRef idx="1">
+            <a:schemeClr val="accent1"/>
+          </a:fillRef>
+          <a:effectRef idx="0">
+            <a:schemeClr val="accent1"/>
+          </a:effectRef>
+          <a:fontRef idx="minor">
+            <a:schemeClr val="lt1"/>
+          </a:fontRef>
+        </p:style>
+        <p:txBody>
+          <a:bodyPr rtlCol="0" anchor="ctr"/>
+          <a:lstStyle/>
+          <a:p>
+            <a:pPr algn="ctr"/>
+            <a:endParaRPr lang="en-GB" dirty="0"/>
+          </a:p>
+        </p:txBody>
+      </p:sp>
+      <p:sp>
+        <p:nvSpPr>
+          <p:cNvPr id="21" name="TextBox 20">
+            <a:extLst>
+              <a:ext uri="{FF2B5EF4-FFF2-40B4-BE49-F238E27FC236}">
+                <a16:creationId xmlns:a16="http://schemas.microsoft.com/office/drawing/2014/main" id="{6F004489-D4AF-4B60-A619-5E40BF1B6E86}"/>
+              </a:ext>
+            </a:extLst>
+          </p:cNvPr>
+          <p:cNvSpPr txBox="1"/>
+          <p:nvPr/>
+        </p:nvSpPr>
+        <p:spPr>
+          <a:xfrm>
+            <a:off x="9186770" y="5515807"/>
+            <a:ext cx="925284" cy="1200329"/>
+          </a:xfrm>
+          <a:prstGeom prst="rect">
+            <a:avLst/>
+          </a:prstGeom>
+          <a:noFill/>
+        </p:spPr>
+        <p:txBody>
+          <a:bodyPr wrap="square" rtlCol="0">
+            <a:spAutoFit/>
+          </a:bodyPr>
+          <a:lstStyle/>
+          <a:p>
+            <a:r>
+              <a:rPr lang="en-GB" sz="1200" dirty="0"/>
+              <a:t>Draw a genome diagram with the genes marked</a:t>
+            </a:r>
+          </a:p>
+        </p:txBody>
+      </p:sp>
+      <p:cxnSp>
+        <p:nvCxnSpPr>
+          <p:cNvPr id="22" name="Connector: Elbow 21">
+            <a:extLst>
+              <a:ext uri="{FF2B5EF4-FFF2-40B4-BE49-F238E27FC236}">
+                <a16:creationId xmlns:a16="http://schemas.microsoft.com/office/drawing/2014/main" id="{4CCB9D5A-A3AC-4B12-8559-EB3767F37941}"/>
+              </a:ext>
+            </a:extLst>
+          </p:cNvPr>
+          <p:cNvCxnSpPr>
+            <a:cxnSpLocks/>
+          </p:cNvCxnSpPr>
+          <p:nvPr/>
+        </p:nvCxnSpPr>
+        <p:spPr>
+          <a:xfrm flipV="1">
+            <a:off x="5987143" y="4516016"/>
+            <a:ext cx="2802294" cy="879820"/>
+          </a:xfrm>
+          <a:prstGeom prst="bentConnector3">
+            <a:avLst>
+              <a:gd name="adj1" fmla="val -943"/>
+            </a:avLst>
+          </a:prstGeom>
+          <a:ln>
+            <a:tailEnd type="triangle"/>
+          </a:ln>
+        </p:spPr>
+        <p:style>
+          <a:lnRef idx="1">
+            <a:schemeClr val="accent1"/>
+          </a:lnRef>
+          <a:fillRef idx="0">
+            <a:schemeClr val="accent1"/>
+          </a:fillRef>
+          <a:effectRef idx="0">
+            <a:schemeClr val="accent1"/>
+          </a:effectRef>
+          <a:fontRef idx="minor">
+            <a:schemeClr val="tx1"/>
+          </a:fontRef>
+        </p:style>
+      </p:cxnSp>
+      <p:sp>
+        <p:nvSpPr>
+          <p:cNvPr id="23" name="Rectangle 22">
+            <a:extLst>
+              <a:ext uri="{FF2B5EF4-FFF2-40B4-BE49-F238E27FC236}">
+                <a16:creationId xmlns:a16="http://schemas.microsoft.com/office/drawing/2014/main" id="{C7B41ED7-BAF2-4EC7-A314-69C835997F38}"/>
+              </a:ext>
+            </a:extLst>
+          </p:cNvPr>
+          <p:cNvSpPr/>
+          <p:nvPr/>
+        </p:nvSpPr>
+        <p:spPr>
+          <a:xfrm>
+            <a:off x="8789435" y="4231775"/>
+            <a:ext cx="989045" cy="601467"/>
+          </a:xfrm>
+          <a:prstGeom prst="rect">
+            <a:avLst/>
+          </a:prstGeom>
+          <a:noFill/>
+        </p:spPr>
+        <p:style>
+          <a:lnRef idx="2">
+            <a:schemeClr val="accent1">
+              <a:shade val="50000"/>
+            </a:schemeClr>
+          </a:lnRef>
+          <a:fillRef idx="1">
+            <a:schemeClr val="accent1"/>
+          </a:fillRef>
+          <a:effectRef idx="0">
+            <a:schemeClr val="accent1"/>
+          </a:effectRef>
+          <a:fontRef idx="minor">
+            <a:schemeClr val="lt1"/>
+          </a:fontRef>
+        </p:style>
+        <p:txBody>
+          <a:bodyPr rtlCol="0" anchor="ctr"/>
+          <a:lstStyle/>
+          <a:p>
+            <a:pPr algn="ctr"/>
+            <a:endParaRPr lang="en-GB" dirty="0"/>
+          </a:p>
+        </p:txBody>
+      </p:sp>
+      <p:sp>
+        <p:nvSpPr>
+          <p:cNvPr id="24" name="TextBox 23">
+            <a:extLst>
+              <a:ext uri="{FF2B5EF4-FFF2-40B4-BE49-F238E27FC236}">
+                <a16:creationId xmlns:a16="http://schemas.microsoft.com/office/drawing/2014/main" id="{A37BA204-48CA-43B5-99B8-024E19CCFC09}"/>
+              </a:ext>
+            </a:extLst>
+          </p:cNvPr>
+          <p:cNvSpPr txBox="1"/>
+          <p:nvPr/>
+        </p:nvSpPr>
+        <p:spPr>
+          <a:xfrm>
+            <a:off x="8808097" y="4243260"/>
+            <a:ext cx="925284" cy="646331"/>
+          </a:xfrm>
+          <a:prstGeom prst="rect">
+            <a:avLst/>
+          </a:prstGeom>
+          <a:noFill/>
+        </p:spPr>
+        <p:txBody>
+          <a:bodyPr wrap="square" rtlCol="0">
+            <a:spAutoFit/>
+          </a:bodyPr>
+          <a:lstStyle/>
+          <a:p>
+            <a:r>
+              <a:rPr lang="en-GB" b="1" dirty="0">
+                <a:highlight>
+                  <a:srgbClr val="FFFF00"/>
+                </a:highlight>
+              </a:rPr>
+              <a:t>BLAST: identify</a:t>
+            </a:r>
+          </a:p>
+        </p:txBody>
+      </p:sp>
     </p:spTree>
     <p:extLst>
       <p:ext uri="{BB962C8B-B14F-4D97-AF65-F5344CB8AC3E}">
-        <p14:creationId xmlns:p14="http://schemas.microsoft.com/office/powerpoint/2010/main" val="2767308826"/>
+        <p14:creationId xmlns:p14="http://schemas.microsoft.com/office/powerpoint/2010/main" val="3101719156"/>
       </p:ext>
     </p:extLst>
   </p:cSld>
@@ -13072,12 +12983,37 @@
           </a:p>
           <a:p>
             <a:r>
+              <a:rPr lang="en-GB" sz="1800" dirty="0">
+                <a:hlinkClick r:id="rId2"/>
+              </a:rPr>
+              <a:t>https://blast.ncbi.nlm.nih.gov/Blast.cgi</a:t>
+            </a:r>
+            <a:endParaRPr lang="en-GB" sz="1800" dirty="0"/>
+          </a:p>
+          <a:p>
+            <a:pPr marL="0" indent="0">
+              <a:buNone/>
+            </a:pPr>
+            <a:r>
+              <a:rPr lang="en-GB" dirty="0"/>
+              <a:t>       </a:t>
+            </a:r>
+            <a:r>
+              <a:rPr lang="en-GB" dirty="0" err="1">
+                <a:solidFill>
+                  <a:srgbClr val="0070C0"/>
+                </a:solidFill>
+              </a:rPr>
+              <a:t>nano</a:t>
+            </a:r>
+            <a:r>
               <a:rPr lang="en-GB" dirty="0">
-                <a:hlinkClick r:id="rId2"/>
-              </a:rPr>
-              <a:t>https://blast.ncbi.nlm.nih.gov/Blast.cgi</a:t>
-            </a:r>
-            <a:endParaRPr lang="en-GB" dirty="0"/>
+                <a:solidFill>
+                  <a:srgbClr val="0070C0"/>
+                </a:solidFill>
+              </a:rPr>
+              <a:t> ./shell_scripts/blast.sh</a:t>
+            </a:r>
           </a:p>
           <a:p>
             <a:endParaRPr lang="en-GB" dirty="0"/>
@@ -13183,8 +13119,8 @@
         </p:nvSpPr>
         <p:spPr>
           <a:xfrm>
-            <a:off x="1246909" y="4178630"/>
-            <a:ext cx="3333404" cy="1938992"/>
+            <a:off x="252298" y="3387622"/>
+            <a:ext cx="3982818" cy="1569660"/>
           </a:xfrm>
           <a:prstGeom prst="rect">
             <a:avLst/>
@@ -13198,30 +13134,42 @@
           <a:lstStyle/>
           <a:p>
             <a:r>
+              <a:rPr lang="en-GB" sz="2400" b="1" dirty="0"/>
+              <a:t>Blast database location</a:t>
+            </a:r>
+          </a:p>
+          <a:p>
+            <a:r>
+              <a:rPr lang="en-GB" sz="2400" dirty="0" err="1"/>
+              <a:t>GeneBank</a:t>
+            </a:r>
+            <a:r>
               <a:rPr lang="en-GB" sz="2400" dirty="0"/>
-              <a:t>Blast database location</a:t>
-            </a:r>
-          </a:p>
-          <a:p>
+              <a:t>: </a:t>
+            </a:r>
+            <a:r>
+              <a:rPr lang="en-GB" sz="2400" dirty="0" err="1"/>
+              <a:t>nr</a:t>
+            </a:r>
             <a:r>
               <a:rPr lang="en-GB" sz="2400" dirty="0"/>
-              <a:t>Blast software</a:t>
-            </a:r>
-          </a:p>
-          <a:p>
+              <a:t>, </a:t>
+            </a:r>
+            <a:r>
+              <a:rPr lang="en-GB" sz="2400" dirty="0" err="1"/>
+              <a:t>nt</a:t>
+            </a:r>
             <a:r>
               <a:rPr lang="en-GB" sz="2400" dirty="0"/>
-              <a:t>Get a snippet from the assembly</a:t>
-            </a:r>
-          </a:p>
-          <a:p>
+              <a:t>, </a:t>
+            </a:r>
             <a:r>
               <a:rPr lang="en-GB" sz="2400" dirty="0" err="1"/>
-              <a:t>Blastn</a:t>
+              <a:t>swissprot</a:t>
             </a:r>
             <a:r>
               <a:rPr lang="en-GB" sz="2400" dirty="0"/>
-              <a:t> command</a:t>
+              <a:t>, human and these as Diamond databases</a:t>
             </a:r>
           </a:p>
         </p:txBody>
@@ -13235,130 +13183,15 @@
               </a:ext>
             </a:extLst>
           </p:cNvPr>
-          <p:cNvCxnSpPr/>
+          <p:cNvCxnSpPr>
+            <a:cxnSpLocks/>
+          </p:cNvCxnSpPr>
           <p:nvPr/>
         </p:nvCxnSpPr>
         <p:spPr>
           <a:xfrm>
-            <a:off x="4289367" y="4405745"/>
-            <a:ext cx="1806633" cy="590204"/>
-          </a:xfrm>
-          <a:prstGeom prst="straightConnector1">
-            <a:avLst/>
-          </a:prstGeom>
-          <a:ln>
-            <a:tailEnd type="triangle"/>
-          </a:ln>
-        </p:spPr>
-        <p:style>
-          <a:lnRef idx="1">
-            <a:schemeClr val="accent1"/>
-          </a:lnRef>
-          <a:fillRef idx="0">
-            <a:schemeClr val="accent1"/>
-          </a:fillRef>
-          <a:effectRef idx="0">
-            <a:schemeClr val="accent1"/>
-          </a:effectRef>
-          <a:fontRef idx="minor">
-            <a:schemeClr val="tx1"/>
-          </a:fontRef>
-        </p:style>
-      </p:cxnSp>
-      <p:cxnSp>
-        <p:nvCxnSpPr>
-          <p:cNvPr id="10" name="Straight Arrow Connector 9">
-            <a:extLst>
-              <a:ext uri="{FF2B5EF4-FFF2-40B4-BE49-F238E27FC236}">
-                <a16:creationId xmlns:a16="http://schemas.microsoft.com/office/drawing/2014/main" id="{32A734DC-4875-404B-8FFB-EA0C42615733}"/>
-              </a:ext>
-            </a:extLst>
-          </p:cNvPr>
-          <p:cNvCxnSpPr/>
-          <p:nvPr/>
-        </p:nvCxnSpPr>
-        <p:spPr>
-          <a:xfrm>
-            <a:off x="3283527" y="4760337"/>
-            <a:ext cx="2812473" cy="726063"/>
-          </a:xfrm>
-          <a:prstGeom prst="straightConnector1">
-            <a:avLst/>
-          </a:prstGeom>
-          <a:ln>
-            <a:tailEnd type="triangle"/>
-          </a:ln>
-        </p:spPr>
-        <p:style>
-          <a:lnRef idx="1">
-            <a:schemeClr val="accent1"/>
-          </a:lnRef>
-          <a:fillRef idx="0">
-            <a:schemeClr val="accent1"/>
-          </a:fillRef>
-          <a:effectRef idx="0">
-            <a:schemeClr val="accent1"/>
-          </a:effectRef>
-          <a:fontRef idx="minor">
-            <a:schemeClr val="tx1"/>
-          </a:fontRef>
-        </p:style>
-      </p:cxnSp>
-      <p:cxnSp>
-        <p:nvCxnSpPr>
-          <p:cNvPr id="12" name="Straight Arrow Connector 11">
-            <a:extLst>
-              <a:ext uri="{FF2B5EF4-FFF2-40B4-BE49-F238E27FC236}">
-                <a16:creationId xmlns:a16="http://schemas.microsoft.com/office/drawing/2014/main" id="{A6A540D3-47B4-4C40-B781-ED344F363DE7}"/>
-              </a:ext>
-            </a:extLst>
-          </p:cNvPr>
-          <p:cNvCxnSpPr/>
-          <p:nvPr/>
-        </p:nvCxnSpPr>
-        <p:spPr>
-          <a:xfrm>
-            <a:off x="3208713" y="5394960"/>
-            <a:ext cx="2887287" cy="462440"/>
-          </a:xfrm>
-          <a:prstGeom prst="straightConnector1">
-            <a:avLst/>
-          </a:prstGeom>
-          <a:ln>
-            <a:tailEnd type="triangle"/>
-          </a:ln>
-        </p:spPr>
-        <p:style>
-          <a:lnRef idx="1">
-            <a:schemeClr val="accent1"/>
-          </a:lnRef>
-          <a:fillRef idx="0">
-            <a:schemeClr val="accent1"/>
-          </a:fillRef>
-          <a:effectRef idx="0">
-            <a:schemeClr val="accent1"/>
-          </a:effectRef>
-          <a:fontRef idx="minor">
-            <a:schemeClr val="tx1"/>
-          </a:fontRef>
-        </p:style>
-      </p:cxnSp>
-      <p:cxnSp>
-        <p:nvCxnSpPr>
-          <p:cNvPr id="14" name="Straight Arrow Connector 13">
-            <a:extLst>
-              <a:ext uri="{FF2B5EF4-FFF2-40B4-BE49-F238E27FC236}">
-                <a16:creationId xmlns:a16="http://schemas.microsoft.com/office/drawing/2014/main" id="{D9440617-9B50-480B-88E0-092B2107A3A1}"/>
-              </a:ext>
-            </a:extLst>
-          </p:cNvPr>
-          <p:cNvCxnSpPr/>
-          <p:nvPr/>
-        </p:nvCxnSpPr>
-        <p:spPr>
-          <a:xfrm>
-            <a:off x="3516284" y="5857400"/>
-            <a:ext cx="2468880" cy="443647"/>
+            <a:off x="3388376" y="3719652"/>
+            <a:ext cx="2627413" cy="1301527"/>
           </a:xfrm>
           <a:prstGeom prst="straightConnector1">
             <a:avLst/>
@@ -13385,7 +13218,7 @@
     </p:spTree>
     <p:extLst>
       <p:ext uri="{BB962C8B-B14F-4D97-AF65-F5344CB8AC3E}">
-        <p14:creationId xmlns:p14="http://schemas.microsoft.com/office/powerpoint/2010/main" val="555515881"/>
+        <p14:creationId xmlns:p14="http://schemas.microsoft.com/office/powerpoint/2010/main" val="2767308826"/>
       </p:ext>
     </p:extLst>
   </p:cSld>
@@ -13496,6 +13329,460 @@
         </p:nvSpPr>
         <p:spPr>
           <a:xfrm>
+            <a:off x="77586" y="1246849"/>
+            <a:ext cx="10515600" cy="4351338"/>
+          </a:xfrm>
+        </p:spPr>
+        <p:txBody>
+          <a:bodyPr/>
+          <a:lstStyle/>
+          <a:p>
+            <a:r>
+              <a:rPr lang="en-GB" dirty="0"/>
+              <a:t>Blast is not fast.</a:t>
+            </a:r>
+          </a:p>
+          <a:p>
+            <a:r>
+              <a:rPr lang="en-GB" dirty="0" err="1"/>
+              <a:t>Blastn</a:t>
+            </a:r>
+            <a:r>
+              <a:rPr lang="en-GB" dirty="0"/>
+              <a:t>  - nucleotide versus </a:t>
+            </a:r>
+            <a:r>
+              <a:rPr lang="en-GB" dirty="0" err="1"/>
+              <a:t>nt</a:t>
+            </a:r>
+            <a:endParaRPr lang="en-GB" dirty="0"/>
+          </a:p>
+          <a:p>
+            <a:r>
+              <a:rPr lang="en-GB" dirty="0">
+                <a:hlinkClick r:id="rId2"/>
+              </a:rPr>
+              <a:t>https://blast.ncbi.nlm.nih.gov/Blast.cgi</a:t>
+            </a:r>
+            <a:endParaRPr lang="en-GB" dirty="0"/>
+          </a:p>
+          <a:p>
+            <a:endParaRPr lang="en-GB" dirty="0"/>
+          </a:p>
+        </p:txBody>
+      </p:sp>
+      <p:sp>
+        <p:nvSpPr>
+          <p:cNvPr id="4" name="TextBox 3">
+            <a:extLst>
+              <a:ext uri="{FF2B5EF4-FFF2-40B4-BE49-F238E27FC236}">
+                <a16:creationId xmlns:a16="http://schemas.microsoft.com/office/drawing/2014/main" id="{12873710-8CC5-4FDE-90CD-8B505186C670}"/>
+              </a:ext>
+            </a:extLst>
+          </p:cNvPr>
+          <p:cNvSpPr txBox="1"/>
+          <p:nvPr/>
+        </p:nvSpPr>
+        <p:spPr>
+          <a:xfrm>
+            <a:off x="10350500" y="0"/>
+            <a:ext cx="1841500" cy="584775"/>
+          </a:xfrm>
+          <a:prstGeom prst="rect">
+            <a:avLst/>
+          </a:prstGeom>
+          <a:noFill/>
+        </p:spPr>
+        <p:txBody>
+          <a:bodyPr wrap="square" rtlCol="0">
+            <a:spAutoFit/>
+          </a:bodyPr>
+          <a:lstStyle/>
+          <a:p>
+            <a:r>
+              <a:rPr lang="en-GB" sz="3200" dirty="0">
+                <a:solidFill>
+                  <a:srgbClr val="FF0000"/>
+                </a:solidFill>
+                <a:highlight>
+                  <a:srgbClr val="FFFF00"/>
+                </a:highlight>
+              </a:rPr>
+              <a:t>ACTIVITY</a:t>
+            </a:r>
+            <a:endParaRPr lang="en-GB" sz="2800" dirty="0">
+              <a:solidFill>
+                <a:srgbClr val="FF0000"/>
+              </a:solidFill>
+              <a:highlight>
+                <a:srgbClr val="FFFF00"/>
+              </a:highlight>
+            </a:endParaRPr>
+          </a:p>
+        </p:txBody>
+      </p:sp>
+      <p:pic>
+        <p:nvPicPr>
+          <p:cNvPr id="5" name="Picture 4">
+            <a:extLst>
+              <a:ext uri="{FF2B5EF4-FFF2-40B4-BE49-F238E27FC236}">
+                <a16:creationId xmlns:a16="http://schemas.microsoft.com/office/drawing/2014/main" id="{FE8E2186-C7EE-4ED1-98DE-FB925DC072F0}"/>
+              </a:ext>
+            </a:extLst>
+          </p:cNvPr>
+          <p:cNvPicPr>
+            <a:picLocks noChangeAspect="1"/>
+          </p:cNvPicPr>
+          <p:nvPr/>
+        </p:nvPicPr>
+        <p:blipFill rotWithShape="1">
+          <a:blip r:embed="rId3">
+            <a:extLst>
+              <a:ext uri="{28A0092B-C50C-407E-A947-70E740481C1C}">
+                <a14:useLocalDpi xmlns:a14="http://schemas.microsoft.com/office/drawing/2010/main" val="0"/>
+              </a:ext>
+            </a:extLst>
+          </a:blip>
+          <a:srcRect/>
+          <a:stretch/>
+        </p:blipFill>
+        <p:spPr>
+          <a:xfrm>
+            <a:off x="6096000" y="2677999"/>
+            <a:ext cx="6096000" cy="4164677"/>
+          </a:xfrm>
+          <a:prstGeom prst="rect">
+            <a:avLst/>
+          </a:prstGeom>
+        </p:spPr>
+      </p:pic>
+      <p:sp>
+        <p:nvSpPr>
+          <p:cNvPr id="6" name="TextBox 5">
+            <a:extLst>
+              <a:ext uri="{FF2B5EF4-FFF2-40B4-BE49-F238E27FC236}">
+                <a16:creationId xmlns:a16="http://schemas.microsoft.com/office/drawing/2014/main" id="{F3A36EDA-EFDE-4826-9A5C-563B5EBD103E}"/>
+              </a:ext>
+            </a:extLst>
+          </p:cNvPr>
+          <p:cNvSpPr txBox="1"/>
+          <p:nvPr/>
+        </p:nvSpPr>
+        <p:spPr>
+          <a:xfrm>
+            <a:off x="1246909" y="4178630"/>
+            <a:ext cx="3333404" cy="1938992"/>
+          </a:xfrm>
+          <a:prstGeom prst="rect">
+            <a:avLst/>
+          </a:prstGeom>
+          <a:noFill/>
+        </p:spPr>
+        <p:txBody>
+          <a:bodyPr wrap="square" rtlCol="0">
+            <a:spAutoFit/>
+          </a:bodyPr>
+          <a:lstStyle/>
+          <a:p>
+            <a:r>
+              <a:rPr lang="en-GB" sz="2400" dirty="0"/>
+              <a:t>Blast database location</a:t>
+            </a:r>
+          </a:p>
+          <a:p>
+            <a:r>
+              <a:rPr lang="en-GB" sz="2400" dirty="0"/>
+              <a:t>Blast software</a:t>
+            </a:r>
+          </a:p>
+          <a:p>
+            <a:r>
+              <a:rPr lang="en-GB" sz="2400" dirty="0"/>
+              <a:t>Get a snippet from the assembly</a:t>
+            </a:r>
+          </a:p>
+          <a:p>
+            <a:r>
+              <a:rPr lang="en-GB" sz="2400" dirty="0" err="1"/>
+              <a:t>Blastn</a:t>
+            </a:r>
+            <a:r>
+              <a:rPr lang="en-GB" sz="2400" dirty="0"/>
+              <a:t> command</a:t>
+            </a:r>
+          </a:p>
+        </p:txBody>
+      </p:sp>
+      <p:cxnSp>
+        <p:nvCxnSpPr>
+          <p:cNvPr id="8" name="Straight Arrow Connector 7">
+            <a:extLst>
+              <a:ext uri="{FF2B5EF4-FFF2-40B4-BE49-F238E27FC236}">
+                <a16:creationId xmlns:a16="http://schemas.microsoft.com/office/drawing/2014/main" id="{DAB0A647-C22B-426F-85EE-1D73191E28E5}"/>
+              </a:ext>
+            </a:extLst>
+          </p:cNvPr>
+          <p:cNvCxnSpPr/>
+          <p:nvPr/>
+        </p:nvCxnSpPr>
+        <p:spPr>
+          <a:xfrm>
+            <a:off x="4289367" y="4405745"/>
+            <a:ext cx="1806633" cy="590204"/>
+          </a:xfrm>
+          <a:prstGeom prst="straightConnector1">
+            <a:avLst/>
+          </a:prstGeom>
+          <a:ln>
+            <a:tailEnd type="triangle"/>
+          </a:ln>
+        </p:spPr>
+        <p:style>
+          <a:lnRef idx="1">
+            <a:schemeClr val="accent1"/>
+          </a:lnRef>
+          <a:fillRef idx="0">
+            <a:schemeClr val="accent1"/>
+          </a:fillRef>
+          <a:effectRef idx="0">
+            <a:schemeClr val="accent1"/>
+          </a:effectRef>
+          <a:fontRef idx="minor">
+            <a:schemeClr val="tx1"/>
+          </a:fontRef>
+        </p:style>
+      </p:cxnSp>
+      <p:cxnSp>
+        <p:nvCxnSpPr>
+          <p:cNvPr id="10" name="Straight Arrow Connector 9">
+            <a:extLst>
+              <a:ext uri="{FF2B5EF4-FFF2-40B4-BE49-F238E27FC236}">
+                <a16:creationId xmlns:a16="http://schemas.microsoft.com/office/drawing/2014/main" id="{32A734DC-4875-404B-8FFB-EA0C42615733}"/>
+              </a:ext>
+            </a:extLst>
+          </p:cNvPr>
+          <p:cNvCxnSpPr/>
+          <p:nvPr/>
+        </p:nvCxnSpPr>
+        <p:spPr>
+          <a:xfrm>
+            <a:off x="3283527" y="4760337"/>
+            <a:ext cx="2812473" cy="726063"/>
+          </a:xfrm>
+          <a:prstGeom prst="straightConnector1">
+            <a:avLst/>
+          </a:prstGeom>
+          <a:ln>
+            <a:tailEnd type="triangle"/>
+          </a:ln>
+        </p:spPr>
+        <p:style>
+          <a:lnRef idx="1">
+            <a:schemeClr val="accent1"/>
+          </a:lnRef>
+          <a:fillRef idx="0">
+            <a:schemeClr val="accent1"/>
+          </a:fillRef>
+          <a:effectRef idx="0">
+            <a:schemeClr val="accent1"/>
+          </a:effectRef>
+          <a:fontRef idx="minor">
+            <a:schemeClr val="tx1"/>
+          </a:fontRef>
+        </p:style>
+      </p:cxnSp>
+      <p:cxnSp>
+        <p:nvCxnSpPr>
+          <p:cNvPr id="12" name="Straight Arrow Connector 11">
+            <a:extLst>
+              <a:ext uri="{FF2B5EF4-FFF2-40B4-BE49-F238E27FC236}">
+                <a16:creationId xmlns:a16="http://schemas.microsoft.com/office/drawing/2014/main" id="{A6A540D3-47B4-4C40-B781-ED344F363DE7}"/>
+              </a:ext>
+            </a:extLst>
+          </p:cNvPr>
+          <p:cNvCxnSpPr/>
+          <p:nvPr/>
+        </p:nvCxnSpPr>
+        <p:spPr>
+          <a:xfrm>
+            <a:off x="3208713" y="5394960"/>
+            <a:ext cx="2887287" cy="462440"/>
+          </a:xfrm>
+          <a:prstGeom prst="straightConnector1">
+            <a:avLst/>
+          </a:prstGeom>
+          <a:ln>
+            <a:tailEnd type="triangle"/>
+          </a:ln>
+        </p:spPr>
+        <p:style>
+          <a:lnRef idx="1">
+            <a:schemeClr val="accent1"/>
+          </a:lnRef>
+          <a:fillRef idx="0">
+            <a:schemeClr val="accent1"/>
+          </a:fillRef>
+          <a:effectRef idx="0">
+            <a:schemeClr val="accent1"/>
+          </a:effectRef>
+          <a:fontRef idx="minor">
+            <a:schemeClr val="tx1"/>
+          </a:fontRef>
+        </p:style>
+      </p:cxnSp>
+      <p:cxnSp>
+        <p:nvCxnSpPr>
+          <p:cNvPr id="14" name="Straight Arrow Connector 13">
+            <a:extLst>
+              <a:ext uri="{FF2B5EF4-FFF2-40B4-BE49-F238E27FC236}">
+                <a16:creationId xmlns:a16="http://schemas.microsoft.com/office/drawing/2014/main" id="{D9440617-9B50-480B-88E0-092B2107A3A1}"/>
+              </a:ext>
+            </a:extLst>
+          </p:cNvPr>
+          <p:cNvCxnSpPr/>
+          <p:nvPr/>
+        </p:nvCxnSpPr>
+        <p:spPr>
+          <a:xfrm>
+            <a:off x="3516284" y="5857400"/>
+            <a:ext cx="2468880" cy="443647"/>
+          </a:xfrm>
+          <a:prstGeom prst="straightConnector1">
+            <a:avLst/>
+          </a:prstGeom>
+          <a:ln>
+            <a:tailEnd type="triangle"/>
+          </a:ln>
+        </p:spPr>
+        <p:style>
+          <a:lnRef idx="1">
+            <a:schemeClr val="accent1"/>
+          </a:lnRef>
+          <a:fillRef idx="0">
+            <a:schemeClr val="accent1"/>
+          </a:fillRef>
+          <a:effectRef idx="0">
+            <a:schemeClr val="accent1"/>
+          </a:effectRef>
+          <a:fontRef idx="minor">
+            <a:schemeClr val="tx1"/>
+          </a:fontRef>
+        </p:style>
+      </p:cxnSp>
+    </p:spTree>
+    <p:extLst>
+      <p:ext uri="{BB962C8B-B14F-4D97-AF65-F5344CB8AC3E}">
+        <p14:creationId xmlns:p14="http://schemas.microsoft.com/office/powerpoint/2010/main" val="555515881"/>
+      </p:ext>
+    </p:extLst>
+  </p:cSld>
+  <p:clrMapOvr>
+    <a:masterClrMapping/>
+  </p:clrMapOvr>
+</p:sld>
+</file>
+
+<file path=ppt/slides/slide25.xml><?xml version="1.0" encoding="utf-8"?>
+<p:sld xmlns:a="http://schemas.openxmlformats.org/drawingml/2006/main" xmlns:r="http://schemas.openxmlformats.org/officeDocument/2006/relationships" xmlns:p="http://schemas.openxmlformats.org/presentationml/2006/main">
+  <p:cSld>
+    <p:spTree>
+      <p:nvGrpSpPr>
+        <p:cNvPr id="1" name=""/>
+        <p:cNvGrpSpPr/>
+        <p:nvPr/>
+      </p:nvGrpSpPr>
+      <p:grpSpPr>
+        <a:xfrm>
+          <a:off x="0" y="0"/>
+          <a:ext cx="0" cy="0"/>
+          <a:chOff x="0" y="0"/>
+          <a:chExt cx="0" cy="0"/>
+        </a:xfrm>
+      </p:grpSpPr>
+      <p:sp>
+        <p:nvSpPr>
+          <p:cNvPr id="2" name="Title 1">
+            <a:extLst>
+              <a:ext uri="{FF2B5EF4-FFF2-40B4-BE49-F238E27FC236}">
+                <a16:creationId xmlns:a16="http://schemas.microsoft.com/office/drawing/2014/main" id="{9DB186D9-2728-4E1B-A6BF-B9A55B0B1C7C}"/>
+              </a:ext>
+            </a:extLst>
+          </p:cNvPr>
+          <p:cNvSpPr>
+            <a:spLocks noGrp="1"/>
+          </p:cNvSpPr>
+          <p:nvPr>
+            <p:ph type="title"/>
+          </p:nvPr>
+        </p:nvSpPr>
+        <p:spPr>
+          <a:xfrm>
+            <a:off x="-25173" y="15324"/>
+            <a:ext cx="11811000" cy="1325563"/>
+          </a:xfrm>
+        </p:spPr>
+        <p:txBody>
+          <a:bodyPr/>
+          <a:lstStyle/>
+          <a:p>
+            <a:r>
+              <a:rPr lang="en-GB" dirty="0">
+                <a:solidFill>
+                  <a:srgbClr val="7030A0"/>
+                </a:solidFill>
+              </a:rPr>
+              <a:t>6) assembly: BLAST a </a:t>
+            </a:r>
+            <a:r>
+              <a:rPr lang="en-GB" dirty="0" err="1">
+                <a:solidFill>
+                  <a:srgbClr val="7030A0"/>
+                </a:solidFill>
+              </a:rPr>
+              <a:t>seq</a:t>
+            </a:r>
+            <a:r>
+              <a:rPr lang="en-GB" dirty="0">
+                <a:solidFill>
+                  <a:srgbClr val="7030A0"/>
+                </a:solidFill>
+              </a:rPr>
+              <a:t> against GenBank </a:t>
+            </a:r>
+            <a:r>
+              <a:rPr lang="en-GB" dirty="0" err="1">
+                <a:solidFill>
+                  <a:srgbClr val="7030A0"/>
+                </a:solidFill>
+              </a:rPr>
+              <a:t>nt</a:t>
+            </a:r>
+            <a:endParaRPr lang="en-GB" dirty="0">
+              <a:solidFill>
+                <a:srgbClr val="7030A0"/>
+              </a:solidFill>
+            </a:endParaRPr>
+          </a:p>
+        </p:txBody>
+      </p:sp>
+      <p:sp>
+        <p:nvSpPr>
+          <p:cNvPr id="3" name="Content Placeholder 2">
+            <a:extLst>
+              <a:ext uri="{FF2B5EF4-FFF2-40B4-BE49-F238E27FC236}">
+                <a16:creationId xmlns:a16="http://schemas.microsoft.com/office/drawing/2014/main" id="{E04E7D57-5675-4CE3-BA47-A46D07926F10}"/>
+              </a:ext>
+            </a:extLst>
+          </p:cNvPr>
+          <p:cNvSpPr>
+            <a:spLocks noGrp="1"/>
+          </p:cNvSpPr>
+          <p:nvPr>
+            <p:ph idx="1"/>
+          </p:nvPr>
+        </p:nvSpPr>
+        <p:spPr>
+          <a:xfrm>
             <a:off x="12700" y="1132549"/>
             <a:ext cx="12166600" cy="4351338"/>
           </a:xfrm>
@@ -13715,7 +14002,7 @@
 </p:sld>
 </file>
 
-<file path=ppt/slides/slide25.xml><?xml version="1.0" encoding="utf-8"?>
+<file path=ppt/slides/slide26.xml><?xml version="1.0" encoding="utf-8"?>
 <p:sld xmlns:a="http://schemas.openxmlformats.org/drawingml/2006/main" xmlns:r="http://schemas.openxmlformats.org/officeDocument/2006/relationships" xmlns:p="http://schemas.openxmlformats.org/presentationml/2006/main">
   <p:cSld>
     <p:spTree>

--- a/powerpoint/6_assembly.pptx
+++ b/powerpoint/6_assembly.pptx
@@ -39,6 +39,7 @@
     <p:sldId id="338" r:id="rId33"/>
     <p:sldId id="340" r:id="rId34"/>
     <p:sldId id="341" r:id="rId35"/>
+    <p:sldId id="364" r:id="rId36"/>
   </p:sldIdLst>
   <p:sldSz cx="12192000" cy="6858000"/>
   <p:notesSz cx="6858000" cy="9144000"/>
@@ -14452,7 +14453,7 @@
         </p:spPr>
         <p:txBody>
           <a:bodyPr>
-            <a:normAutofit fontScale="85000" lnSpcReduction="20000"/>
+            <a:normAutofit fontScale="77500" lnSpcReduction="20000"/>
           </a:bodyPr>
           <a:lstStyle/>
           <a:p>
@@ -14579,14 +14580,16 @@
             <a:pPr marL="0" indent="0">
               <a:buNone/>
             </a:pPr>
-            <a:r>
-              <a:rPr lang="en-GB" dirty="0">
-                <a:solidFill>
-                  <a:srgbClr val="0070C0"/>
-                </a:solidFill>
-              </a:rPr>
-              <a:t>        </a:t>
-            </a:r>
+            <a:endParaRPr lang="en-GB" sz="2000" dirty="0">
+              <a:solidFill>
+                <a:srgbClr val="0070C0"/>
+              </a:solidFill>
+            </a:endParaRPr>
+          </a:p>
+          <a:p>
+            <a:pPr marL="0" indent="0">
+              <a:buNone/>
+            </a:pPr>
             <a:r>
               <a:rPr lang="en-GB" sz="2000" dirty="0" err="1">
                 <a:solidFill>
@@ -14601,7 +14604,7 @@
                   <a:srgbClr val="0070C0"/>
                 </a:solidFill>
               </a:rPr>
-              <a:t> $HOME//genome_assembly_workshop/shell_scripts/scaffold_stats.pl -f $HOME/</a:t>
+              <a:t> $HOME/genome_assembly_workshop/shell_scripts/scaffold_stats.pl -f $HOME/</a:t>
             </a:r>
             <a:r>
               <a:rPr lang="en-GB" sz="2000" dirty="0" err="1">
@@ -14633,7 +14636,7 @@
                   <a:srgbClr val="0070C0"/>
                 </a:solidFill>
               </a:rPr>
-              <a:t>  ./*/</a:t>
+              <a:t> $HOME/</a:t>
             </a:r>
             <a:r>
               <a:rPr lang="en-GB" sz="2000" dirty="0" err="1">
@@ -14641,7 +14644,7 @@
                   <a:srgbClr val="0070C0"/>
                 </a:solidFill>
               </a:rPr>
-              <a:t>contigs.fasta</a:t>
+              <a:t>genome_assembly_workshop</a:t>
             </a:r>
             <a:r>
               <a:rPr lang="en-GB" sz="2000" dirty="0">
@@ -14649,15 +14652,15 @@
                   <a:srgbClr val="0070C0"/>
                 </a:solidFill>
               </a:rPr>
-              <a:t> </a:t>
-            </a:r>
-            <a:r>
-              <a:rPr lang="en-GB" sz="2000" b="1" dirty="0">
+              <a:t>/*/</a:t>
+            </a:r>
+            <a:r>
+              <a:rPr lang="en-GB" sz="2000" dirty="0" err="1">
                 <a:solidFill>
                   <a:srgbClr val="0070C0"/>
                 </a:solidFill>
               </a:rPr>
-              <a:t>&gt;</a:t>
+              <a:t>scaffolds.fasta</a:t>
             </a:r>
             <a:r>
               <a:rPr lang="en-GB" sz="2000" dirty="0">
@@ -14665,7 +14668,7 @@
                   <a:srgbClr val="0070C0"/>
                 </a:solidFill>
               </a:rPr>
-              <a:t> contig_K_len.stats.txt</a:t>
+              <a:t> &gt; OUTPUT.txt</a:t>
             </a:r>
           </a:p>
           <a:p>
@@ -19671,6 +19674,26 @@
             </a:r>
           </a:p>
           <a:p>
+            <a:r>
+              <a:rPr lang="en-GB" dirty="0"/>
+              <a:t>(Nucleotide BLAST vs </a:t>
+            </a:r>
+            <a:r>
+              <a:rPr lang="en-GB" dirty="0" err="1"/>
+              <a:t>nt</a:t>
+            </a:r>
+            <a:r>
+              <a:rPr lang="en-GB" dirty="0"/>
+              <a:t> database (</a:t>
+            </a:r>
+            <a:r>
+              <a:rPr lang="en-GB" dirty="0" err="1"/>
+              <a:t>blastn</a:t>
+            </a:r>
+            <a:r>
+              <a:rPr lang="en-GB"/>
+              <a:t>))</a:t>
+            </a:r>
             <a:endParaRPr lang="en-GB" dirty="0"/>
           </a:p>
           <a:p>
@@ -23101,23 +23124,7 @@
                   <a:srgbClr val="0070C0"/>
                 </a:solidFill>
               </a:rPr>
-              <a:t> -query first_10_lines</a:t>
-            </a:r>
-            <a:r>
-              <a:rPr lang="en-GB">
-                <a:solidFill>
-                  <a:srgbClr val="0070C0"/>
-                </a:solidFill>
-              </a:rPr>
-              <a:t>.txt </a:t>
-            </a:r>
-            <a:r>
-              <a:rPr lang="en-GB" dirty="0">
-                <a:solidFill>
-                  <a:srgbClr val="0070C0"/>
-                </a:solidFill>
-              </a:rPr>
-              <a:t>-</a:t>
+              <a:t> -query first_10_lines.txt -</a:t>
             </a:r>
             <a:r>
               <a:rPr lang="en-GB" dirty="0" err="1">
@@ -23406,6 +23413,22 @@
               </a:rPr>
               <a:t>http://www.metagenomics.wiki/tools/blast/blastn-output-format-6</a:t>
             </a:r>
+            <a:endParaRPr lang="en-GB" sz="2400" dirty="0"/>
+          </a:p>
+          <a:p>
+            <a:pPr marL="0" indent="0">
+              <a:buNone/>
+            </a:pPr>
+            <a:endParaRPr lang="en-GB" sz="2400" dirty="0"/>
+          </a:p>
+          <a:p>
+            <a:pPr marL="0" indent="0">
+              <a:buNone/>
+            </a:pPr>
+            <a:r>
+              <a:rPr lang="en-GB" sz="2400" dirty="0"/>
+              <a:t>Have a look at the results  …. What did you assemble?</a:t>
+            </a:r>
             <a:endParaRPr lang="en-GB" dirty="0"/>
           </a:p>
         </p:txBody>
@@ -23464,6 +23487,177 @@
     <p:extLst>
       <p:ext uri="{BB962C8B-B14F-4D97-AF65-F5344CB8AC3E}">
         <p14:creationId xmlns:p14="http://schemas.microsoft.com/office/powerpoint/2010/main" val="1611173448"/>
+      </p:ext>
+    </p:extLst>
+  </p:cSld>
+  <p:clrMapOvr>
+    <a:masterClrMapping/>
+  </p:clrMapOvr>
+</p:sld>
+</file>
+
+<file path=ppt/slides/slide35.xml><?xml version="1.0" encoding="utf-8"?>
+<p:sld xmlns:a="http://schemas.openxmlformats.org/drawingml/2006/main" xmlns:r="http://schemas.openxmlformats.org/officeDocument/2006/relationships" xmlns:p="http://schemas.openxmlformats.org/presentationml/2006/main">
+  <p:cSld>
+    <p:spTree>
+      <p:nvGrpSpPr>
+        <p:cNvPr id="1" name=""/>
+        <p:cNvGrpSpPr/>
+        <p:nvPr/>
+      </p:nvGrpSpPr>
+      <p:grpSpPr>
+        <a:xfrm>
+          <a:off x="0" y="0"/>
+          <a:ext cx="0" cy="0"/>
+          <a:chOff x="0" y="0"/>
+          <a:chExt cx="0" cy="0"/>
+        </a:xfrm>
+      </p:grpSpPr>
+      <p:sp>
+        <p:nvSpPr>
+          <p:cNvPr id="2" name="Title 1">
+            <a:extLst>
+              <a:ext uri="{FF2B5EF4-FFF2-40B4-BE49-F238E27FC236}">
+                <a16:creationId xmlns:a16="http://schemas.microsoft.com/office/drawing/2014/main" id="{9DB186D9-2728-4E1B-A6BF-B9A55B0B1C7C}"/>
+              </a:ext>
+            </a:extLst>
+          </p:cNvPr>
+          <p:cNvSpPr>
+            <a:spLocks noGrp="1"/>
+          </p:cNvSpPr>
+          <p:nvPr>
+            <p:ph type="title"/>
+          </p:nvPr>
+        </p:nvSpPr>
+        <p:spPr>
+          <a:xfrm>
+            <a:off x="-25173" y="15324"/>
+            <a:ext cx="11811000" cy="1325563"/>
+          </a:xfrm>
+        </p:spPr>
+        <p:txBody>
+          <a:bodyPr/>
+          <a:lstStyle/>
+          <a:p>
+            <a:r>
+              <a:rPr lang="en-GB" dirty="0">
+                <a:solidFill>
+                  <a:srgbClr val="7030A0"/>
+                </a:solidFill>
+              </a:rPr>
+              <a:t>Further reading</a:t>
+            </a:r>
+          </a:p>
+        </p:txBody>
+      </p:sp>
+      <p:sp>
+        <p:nvSpPr>
+          <p:cNvPr id="3" name="Content Placeholder 2">
+            <a:extLst>
+              <a:ext uri="{FF2B5EF4-FFF2-40B4-BE49-F238E27FC236}">
+                <a16:creationId xmlns:a16="http://schemas.microsoft.com/office/drawing/2014/main" id="{E04E7D57-5675-4CE3-BA47-A46D07926F10}"/>
+              </a:ext>
+            </a:extLst>
+          </p:cNvPr>
+          <p:cNvSpPr>
+            <a:spLocks noGrp="1"/>
+          </p:cNvSpPr>
+          <p:nvPr>
+            <p:ph idx="1"/>
+          </p:nvPr>
+        </p:nvSpPr>
+        <p:spPr>
+          <a:xfrm>
+            <a:off x="12700" y="1132549"/>
+            <a:ext cx="12166600" cy="4351338"/>
+          </a:xfrm>
+        </p:spPr>
+        <p:txBody>
+          <a:bodyPr>
+            <a:normAutofit/>
+          </a:bodyPr>
+          <a:lstStyle/>
+          <a:p>
+            <a:r>
+              <a:rPr lang="en-GB" sz="2000" dirty="0"/>
+              <a:t>Assembly introduction: </a:t>
+            </a:r>
+            <a:r>
+              <a:rPr lang="en-GB" sz="2000" dirty="0">
+                <a:hlinkClick r:id="rId2"/>
+              </a:rPr>
+              <a:t>http://data-science-sequencing.github.io/Win2018/lectures/lecture5/</a:t>
+            </a:r>
+            <a:r>
+              <a:rPr lang="en-GB" sz="2000" dirty="0"/>
+              <a:t> </a:t>
+            </a:r>
+          </a:p>
+          <a:p>
+            <a:r>
+              <a:rPr lang="en-GB" sz="2000" dirty="0"/>
+              <a:t>Greedy algorithm: </a:t>
+            </a:r>
+            <a:r>
+              <a:rPr lang="en-GB" sz="2000" dirty="0">
+                <a:hlinkClick r:id="rId3"/>
+              </a:rPr>
+              <a:t>http://data-science-sequencing.github.io/Win2018/lectures/lecture6/</a:t>
+            </a:r>
+            <a:endParaRPr lang="en-GB" sz="2000" dirty="0"/>
+          </a:p>
+          <a:p>
+            <a:r>
+              <a:rPr lang="en-GB" sz="2000" dirty="0"/>
+              <a:t>De </a:t>
+            </a:r>
+            <a:r>
+              <a:rPr lang="en-GB" sz="2000" dirty="0" err="1"/>
+              <a:t>bruijn</a:t>
+            </a:r>
+            <a:r>
+              <a:rPr lang="en-GB" sz="2000" dirty="0"/>
+              <a:t> graph: </a:t>
+            </a:r>
+            <a:r>
+              <a:rPr lang="en-GB" sz="2000" dirty="0">
+                <a:hlinkClick r:id="rId4"/>
+              </a:rPr>
+              <a:t>http://data-science-sequencing.github.io/Win2018/lectures/lecture7/</a:t>
+            </a:r>
+            <a:r>
+              <a:rPr lang="en-GB" sz="2000" dirty="0"/>
+              <a:t> </a:t>
+            </a:r>
+          </a:p>
+          <a:p>
+            <a:r>
+              <a:rPr lang="en-GB" sz="2000" dirty="0"/>
+              <a:t>Spades: </a:t>
+            </a:r>
+            <a:r>
+              <a:rPr lang="en-GB" sz="2000" dirty="0">
+                <a:hlinkClick r:id="rId5"/>
+              </a:rPr>
+              <a:t>https://www.liebertpub.com/doi/full/10.1089/cmb.2012.0021</a:t>
+            </a:r>
+            <a:r>
+              <a:rPr lang="en-GB" sz="2000" dirty="0"/>
+              <a:t> </a:t>
+            </a:r>
+          </a:p>
+          <a:p>
+            <a:pPr marL="0" indent="0">
+              <a:buNone/>
+            </a:pPr>
+            <a:endParaRPr lang="en-GB" dirty="0"/>
+          </a:p>
+        </p:txBody>
+      </p:sp>
+    </p:spTree>
+    <p:extLst>
+      <p:ext uri="{BB962C8B-B14F-4D97-AF65-F5344CB8AC3E}">
+        <p14:creationId xmlns:p14="http://schemas.microsoft.com/office/powerpoint/2010/main" val="1572563848"/>
       </p:ext>
     </p:extLst>
   </p:cSld>

--- a/powerpoint/6_assembly.pptx
+++ b/powerpoint/6_assembly.pptx
@@ -295,7 +295,7 @@
           <a:p>
             <a:fld id="{D5B3EF36-47C2-4AA3-A387-F39AC0889363}" type="datetimeFigureOut">
               <a:rPr lang="en-GB" smtClean="0"/>
-              <a:t>14/10/2020</a:t>
+              <a:t>21/09/2022</a:t>
             </a:fld>
             <a:endParaRPr lang="en-GB"/>
           </a:p>
@@ -495,7 +495,7 @@
           <a:p>
             <a:fld id="{D5B3EF36-47C2-4AA3-A387-F39AC0889363}" type="datetimeFigureOut">
               <a:rPr lang="en-GB" smtClean="0"/>
-              <a:t>14/10/2020</a:t>
+              <a:t>21/09/2022</a:t>
             </a:fld>
             <a:endParaRPr lang="en-GB"/>
           </a:p>
@@ -705,7 +705,7 @@
           <a:p>
             <a:fld id="{D5B3EF36-47C2-4AA3-A387-F39AC0889363}" type="datetimeFigureOut">
               <a:rPr lang="en-GB" smtClean="0"/>
-              <a:t>14/10/2020</a:t>
+              <a:t>21/09/2022</a:t>
             </a:fld>
             <a:endParaRPr lang="en-GB"/>
           </a:p>
@@ -905,7 +905,7 @@
           <a:p>
             <a:fld id="{D5B3EF36-47C2-4AA3-A387-F39AC0889363}" type="datetimeFigureOut">
               <a:rPr lang="en-GB" smtClean="0"/>
-              <a:t>14/10/2020</a:t>
+              <a:t>21/09/2022</a:t>
             </a:fld>
             <a:endParaRPr lang="en-GB"/>
           </a:p>
@@ -1181,7 +1181,7 @@
           <a:p>
             <a:fld id="{D5B3EF36-47C2-4AA3-A387-F39AC0889363}" type="datetimeFigureOut">
               <a:rPr lang="en-GB" smtClean="0"/>
-              <a:t>14/10/2020</a:t>
+              <a:t>21/09/2022</a:t>
             </a:fld>
             <a:endParaRPr lang="en-GB"/>
           </a:p>
@@ -1449,7 +1449,7 @@
           <a:p>
             <a:fld id="{D5B3EF36-47C2-4AA3-A387-F39AC0889363}" type="datetimeFigureOut">
               <a:rPr lang="en-GB" smtClean="0"/>
-              <a:t>14/10/2020</a:t>
+              <a:t>21/09/2022</a:t>
             </a:fld>
             <a:endParaRPr lang="en-GB"/>
           </a:p>
@@ -1864,7 +1864,7 @@
           <a:p>
             <a:fld id="{D5B3EF36-47C2-4AA3-A387-F39AC0889363}" type="datetimeFigureOut">
               <a:rPr lang="en-GB" smtClean="0"/>
-              <a:t>14/10/2020</a:t>
+              <a:t>21/09/2022</a:t>
             </a:fld>
             <a:endParaRPr lang="en-GB"/>
           </a:p>
@@ -2006,7 +2006,7 @@
           <a:p>
             <a:fld id="{D5B3EF36-47C2-4AA3-A387-F39AC0889363}" type="datetimeFigureOut">
               <a:rPr lang="en-GB" smtClean="0"/>
-              <a:t>14/10/2020</a:t>
+              <a:t>21/09/2022</a:t>
             </a:fld>
             <a:endParaRPr lang="en-GB"/>
           </a:p>
@@ -2119,7 +2119,7 @@
           <a:p>
             <a:fld id="{D5B3EF36-47C2-4AA3-A387-F39AC0889363}" type="datetimeFigureOut">
               <a:rPr lang="en-GB" smtClean="0"/>
-              <a:t>14/10/2020</a:t>
+              <a:t>21/09/2022</a:t>
             </a:fld>
             <a:endParaRPr lang="en-GB"/>
           </a:p>
@@ -2432,7 +2432,7 @@
           <a:p>
             <a:fld id="{D5B3EF36-47C2-4AA3-A387-F39AC0889363}" type="datetimeFigureOut">
               <a:rPr lang="en-GB" smtClean="0"/>
-              <a:t>14/10/2020</a:t>
+              <a:t>21/09/2022</a:t>
             </a:fld>
             <a:endParaRPr lang="en-GB"/>
           </a:p>
@@ -2721,7 +2721,7 @@
           <a:p>
             <a:fld id="{D5B3EF36-47C2-4AA3-A387-F39AC0889363}" type="datetimeFigureOut">
               <a:rPr lang="en-GB" smtClean="0"/>
-              <a:t>14/10/2020</a:t>
+              <a:t>21/09/2022</a:t>
             </a:fld>
             <a:endParaRPr lang="en-GB"/>
           </a:p>
@@ -2964,7 +2964,7 @@
           <a:p>
             <a:fld id="{D5B3EF36-47C2-4AA3-A387-F39AC0889363}" type="datetimeFigureOut">
               <a:rPr lang="en-GB" smtClean="0"/>
-              <a:t>14/10/2020</a:t>
+              <a:t>21/09/2022</a:t>
             </a:fld>
             <a:endParaRPr lang="en-GB"/>
           </a:p>
@@ -5427,7 +5427,7 @@
                   <a:srgbClr val="0070C0"/>
                 </a:solidFill>
               </a:rPr>
-              <a:t>qsub</a:t>
+              <a:t>sbatch</a:t>
             </a:r>
             <a:r>
               <a:rPr lang="en-GB" dirty="0">
@@ -5443,12 +5443,20 @@
               <a:buNone/>
             </a:pPr>
             <a:r>
+              <a:rPr lang="en-GB" sz="1800" dirty="0" err="1">
+                <a:solidFill>
+                  <a:srgbClr val="0070C0"/>
+                </a:solidFill>
+              </a:rPr>
+              <a:t>trimmomatic</a:t>
+            </a:r>
+            <a:r>
               <a:rPr lang="en-GB" sz="1800" dirty="0">
                 <a:solidFill>
                   <a:srgbClr val="0070C0"/>
                 </a:solidFill>
               </a:rPr>
-              <a:t>java -jar /shelf/training/Trimmomatic-0.38/trimmomatic-0.38.jar PE -summary trim_summary.txt -threads 2 -phred33  ./reads/subsampled_R1.fastq.gz  ./reads/subsampled_R2.fastq.gz subsampled_R1_paired.fastq.gz subsampled_R1_unpaired.fastq.gz subsampled_R2_paired.fastq.gz subsampled_R2_unpaired.fastq.gz ILLUMINACLIP:/shelf/training/Trimmomatic-0.38/adapters/TruSeq3-PE.fa:2:30:10 LEADING:3 TRAILING:3 SLIDINGWINDOW:4:</a:t>
+              <a:t> PE -summary trim_summary.txt -threads 2 -phred33  ./reads/subsampled_R1.fastq.gz  ./reads/subsampled_R2.fastq.gz subsampled_R1_paired.fastq.gz subsampled_R1_unpaired.fastq.gz subsampled_R2_paired.fastq.gz subsampled_R2_unpaired.fastq.gz ILLUMINACLIP:/shelf/training/Trimmomatic-0.38/adapters/TruSeq3-PE.fa:2:30:10 LEADING:3 TRAILING:3 SLIDINGWINDOW:4:</a:t>
             </a:r>
             <a:r>
               <a:rPr lang="en-GB" sz="1800" dirty="0">
@@ -10966,7 +10974,7 @@
                   <a:srgbClr val="0070C0"/>
                 </a:solidFill>
               </a:rPr>
-              <a:t>qsub</a:t>
+              <a:t>sbatch</a:t>
             </a:r>
             <a:r>
               <a:rPr lang="en-GB" sz="3200" dirty="0">
@@ -10974,7 +10982,7 @@
                   <a:srgbClr val="0070C0"/>
                 </a:solidFill>
               </a:rPr>
-              <a:t> -V assembly.sh</a:t>
+              <a:t> assembly.sh</a:t>
             </a:r>
           </a:p>
           <a:p>
@@ -11972,7 +11980,7 @@
           <a:p>
             <a:r>
               <a:rPr lang="en-GB" dirty="0"/>
-              <a:t>(note: that is the answer to a question in the assessment!)</a:t>
+              <a:t>(note: that is strong hint!)</a:t>
             </a:r>
           </a:p>
           <a:p>
@@ -13608,8 +13616,8 @@
         </p:nvSpPr>
         <p:spPr>
           <a:xfrm>
-            <a:off x="139700" y="2586693"/>
-            <a:ext cx="10691784" cy="1325562"/>
+            <a:off x="139700" y="2586692"/>
+            <a:ext cx="10691784" cy="1710099"/>
           </a:xfrm>
           <a:prstGeom prst="rect">
             <a:avLst/>
@@ -13897,12 +13905,12 @@
         <p:spPr>
           <a:xfrm>
             <a:off x="401052" y="1253331"/>
-            <a:ext cx="11404868" cy="4351338"/>
+            <a:ext cx="11404868" cy="4623686"/>
           </a:xfrm>
         </p:spPr>
         <p:txBody>
           <a:bodyPr>
-            <a:normAutofit fontScale="92500" lnSpcReduction="20000"/>
+            <a:normAutofit fontScale="85000" lnSpcReduction="10000"/>
           </a:bodyPr>
           <a:lstStyle/>
           <a:p>
@@ -13937,7 +13945,7 @@
                   <a:srgbClr val="FF0000"/>
                 </a:solidFill>
               </a:rPr>
-              <a:t> /shelf/</a:t>
+              <a:t> /scratch/</a:t>
             </a:r>
             <a:r>
               <a:rPr lang="en-GB" dirty="0" err="1">
@@ -13945,7 +13953,100 @@
                   <a:srgbClr val="FF0000"/>
                 </a:solidFill>
               </a:rPr>
-              <a:t>Computational_Genomics</a:t>
+              <a:t>bioinf</a:t>
+            </a:r>
+            <a:r>
+              <a:rPr lang="en-GB" dirty="0">
+                <a:solidFill>
+                  <a:srgbClr val="FF0000"/>
+                </a:solidFill>
+              </a:rPr>
+              <a:t>/BL4273/</a:t>
+            </a:r>
+            <a:r>
+              <a:rPr lang="en-GB" dirty="0" err="1">
+                <a:solidFill>
+                  <a:srgbClr val="FF0000"/>
+                </a:solidFill>
+              </a:rPr>
+              <a:t>genome_assembly_workshop</a:t>
+            </a:r>
+            <a:r>
+              <a:rPr lang="en-GB" dirty="0">
+                <a:solidFill>
+                  <a:srgbClr val="FF0000"/>
+                </a:solidFill>
+              </a:rPr>
+              <a:t> ~/scratch/</a:t>
+            </a:r>
+            <a:r>
+              <a:rPr lang="en-GB" dirty="0" err="1">
+                <a:solidFill>
+                  <a:srgbClr val="FF0000"/>
+                </a:solidFill>
+              </a:rPr>
+              <a:t>bioinf</a:t>
+            </a:r>
+            <a:r>
+              <a:rPr lang="en-GB" dirty="0">
+                <a:solidFill>
+                  <a:srgbClr val="FF0000"/>
+                </a:solidFill>
+              </a:rPr>
+              <a:t>/${USER}</a:t>
+            </a:r>
+          </a:p>
+          <a:p>
+            <a:pPr marL="0" indent="0">
+              <a:buNone/>
+            </a:pPr>
+            <a:endParaRPr lang="en-GB" dirty="0">
+              <a:solidFill>
+                <a:srgbClr val="FF0000"/>
+              </a:solidFill>
+            </a:endParaRPr>
+          </a:p>
+          <a:p>
+            <a:r>
+              <a:rPr lang="en-GB" dirty="0"/>
+              <a:t>Make sure you have the software ready to use (this needs to go in your scripts before every actual command)</a:t>
+            </a:r>
+          </a:p>
+          <a:p>
+            <a:pPr marL="0" indent="0">
+              <a:buNone/>
+            </a:pPr>
+            <a:r>
+              <a:rPr lang="en-GB" dirty="0">
+                <a:solidFill>
+                  <a:srgbClr val="FF0000"/>
+                </a:solidFill>
+              </a:rPr>
+              <a:t>export PATH=/gpfs1/scratch/</a:t>
+            </a:r>
+            <a:r>
+              <a:rPr lang="en-GB" dirty="0" err="1">
+                <a:solidFill>
+                  <a:srgbClr val="FF0000"/>
+                </a:solidFill>
+              </a:rPr>
+              <a:t>bioinf</a:t>
+            </a:r>
+            <a:r>
+              <a:rPr lang="en-GB" dirty="0">
+                <a:solidFill>
+                  <a:srgbClr val="FF0000"/>
+                </a:solidFill>
+              </a:rPr>
+              <a:t>/BL4273/</a:t>
+            </a:r>
+            <a:r>
+              <a:rPr lang="en-GB" dirty="0" err="1">
+                <a:solidFill>
+                  <a:srgbClr val="FF0000"/>
+                </a:solidFill>
+              </a:rPr>
+              <a:t>conda</a:t>
             </a:r>
             <a:r>
               <a:rPr lang="en-GB" dirty="0">
@@ -13961,7 +14062,7 @@
                   <a:srgbClr val="FF0000"/>
                 </a:solidFill>
               </a:rPr>
-              <a:t>genome_assembly_workshop</a:t>
+              <a:t>envs</a:t>
             </a:r>
             <a:r>
               <a:rPr lang="en-GB" dirty="0">
@@ -13969,34 +14070,29 @@
                   <a:srgbClr val="FF0000"/>
                 </a:solidFill>
               </a:rPr>
-              <a:t>/ ~/</a:t>
-            </a:r>
-          </a:p>
-          <a:p>
-            <a:endParaRPr lang="en-GB" dirty="0">
-              <a:solidFill>
-                <a:srgbClr val="FF0000"/>
-              </a:solidFill>
-            </a:endParaRPr>
-          </a:p>
-          <a:p>
-            <a:r>
-              <a:rPr lang="en-GB" dirty="0"/>
-              <a:t>Make sure you have the software ready to use (note dot space):</a:t>
-            </a:r>
-          </a:p>
-          <a:p>
-            <a:pPr marL="0" indent="0">
-              <a:buNone/>
-            </a:pPr>
-            <a:r>
-              <a:rPr lang="fr-FR" dirty="0">
+              <a:t>/</a:t>
+            </a:r>
+            <a:r>
+              <a:rPr lang="en-GB" dirty="0" err="1">
                 <a:solidFill>
                   <a:srgbClr val="FF0000"/>
                 </a:solidFill>
               </a:rPr>
-              <a:t>. /shelf/apps/pjt6/conda/etc/profile.d/conda.sh</a:t>
-            </a:r>
+              <a:t>genome_workshop</a:t>
+            </a:r>
+            <a:r>
+              <a:rPr lang="en-GB" dirty="0">
+                <a:solidFill>
+                  <a:srgbClr val="FF0000"/>
+                </a:solidFill>
+              </a:rPr>
+              <a:t>/bin/:$PATH</a:t>
+            </a:r>
+          </a:p>
+          <a:p>
+            <a:pPr marL="0" indent="0">
+              <a:buNone/>
+            </a:pPr>
             <a:endParaRPr lang="en-US" dirty="0">
               <a:solidFill>
                 <a:srgbClr val="FF0000"/>
@@ -14052,7 +14148,23 @@
                   <a:srgbClr val="FF0000"/>
                 </a:solidFill>
               </a:rPr>
-              <a:t>cd $HOME/</a:t>
+              <a:t>cd ~/scratch/</a:t>
+            </a:r>
+            <a:r>
+              <a:rPr lang="en-GB" dirty="0" err="1">
+                <a:solidFill>
+                  <a:srgbClr val="FF0000"/>
+                </a:solidFill>
+              </a:rPr>
+              <a:t>bioinf</a:t>
+            </a:r>
+            <a:r>
+              <a:rPr lang="en-GB" dirty="0">
+                <a:solidFill>
+                  <a:srgbClr val="FF0000"/>
+                </a:solidFill>
+              </a:rPr>
+              <a:t> /</a:t>
             </a:r>
             <a:r>
               <a:rPr lang="en-GB" dirty="0" err="1">
@@ -14085,28 +14197,6 @@
             </a:endParaRPr>
           </a:p>
           <a:p>
-            <a:pPr marL="0" indent="0">
-              <a:buNone/>
-            </a:pPr>
-            <a:r>
-              <a:rPr lang="en-GB" dirty="0"/>
-              <a:t>	</a:t>
-            </a:r>
-            <a:r>
-              <a:rPr lang="en-GB" dirty="0" err="1"/>
-              <a:t>conda</a:t>
-            </a:r>
-            <a:r>
-              <a:rPr lang="en-GB" dirty="0"/>
-              <a:t> activate </a:t>
-            </a:r>
-            <a:r>
-              <a:rPr lang="en-GB" dirty="0" err="1"/>
-              <a:t>unicyclerENV</a:t>
-            </a:r>
-            <a:endParaRPr lang="en-GB" dirty="0"/>
-          </a:p>
-          <a:p>
             <a:pPr lvl="1"/>
             <a:r>
               <a:rPr lang="en-GB" dirty="0" err="1">
@@ -14114,7 +14204,7 @@
                   <a:srgbClr val="FF0000"/>
                 </a:solidFill>
               </a:rPr>
-              <a:t>qsub</a:t>
+              <a:t>sbatch</a:t>
             </a:r>
             <a:r>
               <a:rPr lang="en-GB" dirty="0">
@@ -14122,7 +14212,7 @@
                   <a:srgbClr val="FF0000"/>
                 </a:solidFill>
               </a:rPr>
-              <a:t> -V unicycler.sh</a:t>
+              <a:t> unicycler.sh</a:t>
             </a:r>
           </a:p>
           <a:p>
@@ -14133,7 +14223,7 @@
                   <a:srgbClr val="FF0000"/>
                 </a:solidFill>
               </a:rPr>
-              <a:t>qsub</a:t>
+              <a:t>sbatch</a:t>
             </a:r>
             <a:r>
               <a:rPr lang="en-GB" dirty="0">
@@ -14141,7 +14231,7 @@
                   <a:srgbClr val="FF0000"/>
                 </a:solidFill>
               </a:rPr>
-              <a:t> -V spades.sh</a:t>
+              <a:t>  spades.sh</a:t>
             </a:r>
             <a:endParaRPr lang="en-US" dirty="0">
               <a:solidFill>
@@ -14447,15 +14537,98 @@
         </p:nvSpPr>
         <p:spPr>
           <a:xfrm>
-            <a:off x="600074" y="1325562"/>
-            <a:ext cx="11445745" cy="5151437"/>
+            <a:off x="600074" y="958788"/>
+            <a:ext cx="11445745" cy="5518211"/>
           </a:xfrm>
         </p:spPr>
         <p:txBody>
           <a:bodyPr>
-            <a:normAutofit fontScale="77500" lnSpcReduction="20000"/>
+            <a:normAutofit fontScale="70000" lnSpcReduction="20000"/>
           </a:bodyPr>
           <a:lstStyle/>
+          <a:p>
+            <a:pPr marL="0" indent="0">
+              <a:buNone/>
+            </a:pPr>
+            <a:r>
+              <a:rPr lang="en-GB" dirty="0">
+                <a:solidFill>
+                  <a:srgbClr val="FF0000"/>
+                </a:solidFill>
+              </a:rPr>
+              <a:t>export PATH=/gpfs1/scratch/</a:t>
+            </a:r>
+            <a:r>
+              <a:rPr lang="en-GB" dirty="0" err="1">
+                <a:solidFill>
+                  <a:srgbClr val="FF0000"/>
+                </a:solidFill>
+              </a:rPr>
+              <a:t>bioinf</a:t>
+            </a:r>
+            <a:r>
+              <a:rPr lang="en-GB" dirty="0">
+                <a:solidFill>
+                  <a:srgbClr val="FF0000"/>
+                </a:solidFill>
+              </a:rPr>
+              <a:t>/BL4273/</a:t>
+            </a:r>
+            <a:r>
+              <a:rPr lang="en-GB" dirty="0" err="1">
+                <a:solidFill>
+                  <a:srgbClr val="FF0000"/>
+                </a:solidFill>
+              </a:rPr>
+              <a:t>conda</a:t>
+            </a:r>
+            <a:r>
+              <a:rPr lang="en-GB" dirty="0">
+                <a:solidFill>
+                  <a:srgbClr val="FF0000"/>
+                </a:solidFill>
+              </a:rPr>
+              <a:t>/</a:t>
+            </a:r>
+            <a:r>
+              <a:rPr lang="en-GB" dirty="0" err="1">
+                <a:solidFill>
+                  <a:srgbClr val="FF0000"/>
+                </a:solidFill>
+              </a:rPr>
+              <a:t>envs</a:t>
+            </a:r>
+            <a:r>
+              <a:rPr lang="en-GB" dirty="0">
+                <a:solidFill>
+                  <a:srgbClr val="FF0000"/>
+                </a:solidFill>
+              </a:rPr>
+              <a:t>/</a:t>
+            </a:r>
+            <a:r>
+              <a:rPr lang="en-GB" dirty="0" err="1">
+                <a:solidFill>
+                  <a:srgbClr val="FF0000"/>
+                </a:solidFill>
+              </a:rPr>
+              <a:t>genome_workshop</a:t>
+            </a:r>
+            <a:r>
+              <a:rPr lang="en-GB" dirty="0">
+                <a:solidFill>
+                  <a:srgbClr val="FF0000"/>
+                </a:solidFill>
+              </a:rPr>
+              <a:t>/bin/:$PATH</a:t>
+            </a:r>
+          </a:p>
+          <a:p>
+            <a:pPr marL="0" indent="0">
+              <a:buNone/>
+            </a:pPr>
+            <a:endParaRPr lang="en-GB" dirty="0"/>
+          </a:p>
           <a:p>
             <a:pPr marL="0" indent="0">
               <a:buNone/>
@@ -14491,7 +14664,39 @@
                   <a:srgbClr val="0070C0"/>
                 </a:solidFill>
               </a:rPr>
-              <a:t> $HOME/genome_assembly_workshop/shell_scripts/scaffold_stats.pl -f $HOME/</a:t>
+              <a:t> scaffold_stats.pl -f ~/scratch/</a:t>
+            </a:r>
+            <a:r>
+              <a:rPr lang="en-GB" sz="2200" dirty="0" err="1">
+                <a:solidFill>
+                  <a:srgbClr val="0070C0"/>
+                </a:solidFill>
+              </a:rPr>
+              <a:t>bioinf</a:t>
+            </a:r>
+            <a:r>
+              <a:rPr lang="en-GB" sz="2200" dirty="0">
+                <a:solidFill>
+                  <a:srgbClr val="0070C0"/>
+                </a:solidFill>
+              </a:rPr>
+              <a:t>/${USER}/</a:t>
+            </a:r>
+            <a:r>
+              <a:rPr lang="en-GB" sz="2200" dirty="0" err="1">
+                <a:solidFill>
+                  <a:srgbClr val="0070C0"/>
+                </a:solidFill>
+              </a:rPr>
+              <a:t>genome_assembly_workshop</a:t>
+            </a:r>
+            <a:r>
+              <a:rPr lang="en-GB" sz="2200" dirty="0">
+                <a:solidFill>
+                  <a:srgbClr val="0070C0"/>
+                </a:solidFill>
+              </a:rPr>
+              <a:t>/ </a:t>
             </a:r>
             <a:r>
               <a:rPr lang="en-GB" sz="2200" dirty="0" err="1">
@@ -14604,7 +14809,23 @@
                   <a:srgbClr val="0070C0"/>
                 </a:solidFill>
               </a:rPr>
-              <a:t> $HOME/genome_assembly_workshop/shell_scripts/scaffold_stats.pl -f $HOME/</a:t>
+              <a:t> scaffold_stats.pl - ~/scratch/</a:t>
+            </a:r>
+            <a:r>
+              <a:rPr lang="en-GB" sz="2000" dirty="0" err="1">
+                <a:solidFill>
+                  <a:srgbClr val="0070C0"/>
+                </a:solidFill>
+              </a:rPr>
+              <a:t>bioinf</a:t>
+            </a:r>
+            <a:r>
+              <a:rPr lang="en-GB" sz="2000" dirty="0">
+                <a:solidFill>
+                  <a:srgbClr val="0070C0"/>
+                </a:solidFill>
+              </a:rPr>
+              <a:t>/${USER}/</a:t>
             </a:r>
             <a:r>
               <a:rPr lang="en-GB" sz="2000" dirty="0" err="1">
@@ -14620,7 +14841,7 @@
                   <a:srgbClr val="0070C0"/>
                 </a:solidFill>
               </a:rPr>
-              <a:t>/*/</a:t>
+              <a:t>/ */</a:t>
             </a:r>
             <a:r>
               <a:rPr lang="en-GB" sz="2000" dirty="0" err="1">
@@ -14636,7 +14857,23 @@
                   <a:srgbClr val="0070C0"/>
                 </a:solidFill>
               </a:rPr>
-              <a:t> $HOME/</a:t>
+              <a:t>    ~/scratch/</a:t>
+            </a:r>
+            <a:r>
+              <a:rPr lang="en-GB" sz="2000" dirty="0" err="1">
+                <a:solidFill>
+                  <a:srgbClr val="0070C0"/>
+                </a:solidFill>
+              </a:rPr>
+              <a:t>bioinf</a:t>
+            </a:r>
+            <a:r>
+              <a:rPr lang="en-GB" sz="2000" dirty="0">
+                <a:solidFill>
+                  <a:srgbClr val="0070C0"/>
+                </a:solidFill>
+              </a:rPr>
+              <a:t>/${USER}/</a:t>
             </a:r>
             <a:r>
               <a:rPr lang="en-GB" sz="2000" dirty="0" err="1">
@@ -14652,7 +14889,7 @@
                   <a:srgbClr val="0070C0"/>
                 </a:solidFill>
               </a:rPr>
-              <a:t>/*/</a:t>
+              <a:t>/ */</a:t>
             </a:r>
             <a:r>
               <a:rPr lang="en-GB" sz="2000" dirty="0" err="1">
@@ -14668,7 +14905,7 @@
                   <a:srgbClr val="0070C0"/>
                 </a:solidFill>
               </a:rPr>
-              <a:t> &gt; OUTPUT.txt</a:t>
+              <a:t>    &gt;    OUTPUT.txt</a:t>
             </a:r>
           </a:p>
           <a:p>
@@ -16385,7 +16622,7 @@
             </a:pPr>
             <a:r>
               <a:rPr lang="it-IT" dirty="0"/>
-              <a:t>Create an env with prokka installed</a:t>
+              <a:t>Prokka is installed in our env. </a:t>
             </a:r>
           </a:p>
           <a:p>
@@ -18533,22 +18770,30 @@
           <a:lstStyle/>
           <a:p>
             <a:r>
-              <a:rPr lang="en-GB" dirty="0"/>
-              <a:t>cd $HOME/</a:t>
-            </a:r>
-            <a:r>
-              <a:rPr lang="en-GB" dirty="0" err="1"/>
+              <a:rPr lang="en-GB" sz="2400" dirty="0"/>
+              <a:t>cd ~/scratch/</a:t>
+            </a:r>
+            <a:r>
+              <a:rPr lang="en-GB" sz="2400" dirty="0" err="1"/>
+              <a:t>bioinf</a:t>
+            </a:r>
+            <a:r>
+              <a:rPr lang="en-GB" sz="2400" dirty="0"/>
+              <a:t>/${USER} /</a:t>
+            </a:r>
+            <a:r>
+              <a:rPr lang="en-GB" sz="2400" dirty="0" err="1"/>
               <a:t>genome_assembly_workshop</a:t>
             </a:r>
             <a:r>
-              <a:rPr lang="en-GB" dirty="0"/>
+              <a:rPr lang="en-GB" sz="2400" dirty="0"/>
               <a:t>/</a:t>
             </a:r>
             <a:r>
-              <a:rPr lang="en-GB" dirty="0" err="1"/>
+              <a:rPr lang="en-GB" sz="2400" dirty="0" err="1"/>
               <a:t>unicycler_prerun</a:t>
             </a:r>
-            <a:endParaRPr lang="en-GB" dirty="0"/>
+            <a:endParaRPr lang="en-GB" sz="2400" dirty="0"/>
           </a:p>
           <a:p>
             <a:pPr marL="0" indent="0">
@@ -18560,68 +18805,7 @@
                   <a:srgbClr val="FF0000"/>
                 </a:solidFill>
               </a:rPr>
-              <a:t> 	</a:t>
-            </a:r>
-            <a:r>
-              <a:rPr lang="en-GB" sz="2400" dirty="0" err="1">
-                <a:solidFill>
-                  <a:srgbClr val="FF0000"/>
-                </a:solidFill>
-              </a:rPr>
-              <a:t>conda</a:t>
-            </a:r>
-            <a:r>
-              <a:rPr lang="en-GB" sz="2400" dirty="0">
-                <a:solidFill>
-                  <a:srgbClr val="FF0000"/>
-                </a:solidFill>
-              </a:rPr>
-              <a:t> activate python36</a:t>
-            </a:r>
-          </a:p>
-          <a:p>
-            <a:pPr marL="0" indent="0">
-              <a:buNone/>
-            </a:pPr>
-            <a:r>
-              <a:rPr lang="en-GB" sz="2400" dirty="0">
-                <a:solidFill>
-                  <a:srgbClr val="FF0000"/>
-                </a:solidFill>
-              </a:rPr>
-              <a:t> 	 /shelf/apps/pjt6/</a:t>
-            </a:r>
-            <a:r>
-              <a:rPr lang="en-GB" sz="2400" dirty="0" err="1">
-                <a:solidFill>
-                  <a:srgbClr val="FF0000"/>
-                </a:solidFill>
-              </a:rPr>
-              <a:t>conda</a:t>
-            </a:r>
-            <a:r>
-              <a:rPr lang="en-GB" sz="2400" dirty="0">
-                <a:solidFill>
-                  <a:srgbClr val="FF0000"/>
-                </a:solidFill>
-              </a:rPr>
-              <a:t>/</a:t>
-            </a:r>
-            <a:r>
-              <a:rPr lang="en-GB" sz="2400" dirty="0" err="1">
-                <a:solidFill>
-                  <a:srgbClr val="FF0000"/>
-                </a:solidFill>
-              </a:rPr>
-              <a:t>envs</a:t>
-            </a:r>
-            <a:r>
-              <a:rPr lang="en-GB" sz="2400" dirty="0">
-                <a:solidFill>
-                  <a:srgbClr val="FF0000"/>
-                </a:solidFill>
-              </a:rPr>
-              <a:t>/python36/bin/python Genome_diagram.py</a:t>
+              <a:t> 	 python3 Genome_diagram.py</a:t>
             </a:r>
           </a:p>
           <a:p>
@@ -18636,32 +18820,6 @@
               </a:rPr>
               <a:t>	</a:t>
             </a:r>
-            <a:r>
-              <a:rPr lang="en-GB" dirty="0" err="1">
-                <a:solidFill>
-                  <a:srgbClr val="FF0000"/>
-                </a:solidFill>
-              </a:rPr>
-              <a:t>conda</a:t>
-            </a:r>
-            <a:r>
-              <a:rPr lang="en-GB" dirty="0">
-                <a:solidFill>
-                  <a:srgbClr val="FF0000"/>
-                </a:solidFill>
-              </a:rPr>
-              <a:t> deactivate</a:t>
-            </a:r>
-          </a:p>
-          <a:p>
-            <a:pPr marL="0" indent="0">
-              <a:buNone/>
-            </a:pPr>
-            <a:endParaRPr lang="en-GB" dirty="0">
-              <a:solidFill>
-                <a:srgbClr val="FF0000"/>
-              </a:solidFill>
-            </a:endParaRPr>
           </a:p>
           <a:p>
             <a:pPr marL="0" indent="0">
@@ -20706,7 +20864,15 @@
           <a:p>
             <a:r>
               <a:rPr lang="en-GB" sz="2400" dirty="0"/>
-              <a:t>This is not the best approach, but a fast and resource savvy approach for training purposes. </a:t>
+              <a:t>This is not the </a:t>
+            </a:r>
+            <a:r>
+              <a:rPr lang="en-GB" sz="2400" u="sng" dirty="0"/>
+              <a:t>best approach</a:t>
+            </a:r>
+            <a:r>
+              <a:rPr lang="en-GB" sz="2400" dirty="0"/>
+              <a:t>, but a fast and resource savvy approach for training purposes. </a:t>
             </a:r>
           </a:p>
           <a:p>
@@ -22039,12 +22205,122 @@
           </a:p>
         </p:txBody>
       </p:sp>
+      <p:sp>
+        <p:nvSpPr>
+          <p:cNvPr id="6" name="TextBox 5">
+            <a:extLst>
+              <a:ext uri="{FF2B5EF4-FFF2-40B4-BE49-F238E27FC236}">
+                <a16:creationId xmlns:a16="http://schemas.microsoft.com/office/drawing/2014/main" id="{F3A36EDA-EFDE-4826-9A5C-563B5EBD103E}"/>
+              </a:ext>
+            </a:extLst>
+          </p:cNvPr>
+          <p:cNvSpPr txBox="1"/>
+          <p:nvPr/>
+        </p:nvSpPr>
+        <p:spPr>
+          <a:xfrm>
+            <a:off x="252298" y="3387622"/>
+            <a:ext cx="3982818" cy="1569660"/>
+          </a:xfrm>
+          <a:prstGeom prst="rect">
+            <a:avLst/>
+          </a:prstGeom>
+          <a:noFill/>
+        </p:spPr>
+        <p:txBody>
+          <a:bodyPr wrap="square" rtlCol="0">
+            <a:spAutoFit/>
+          </a:bodyPr>
+          <a:lstStyle/>
+          <a:p>
+            <a:r>
+              <a:rPr lang="en-GB" sz="2400" b="1" dirty="0"/>
+              <a:t>Blast database location</a:t>
+            </a:r>
+          </a:p>
+          <a:p>
+            <a:r>
+              <a:rPr lang="en-GB" sz="2400" dirty="0" err="1"/>
+              <a:t>GeneBank</a:t>
+            </a:r>
+            <a:r>
+              <a:rPr lang="en-GB" sz="2400" dirty="0"/>
+              <a:t>: </a:t>
+            </a:r>
+            <a:r>
+              <a:rPr lang="en-GB" sz="2400" dirty="0" err="1"/>
+              <a:t>nr</a:t>
+            </a:r>
+            <a:r>
+              <a:rPr lang="en-GB" sz="2400" dirty="0"/>
+              <a:t>, </a:t>
+            </a:r>
+            <a:r>
+              <a:rPr lang="en-GB" sz="2400" dirty="0" err="1"/>
+              <a:t>nt</a:t>
+            </a:r>
+            <a:r>
+              <a:rPr lang="en-GB" sz="2400" dirty="0"/>
+              <a:t>, </a:t>
+            </a:r>
+            <a:r>
+              <a:rPr lang="en-GB" sz="2400" dirty="0" err="1"/>
+              <a:t>swissprot</a:t>
+            </a:r>
+            <a:r>
+              <a:rPr lang="en-GB" sz="2400" dirty="0"/>
+              <a:t>, human and these as Diamond databases</a:t>
+            </a:r>
+          </a:p>
+        </p:txBody>
+      </p:sp>
+      <p:cxnSp>
+        <p:nvCxnSpPr>
+          <p:cNvPr id="8" name="Straight Arrow Connector 7">
+            <a:extLst>
+              <a:ext uri="{FF2B5EF4-FFF2-40B4-BE49-F238E27FC236}">
+                <a16:creationId xmlns:a16="http://schemas.microsoft.com/office/drawing/2014/main" id="{DAB0A647-C22B-426F-85EE-1D73191E28E5}"/>
+              </a:ext>
+            </a:extLst>
+          </p:cNvPr>
+          <p:cNvCxnSpPr>
+            <a:cxnSpLocks/>
+          </p:cNvCxnSpPr>
+          <p:nvPr/>
+        </p:nvCxnSpPr>
+        <p:spPr>
+          <a:xfrm>
+            <a:off x="3388376" y="3719652"/>
+            <a:ext cx="2707624" cy="550507"/>
+          </a:xfrm>
+          <a:prstGeom prst="straightConnector1">
+            <a:avLst/>
+          </a:prstGeom>
+          <a:ln>
+            <a:tailEnd type="triangle"/>
+          </a:ln>
+        </p:spPr>
+        <p:style>
+          <a:lnRef idx="1">
+            <a:schemeClr val="accent1"/>
+          </a:lnRef>
+          <a:fillRef idx="0">
+            <a:schemeClr val="accent1"/>
+          </a:fillRef>
+          <a:effectRef idx="0">
+            <a:schemeClr val="accent1"/>
+          </a:effectRef>
+          <a:fontRef idx="minor">
+            <a:schemeClr val="tx1"/>
+          </a:fontRef>
+        </p:style>
+      </p:cxnSp>
       <p:pic>
         <p:nvPicPr>
-          <p:cNvPr id="5" name="Picture 4">
-            <a:extLst>
-              <a:ext uri="{FF2B5EF4-FFF2-40B4-BE49-F238E27FC236}">
-                <a16:creationId xmlns:a16="http://schemas.microsoft.com/office/drawing/2014/main" id="{FE8E2186-C7EE-4ED1-98DE-FB925DC072F0}"/>
+          <p:cNvPr id="9" name="Picture 8">
+            <a:extLst>
+              <a:ext uri="{FF2B5EF4-FFF2-40B4-BE49-F238E27FC236}">
+                <a16:creationId xmlns:a16="http://schemas.microsoft.com/office/drawing/2014/main" id="{FF3AC716-1FD4-6CFA-61AF-DE2FE2EE37B4}"/>
               </a:ext>
             </a:extLst>
           </p:cNvPr>
@@ -22054,136 +22330,20 @@
           <p:nvPr/>
         </p:nvPicPr>
         <p:blipFill rotWithShape="1">
-          <a:blip r:embed="rId3">
-            <a:extLst>
-              <a:ext uri="{28A0092B-C50C-407E-A947-70E740481C1C}">
-                <a14:useLocalDpi xmlns:a14="http://schemas.microsoft.com/office/drawing/2010/main" val="0"/>
-              </a:ext>
-            </a:extLst>
-          </a:blip>
-          <a:srcRect/>
+          <a:blip r:embed="rId3"/>
+          <a:srcRect l="70995" t="19903" r="8616" b="31941"/>
           <a:stretch/>
         </p:blipFill>
         <p:spPr>
           <a:xfrm>
-            <a:off x="6096000" y="2677999"/>
-            <a:ext cx="6096000" cy="4164677"/>
+            <a:off x="6151203" y="2002961"/>
+            <a:ext cx="6550403" cy="4351337"/>
           </a:xfrm>
           <a:prstGeom prst="rect">
             <a:avLst/>
           </a:prstGeom>
         </p:spPr>
       </p:pic>
-      <p:sp>
-        <p:nvSpPr>
-          <p:cNvPr id="6" name="TextBox 5">
-            <a:extLst>
-              <a:ext uri="{FF2B5EF4-FFF2-40B4-BE49-F238E27FC236}">
-                <a16:creationId xmlns:a16="http://schemas.microsoft.com/office/drawing/2014/main" id="{F3A36EDA-EFDE-4826-9A5C-563B5EBD103E}"/>
-              </a:ext>
-            </a:extLst>
-          </p:cNvPr>
-          <p:cNvSpPr txBox="1"/>
-          <p:nvPr/>
-        </p:nvSpPr>
-        <p:spPr>
-          <a:xfrm>
-            <a:off x="252298" y="3387622"/>
-            <a:ext cx="3982818" cy="1569660"/>
-          </a:xfrm>
-          <a:prstGeom prst="rect">
-            <a:avLst/>
-          </a:prstGeom>
-          <a:noFill/>
-        </p:spPr>
-        <p:txBody>
-          <a:bodyPr wrap="square" rtlCol="0">
-            <a:spAutoFit/>
-          </a:bodyPr>
-          <a:lstStyle/>
-          <a:p>
-            <a:r>
-              <a:rPr lang="en-GB" sz="2400" b="1" dirty="0"/>
-              <a:t>Blast database location</a:t>
-            </a:r>
-          </a:p>
-          <a:p>
-            <a:r>
-              <a:rPr lang="en-GB" sz="2400" dirty="0" err="1"/>
-              <a:t>GeneBank</a:t>
-            </a:r>
-            <a:r>
-              <a:rPr lang="en-GB" sz="2400" dirty="0"/>
-              <a:t>: </a:t>
-            </a:r>
-            <a:r>
-              <a:rPr lang="en-GB" sz="2400" dirty="0" err="1"/>
-              <a:t>nr</a:t>
-            </a:r>
-            <a:r>
-              <a:rPr lang="en-GB" sz="2400" dirty="0"/>
-              <a:t>, </a:t>
-            </a:r>
-            <a:r>
-              <a:rPr lang="en-GB" sz="2400" dirty="0" err="1"/>
-              <a:t>nt</a:t>
-            </a:r>
-            <a:r>
-              <a:rPr lang="en-GB" sz="2400" dirty="0"/>
-              <a:t>, </a:t>
-            </a:r>
-            <a:r>
-              <a:rPr lang="en-GB" sz="2400" dirty="0" err="1"/>
-              <a:t>swissprot</a:t>
-            </a:r>
-            <a:r>
-              <a:rPr lang="en-GB" sz="2400" dirty="0"/>
-              <a:t>, human and these as Diamond databases</a:t>
-            </a:r>
-          </a:p>
-        </p:txBody>
-      </p:sp>
-      <p:cxnSp>
-        <p:nvCxnSpPr>
-          <p:cNvPr id="8" name="Straight Arrow Connector 7">
-            <a:extLst>
-              <a:ext uri="{FF2B5EF4-FFF2-40B4-BE49-F238E27FC236}">
-                <a16:creationId xmlns:a16="http://schemas.microsoft.com/office/drawing/2014/main" id="{DAB0A647-C22B-426F-85EE-1D73191E28E5}"/>
-              </a:ext>
-            </a:extLst>
-          </p:cNvPr>
-          <p:cNvCxnSpPr>
-            <a:cxnSpLocks/>
-          </p:cNvCxnSpPr>
-          <p:nvPr/>
-        </p:nvCxnSpPr>
-        <p:spPr>
-          <a:xfrm>
-            <a:off x="3388376" y="3719652"/>
-            <a:ext cx="2627413" cy="1301527"/>
-          </a:xfrm>
-          <a:prstGeom prst="straightConnector1">
-            <a:avLst/>
-          </a:prstGeom>
-          <a:ln>
-            <a:tailEnd type="triangle"/>
-          </a:ln>
-        </p:spPr>
-        <p:style>
-          <a:lnRef idx="1">
-            <a:schemeClr val="accent1"/>
-          </a:lnRef>
-          <a:fillRef idx="0">
-            <a:schemeClr val="accent1"/>
-          </a:fillRef>
-          <a:effectRef idx="0">
-            <a:schemeClr val="accent1"/>
-          </a:effectRef>
-          <a:fontRef idx="minor">
-            <a:schemeClr val="tx1"/>
-          </a:fontRef>
-        </p:style>
-      </p:cxnSp>
     </p:spTree>
     <p:extLst>
       <p:ext uri="{BB962C8B-B14F-4D97-AF65-F5344CB8AC3E}">
@@ -22390,41 +22550,6 @@
           </a:p>
         </p:txBody>
       </p:sp>
-      <p:pic>
-        <p:nvPicPr>
-          <p:cNvPr id="5" name="Picture 4">
-            <a:extLst>
-              <a:ext uri="{FF2B5EF4-FFF2-40B4-BE49-F238E27FC236}">
-                <a16:creationId xmlns:a16="http://schemas.microsoft.com/office/drawing/2014/main" id="{FE8E2186-C7EE-4ED1-98DE-FB925DC072F0}"/>
-              </a:ext>
-            </a:extLst>
-          </p:cNvPr>
-          <p:cNvPicPr>
-            <a:picLocks noChangeAspect="1"/>
-          </p:cNvPicPr>
-          <p:nvPr/>
-        </p:nvPicPr>
-        <p:blipFill rotWithShape="1">
-          <a:blip r:embed="rId3">
-            <a:extLst>
-              <a:ext uri="{28A0092B-C50C-407E-A947-70E740481C1C}">
-                <a14:useLocalDpi xmlns:a14="http://schemas.microsoft.com/office/drawing/2010/main" val="0"/>
-              </a:ext>
-            </a:extLst>
-          </a:blip>
-          <a:srcRect/>
-          <a:stretch/>
-        </p:blipFill>
-        <p:spPr>
-          <a:xfrm>
-            <a:off x="6096000" y="2677999"/>
-            <a:ext cx="6096000" cy="4164677"/>
-          </a:xfrm>
-          <a:prstGeom prst="rect">
-            <a:avLst/>
-          </a:prstGeom>
-        </p:spPr>
-      </p:pic>
       <p:sp>
         <p:nvSpPr>
           <p:cNvPr id="6" name="TextBox 5">
@@ -22440,7 +22565,7 @@
         <p:spPr>
           <a:xfrm>
             <a:off x="1246909" y="4178630"/>
-            <a:ext cx="3333404" cy="1938992"/>
+            <a:ext cx="3333404" cy="1569660"/>
           </a:xfrm>
           <a:prstGeom prst="rect">
             <a:avLst/>
@@ -22461,12 +22586,6 @@
           <a:p>
             <a:r>
               <a:rPr lang="en-GB" sz="2400" dirty="0"/>
-              <a:t>Blast software</a:t>
-            </a:r>
-          </a:p>
-          <a:p>
-            <a:r>
-              <a:rPr lang="en-GB" sz="2400" dirty="0"/>
               <a:t>Get a snippet from the assembly</a:t>
             </a:r>
           </a:p>
@@ -22482,84 +22601,6 @@
           </a:p>
         </p:txBody>
       </p:sp>
-      <p:cxnSp>
-        <p:nvCxnSpPr>
-          <p:cNvPr id="8" name="Straight Arrow Connector 7">
-            <a:extLst>
-              <a:ext uri="{FF2B5EF4-FFF2-40B4-BE49-F238E27FC236}">
-                <a16:creationId xmlns:a16="http://schemas.microsoft.com/office/drawing/2014/main" id="{DAB0A647-C22B-426F-85EE-1D73191E28E5}"/>
-              </a:ext>
-            </a:extLst>
-          </p:cNvPr>
-          <p:cNvCxnSpPr/>
-          <p:nvPr/>
-        </p:nvCxnSpPr>
-        <p:spPr>
-          <a:xfrm>
-            <a:off x="4289367" y="4405745"/>
-            <a:ext cx="1806633" cy="590204"/>
-          </a:xfrm>
-          <a:prstGeom prst="straightConnector1">
-            <a:avLst/>
-          </a:prstGeom>
-          <a:ln>
-            <a:tailEnd type="triangle"/>
-          </a:ln>
-        </p:spPr>
-        <p:style>
-          <a:lnRef idx="1">
-            <a:schemeClr val="accent1"/>
-          </a:lnRef>
-          <a:fillRef idx="0">
-            <a:schemeClr val="accent1"/>
-          </a:fillRef>
-          <a:effectRef idx="0">
-            <a:schemeClr val="accent1"/>
-          </a:effectRef>
-          <a:fontRef idx="minor">
-            <a:schemeClr val="tx1"/>
-          </a:fontRef>
-        </p:style>
-      </p:cxnSp>
-      <p:cxnSp>
-        <p:nvCxnSpPr>
-          <p:cNvPr id="10" name="Straight Arrow Connector 9">
-            <a:extLst>
-              <a:ext uri="{FF2B5EF4-FFF2-40B4-BE49-F238E27FC236}">
-                <a16:creationId xmlns:a16="http://schemas.microsoft.com/office/drawing/2014/main" id="{32A734DC-4875-404B-8FFB-EA0C42615733}"/>
-              </a:ext>
-            </a:extLst>
-          </p:cNvPr>
-          <p:cNvCxnSpPr/>
-          <p:nvPr/>
-        </p:nvCxnSpPr>
-        <p:spPr>
-          <a:xfrm>
-            <a:off x="3283527" y="4760337"/>
-            <a:ext cx="2812473" cy="726063"/>
-          </a:xfrm>
-          <a:prstGeom prst="straightConnector1">
-            <a:avLst/>
-          </a:prstGeom>
-          <a:ln>
-            <a:tailEnd type="triangle"/>
-          </a:ln>
-        </p:spPr>
-        <p:style>
-          <a:lnRef idx="1">
-            <a:schemeClr val="accent1"/>
-          </a:lnRef>
-          <a:fillRef idx="0">
-            <a:schemeClr val="accent1"/>
-          </a:fillRef>
-          <a:effectRef idx="0">
-            <a:schemeClr val="accent1"/>
-          </a:effectRef>
-          <a:fontRef idx="minor">
-            <a:schemeClr val="tx1"/>
-          </a:fontRef>
-        </p:style>
-      </p:cxnSp>
       <p:cxnSp>
         <p:nvCxnSpPr>
           <p:cNvPr id="12" name="Straight Arrow Connector 11">
@@ -22569,13 +22610,15 @@
               </a:ext>
             </a:extLst>
           </p:cNvPr>
-          <p:cNvCxnSpPr/>
+          <p:cNvCxnSpPr>
+            <a:cxnSpLocks/>
+          </p:cNvCxnSpPr>
           <p:nvPr/>
         </p:nvCxnSpPr>
         <p:spPr>
           <a:xfrm>
-            <a:off x="3208713" y="5394960"/>
-            <a:ext cx="2887287" cy="462440"/>
+            <a:off x="4218697" y="4847208"/>
+            <a:ext cx="1988141" cy="375568"/>
           </a:xfrm>
           <a:prstGeom prst="straightConnector1">
             <a:avLst/>
@@ -22613,7 +22656,7 @@
         </p:nvCxnSpPr>
         <p:spPr>
           <a:xfrm>
-            <a:off x="3516284" y="5857400"/>
+            <a:off x="3627120" y="5564069"/>
             <a:ext cx="2468880" cy="443647"/>
           </a:xfrm>
           <a:prstGeom prst="straightConnector1">
@@ -22638,6 +22681,35 @@
           </a:fontRef>
         </p:style>
       </p:cxnSp>
+      <p:pic>
+        <p:nvPicPr>
+          <p:cNvPr id="13" name="Picture 12">
+            <a:extLst>
+              <a:ext uri="{FF2B5EF4-FFF2-40B4-BE49-F238E27FC236}">
+                <a16:creationId xmlns:a16="http://schemas.microsoft.com/office/drawing/2014/main" id="{8E7420D3-D150-59B8-5F58-8A334356F78E}"/>
+              </a:ext>
+            </a:extLst>
+          </p:cNvPr>
+          <p:cNvPicPr>
+            <a:picLocks noChangeAspect="1"/>
+          </p:cNvPicPr>
+          <p:nvPr/>
+        </p:nvPicPr>
+        <p:blipFill rotWithShape="1">
+          <a:blip r:embed="rId3"/>
+          <a:srcRect l="70995" t="19903" r="8616" b="31941"/>
+          <a:stretch/>
+        </p:blipFill>
+        <p:spPr>
+          <a:xfrm>
+            <a:off x="6206838" y="2584668"/>
+            <a:ext cx="6550403" cy="4351337"/>
+          </a:xfrm>
+          <a:prstGeom prst="rect">
+            <a:avLst/>
+          </a:prstGeom>
+        </p:spPr>
+      </p:pic>
     </p:spTree>
     <p:extLst>
       <p:ext uri="{BB962C8B-B14F-4D97-AF65-F5344CB8AC3E}">
@@ -23647,6 +23719,34 @@
             </a:r>
           </a:p>
           <a:p>
+            <a:r>
+              <a:rPr lang="en-GB" sz="2000" b="1" dirty="0"/>
+              <a:t>Essential reading</a:t>
+            </a:r>
+            <a:r>
+              <a:rPr lang="en-GB" sz="2000" dirty="0"/>
+              <a:t>, </a:t>
+            </a:r>
+            <a:r>
+              <a:rPr lang="en-GB" sz="2000" dirty="0" err="1"/>
+              <a:t>unicylcer</a:t>
+            </a:r>
+            <a:r>
+              <a:rPr lang="en-GB" sz="2000" dirty="0"/>
+              <a:t>: </a:t>
+            </a:r>
+            <a:r>
+              <a:rPr lang="en-GB" sz="2000" dirty="0">
+                <a:hlinkClick r:id="rId6"/>
+              </a:rPr>
+              <a:t>https://github.com/rrwick/Unicycler</a:t>
+            </a:r>
+            <a:r>
+              <a:rPr lang="en-GB" sz="2000" dirty="0"/>
+              <a:t> </a:t>
+            </a:r>
+          </a:p>
+          <a:p>
             <a:pPr marL="0" indent="0">
               <a:buNone/>
             </a:pPr>
@@ -27577,7 +27677,7 @@
                   <a:srgbClr val="0070C0"/>
                 </a:solidFill>
               </a:rPr>
-              <a:t>qsub</a:t>
+              <a:t>sbatch</a:t>
             </a:r>
             <a:r>
               <a:rPr lang="en-GB" dirty="0">

--- a/powerpoint/6_assembly.pptx
+++ b/powerpoint/6_assembly.pptx
@@ -295,7 +295,7 @@
           <a:p>
             <a:fld id="{D5B3EF36-47C2-4AA3-A387-F39AC0889363}" type="datetimeFigureOut">
               <a:rPr lang="en-GB" smtClean="0"/>
-              <a:t>21/09/2022</a:t>
+              <a:t>22/09/2022</a:t>
             </a:fld>
             <a:endParaRPr lang="en-GB"/>
           </a:p>
@@ -495,7 +495,7 @@
           <a:p>
             <a:fld id="{D5B3EF36-47C2-4AA3-A387-F39AC0889363}" type="datetimeFigureOut">
               <a:rPr lang="en-GB" smtClean="0"/>
-              <a:t>21/09/2022</a:t>
+              <a:t>22/09/2022</a:t>
             </a:fld>
             <a:endParaRPr lang="en-GB"/>
           </a:p>
@@ -705,7 +705,7 @@
           <a:p>
             <a:fld id="{D5B3EF36-47C2-4AA3-A387-F39AC0889363}" type="datetimeFigureOut">
               <a:rPr lang="en-GB" smtClean="0"/>
-              <a:t>21/09/2022</a:t>
+              <a:t>22/09/2022</a:t>
             </a:fld>
             <a:endParaRPr lang="en-GB"/>
           </a:p>
@@ -905,7 +905,7 @@
           <a:p>
             <a:fld id="{D5B3EF36-47C2-4AA3-A387-F39AC0889363}" type="datetimeFigureOut">
               <a:rPr lang="en-GB" smtClean="0"/>
-              <a:t>21/09/2022</a:t>
+              <a:t>22/09/2022</a:t>
             </a:fld>
             <a:endParaRPr lang="en-GB"/>
           </a:p>
@@ -1181,7 +1181,7 @@
           <a:p>
             <a:fld id="{D5B3EF36-47C2-4AA3-A387-F39AC0889363}" type="datetimeFigureOut">
               <a:rPr lang="en-GB" smtClean="0"/>
-              <a:t>21/09/2022</a:t>
+              <a:t>22/09/2022</a:t>
             </a:fld>
             <a:endParaRPr lang="en-GB"/>
           </a:p>
@@ -1449,7 +1449,7 @@
           <a:p>
             <a:fld id="{D5B3EF36-47C2-4AA3-A387-F39AC0889363}" type="datetimeFigureOut">
               <a:rPr lang="en-GB" smtClean="0"/>
-              <a:t>21/09/2022</a:t>
+              <a:t>22/09/2022</a:t>
             </a:fld>
             <a:endParaRPr lang="en-GB"/>
           </a:p>
@@ -1864,7 +1864,7 @@
           <a:p>
             <a:fld id="{D5B3EF36-47C2-4AA3-A387-F39AC0889363}" type="datetimeFigureOut">
               <a:rPr lang="en-GB" smtClean="0"/>
-              <a:t>21/09/2022</a:t>
+              <a:t>22/09/2022</a:t>
             </a:fld>
             <a:endParaRPr lang="en-GB"/>
           </a:p>
@@ -2006,7 +2006,7 @@
           <a:p>
             <a:fld id="{D5B3EF36-47C2-4AA3-A387-F39AC0889363}" type="datetimeFigureOut">
               <a:rPr lang="en-GB" smtClean="0"/>
-              <a:t>21/09/2022</a:t>
+              <a:t>22/09/2022</a:t>
             </a:fld>
             <a:endParaRPr lang="en-GB"/>
           </a:p>
@@ -2119,7 +2119,7 @@
           <a:p>
             <a:fld id="{D5B3EF36-47C2-4AA3-A387-F39AC0889363}" type="datetimeFigureOut">
               <a:rPr lang="en-GB" smtClean="0"/>
-              <a:t>21/09/2022</a:t>
+              <a:t>22/09/2022</a:t>
             </a:fld>
             <a:endParaRPr lang="en-GB"/>
           </a:p>
@@ -2432,7 +2432,7 @@
           <a:p>
             <a:fld id="{D5B3EF36-47C2-4AA3-A387-F39AC0889363}" type="datetimeFigureOut">
               <a:rPr lang="en-GB" smtClean="0"/>
-              <a:t>21/09/2022</a:t>
+              <a:t>22/09/2022</a:t>
             </a:fld>
             <a:endParaRPr lang="en-GB"/>
           </a:p>
@@ -2721,7 +2721,7 @@
           <a:p>
             <a:fld id="{D5B3EF36-47C2-4AA3-A387-F39AC0889363}" type="datetimeFigureOut">
               <a:rPr lang="en-GB" smtClean="0"/>
-              <a:t>21/09/2022</a:t>
+              <a:t>22/09/2022</a:t>
             </a:fld>
             <a:endParaRPr lang="en-GB"/>
           </a:p>
@@ -2964,7 +2964,7 @@
           <a:p>
             <a:fld id="{D5B3EF36-47C2-4AA3-A387-F39AC0889363}" type="datetimeFigureOut">
               <a:rPr lang="en-GB" smtClean="0"/>
-              <a:t>21/09/2022</a:t>
+              <a:t>22/09/2022</a:t>
             </a:fld>
             <a:endParaRPr lang="en-GB"/>
           </a:p>
@@ -18771,15 +18771,11 @@
           <a:p>
             <a:r>
               <a:rPr lang="en-GB" sz="2400" dirty="0"/>
-              <a:t>cd ~/scratch/</a:t>
-            </a:r>
-            <a:r>
-              <a:rPr lang="en-GB" sz="2400" dirty="0" err="1"/>
-              <a:t>bioinf</a:t>
-            </a:r>
-            <a:r>
-              <a:rPr lang="en-GB" sz="2400" dirty="0"/>
-              <a:t>/${USER} /</a:t>
+              <a:t>cd </a:t>
+            </a:r>
+            <a:r>
+              <a:rPr lang="en-GB" sz="2400"/>
+              <a:t>~/scratch/</a:t>
             </a:r>
             <a:r>
               <a:rPr lang="en-GB" sz="2400" dirty="0" err="1"/>

--- a/powerpoint/6_assembly.pptx
+++ b/powerpoint/6_assembly.pptx
@@ -12141,7 +12141,7 @@
                   <a:srgbClr val="0070C0"/>
                 </a:solidFill>
               </a:rPr>
-              <a:t>qsub</a:t>
+              <a:t>sbatch</a:t>
             </a:r>
             <a:r>
               <a:rPr lang="en-GB" sz="2000" dirty="0">
@@ -12149,7 +12149,7 @@
                   <a:srgbClr val="0070C0"/>
                 </a:solidFill>
               </a:rPr>
-              <a:t> -V assembly.sh</a:t>
+              <a:t> assembly.sh</a:t>
             </a:r>
           </a:p>
         </p:txBody>
@@ -14543,7 +14543,7 @@
         </p:spPr>
         <p:txBody>
           <a:bodyPr>
-            <a:normAutofit fontScale="70000" lnSpcReduction="20000"/>
+            <a:normAutofit fontScale="77500" lnSpcReduction="20000"/>
           </a:bodyPr>
           <a:lstStyle/>
           <a:p>
@@ -14665,22 +14665,6 @@
                 </a:solidFill>
               </a:rPr>
               <a:t> scaffold_stats.pl -f ~/scratch/</a:t>
-            </a:r>
-            <a:r>
-              <a:rPr lang="en-GB" sz="2200" dirty="0" err="1">
-                <a:solidFill>
-                  <a:srgbClr val="0070C0"/>
-                </a:solidFill>
-              </a:rPr>
-              <a:t>bioinf</a:t>
-            </a:r>
-            <a:r>
-              <a:rPr lang="en-GB" sz="2200" dirty="0">
-                <a:solidFill>
-                  <a:srgbClr val="0070C0"/>
-                </a:solidFill>
-              </a:rPr>
-              <a:t>/${USER}/</a:t>
             </a:r>
             <a:r>
               <a:rPr lang="en-GB" sz="2200" dirty="0" err="1">
@@ -14817,22 +14801,6 @@
                   <a:srgbClr val="0070C0"/>
                 </a:solidFill>
               </a:rPr>
-              <a:t>bioinf</a:t>
-            </a:r>
-            <a:r>
-              <a:rPr lang="en-GB" sz="2000" dirty="0">
-                <a:solidFill>
-                  <a:srgbClr val="0070C0"/>
-                </a:solidFill>
-              </a:rPr>
-              <a:t>/${USER}/</a:t>
-            </a:r>
-            <a:r>
-              <a:rPr lang="en-GB" sz="2000" dirty="0" err="1">
-                <a:solidFill>
-                  <a:srgbClr val="0070C0"/>
-                </a:solidFill>
-              </a:rPr>
               <a:t>genome_assembly_workshop</a:t>
             </a:r>
             <a:r>
@@ -14857,23 +14825,15 @@
                   <a:srgbClr val="0070C0"/>
                 </a:solidFill>
               </a:rPr>
-              <a:t>    ~/scratch/</a:t>
-            </a:r>
-            <a:r>
-              <a:rPr lang="en-GB" sz="2000" dirty="0" err="1">
+              <a:t>    </a:t>
+            </a:r>
+            <a:r>
+              <a:rPr lang="en-GB" sz="2000">
                 <a:solidFill>
                   <a:srgbClr val="0070C0"/>
                 </a:solidFill>
               </a:rPr>
-              <a:t>bioinf</a:t>
-            </a:r>
-            <a:r>
-              <a:rPr lang="en-GB" sz="2000" dirty="0">
-                <a:solidFill>
-                  <a:srgbClr val="0070C0"/>
-                </a:solidFill>
-              </a:rPr>
-              <a:t>/${USER}/</a:t>
+              <a:t>~/scratch/</a:t>
             </a:r>
             <a:r>
               <a:rPr lang="en-GB" sz="2000" dirty="0" err="1">
